--- a/slides.pptx
+++ b/slides.pptx
@@ -6,10 +6,10 @@
     <p:sldMasterId id="2147483669" r:id="rId5"/>
   </p:sldMasterIdLst>
   <p:notesMasterIdLst>
-    <p:notesMasterId r:id="rId61"/>
+    <p:notesMasterId r:id="rId63"/>
   </p:notesMasterIdLst>
   <p:handoutMasterIdLst>
-    <p:handoutMasterId r:id="rId62"/>
+    <p:handoutMasterId r:id="rId64"/>
   </p:handoutMasterIdLst>
   <p:sldIdLst>
     <p:sldId id="256" r:id="rId6"/>
@@ -49,24 +49,26 @@
     <p:sldId id="277" r:id="rId40"/>
     <p:sldId id="287" r:id="rId41"/>
     <p:sldId id="289" r:id="rId42"/>
-    <p:sldId id="327" r:id="rId43"/>
-    <p:sldId id="291" r:id="rId44"/>
-    <p:sldId id="293" r:id="rId45"/>
-    <p:sldId id="294" r:id="rId46"/>
-    <p:sldId id="295" r:id="rId47"/>
-    <p:sldId id="296" r:id="rId48"/>
-    <p:sldId id="297" r:id="rId49"/>
-    <p:sldId id="298" r:id="rId50"/>
-    <p:sldId id="299" r:id="rId51"/>
-    <p:sldId id="300" r:id="rId52"/>
-    <p:sldId id="302" r:id="rId53"/>
-    <p:sldId id="303" r:id="rId54"/>
-    <p:sldId id="309" r:id="rId55"/>
-    <p:sldId id="324" r:id="rId56"/>
-    <p:sldId id="305" r:id="rId57"/>
-    <p:sldId id="318" r:id="rId58"/>
-    <p:sldId id="319" r:id="rId59"/>
-    <p:sldId id="320" r:id="rId60"/>
+    <p:sldId id="329" r:id="rId43"/>
+    <p:sldId id="327" r:id="rId44"/>
+    <p:sldId id="328" r:id="rId45"/>
+    <p:sldId id="291" r:id="rId46"/>
+    <p:sldId id="293" r:id="rId47"/>
+    <p:sldId id="294" r:id="rId48"/>
+    <p:sldId id="295" r:id="rId49"/>
+    <p:sldId id="296" r:id="rId50"/>
+    <p:sldId id="297" r:id="rId51"/>
+    <p:sldId id="298" r:id="rId52"/>
+    <p:sldId id="299" r:id="rId53"/>
+    <p:sldId id="300" r:id="rId54"/>
+    <p:sldId id="302" r:id="rId55"/>
+    <p:sldId id="303" r:id="rId56"/>
+    <p:sldId id="309" r:id="rId57"/>
+    <p:sldId id="324" r:id="rId58"/>
+    <p:sldId id="305" r:id="rId59"/>
+    <p:sldId id="318" r:id="rId60"/>
+    <p:sldId id="319" r:id="rId61"/>
+    <p:sldId id="320" r:id="rId62"/>
   </p:sldIdLst>
   <p:sldSz cx="12192000" cy="6858000"/>
   <p:notesSz cx="6858000" cy="9144000"/>
@@ -281,7 +283,7 @@
           <a:p>
             <a:fld id="{3532B83F-F844-4C18-98E8-7C33F4B39DE0}" type="datetimeFigureOut">
               <a:rPr lang="nl-NL" smtClean="0"/>
-              <a:t>29-4-2022</a:t>
+              <a:t>2-5-2022</a:t>
             </a:fld>
             <a:endParaRPr lang="nl-NL"/>
           </a:p>
@@ -458,7 +460,7 @@
           <a:p>
             <a:fld id="{27396D34-C2B8-41FF-AE69-48AE3B3D8E8B}" type="datetimeFigureOut">
               <a:rPr lang="nl-NL" smtClean="0"/>
-              <a:t>29-4-2022</a:t>
+              <a:t>2-5-2022</a:t>
             </a:fld>
             <a:endParaRPr lang="nl-NL"/>
           </a:p>
@@ -1245,7 +1247,343 @@
           <a:p>
             <a:fld id="{4970B036-1422-4C36-8158-C30E1C0769EB}" type="slidenum">
               <a:rPr lang="nl-NL" smtClean="0"/>
-              <a:t>55</a:t>
+              <a:t>36</a:t>
+            </a:fld>
+            <a:endParaRPr lang="nl-NL"/>
+          </a:p>
+        </p:txBody>
+      </p:sp>
+    </p:spTree>
+    <p:extLst>
+      <p:ext uri="{BB962C8B-B14F-4D97-AF65-F5344CB8AC3E}">
+        <p14:creationId xmlns:p14="http://schemas.microsoft.com/office/powerpoint/2010/main" val="1846876427"/>
+      </p:ext>
+    </p:extLst>
+  </p:cSld>
+  <p:clrMapOvr>
+    <a:masterClrMapping/>
+  </p:clrMapOvr>
+</p:notes>
+</file>
+
+<file path=ppt/notesSlides/notesSlide6.xml><?xml version="1.0" encoding="utf-8"?>
+<p:notes xmlns:a="http://schemas.openxmlformats.org/drawingml/2006/main" xmlns:r="http://schemas.openxmlformats.org/officeDocument/2006/relationships" xmlns:p="http://schemas.openxmlformats.org/presentationml/2006/main">
+  <p:cSld>
+    <p:spTree>
+      <p:nvGrpSpPr>
+        <p:cNvPr id="1" name=""/>
+        <p:cNvGrpSpPr/>
+        <p:nvPr/>
+      </p:nvGrpSpPr>
+      <p:grpSpPr>
+        <a:xfrm>
+          <a:off x="0" y="0"/>
+          <a:ext cx="0" cy="0"/>
+          <a:chOff x="0" y="0"/>
+          <a:chExt cx="0" cy="0"/>
+        </a:xfrm>
+      </p:grpSpPr>
+      <p:sp>
+        <p:nvSpPr>
+          <p:cNvPr id="2" name="Tijdelijke aanduiding voor dia-afbeelding 1"/>
+          <p:cNvSpPr>
+            <a:spLocks noGrp="1" noRot="1" noChangeAspect="1"/>
+          </p:cNvSpPr>
+          <p:nvPr>
+            <p:ph type="sldImg"/>
+          </p:nvPr>
+        </p:nvSpPr>
+        <p:spPr/>
+      </p:sp>
+      <p:sp>
+        <p:nvSpPr>
+          <p:cNvPr id="3" name="Tijdelijke aanduiding voor notities 2"/>
+          <p:cNvSpPr>
+            <a:spLocks noGrp="1"/>
+          </p:cNvSpPr>
+          <p:nvPr>
+            <p:ph type="body" idx="1"/>
+          </p:nvPr>
+        </p:nvSpPr>
+        <p:spPr/>
+        <p:txBody>
+          <a:bodyPr/>
+          <a:lstStyle/>
+          <a:p>
+            <a:endParaRPr lang="nl-NL" dirty="0"/>
+          </a:p>
+        </p:txBody>
+      </p:sp>
+      <p:sp>
+        <p:nvSpPr>
+          <p:cNvPr id="4" name="Tijdelijke aanduiding voor dianummer 3"/>
+          <p:cNvSpPr>
+            <a:spLocks noGrp="1"/>
+          </p:cNvSpPr>
+          <p:nvPr>
+            <p:ph type="sldNum" sz="quarter" idx="5"/>
+          </p:nvPr>
+        </p:nvSpPr>
+        <p:spPr/>
+        <p:txBody>
+          <a:bodyPr/>
+          <a:lstStyle/>
+          <a:p>
+            <a:fld id="{4970B036-1422-4C36-8158-C30E1C0769EB}" type="slidenum">
+              <a:rPr lang="nl-NL" smtClean="0"/>
+              <a:t>37</a:t>
+            </a:fld>
+            <a:endParaRPr lang="nl-NL"/>
+          </a:p>
+        </p:txBody>
+      </p:sp>
+    </p:spTree>
+    <p:extLst>
+      <p:ext uri="{BB962C8B-B14F-4D97-AF65-F5344CB8AC3E}">
+        <p14:creationId xmlns:p14="http://schemas.microsoft.com/office/powerpoint/2010/main" val="3570609962"/>
+      </p:ext>
+    </p:extLst>
+  </p:cSld>
+  <p:clrMapOvr>
+    <a:masterClrMapping/>
+  </p:clrMapOvr>
+</p:notes>
+</file>
+
+<file path=ppt/notesSlides/notesSlide7.xml><?xml version="1.0" encoding="utf-8"?>
+<p:notes xmlns:a="http://schemas.openxmlformats.org/drawingml/2006/main" xmlns:r="http://schemas.openxmlformats.org/officeDocument/2006/relationships" xmlns:p="http://schemas.openxmlformats.org/presentationml/2006/main">
+  <p:cSld>
+    <p:spTree>
+      <p:nvGrpSpPr>
+        <p:cNvPr id="1" name=""/>
+        <p:cNvGrpSpPr/>
+        <p:nvPr/>
+      </p:nvGrpSpPr>
+      <p:grpSpPr>
+        <a:xfrm>
+          <a:off x="0" y="0"/>
+          <a:ext cx="0" cy="0"/>
+          <a:chOff x="0" y="0"/>
+          <a:chExt cx="0" cy="0"/>
+        </a:xfrm>
+      </p:grpSpPr>
+      <p:sp>
+        <p:nvSpPr>
+          <p:cNvPr id="2" name="Tijdelijke aanduiding voor dia-afbeelding 1"/>
+          <p:cNvSpPr>
+            <a:spLocks noGrp="1" noRot="1" noChangeAspect="1"/>
+          </p:cNvSpPr>
+          <p:nvPr>
+            <p:ph type="sldImg"/>
+          </p:nvPr>
+        </p:nvSpPr>
+        <p:spPr/>
+      </p:sp>
+      <p:sp>
+        <p:nvSpPr>
+          <p:cNvPr id="3" name="Tijdelijke aanduiding voor notities 2"/>
+          <p:cNvSpPr>
+            <a:spLocks noGrp="1"/>
+          </p:cNvSpPr>
+          <p:nvPr>
+            <p:ph type="body" idx="1"/>
+          </p:nvPr>
+        </p:nvSpPr>
+        <p:spPr/>
+        <p:txBody>
+          <a:bodyPr/>
+          <a:lstStyle/>
+          <a:p>
+            <a:endParaRPr lang="nl-NL" dirty="0"/>
+          </a:p>
+        </p:txBody>
+      </p:sp>
+      <p:sp>
+        <p:nvSpPr>
+          <p:cNvPr id="4" name="Tijdelijke aanduiding voor dianummer 3"/>
+          <p:cNvSpPr>
+            <a:spLocks noGrp="1"/>
+          </p:cNvSpPr>
+          <p:nvPr>
+            <p:ph type="sldNum" sz="quarter" idx="5"/>
+          </p:nvPr>
+        </p:nvSpPr>
+        <p:spPr/>
+        <p:txBody>
+          <a:bodyPr/>
+          <a:lstStyle/>
+          <a:p>
+            <a:fld id="{4970B036-1422-4C36-8158-C30E1C0769EB}" type="slidenum">
+              <a:rPr lang="nl-NL" smtClean="0"/>
+              <a:t>38</a:t>
+            </a:fld>
+            <a:endParaRPr lang="nl-NL"/>
+          </a:p>
+        </p:txBody>
+      </p:sp>
+    </p:spTree>
+    <p:extLst>
+      <p:ext uri="{BB962C8B-B14F-4D97-AF65-F5344CB8AC3E}">
+        <p14:creationId xmlns:p14="http://schemas.microsoft.com/office/powerpoint/2010/main" val="2448514518"/>
+      </p:ext>
+    </p:extLst>
+  </p:cSld>
+  <p:clrMapOvr>
+    <a:masterClrMapping/>
+  </p:clrMapOvr>
+</p:notes>
+</file>
+
+<file path=ppt/notesSlides/notesSlide8.xml><?xml version="1.0" encoding="utf-8"?>
+<p:notes xmlns:a="http://schemas.openxmlformats.org/drawingml/2006/main" xmlns:r="http://schemas.openxmlformats.org/officeDocument/2006/relationships" xmlns:p="http://schemas.openxmlformats.org/presentationml/2006/main">
+  <p:cSld>
+    <p:spTree>
+      <p:nvGrpSpPr>
+        <p:cNvPr id="1" name=""/>
+        <p:cNvGrpSpPr/>
+        <p:nvPr/>
+      </p:nvGrpSpPr>
+      <p:grpSpPr>
+        <a:xfrm>
+          <a:off x="0" y="0"/>
+          <a:ext cx="0" cy="0"/>
+          <a:chOff x="0" y="0"/>
+          <a:chExt cx="0" cy="0"/>
+        </a:xfrm>
+      </p:grpSpPr>
+      <p:sp>
+        <p:nvSpPr>
+          <p:cNvPr id="2" name="Tijdelijke aanduiding voor dia-afbeelding 1"/>
+          <p:cNvSpPr>
+            <a:spLocks noGrp="1" noRot="1" noChangeAspect="1"/>
+          </p:cNvSpPr>
+          <p:nvPr>
+            <p:ph type="sldImg"/>
+          </p:nvPr>
+        </p:nvSpPr>
+        <p:spPr/>
+      </p:sp>
+      <p:sp>
+        <p:nvSpPr>
+          <p:cNvPr id="3" name="Tijdelijke aanduiding voor notities 2"/>
+          <p:cNvSpPr>
+            <a:spLocks noGrp="1"/>
+          </p:cNvSpPr>
+          <p:nvPr>
+            <p:ph type="body" idx="1"/>
+          </p:nvPr>
+        </p:nvSpPr>
+        <p:spPr/>
+        <p:txBody>
+          <a:bodyPr/>
+          <a:lstStyle/>
+          <a:p>
+            <a:endParaRPr lang="nl-NL" dirty="0"/>
+          </a:p>
+        </p:txBody>
+      </p:sp>
+      <p:sp>
+        <p:nvSpPr>
+          <p:cNvPr id="4" name="Tijdelijke aanduiding voor dianummer 3"/>
+          <p:cNvSpPr>
+            <a:spLocks noGrp="1"/>
+          </p:cNvSpPr>
+          <p:nvPr>
+            <p:ph type="sldNum" sz="quarter" idx="5"/>
+          </p:nvPr>
+        </p:nvSpPr>
+        <p:spPr/>
+        <p:txBody>
+          <a:bodyPr/>
+          <a:lstStyle/>
+          <a:p>
+            <a:fld id="{4970B036-1422-4C36-8158-C30E1C0769EB}" type="slidenum">
+              <a:rPr lang="nl-NL" smtClean="0"/>
+              <a:t>39</a:t>
+            </a:fld>
+            <a:endParaRPr lang="nl-NL"/>
+          </a:p>
+        </p:txBody>
+      </p:sp>
+    </p:spTree>
+    <p:extLst>
+      <p:ext uri="{BB962C8B-B14F-4D97-AF65-F5344CB8AC3E}">
+        <p14:creationId xmlns:p14="http://schemas.microsoft.com/office/powerpoint/2010/main" val="3795590368"/>
+      </p:ext>
+    </p:extLst>
+  </p:cSld>
+  <p:clrMapOvr>
+    <a:masterClrMapping/>
+  </p:clrMapOvr>
+</p:notes>
+</file>
+
+<file path=ppt/notesSlides/notesSlide9.xml><?xml version="1.0" encoding="utf-8"?>
+<p:notes xmlns:a="http://schemas.openxmlformats.org/drawingml/2006/main" xmlns:r="http://schemas.openxmlformats.org/officeDocument/2006/relationships" xmlns:p="http://schemas.openxmlformats.org/presentationml/2006/main">
+  <p:cSld>
+    <p:spTree>
+      <p:nvGrpSpPr>
+        <p:cNvPr id="1" name=""/>
+        <p:cNvGrpSpPr/>
+        <p:nvPr/>
+      </p:nvGrpSpPr>
+      <p:grpSpPr>
+        <a:xfrm>
+          <a:off x="0" y="0"/>
+          <a:ext cx="0" cy="0"/>
+          <a:chOff x="0" y="0"/>
+          <a:chExt cx="0" cy="0"/>
+        </a:xfrm>
+      </p:grpSpPr>
+      <p:sp>
+        <p:nvSpPr>
+          <p:cNvPr id="2" name="Tijdelijke aanduiding voor dia-afbeelding 1"/>
+          <p:cNvSpPr>
+            <a:spLocks noGrp="1" noRot="1" noChangeAspect="1"/>
+          </p:cNvSpPr>
+          <p:nvPr>
+            <p:ph type="sldImg"/>
+          </p:nvPr>
+        </p:nvSpPr>
+        <p:spPr/>
+      </p:sp>
+      <p:sp>
+        <p:nvSpPr>
+          <p:cNvPr id="3" name="Tijdelijke aanduiding voor notities 2"/>
+          <p:cNvSpPr>
+            <a:spLocks noGrp="1"/>
+          </p:cNvSpPr>
+          <p:nvPr>
+            <p:ph type="body" idx="1"/>
+          </p:nvPr>
+        </p:nvSpPr>
+        <p:spPr/>
+        <p:txBody>
+          <a:bodyPr/>
+          <a:lstStyle/>
+          <a:p>
+            <a:endParaRPr lang="nl-NL" dirty="0"/>
+          </a:p>
+        </p:txBody>
+      </p:sp>
+      <p:sp>
+        <p:nvSpPr>
+          <p:cNvPr id="4" name="Tijdelijke aanduiding voor dianummer 3"/>
+          <p:cNvSpPr>
+            <a:spLocks noGrp="1"/>
+          </p:cNvSpPr>
+          <p:nvPr>
+            <p:ph type="sldNum" sz="quarter" idx="5"/>
+          </p:nvPr>
+        </p:nvSpPr>
+        <p:spPr/>
+        <p:txBody>
+          <a:bodyPr/>
+          <a:lstStyle/>
+          <a:p>
+            <a:fld id="{4970B036-1422-4C36-8158-C30E1C0769EB}" type="slidenum">
+              <a:rPr lang="nl-NL" smtClean="0"/>
+              <a:t>57</a:t>
             </a:fld>
             <a:endParaRPr lang="nl-NL"/>
           </a:p>
@@ -28768,14 +29106,14 @@
           <a:p>
             <a:r>
               <a:rPr lang="en-US" dirty="0"/>
-              <a:t>Solution 5: custom query with HQL </a:t>
+              <a:t>Solution 5: custom query with JPQL </a:t>
             </a:r>
             <a:r>
               <a:rPr lang="en-US" dirty="0">
                 <a:latin typeface="Courier New" panose="02070309020205020404" pitchFamily="49" charset="0"/>
                 <a:cs typeface="Courier New" panose="02070309020205020404" pitchFamily="49" charset="0"/>
               </a:rPr>
-              <a:t>FETCH</a:t>
+              <a:t>JOIN FETCH</a:t>
             </a:r>
           </a:p>
         </p:txBody>
@@ -28925,11 +29263,11 @@
                 <a:latin typeface="Courier New" panose="02070309020205020404" pitchFamily="49" charset="0"/>
                 <a:cs typeface="Courier New" panose="02070309020205020404" pitchFamily="49" charset="0"/>
               </a:rPr>
-              <a:t>FETCH </a:t>
+              <a:t>JOIN FETCH </a:t>
             </a:r>
             <a:r>
               <a:rPr lang="en-US" dirty="0"/>
-              <a:t>with DTO projections</a:t>
+              <a:t>with projections</a:t>
             </a:r>
             <a:endParaRPr lang="en-US" dirty="0">
               <a:latin typeface="Courier New" panose="02070309020205020404" pitchFamily="49" charset="0"/>
@@ -28982,6 +29320,17 @@
             <a:r>
               <a:rPr lang="en-US" dirty="0"/>
               <a:t>for read-only datasets.</a:t>
+            </a:r>
+          </a:p>
+          <a:p>
+            <a:pPr>
+              <a:spcAft>
+                <a:spcPts val="600"/>
+              </a:spcAft>
+            </a:pPr>
+            <a:r>
+              <a:rPr lang="en-US" dirty="0"/>
+              <a:t>DTO = Data Transfer Object</a:t>
             </a:r>
           </a:p>
           <a:p>
@@ -29429,7 +29778,7 @@
         </p:spPr>
         <p:txBody>
           <a:bodyPr>
-            <a:normAutofit fontScale="92500" lnSpcReduction="10000"/>
+            <a:normAutofit/>
           </a:bodyPr>
           <a:lstStyle/>
           <a:p>
@@ -29451,7 +29800,7 @@
             </a:pPr>
             <a:r>
               <a:rPr lang="en-US" sz="2800" dirty="0"/>
-              <a:t>The incremental scripts can be tested on a QA server before being applied in production.</a:t>
+              <a:t>The incremental scripts can be included in your test setup.</a:t>
             </a:r>
           </a:p>
           <a:p>
@@ -29463,17 +29812,6 @@
             <a:r>
               <a:rPr lang="en-US" sz="2800" dirty="0"/>
               <a:t>Flexibility of writing your own migration logic.</a:t>
-            </a:r>
-          </a:p>
-          <a:p>
-            <a:pPr>
-              <a:spcAft>
-                <a:spcPts val="600"/>
-              </a:spcAft>
-            </a:pPr>
-            <a:r>
-              <a:rPr lang="en-US" sz="2800" dirty="0"/>
-              <a:t>There is no need for manual intervention since the scripts can be run by Flyway/Liquibase, hence it reduces the possibility of human error associated with running scripts manually.</a:t>
             </a:r>
           </a:p>
         </p:txBody>
@@ -30533,7 +30871,12 @@
             <p:ph type="body" sz="quarter" idx="10"/>
           </p:nvPr>
         </p:nvSpPr>
-        <p:spPr/>
+        <p:spPr>
+          <a:xfrm>
+            <a:off x="1296000" y="2016000"/>
+            <a:ext cx="9864000" cy="2524738"/>
+          </a:xfrm>
+        </p:spPr>
         <p:txBody>
           <a:bodyPr/>
           <a:lstStyle/>
@@ -30562,12 +30905,6 @@
               <a:rPr lang="en-US" dirty="0"/>
               <a:t>Lazy loading is prone to this issue.</a:t>
             </a:r>
-          </a:p>
-          <a:p>
-            <a:pPr marL="0" indent="0">
-              <a:buNone/>
-            </a:pPr>
-            <a:endParaRPr lang="nl-NL" dirty="0"/>
           </a:p>
         </p:txBody>
       </p:sp>
@@ -30681,7 +31018,7 @@
                 <a:latin typeface="Courier New" panose="02070309020205020404" pitchFamily="49" charset="0"/>
                 <a:cs typeface="Courier New" panose="02070309020205020404" pitchFamily="49" charset="0"/>
               </a:rPr>
-              <a:t>FETCH</a:t>
+              <a:t>JOIN FETCH</a:t>
             </a:r>
             <a:r>
               <a:rPr lang="en-US" dirty="0"/>
@@ -30709,7 +31046,7 @@
         <p:spPr>
           <a:xfrm>
             <a:off x="1296000" y="1566420"/>
-            <a:ext cx="9864000" cy="5458848"/>
+            <a:ext cx="9864000" cy="4631180"/>
           </a:xfrm>
         </p:spPr>
         <p:txBody>
@@ -30747,43 +31084,13 @@
             </a:pPr>
             <a:r>
               <a:rPr lang="en-US" sz="2800" dirty="0"/>
-              <a:t>When using </a:t>
+              <a:t>Careful! If you forget to “</a:t>
             </a:r>
             <a:r>
               <a:rPr lang="en-US" sz="2800" dirty="0">
                 <a:latin typeface="Courier New" panose="02070309020205020404" pitchFamily="49" charset="0"/>
                 <a:cs typeface="Courier New" panose="02070309020205020404" pitchFamily="49" charset="0"/>
               </a:rPr>
-              <a:t>FETCH JOIN </a:t>
-            </a:r>
-            <a:r>
-              <a:rPr lang="en-US" sz="2800" dirty="0"/>
-              <a:t>we generate a new problem: </a:t>
-            </a:r>
-            <a:r>
-              <a:rPr lang="en-US" sz="2800" i="1" dirty="0"/>
-              <a:t>The cartesian product problem</a:t>
-            </a:r>
-            <a:r>
-              <a:rPr lang="en-US" sz="2800" dirty="0"/>
-              <a:t>.</a:t>
-            </a:r>
-          </a:p>
-          <a:p>
-            <a:pPr>
-              <a:spcAft>
-                <a:spcPts val="600"/>
-              </a:spcAft>
-            </a:pPr>
-            <a:r>
-              <a:rPr lang="en-US" sz="2800" dirty="0"/>
-              <a:t>If you forget to “</a:t>
-            </a:r>
-            <a:r>
-              <a:rPr lang="en-US" sz="2800" dirty="0">
-                <a:latin typeface="Courier New" panose="02070309020205020404" pitchFamily="49" charset="0"/>
-                <a:cs typeface="Courier New" panose="02070309020205020404" pitchFamily="49" charset="0"/>
-              </a:rPr>
               <a:t>JOIN FETCH</a:t>
             </a:r>
             <a:r>
@@ -30798,13 +31105,6 @@
               <a:rPr lang="en-US" sz="2800" dirty="0"/>
               <a:t>).</a:t>
             </a:r>
-          </a:p>
-          <a:p>
-            <a:pPr>
-              <a:spcAft>
-                <a:spcPts val="600"/>
-              </a:spcAft>
-            </a:pPr>
             <a:endParaRPr lang="en-US" sz="2800" dirty="0">
               <a:solidFill>
                 <a:srgbClr val="FF0000"/>
@@ -30817,7 +31117,29 @@
                 <a:spcPts val="600"/>
               </a:spcAft>
             </a:pPr>
-            <a:endParaRPr lang="en-US" sz="2800" dirty="0"/>
+            <a:r>
+              <a:rPr lang="en-US" sz="2800" dirty="0"/>
+              <a:t>When using </a:t>
+            </a:r>
+            <a:r>
+              <a:rPr lang="en-US" sz="2800" dirty="0">
+                <a:latin typeface="Courier New" panose="02070309020205020404" pitchFamily="49" charset="0"/>
+                <a:cs typeface="Courier New" panose="02070309020205020404" pitchFamily="49" charset="0"/>
+              </a:rPr>
+              <a:t>JOIN FETCH </a:t>
+            </a:r>
+            <a:r>
+              <a:rPr lang="en-US" sz="2800" dirty="0"/>
+              <a:t>we create a new problem: </a:t>
+            </a:r>
+            <a:r>
+              <a:rPr lang="en-US" sz="2800" i="1" dirty="0"/>
+              <a:t>The cartesian product problem</a:t>
+            </a:r>
+            <a:r>
+              <a:rPr lang="en-US" sz="2800" dirty="0"/>
+              <a:t>.</a:t>
+            </a:r>
           </a:p>
         </p:txBody>
       </p:sp>
@@ -30836,7 +31158,7 @@
           <p:nvPr/>
         </p:nvPicPr>
         <p:blipFill>
-          <a:blip r:embed="rId2">
+          <a:blip r:embed="rId3">
             <a:extLst>
               <a:ext uri="{28A0092B-C50C-407E-A947-70E740481C1C}">
                 <a14:useLocalDpi xmlns:a14="http://schemas.microsoft.com/office/drawing/2010/main" val="0"/>
@@ -30952,7 +31274,7 @@
         <p:spPr>
           <a:xfrm>
             <a:off x="1296000" y="1566420"/>
-            <a:ext cx="9864000" cy="4171440"/>
+            <a:ext cx="9864000" cy="4571580"/>
           </a:xfrm>
         </p:spPr>
         <p:txBody>
@@ -30967,10 +31289,6 @@
               </a:spcAft>
             </a:pPr>
             <a:r>
-              <a:rPr lang="en-US" sz="2800" dirty="0"/>
-              <a:t>Too many </a:t>
-            </a:r>
-            <a:r>
               <a:rPr lang="en-US" sz="2800" dirty="0">
                 <a:latin typeface="Courier New" panose="02070309020205020404" pitchFamily="49" charset="0"/>
                 <a:cs typeface="Courier New" panose="02070309020205020404" pitchFamily="49" charset="0"/>
@@ -30979,7 +31297,7 @@
             </a:r>
             <a:r>
               <a:rPr lang="en-US" sz="2800" dirty="0"/>
-              <a:t>s lead to big datasets and duplicate results.</a:t>
+              <a:t>s lead to big datasets.</a:t>
             </a:r>
           </a:p>
           <a:p>
@@ -30989,38 +31307,135 @@
               </a:spcAft>
             </a:pPr>
             <a:r>
+              <a:rPr lang="en-US" sz="2800" dirty="0">
+                <a:latin typeface="Courier New" panose="02070309020205020404" pitchFamily="49" charset="0"/>
+                <a:cs typeface="Courier New" panose="02070309020205020404" pitchFamily="49" charset="0"/>
+              </a:rPr>
+              <a:t>JOIN</a:t>
+            </a:r>
+            <a:r>
+              <a:rPr lang="en-US" dirty="0"/>
+              <a:t>s</a:t>
+            </a:r>
+            <a:r>
               <a:rPr lang="en-US" sz="2800" dirty="0"/>
-              <a:t>Performance problems: Hibernate needs to read and</a:t>
-            </a:r>
-            <a:br>
-              <a:rPr lang="en-US" sz="2800" dirty="0"/>
-            </a:br>
-            <a:r>
-              <a:rPr lang="en-US" sz="2800" dirty="0"/>
-              <a:t>de-duplicate all data.</a:t>
-            </a:r>
-          </a:p>
-          <a:p>
-            <a:pPr>
+              <a:t> lead to a data set with duplicates.</a:t>
+            </a:r>
+          </a:p>
+          <a:p>
+            <a:pPr lvl="1">
               <a:spcAft>
                 <a:spcPts val="600"/>
               </a:spcAft>
             </a:pPr>
             <a:r>
-              <a:rPr lang="en-US" sz="2800" dirty="0"/>
-              <a:t>Solution: Fetch associations independently (be careful for the N+1 problem) or use </a:t>
-            </a:r>
-            <a:r>
-              <a:rPr lang="en-US" sz="2800" dirty="0">
+              <a:rPr lang="en-US" sz="2400" dirty="0"/>
+              <a:t>Solution 1: </a:t>
+            </a:r>
+            <a:r>
+              <a:rPr lang="en-US" sz="2200" dirty="0"/>
+              <a:t>Fetch associations independently.</a:t>
+            </a:r>
+          </a:p>
+          <a:p>
+            <a:pPr lvl="2">
+              <a:spcAft>
+                <a:spcPts val="600"/>
+              </a:spcAft>
+            </a:pPr>
+            <a:r>
+              <a:rPr lang="en-US" sz="2200" dirty="0"/>
+              <a:t>Downside: the N+1 problem is back.</a:t>
+            </a:r>
+          </a:p>
+          <a:p>
+            <a:pPr lvl="1">
+              <a:spcAft>
+                <a:spcPts val="600"/>
+              </a:spcAft>
+            </a:pPr>
+            <a:r>
+              <a:rPr lang="en-US" sz="2400" dirty="0"/>
+              <a:t>Solution 2: Use </a:t>
+            </a:r>
+            <a:r>
+              <a:rPr lang="en-US" sz="2400" dirty="0">
                 <a:latin typeface="Courier New" panose="02070309020205020404" pitchFamily="49" charset="0"/>
                 <a:cs typeface="Courier New" panose="02070309020205020404" pitchFamily="49" charset="0"/>
               </a:rPr>
               <a:t>DISTINCT</a:t>
             </a:r>
             <a:r>
-              <a:rPr lang="en-US" sz="2800" dirty="0"/>
+              <a:rPr lang="en-US" dirty="0"/>
               <a:t>.</a:t>
             </a:r>
+            <a:endParaRPr lang="en-US" sz="2400" dirty="0"/>
+          </a:p>
+          <a:p>
+            <a:pPr lvl="2">
+              <a:spcAft>
+                <a:spcPts val="600"/>
+              </a:spcAft>
+            </a:pPr>
+            <a:r>
+              <a:rPr lang="en-US" sz="2200" dirty="0"/>
+              <a:t>Downside: Hibernate will de-duplicate all data in memory (</a:t>
+            </a:r>
+            <a:r>
+              <a:rPr lang="en-US" sz="2200" dirty="0" err="1">
+                <a:latin typeface="Courier New" panose="02070309020205020404" pitchFamily="49" charset="0"/>
+                <a:cs typeface="Courier New" panose="02070309020205020404" pitchFamily="49" charset="0"/>
+              </a:rPr>
+              <a:t>QueryTranslatorImpl</a:t>
+            </a:r>
+            <a:r>
+              <a:rPr lang="en-US" sz="2200" dirty="0">
+                <a:latin typeface="Courier New" panose="02070309020205020404" pitchFamily="49" charset="0"/>
+                <a:cs typeface="Courier New" panose="02070309020205020404" pitchFamily="49" charset="0"/>
+              </a:rPr>
+              <a:t> </a:t>
+            </a:r>
+            <a:r>
+              <a:rPr lang="en-US" sz="2200" dirty="0" err="1">
+                <a:latin typeface="Courier New" panose="02070309020205020404" pitchFamily="49" charset="0"/>
+                <a:cs typeface="Courier New" panose="02070309020205020404" pitchFamily="49" charset="0"/>
+              </a:rPr>
+              <a:t>needsDistincting</a:t>
+            </a:r>
+            <a:r>
+              <a:rPr lang="en-US" sz="2200" dirty="0"/>
+              <a:t>).</a:t>
+            </a:r>
+          </a:p>
+          <a:p>
+            <a:pPr lvl="2">
+              <a:spcAft>
+                <a:spcPts val="600"/>
+              </a:spcAft>
+            </a:pPr>
+            <a:r>
+              <a:rPr lang="en-US" sz="2200" dirty="0"/>
+              <a:t>Downside: Hibernate will pass </a:t>
+            </a:r>
+            <a:r>
+              <a:rPr lang="en-US" sz="2200" dirty="0">
+                <a:latin typeface="Courier New" panose="02070309020205020404" pitchFamily="49" charset="0"/>
+                <a:cs typeface="Courier New" panose="02070309020205020404" pitchFamily="49" charset="0"/>
+              </a:rPr>
+              <a:t>DISTINCT</a:t>
+            </a:r>
+            <a:r>
+              <a:rPr lang="en-US" sz="2200" dirty="0"/>
+              <a:t> through to the SQL query even when not needed.</a:t>
+            </a:r>
+          </a:p>
+          <a:p>
+            <a:pPr lvl="2">
+              <a:spcAft>
+                <a:spcPts val="600"/>
+              </a:spcAft>
+            </a:pPr>
+            <a:endParaRPr lang="en-US" sz="2200" dirty="0"/>
           </a:p>
           <a:p>
             <a:pPr lvl="1">
@@ -31038,53 +31453,6 @@
             <a:extLst>
               <a:ext uri="{FF2B5EF4-FFF2-40B4-BE49-F238E27FC236}">
                 <a16:creationId xmlns:a16="http://schemas.microsoft.com/office/drawing/2014/main" id="{ED64D180-0547-4366-BB5C-0393EF8728AB}"/>
-              </a:ext>
-            </a:extLst>
-          </p:cNvPr>
-          <p:cNvPicPr>
-            <a:picLocks noChangeAspect="1" noChangeArrowheads="1"/>
-          </p:cNvPicPr>
-          <p:nvPr/>
-        </p:nvPicPr>
-        <p:blipFill>
-          <a:blip r:embed="rId2">
-            <a:extLst>
-              <a:ext uri="{28A0092B-C50C-407E-A947-70E740481C1C}">
-                <a14:useLocalDpi xmlns:a14="http://schemas.microsoft.com/office/drawing/2010/main" val="0"/>
-              </a:ext>
-            </a:extLst>
-          </a:blip>
-          <a:srcRect/>
-          <a:stretch>
-            <a:fillRect/>
-          </a:stretch>
-        </p:blipFill>
-        <p:spPr bwMode="auto">
-          <a:xfrm>
-            <a:off x="10059668" y="5661520"/>
-            <a:ext cx="1923011" cy="952959"/>
-          </a:xfrm>
-          <a:prstGeom prst="rect">
-            <a:avLst/>
-          </a:prstGeom>
-          <a:noFill/>
-          <a:extLst>
-            <a:ext uri="{909E8E84-426E-40DD-AFC4-6F175D3DCCD1}">
-              <a14:hiddenFill xmlns:a14="http://schemas.microsoft.com/office/drawing/2010/main">
-                <a:solidFill>
-                  <a:srgbClr val="FFFFFF"/>
-                </a:solidFill>
-              </a14:hiddenFill>
-            </a:ext>
-          </a:extLst>
-        </p:spPr>
-      </p:pic>
-      <p:pic>
-        <p:nvPicPr>
-          <p:cNvPr id="1026" name="Picture 2" descr="Table with records presenting Cartesian Product result">
-            <a:extLst>
-              <a:ext uri="{FF2B5EF4-FFF2-40B4-BE49-F238E27FC236}">
-                <a16:creationId xmlns:a16="http://schemas.microsoft.com/office/drawing/2014/main" id="{2B2D789C-6ADA-4B39-9E16-90179605B616}"/>
               </a:ext>
             </a:extLst>
           </p:cNvPr>
@@ -31108,8 +31476,8 @@
         </p:blipFill>
         <p:spPr bwMode="auto">
           <a:xfrm>
-            <a:off x="4539301" y="4341453"/>
-            <a:ext cx="3380057" cy="2323789"/>
+            <a:off x="10059668" y="5661520"/>
+            <a:ext cx="1923011" cy="952959"/>
           </a:xfrm>
           <a:prstGeom prst="rect">
             <a:avLst/>
@@ -31158,10 +31526,10 @@
       </p:grpSpPr>
       <p:sp>
         <p:nvSpPr>
-          <p:cNvPr id="2" name="Titel 1">
+          <p:cNvPr id="11" name="Title 1">
             <a:extLst>
               <a:ext uri="{FF2B5EF4-FFF2-40B4-BE49-F238E27FC236}">
-                <a16:creationId xmlns:a16="http://schemas.microsoft.com/office/drawing/2014/main" id="{05B55862-4B05-4C16-B01F-3FA0CB002DB3}"/>
+                <a16:creationId xmlns:a16="http://schemas.microsoft.com/office/drawing/2014/main" id="{51612DA1-DB43-7E72-A4EA-4B95C807605F}"/>
               </a:ext>
             </a:extLst>
           </p:cNvPr>
@@ -31172,74 +31540,512 @@
             <p:ph type="title"/>
           </p:nvPr>
         </p:nvSpPr>
-        <p:spPr/>
+        <p:spPr>
+          <a:xfrm>
+            <a:off x="1296000" y="720000"/>
+            <a:ext cx="9864000" cy="681480"/>
+          </a:xfrm>
+        </p:spPr>
         <p:txBody>
-          <a:bodyPr/>
+          <a:bodyPr anchor="t">
+            <a:normAutofit fontScale="90000"/>
+          </a:bodyPr>
           <a:lstStyle/>
           <a:p>
             <a:r>
-              <a:rPr lang="nl-BE" dirty="0" err="1"/>
-              <a:t>Cartesian</a:t>
-            </a:r>
-            <a:r>
-              <a:rPr lang="nl-BE" dirty="0"/>
-              <a:t> product </a:t>
-            </a:r>
-            <a:r>
-              <a:rPr lang="nl-BE" dirty="0" err="1"/>
-              <a:t>problem</a:t>
-            </a:r>
-            <a:endParaRPr lang="nl-NL" dirty="0"/>
+              <a:rPr lang="en-US" sz="4000" dirty="0"/>
+              <a:t>Hibernate will pass </a:t>
+            </a:r>
+            <a:r>
+              <a:rPr lang="en-US" sz="4000" dirty="0">
+                <a:latin typeface="Courier New" panose="02070309020205020404" pitchFamily="49" charset="0"/>
+                <a:cs typeface="Courier New" panose="02070309020205020404" pitchFamily="49" charset="0"/>
+              </a:rPr>
+              <a:t>DISTINCT</a:t>
+            </a:r>
+            <a:r>
+              <a:rPr lang="en-US" sz="4000" dirty="0"/>
+              <a:t> through to the query even when not needed</a:t>
+            </a:r>
+            <a:br>
+              <a:rPr lang="en-US" sz="4000" dirty="0"/>
+            </a:br>
+            <a:endParaRPr lang="en-US" dirty="0"/>
           </a:p>
         </p:txBody>
       </p:sp>
+      <p:pic>
+        <p:nvPicPr>
+          <p:cNvPr id="4" name="Picture 2" descr="22,947 Demo Foto's, Afbeeldingen en Stock Fotografie - 123RF">
+            <a:extLst>
+              <a:ext uri="{FF2B5EF4-FFF2-40B4-BE49-F238E27FC236}">
+                <a16:creationId xmlns:a16="http://schemas.microsoft.com/office/drawing/2014/main" id="{ED64D180-0547-4366-BB5C-0393EF8728AB}"/>
+              </a:ext>
+            </a:extLst>
+          </p:cNvPr>
+          <p:cNvPicPr>
+            <a:picLocks noChangeAspect="1" noChangeArrowheads="1"/>
+          </p:cNvPicPr>
+          <p:nvPr/>
+        </p:nvPicPr>
+        <p:blipFill>
+          <a:blip r:embed="rId3">
+            <a:extLst>
+              <a:ext uri="{28A0092B-C50C-407E-A947-70E740481C1C}">
+                <a14:useLocalDpi xmlns:a14="http://schemas.microsoft.com/office/drawing/2010/main" val="0"/>
+              </a:ext>
+            </a:extLst>
+          </a:blip>
+          <a:srcRect/>
+          <a:stretch>
+            <a:fillRect/>
+          </a:stretch>
+        </p:blipFill>
+        <p:spPr bwMode="auto">
+          <a:xfrm>
+            <a:off x="10059668" y="5661520"/>
+            <a:ext cx="1923011" cy="952959"/>
+          </a:xfrm>
+          <a:prstGeom prst="rect">
+            <a:avLst/>
+          </a:prstGeom>
+          <a:noFill/>
+          <a:extLst>
+            <a:ext uri="{909E8E84-426E-40DD-AFC4-6F175D3DCCD1}">
+              <a14:hiddenFill xmlns:a14="http://schemas.microsoft.com/office/drawing/2010/main">
+                <a:solidFill>
+                  <a:srgbClr val="FFFFFF"/>
+                </a:solidFill>
+              </a14:hiddenFill>
+            </a:ext>
+          </a:extLst>
+        </p:spPr>
+      </p:pic>
       <p:sp>
         <p:nvSpPr>
-          <p:cNvPr id="3" name="Tijdelijke aanduiding voor tekst 2">
+          <p:cNvPr id="5" name="Rectangle 2">
             <a:extLst>
               <a:ext uri="{FF2B5EF4-FFF2-40B4-BE49-F238E27FC236}">
-                <a16:creationId xmlns:a16="http://schemas.microsoft.com/office/drawing/2014/main" id="{8B3F77EB-4E55-4CD2-91C4-1539E78AB8B6}"/>
+                <a16:creationId xmlns:a16="http://schemas.microsoft.com/office/drawing/2014/main" id="{3FA394F8-B537-4470-AB3A-05A8225E80CA}"/>
               </a:ext>
             </a:extLst>
           </p:cNvPr>
           <p:cNvSpPr>
-            <a:spLocks noGrp="1"/>
+            <a:spLocks noChangeArrowheads="1"/>
           </p:cNvSpPr>
-          <p:nvPr>
-            <p:ph type="body" sz="quarter" idx="10"/>
-          </p:nvPr>
+          <p:nvPr/>
         </p:nvSpPr>
-        <p:spPr/>
+        <p:spPr bwMode="auto">
+          <a:xfrm>
+            <a:off x="986228" y="2551837"/>
+            <a:ext cx="9237564" cy="1754326"/>
+          </a:xfrm>
+          <a:prstGeom prst="rect">
+            <a:avLst/>
+          </a:prstGeom>
+          <a:solidFill>
+            <a:srgbClr val="FFFFFF"/>
+          </a:solidFill>
+          <a:ln>
+            <a:noFill/>
+          </a:ln>
+          <a:effectLst/>
+          <a:extLst>
+            <a:ext uri="{91240B29-F687-4F45-9708-019B960494DF}">
+              <a14:hiddenLine xmlns:a14="http://schemas.microsoft.com/office/drawing/2010/main" w="9525">
+                <a:solidFill>
+                  <a:schemeClr val="tx1"/>
+                </a:solidFill>
+                <a:miter lim="800000"/>
+                <a:headEnd/>
+                <a:tailEnd/>
+              </a14:hiddenLine>
+            </a:ext>
+            <a:ext uri="{AF507438-7753-43E0-B8FC-AC1667EBCBE1}">
+              <a14:hiddenEffects xmlns:a14="http://schemas.microsoft.com/office/drawing/2010/main">
+                <a:effectLst>
+                  <a:outerShdw dist="35921" dir="2700000" algn="ctr" rotWithShape="0">
+                    <a:schemeClr val="bg2"/>
+                  </a:outerShdw>
+                </a:effectLst>
+              </a14:hiddenEffects>
+            </a:ext>
+          </a:extLst>
+        </p:spPr>
         <p:txBody>
-          <a:bodyPr/>
+          <a:bodyPr vert="horz" wrap="square" lIns="91440" tIns="45720" rIns="91440" bIns="45720" numCol="1" anchor="ctr" anchorCtr="0" compatLnSpc="1">
+            <a:prstTxWarp prst="textNoShape">
+              <a:avLst/>
+            </a:prstTxWarp>
+            <a:spAutoFit/>
+          </a:bodyPr>
           <a:lstStyle/>
           <a:p>
-            <a:r>
-              <a:rPr lang="nl-BE" dirty="0"/>
-              <a:t>For more info </a:t>
-            </a:r>
-            <a:r>
-              <a:rPr lang="nl-BE" dirty="0" err="1"/>
-              <a:t>see</a:t>
-            </a:r>
-            <a:r>
-              <a:rPr lang="nl-BE" dirty="0"/>
-              <a:t>:</a:t>
-            </a:r>
-          </a:p>
-          <a:p>
-            <a:pPr lvl="1"/>
-            <a:r>
-              <a:rPr lang="nl-BE" dirty="0"/>
-              <a:t>https://developer.jboss.org/docs/DOC-15782#jive_content_id_Hibernate_does_not_return_distinct_results_for_a_query_with_outer_join_fetching_enabled_for_a_collection_even_if_I_use_the_distinct_keyword</a:t>
-            </a:r>
+            <a:pPr marL="0" marR="0" lvl="0" indent="0" algn="l" defTabSz="914400" rtl="0" eaLnBrk="0" fontAlgn="base" latinLnBrk="0" hangingPunct="0">
+              <a:lnSpc>
+                <a:spcPct val="100000"/>
+              </a:lnSpc>
+              <a:spcBef>
+                <a:spcPct val="0"/>
+              </a:spcBef>
+              <a:spcAft>
+                <a:spcPct val="0"/>
+              </a:spcAft>
+              <a:buClrTx/>
+              <a:buSzTx/>
+              <a:buFontTx/>
+              <a:buNone/>
+              <a:tabLst/>
+            </a:pPr>
+            <a:r>
+              <a:rPr kumimoji="0" lang="nl-NL" altLang="nl-NL" b="0" i="0" u="none" strike="noStrike" cap="none" normalizeH="0" baseline="0" dirty="0">
+                <a:ln>
+                  <a:noFill/>
+                </a:ln>
+                <a:solidFill>
+                  <a:srgbClr val="9E880D"/>
+                </a:solidFill>
+                <a:effectLst/>
+                <a:latin typeface="Courier New" panose="02070309020205020404" pitchFamily="49" charset="0"/>
+                <a:cs typeface="Courier New" panose="02070309020205020404" pitchFamily="49" charset="0"/>
+              </a:rPr>
+              <a:t>@QueryHints</a:t>
+            </a:r>
+            <a:r>
+              <a:rPr kumimoji="0" lang="nl-NL" altLang="nl-NL" b="0" i="0" u="none" strike="noStrike" cap="none" normalizeH="0" baseline="0" dirty="0">
+                <a:ln>
+                  <a:noFill/>
+                </a:ln>
+                <a:solidFill>
+                  <a:srgbClr val="080808"/>
+                </a:solidFill>
+                <a:effectLst/>
+                <a:latin typeface="Courier New" panose="02070309020205020404" pitchFamily="49" charset="0"/>
+                <a:cs typeface="Courier New" panose="02070309020205020404" pitchFamily="49" charset="0"/>
+              </a:rPr>
+              <a:t>({</a:t>
+            </a:r>
+            <a:br>
+              <a:rPr kumimoji="0" lang="nl-NL" altLang="nl-NL" b="0" i="0" u="none" strike="noStrike" cap="none" normalizeH="0" baseline="0" dirty="0">
+                <a:ln>
+                  <a:noFill/>
+                </a:ln>
+                <a:solidFill>
+                  <a:srgbClr val="080808"/>
+                </a:solidFill>
+                <a:effectLst/>
+                <a:latin typeface="Courier New" panose="02070309020205020404" pitchFamily="49" charset="0"/>
+                <a:cs typeface="Courier New" panose="02070309020205020404" pitchFamily="49" charset="0"/>
+              </a:rPr>
+            </a:br>
+            <a:r>
+              <a:rPr kumimoji="0" lang="nl-NL" altLang="nl-NL" b="0" i="0" u="none" strike="noStrike" cap="none" normalizeH="0" baseline="0" dirty="0">
+                <a:ln>
+                  <a:noFill/>
+                </a:ln>
+                <a:solidFill>
+                  <a:srgbClr val="080808"/>
+                </a:solidFill>
+                <a:effectLst/>
+                <a:latin typeface="Courier New" panose="02070309020205020404" pitchFamily="49" charset="0"/>
+                <a:cs typeface="Courier New" panose="02070309020205020404" pitchFamily="49" charset="0"/>
+              </a:rPr>
+              <a:t>    </a:t>
+            </a:r>
+            <a:r>
+              <a:rPr kumimoji="0" lang="nl-NL" altLang="nl-NL" b="0" i="0" u="none" strike="noStrike" cap="none" normalizeH="0" baseline="0" dirty="0">
+                <a:ln>
+                  <a:noFill/>
+                </a:ln>
+                <a:solidFill>
+                  <a:srgbClr val="9E880D"/>
+                </a:solidFill>
+                <a:effectLst/>
+                <a:latin typeface="Courier New" panose="02070309020205020404" pitchFamily="49" charset="0"/>
+                <a:cs typeface="Courier New" panose="02070309020205020404" pitchFamily="49" charset="0"/>
+              </a:rPr>
+              <a:t>@QueryHint</a:t>
+            </a:r>
+            <a:r>
+              <a:rPr kumimoji="0" lang="nl-NL" altLang="nl-NL" b="0" i="0" u="none" strike="noStrike" cap="none" normalizeH="0" baseline="0" dirty="0">
+                <a:ln>
+                  <a:noFill/>
+                </a:ln>
+                <a:solidFill>
+                  <a:srgbClr val="080808"/>
+                </a:solidFill>
+                <a:effectLst/>
+                <a:latin typeface="Courier New" panose="02070309020205020404" pitchFamily="49" charset="0"/>
+                <a:cs typeface="Courier New" panose="02070309020205020404" pitchFamily="49" charset="0"/>
+              </a:rPr>
+              <a:t>(</a:t>
+            </a:r>
+            <a:br>
+              <a:rPr kumimoji="0" lang="nl-NL" altLang="nl-NL" b="0" i="0" u="none" strike="noStrike" cap="none" normalizeH="0" baseline="0" dirty="0">
+                <a:ln>
+                  <a:noFill/>
+                </a:ln>
+                <a:solidFill>
+                  <a:srgbClr val="080808"/>
+                </a:solidFill>
+                <a:effectLst/>
+                <a:latin typeface="Courier New" panose="02070309020205020404" pitchFamily="49" charset="0"/>
+                <a:cs typeface="Courier New" panose="02070309020205020404" pitchFamily="49" charset="0"/>
+              </a:rPr>
+            </a:br>
+            <a:r>
+              <a:rPr kumimoji="0" lang="nl-NL" altLang="nl-NL" b="0" i="0" u="none" strike="noStrike" cap="none" normalizeH="0" baseline="0" dirty="0">
+                <a:ln>
+                  <a:noFill/>
+                </a:ln>
+                <a:solidFill>
+                  <a:srgbClr val="080808"/>
+                </a:solidFill>
+                <a:effectLst/>
+                <a:latin typeface="Courier New" panose="02070309020205020404" pitchFamily="49" charset="0"/>
+                <a:cs typeface="Courier New" panose="02070309020205020404" pitchFamily="49" charset="0"/>
+              </a:rPr>
+              <a:t>        name = </a:t>
+            </a:r>
+            <a:r>
+              <a:rPr kumimoji="0" lang="nl-NL" altLang="nl-NL" b="0" i="0" u="none" strike="noStrike" cap="none" normalizeH="0" baseline="0" dirty="0">
+                <a:ln>
+                  <a:noFill/>
+                </a:ln>
+                <a:solidFill>
+                  <a:srgbClr val="067D17"/>
+                </a:solidFill>
+                <a:effectLst/>
+                <a:latin typeface="Courier New" panose="02070309020205020404" pitchFamily="49" charset="0"/>
+                <a:cs typeface="Courier New" panose="02070309020205020404" pitchFamily="49" charset="0"/>
+              </a:rPr>
+              <a:t>"</a:t>
+            </a:r>
+            <a:r>
+              <a:rPr kumimoji="0" lang="nl-NL" altLang="nl-NL" b="0" i="0" u="none" strike="noStrike" cap="none" normalizeH="0" baseline="0" dirty="0" err="1">
+                <a:ln>
+                  <a:noFill/>
+                </a:ln>
+                <a:solidFill>
+                  <a:srgbClr val="067D17"/>
+                </a:solidFill>
+                <a:effectLst/>
+                <a:latin typeface="Courier New" panose="02070309020205020404" pitchFamily="49" charset="0"/>
+                <a:cs typeface="Courier New" panose="02070309020205020404" pitchFamily="49" charset="0"/>
+              </a:rPr>
+              <a:t>hibernate.query.passDistinctThrough</a:t>
+            </a:r>
+            <a:r>
+              <a:rPr kumimoji="0" lang="nl-NL" altLang="nl-NL" b="0" i="0" u="none" strike="noStrike" cap="none" normalizeH="0" baseline="0" dirty="0">
+                <a:ln>
+                  <a:noFill/>
+                </a:ln>
+                <a:solidFill>
+                  <a:srgbClr val="067D17"/>
+                </a:solidFill>
+                <a:effectLst/>
+                <a:latin typeface="Courier New" panose="02070309020205020404" pitchFamily="49" charset="0"/>
+                <a:cs typeface="Courier New" panose="02070309020205020404" pitchFamily="49" charset="0"/>
+              </a:rPr>
+              <a:t>"</a:t>
+            </a:r>
+            <a:r>
+              <a:rPr kumimoji="0" lang="nl-NL" altLang="nl-NL" b="0" i="0" u="none" strike="noStrike" cap="none" normalizeH="0" baseline="0" dirty="0">
+                <a:ln>
+                  <a:noFill/>
+                </a:ln>
+                <a:solidFill>
+                  <a:srgbClr val="080808"/>
+                </a:solidFill>
+                <a:effectLst/>
+                <a:latin typeface="Courier New" panose="02070309020205020404" pitchFamily="49" charset="0"/>
+                <a:cs typeface="Courier New" panose="02070309020205020404" pitchFamily="49" charset="0"/>
+              </a:rPr>
+              <a:t>,</a:t>
+            </a:r>
+            <a:br>
+              <a:rPr kumimoji="0" lang="nl-NL" altLang="nl-NL" b="0" i="0" u="none" strike="noStrike" cap="none" normalizeH="0" baseline="0" dirty="0">
+                <a:ln>
+                  <a:noFill/>
+                </a:ln>
+                <a:solidFill>
+                  <a:srgbClr val="080808"/>
+                </a:solidFill>
+                <a:effectLst/>
+                <a:latin typeface="Courier New" panose="02070309020205020404" pitchFamily="49" charset="0"/>
+                <a:cs typeface="Courier New" panose="02070309020205020404" pitchFamily="49" charset="0"/>
+              </a:rPr>
+            </a:br>
+            <a:r>
+              <a:rPr kumimoji="0" lang="nl-NL" altLang="nl-NL" b="0" i="0" u="none" strike="noStrike" cap="none" normalizeH="0" baseline="0" dirty="0">
+                <a:ln>
+                  <a:noFill/>
+                </a:ln>
+                <a:solidFill>
+                  <a:srgbClr val="080808"/>
+                </a:solidFill>
+                <a:effectLst/>
+                <a:latin typeface="Courier New" panose="02070309020205020404" pitchFamily="49" charset="0"/>
+                <a:cs typeface="Courier New" panose="02070309020205020404" pitchFamily="49" charset="0"/>
+              </a:rPr>
+              <a:t>        </a:t>
+            </a:r>
+            <a:r>
+              <a:rPr kumimoji="0" lang="nl-NL" altLang="nl-NL" b="0" i="0" u="none" strike="noStrike" cap="none" normalizeH="0" baseline="0" dirty="0" err="1">
+                <a:ln>
+                  <a:noFill/>
+                </a:ln>
+                <a:solidFill>
+                  <a:srgbClr val="080808"/>
+                </a:solidFill>
+                <a:effectLst/>
+                <a:latin typeface="Courier New" panose="02070309020205020404" pitchFamily="49" charset="0"/>
+                <a:cs typeface="Courier New" panose="02070309020205020404" pitchFamily="49" charset="0"/>
+              </a:rPr>
+              <a:t>value</a:t>
+            </a:r>
+            <a:r>
+              <a:rPr kumimoji="0" lang="nl-NL" altLang="nl-NL" b="0" i="0" u="none" strike="noStrike" cap="none" normalizeH="0" baseline="0" dirty="0">
+                <a:ln>
+                  <a:noFill/>
+                </a:ln>
+                <a:solidFill>
+                  <a:srgbClr val="080808"/>
+                </a:solidFill>
+                <a:effectLst/>
+                <a:latin typeface="Courier New" panose="02070309020205020404" pitchFamily="49" charset="0"/>
+                <a:cs typeface="Courier New" panose="02070309020205020404" pitchFamily="49" charset="0"/>
+              </a:rPr>
+              <a:t> = </a:t>
+            </a:r>
+            <a:r>
+              <a:rPr kumimoji="0" lang="nl-NL" altLang="nl-NL" b="0" i="0" u="none" strike="noStrike" cap="none" normalizeH="0" baseline="0" dirty="0">
+                <a:ln>
+                  <a:noFill/>
+                </a:ln>
+                <a:solidFill>
+                  <a:srgbClr val="067D17"/>
+                </a:solidFill>
+                <a:effectLst/>
+                <a:latin typeface="Courier New" panose="02070309020205020404" pitchFamily="49" charset="0"/>
+                <a:cs typeface="Courier New" panose="02070309020205020404" pitchFamily="49" charset="0"/>
+              </a:rPr>
+              <a:t>"</a:t>
+            </a:r>
+            <a:r>
+              <a:rPr kumimoji="0" lang="nl-NL" altLang="nl-NL" b="0" i="0" u="none" strike="noStrike" cap="none" normalizeH="0" baseline="0" dirty="0" err="1">
+                <a:ln>
+                  <a:noFill/>
+                </a:ln>
+                <a:solidFill>
+                  <a:srgbClr val="067D17"/>
+                </a:solidFill>
+                <a:effectLst/>
+                <a:latin typeface="Courier New" panose="02070309020205020404" pitchFamily="49" charset="0"/>
+                <a:cs typeface="Courier New" panose="02070309020205020404" pitchFamily="49" charset="0"/>
+              </a:rPr>
+              <a:t>false</a:t>
+            </a:r>
+            <a:r>
+              <a:rPr kumimoji="0" lang="nl-NL" altLang="nl-NL" b="0" i="0" u="none" strike="noStrike" cap="none" normalizeH="0" baseline="0" dirty="0">
+                <a:ln>
+                  <a:noFill/>
+                </a:ln>
+                <a:solidFill>
+                  <a:srgbClr val="067D17"/>
+                </a:solidFill>
+                <a:effectLst/>
+                <a:latin typeface="Courier New" panose="02070309020205020404" pitchFamily="49" charset="0"/>
+                <a:cs typeface="Courier New" panose="02070309020205020404" pitchFamily="49" charset="0"/>
+              </a:rPr>
+              <a:t>"</a:t>
+            </a:r>
+            <a:br>
+              <a:rPr kumimoji="0" lang="nl-NL" altLang="nl-NL" b="0" i="0" u="none" strike="noStrike" cap="none" normalizeH="0" baseline="0" dirty="0">
+                <a:ln>
+                  <a:noFill/>
+                </a:ln>
+                <a:solidFill>
+                  <a:srgbClr val="067D17"/>
+                </a:solidFill>
+                <a:effectLst/>
+                <a:latin typeface="Courier New" panose="02070309020205020404" pitchFamily="49" charset="0"/>
+                <a:cs typeface="Courier New" panose="02070309020205020404" pitchFamily="49" charset="0"/>
+              </a:rPr>
+            </a:br>
+            <a:r>
+              <a:rPr kumimoji="0" lang="nl-NL" altLang="nl-NL" b="0" i="0" u="none" strike="noStrike" cap="none" normalizeH="0" baseline="0" dirty="0">
+                <a:ln>
+                  <a:noFill/>
+                </a:ln>
+                <a:solidFill>
+                  <a:srgbClr val="067D17"/>
+                </a:solidFill>
+                <a:effectLst/>
+                <a:latin typeface="Courier New" panose="02070309020205020404" pitchFamily="49" charset="0"/>
+                <a:cs typeface="Courier New" panose="02070309020205020404" pitchFamily="49" charset="0"/>
+              </a:rPr>
+              <a:t>    </a:t>
+            </a:r>
+            <a:r>
+              <a:rPr kumimoji="0" lang="nl-NL" altLang="nl-NL" b="0" i="0" u="none" strike="noStrike" cap="none" normalizeH="0" baseline="0" dirty="0">
+                <a:ln>
+                  <a:noFill/>
+                </a:ln>
+                <a:solidFill>
+                  <a:srgbClr val="080808"/>
+                </a:solidFill>
+                <a:effectLst/>
+                <a:latin typeface="Courier New" panose="02070309020205020404" pitchFamily="49" charset="0"/>
+                <a:cs typeface="Courier New" panose="02070309020205020404" pitchFamily="49" charset="0"/>
+              </a:rPr>
+              <a:t>)</a:t>
+            </a:r>
+            <a:br>
+              <a:rPr kumimoji="0" lang="nl-NL" altLang="nl-NL" b="0" i="0" u="none" strike="noStrike" cap="none" normalizeH="0" baseline="0" dirty="0">
+                <a:ln>
+                  <a:noFill/>
+                </a:ln>
+                <a:solidFill>
+                  <a:srgbClr val="080808"/>
+                </a:solidFill>
+                <a:effectLst/>
+                <a:latin typeface="Courier New" panose="02070309020205020404" pitchFamily="49" charset="0"/>
+                <a:cs typeface="Courier New" panose="02070309020205020404" pitchFamily="49" charset="0"/>
+              </a:rPr>
+            </a:br>
+            <a:r>
+              <a:rPr kumimoji="0" lang="nl-NL" altLang="nl-NL" b="0" i="0" u="none" strike="noStrike" cap="none" normalizeH="0" baseline="0" dirty="0">
+                <a:ln>
+                  <a:noFill/>
+                </a:ln>
+                <a:solidFill>
+                  <a:srgbClr val="080808"/>
+                </a:solidFill>
+                <a:effectLst/>
+                <a:latin typeface="Courier New" panose="02070309020205020404" pitchFamily="49" charset="0"/>
+                <a:cs typeface="Courier New" panose="02070309020205020404" pitchFamily="49" charset="0"/>
+              </a:rPr>
+              <a:t>})</a:t>
+            </a:r>
+            <a:endParaRPr kumimoji="0" lang="nl-NL" altLang="nl-NL" sz="4000" b="0" i="0" u="none" strike="noStrike" cap="none" normalizeH="0" baseline="0" dirty="0">
+              <a:ln>
+                <a:noFill/>
+              </a:ln>
+              <a:solidFill>
+                <a:schemeClr val="tx1"/>
+              </a:solidFill>
+              <a:effectLst/>
+              <a:latin typeface="Courier New" panose="02070309020205020404" pitchFamily="49" charset="0"/>
+              <a:cs typeface="Courier New" panose="02070309020205020404" pitchFamily="49" charset="0"/>
+            </a:endParaRPr>
           </a:p>
         </p:txBody>
       </p:sp>
     </p:spTree>
     <p:extLst>
       <p:ext uri="{BB962C8B-B14F-4D97-AF65-F5344CB8AC3E}">
-        <p14:creationId xmlns:p14="http://schemas.microsoft.com/office/powerpoint/2010/main" val="3090134708"/>
+        <p14:creationId xmlns:p14="http://schemas.microsoft.com/office/powerpoint/2010/main" val="438314157"/>
       </p:ext>
     </p:extLst>
   </p:cSld>
@@ -31268,10 +32074,10 @@
       </p:grpSpPr>
       <p:sp>
         <p:nvSpPr>
-          <p:cNvPr id="10" name="Title 2">
+          <p:cNvPr id="2" name="Titel 1">
             <a:extLst>
               <a:ext uri="{FF2B5EF4-FFF2-40B4-BE49-F238E27FC236}">
-                <a16:creationId xmlns:a16="http://schemas.microsoft.com/office/drawing/2014/main" id="{49AB3702-1810-764C-3BE9-C338CDB6A62F}"/>
+                <a16:creationId xmlns:a16="http://schemas.microsoft.com/office/drawing/2014/main" id="{05B55862-4B05-4C16-B01F-3FA0CB002DB3}"/>
               </a:ext>
             </a:extLst>
           </p:cNvPr>
@@ -31284,31 +32090,216 @@
         </p:nvSpPr>
         <p:spPr>
           <a:xfrm>
-            <a:off x="792000" y="1324801"/>
-            <a:ext cx="10165560" cy="2358200"/>
+            <a:off x="1296000" y="720000"/>
+            <a:ext cx="9864000" cy="866153"/>
           </a:xfrm>
         </p:spPr>
         <p:txBody>
-          <a:bodyPr anchor="t">
+          <a:bodyPr/>
+          <a:lstStyle/>
+          <a:p>
+            <a:r>
+              <a:rPr lang="nl-BE" dirty="0"/>
+              <a:t>The </a:t>
+            </a:r>
+            <a:r>
+              <a:rPr lang="nl-BE" dirty="0" err="1"/>
+              <a:t>cartesian</a:t>
+            </a:r>
+            <a:r>
+              <a:rPr lang="nl-BE" dirty="0"/>
+              <a:t> product </a:t>
+            </a:r>
+            <a:r>
+              <a:rPr lang="nl-BE" dirty="0" err="1"/>
+              <a:t>problem</a:t>
+            </a:r>
+            <a:r>
+              <a:rPr lang="nl-BE" dirty="0"/>
+              <a:t> is a database </a:t>
+            </a:r>
+            <a:r>
+              <a:rPr lang="nl-BE" dirty="0" err="1"/>
+              <a:t>problem</a:t>
+            </a:r>
+            <a:endParaRPr lang="nl-NL" dirty="0"/>
+          </a:p>
+        </p:txBody>
+      </p:sp>
+      <p:sp>
+        <p:nvSpPr>
+          <p:cNvPr id="3" name="Tijdelijke aanduiding voor tekst 2">
+            <a:extLst>
+              <a:ext uri="{FF2B5EF4-FFF2-40B4-BE49-F238E27FC236}">
+                <a16:creationId xmlns:a16="http://schemas.microsoft.com/office/drawing/2014/main" id="{8B3F77EB-4E55-4CD2-91C4-1539E78AB8B6}"/>
+              </a:ext>
+            </a:extLst>
+          </p:cNvPr>
+          <p:cNvSpPr>
+            <a:spLocks noGrp="1"/>
+          </p:cNvSpPr>
+          <p:nvPr>
+            <p:ph type="body" sz="quarter" idx="10"/>
+          </p:nvPr>
+        </p:nvSpPr>
+        <p:spPr>
+          <a:xfrm>
+            <a:off x="1295999" y="3506569"/>
+            <a:ext cx="9864000" cy="2709415"/>
+          </a:xfrm>
+        </p:spPr>
+        <p:txBody>
+          <a:bodyPr>
             <a:normAutofit/>
           </a:bodyPr>
           <a:lstStyle/>
           <a:p>
-            <a:r>
-              <a:rPr lang="en-US" dirty="0"/>
-              <a:t>Performance tips and common mistakes</a:t>
-            </a:r>
-            <a:endParaRPr lang="en-US" dirty="0">
-              <a:latin typeface="Courier New" panose="02070309020205020404" pitchFamily="49" charset="0"/>
-              <a:cs typeface="Courier New" panose="02070309020205020404" pitchFamily="49" charset="0"/>
+            <a:pPr marL="0" indent="0">
+              <a:buNone/>
+            </a:pPr>
+            <a:r>
+              <a:rPr lang="nl-BE" sz="1800" dirty="0"/>
+              <a:t>More info: </a:t>
+            </a:r>
+            <a:endParaRPr lang="nl-BE" sz="1800" b="1" dirty="0">
+              <a:highlight>
+                <a:srgbClr val="FFFF00"/>
+              </a:highlight>
             </a:endParaRPr>
+          </a:p>
+          <a:p>
+            <a:pPr lvl="1"/>
+            <a:r>
+              <a:rPr lang="nl-BE" sz="1800" dirty="0">
+                <a:hlinkClick r:id="rId3"/>
+              </a:rPr>
+              <a:t>https://jakarta.ee/specifications/persistence/3.0/jakarta-persistence-spec-3.0.html#a4931</a:t>
+            </a:r>
+            <a:endParaRPr lang="nl-BE" sz="1800" dirty="0"/>
+          </a:p>
+          <a:p>
+            <a:pPr lvl="1"/>
+            <a:r>
+              <a:rPr lang="nl-BE" sz="1800" dirty="0">
+                <a:hlinkClick r:id="rId4"/>
+              </a:rPr>
+              <a:t>https://developer.jboss.org/docs/DOC-15782#jive_content_id_Hibernate_does_not_return_distinct_results_for_a_query_with_outer_join_fetching_enabled_for_a_collection_even_if_I_use_the_distinct_keyword</a:t>
+            </a:r>
+            <a:endParaRPr lang="nl-BE" sz="1800" dirty="0"/>
+          </a:p>
+          <a:p>
+            <a:pPr lvl="1"/>
+            <a:r>
+              <a:rPr lang="nl-BE" sz="1800" dirty="0">
+                <a:hlinkClick r:id="rId5"/>
+              </a:rPr>
+              <a:t>https://vladmihalcea.com/jpql-distinct-jpa-hibernate/</a:t>
+            </a:r>
+            <a:endParaRPr lang="nl-BE" sz="1800" dirty="0"/>
+          </a:p>
+          <a:p>
+            <a:pPr lvl="1"/>
+            <a:r>
+              <a:rPr lang="nl-BE" sz="1800" dirty="0">
+                <a:hlinkClick r:id="rId6"/>
+              </a:rPr>
+              <a:t>https://in.relation.to/2016/08/04/introducing-distinct-pass-through-query-hint/</a:t>
+            </a:r>
+            <a:endParaRPr lang="nl-BE" sz="1800" dirty="0"/>
+          </a:p>
+          <a:p>
+            <a:pPr lvl="1"/>
+            <a:r>
+              <a:rPr lang="nl-BE" sz="1800" dirty="0">
+                <a:hlinkClick r:id="rId7"/>
+              </a:rPr>
+              <a:t>https://thorben-janssen.com/hibernate-tips-apply-distinct-to-jpql-but-not-sql-query/</a:t>
+            </a:r>
+            <a:endParaRPr lang="nl-BE" sz="1800" dirty="0"/>
           </a:p>
         </p:txBody>
       </p:sp>
+      <p:pic>
+        <p:nvPicPr>
+          <p:cNvPr id="5" name="Picture 2" descr="22,947 Demo Foto's, Afbeeldingen en Stock Fotografie - 123RF">
+            <a:extLst>
+              <a:ext uri="{FF2B5EF4-FFF2-40B4-BE49-F238E27FC236}">
+                <a16:creationId xmlns:a16="http://schemas.microsoft.com/office/drawing/2014/main" id="{95B0A73F-6D16-4E98-926F-40FC964455BD}"/>
+              </a:ext>
+            </a:extLst>
+          </p:cNvPr>
+          <p:cNvPicPr>
+            <a:picLocks noChangeAspect="1" noChangeArrowheads="1"/>
+          </p:cNvPicPr>
+          <p:nvPr/>
+        </p:nvPicPr>
+        <p:blipFill>
+          <a:blip r:embed="rId8">
+            <a:extLst>
+              <a:ext uri="{28A0092B-C50C-407E-A947-70E740481C1C}">
+                <a14:useLocalDpi xmlns:a14="http://schemas.microsoft.com/office/drawing/2010/main" val="0"/>
+              </a:ext>
+            </a:extLst>
+          </a:blip>
+          <a:srcRect/>
+          <a:stretch>
+            <a:fillRect/>
+          </a:stretch>
+        </p:blipFill>
+        <p:spPr bwMode="auto">
+          <a:xfrm>
+            <a:off x="10160000" y="5711240"/>
+            <a:ext cx="1822679" cy="903239"/>
+          </a:xfrm>
+          <a:prstGeom prst="rect">
+            <a:avLst/>
+          </a:prstGeom>
+          <a:noFill/>
+          <a:extLst>
+            <a:ext uri="{909E8E84-426E-40DD-AFC4-6F175D3DCCD1}">
+              <a14:hiddenFill xmlns:a14="http://schemas.microsoft.com/office/drawing/2010/main">
+                <a:solidFill>
+                  <a:srgbClr val="FFFFFF"/>
+                </a:solidFill>
+              </a14:hiddenFill>
+            </a:ext>
+          </a:extLst>
+        </p:spPr>
+      </p:pic>
+      <p:pic>
+        <p:nvPicPr>
+          <p:cNvPr id="7" name="Afbeelding 6">
+            <a:extLst>
+              <a:ext uri="{FF2B5EF4-FFF2-40B4-BE49-F238E27FC236}">
+                <a16:creationId xmlns:a16="http://schemas.microsoft.com/office/drawing/2014/main" id="{852748A4-766B-4D58-8E95-3421775E2523}"/>
+              </a:ext>
+            </a:extLst>
+          </p:cNvPr>
+          <p:cNvPicPr>
+            <a:picLocks noChangeAspect="1"/>
+          </p:cNvPicPr>
+          <p:nvPr/>
+        </p:nvPicPr>
+        <p:blipFill>
+          <a:blip r:embed="rId9"/>
+          <a:stretch>
+            <a:fillRect/>
+          </a:stretch>
+        </p:blipFill>
+        <p:spPr>
+          <a:xfrm>
+            <a:off x="1178414" y="2047261"/>
+            <a:ext cx="10099171" cy="1304171"/>
+          </a:xfrm>
+          <a:prstGeom prst="rect">
+            <a:avLst/>
+          </a:prstGeom>
+        </p:spPr>
+      </p:pic>
     </p:spTree>
     <p:extLst>
       <p:ext uri="{BB962C8B-B14F-4D97-AF65-F5344CB8AC3E}">
-        <p14:creationId xmlns:p14="http://schemas.microsoft.com/office/powerpoint/2010/main" val="1036875611"/>
+        <p14:creationId xmlns:p14="http://schemas.microsoft.com/office/powerpoint/2010/main" val="3090134708"/>
       </p:ext>
     </p:extLst>
   </p:cSld>
@@ -31455,13 +32446,24 @@
         </p:spPr>
         <p:txBody>
           <a:bodyPr anchor="t">
-            <a:normAutofit fontScale="90000"/>
+            <a:normAutofit/>
           </a:bodyPr>
           <a:lstStyle/>
           <a:p>
             <a:r>
               <a:rPr lang="en-US" dirty="0"/>
-              <a:t>Mistake 1: Using entities for read-only operations.</a:t>
+              <a:t>Types of </a:t>
+            </a:r>
+            <a:r>
+              <a:rPr lang="en-US" dirty="0">
+                <a:latin typeface="Courier New" panose="02070309020205020404" pitchFamily="49" charset="0"/>
+                <a:cs typeface="Courier New" panose="02070309020205020404" pitchFamily="49" charset="0"/>
+              </a:rPr>
+              <a:t>JOIN</a:t>
+            </a:r>
+            <a:r>
+              <a:rPr lang="en-US" dirty="0"/>
+              <a:t>s in JPQL</a:t>
             </a:r>
           </a:p>
         </p:txBody>
@@ -31484,8 +32486,8 @@
         </p:nvSpPr>
         <p:spPr>
           <a:xfrm>
-            <a:off x="1296000" y="2105696"/>
-            <a:ext cx="9864000" cy="3632163"/>
+            <a:off x="1296000" y="1566420"/>
+            <a:ext cx="9864000" cy="5170442"/>
           </a:xfrm>
         </p:spPr>
         <p:txBody>
@@ -31500,8 +32502,26 @@
               </a:spcAft>
             </a:pPr>
             <a:r>
-              <a:rPr lang="en-US" sz="2800" dirty="0"/>
-              <a:t>Entities come with a lot of overhead.</a:t>
+              <a:rPr lang="en-US" dirty="0"/>
+              <a:t>(</a:t>
+            </a:r>
+            <a:r>
+              <a:rPr lang="en-US" sz="2800" dirty="0">
+                <a:latin typeface="Courier New" panose="02070309020205020404" pitchFamily="49" charset="0"/>
+                <a:cs typeface="Courier New" panose="02070309020205020404" pitchFamily="49" charset="0"/>
+              </a:rPr>
+              <a:t>INNER</a:t>
+            </a:r>
+            <a:r>
+              <a:rPr lang="en-US" dirty="0"/>
+              <a:t>)</a:t>
+            </a:r>
+            <a:r>
+              <a:rPr lang="en-US" sz="2800" dirty="0">
+                <a:latin typeface="Courier New" panose="02070309020205020404" pitchFamily="49" charset="0"/>
+                <a:cs typeface="Courier New" panose="02070309020205020404" pitchFamily="49" charset="0"/>
+              </a:rPr>
+              <a:t> JOIN</a:t>
             </a:r>
           </a:p>
           <a:p>
@@ -31511,16 +32531,141 @@
               </a:spcAft>
             </a:pPr>
             <a:r>
-              <a:rPr lang="en-US" sz="2800" dirty="0"/>
-              <a:t>Use DTO projections if possible.</a:t>
-            </a:r>
+              <a:rPr lang="en-US" sz="2800" dirty="0">
+                <a:latin typeface="Courier New" panose="02070309020205020404" pitchFamily="49" charset="0"/>
+                <a:cs typeface="Courier New" panose="02070309020205020404" pitchFamily="49" charset="0"/>
+              </a:rPr>
+              <a:t>LEFT </a:t>
+            </a:r>
+            <a:r>
+              <a:rPr lang="en-US" dirty="0"/>
+              <a:t>(</a:t>
+            </a:r>
+            <a:r>
+              <a:rPr lang="en-US" sz="2800" dirty="0">
+                <a:latin typeface="Courier New" panose="02070309020205020404" pitchFamily="49" charset="0"/>
+                <a:cs typeface="Courier New" panose="02070309020205020404" pitchFamily="49" charset="0"/>
+              </a:rPr>
+              <a:t>OUTER</a:t>
+            </a:r>
+            <a:r>
+              <a:rPr lang="en-US" dirty="0"/>
+              <a:t>)</a:t>
+            </a:r>
+            <a:r>
+              <a:rPr lang="en-US" sz="2800" dirty="0">
+                <a:latin typeface="Courier New" panose="02070309020205020404" pitchFamily="49" charset="0"/>
+                <a:cs typeface="Courier New" panose="02070309020205020404" pitchFamily="49" charset="0"/>
+              </a:rPr>
+              <a:t> JOIN</a:t>
+            </a:r>
+            <a:r>
+              <a:rPr lang="en-US" dirty="0"/>
+              <a:t> </a:t>
+            </a:r>
+          </a:p>
+          <a:p>
+            <a:pPr>
+              <a:spcAft>
+                <a:spcPts val="600"/>
+              </a:spcAft>
+            </a:pPr>
+            <a:r>
+              <a:rPr lang="en-US" sz="2800" dirty="0">
+                <a:latin typeface="Courier New" panose="02070309020205020404" pitchFamily="49" charset="0"/>
+                <a:cs typeface="Courier New" panose="02070309020205020404" pitchFamily="49" charset="0"/>
+              </a:rPr>
+              <a:t>RIGHT </a:t>
+            </a:r>
+            <a:r>
+              <a:rPr lang="en-US" dirty="0"/>
+              <a:t>(</a:t>
+            </a:r>
+            <a:r>
+              <a:rPr lang="en-US" sz="2800" dirty="0">
+                <a:latin typeface="Courier New" panose="02070309020205020404" pitchFamily="49" charset="0"/>
+                <a:cs typeface="Courier New" panose="02070309020205020404" pitchFamily="49" charset="0"/>
+              </a:rPr>
+              <a:t>OUTER</a:t>
+            </a:r>
+            <a:r>
+              <a:rPr lang="en-US" dirty="0"/>
+              <a:t>)</a:t>
+            </a:r>
+            <a:r>
+              <a:rPr lang="en-US" sz="2800" dirty="0">
+                <a:latin typeface="Courier New" panose="02070309020205020404" pitchFamily="49" charset="0"/>
+                <a:cs typeface="Courier New" panose="02070309020205020404" pitchFamily="49" charset="0"/>
+              </a:rPr>
+              <a:t> JOIN</a:t>
+            </a:r>
+          </a:p>
+          <a:p>
+            <a:pPr>
+              <a:spcAft>
+                <a:spcPts val="600"/>
+              </a:spcAft>
+            </a:pPr>
+            <a:r>
+              <a:rPr lang="en-US" dirty="0"/>
+              <a:t>Every type of </a:t>
+            </a:r>
+            <a:r>
+              <a:rPr lang="en-US" dirty="0">
+                <a:latin typeface="Courier New" panose="02070309020205020404" pitchFamily="49" charset="0"/>
+                <a:cs typeface="Courier New" panose="02070309020205020404" pitchFamily="49" charset="0"/>
+              </a:rPr>
+              <a:t>JOIN</a:t>
+            </a:r>
+            <a:r>
+              <a:rPr lang="en-US" dirty="0"/>
+              <a:t> can be </a:t>
+            </a:r>
+            <a:r>
+              <a:rPr lang="en-US" dirty="0" err="1">
+                <a:latin typeface="Courier New" panose="02070309020205020404" pitchFamily="49" charset="0"/>
+                <a:cs typeface="Courier New" panose="02070309020205020404" pitchFamily="49" charset="0"/>
+              </a:rPr>
+              <a:t>FETCH</a:t>
+            </a:r>
+            <a:r>
+              <a:rPr lang="en-US" dirty="0" err="1"/>
+              <a:t>’ed</a:t>
+            </a:r>
+            <a:r>
+              <a:rPr lang="en-US" dirty="0"/>
+              <a:t> to initialize the association.</a:t>
+            </a:r>
+          </a:p>
+          <a:p>
+            <a:pPr marL="0" indent="0">
+              <a:spcAft>
+                <a:spcPts val="600"/>
+              </a:spcAft>
+              <a:buNone/>
+            </a:pPr>
+            <a:endParaRPr lang="en-US" sz="2800" dirty="0">
+              <a:latin typeface="Courier New" panose="02070309020205020404" pitchFamily="49" charset="0"/>
+              <a:cs typeface="Courier New" panose="02070309020205020404" pitchFamily="49" charset="0"/>
+            </a:endParaRPr>
+          </a:p>
+          <a:p>
+            <a:pPr>
+              <a:spcAft>
+                <a:spcPts val="600"/>
+              </a:spcAft>
+            </a:pPr>
+            <a:endParaRPr lang="en-US" sz="2800" dirty="0">
+              <a:latin typeface="Courier New" panose="02070309020205020404" pitchFamily="49" charset="0"/>
+              <a:cs typeface="Courier New" panose="02070309020205020404" pitchFamily="49" charset="0"/>
+            </a:endParaRPr>
           </a:p>
         </p:txBody>
       </p:sp>
     </p:spTree>
     <p:extLst>
       <p:ext uri="{BB962C8B-B14F-4D97-AF65-F5344CB8AC3E}">
-        <p14:creationId xmlns:p14="http://schemas.microsoft.com/office/powerpoint/2010/main" val="613316660"/>
+        <p14:creationId xmlns:p14="http://schemas.microsoft.com/office/powerpoint/2010/main" val="1889153101"/>
       </p:ext>
     </p:extLst>
   </p:cSld>
@@ -31549,10 +32694,10 @@
       </p:grpSpPr>
       <p:sp>
         <p:nvSpPr>
-          <p:cNvPr id="11" name="Title 1">
+          <p:cNvPr id="10" name="Title 2">
             <a:extLst>
               <a:ext uri="{FF2B5EF4-FFF2-40B4-BE49-F238E27FC236}">
-                <a16:creationId xmlns:a16="http://schemas.microsoft.com/office/drawing/2014/main" id="{51612DA1-DB43-7E72-A4EA-4B95C807605F}"/>
+                <a16:creationId xmlns:a16="http://schemas.microsoft.com/office/drawing/2014/main" id="{49AB3702-1810-764C-3BE9-C338CDB6A62F}"/>
               </a:ext>
             </a:extLst>
           </p:cNvPr>
@@ -31565,8 +32710,8 @@
         </p:nvSpPr>
         <p:spPr>
           <a:xfrm>
-            <a:off x="1296000" y="720000"/>
-            <a:ext cx="9864000" cy="681480"/>
+            <a:off x="792000" y="1324801"/>
+            <a:ext cx="10165560" cy="2358200"/>
           </a:xfrm>
         </p:spPr>
         <p:txBody>
@@ -31576,166 +32721,20 @@
           <a:lstStyle/>
           <a:p>
             <a:r>
-              <a:rPr lang="en-US" sz="3600" dirty="0"/>
-              <a:t>Mistake 2: Using </a:t>
-            </a:r>
-            <a:r>
-              <a:rPr lang="en-US" sz="3600" dirty="0" err="1">
-                <a:latin typeface="Courier New" panose="02070309020205020404" pitchFamily="49" charset="0"/>
-                <a:cs typeface="Courier New" panose="02070309020205020404" pitchFamily="49" charset="0"/>
-              </a:rPr>
-              <a:t>hibernate.show_sql</a:t>
-            </a:r>
-            <a:endParaRPr lang="en-US" sz="3600" dirty="0">
+              <a:rPr lang="en-US" dirty="0"/>
+              <a:t>Performance tips and common mistakes</a:t>
+            </a:r>
+            <a:endParaRPr lang="en-US" dirty="0">
               <a:latin typeface="Courier New" panose="02070309020205020404" pitchFamily="49" charset="0"/>
               <a:cs typeface="Courier New" panose="02070309020205020404" pitchFamily="49" charset="0"/>
             </a:endParaRPr>
-          </a:p>
-        </p:txBody>
-      </p:sp>
-      <p:sp>
-        <p:nvSpPr>
-          <p:cNvPr id="13" name="Text Placeholder 2">
-            <a:extLst>
-              <a:ext uri="{FF2B5EF4-FFF2-40B4-BE49-F238E27FC236}">
-                <a16:creationId xmlns:a16="http://schemas.microsoft.com/office/drawing/2014/main" id="{5AFACC08-6E7F-14DD-D1E6-54973126E7AF}"/>
-              </a:ext>
-            </a:extLst>
-          </p:cNvPr>
-          <p:cNvSpPr>
-            <a:spLocks noGrp="1"/>
-          </p:cNvSpPr>
-          <p:nvPr>
-            <p:ph type="body" sz="quarter" idx="10"/>
-          </p:nvPr>
-        </p:nvSpPr>
-        <p:spPr>
-          <a:xfrm>
-            <a:off x="1296000" y="2105696"/>
-            <a:ext cx="9864000" cy="3632163"/>
-          </a:xfrm>
-        </p:spPr>
-        <p:txBody>
-          <a:bodyPr>
-            <a:normAutofit/>
-          </a:bodyPr>
-          <a:lstStyle/>
-          <a:p>
-            <a:pPr>
-              <a:spcAft>
-                <a:spcPts val="600"/>
-              </a:spcAft>
-            </a:pPr>
-            <a:r>
-              <a:rPr lang="en-US" sz="2800" dirty="0"/>
-              <a:t>Statements are always logged to console.</a:t>
-            </a:r>
-          </a:p>
-          <a:p>
-            <a:pPr>
-              <a:spcAft>
-                <a:spcPts val="600"/>
-              </a:spcAft>
-            </a:pPr>
-            <a:r>
-              <a:rPr lang="en-US" sz="2800" dirty="0"/>
-              <a:t>Use the logger framework instead:</a:t>
-            </a:r>
-          </a:p>
-          <a:p>
-            <a:pPr marL="252000" lvl="1" indent="0">
-              <a:spcAft>
-                <a:spcPts val="600"/>
-              </a:spcAft>
-              <a:buNone/>
-            </a:pPr>
-            <a:r>
-              <a:rPr lang="en-US" sz="2400" dirty="0">
-                <a:latin typeface="Courier New" panose="02070309020205020404" pitchFamily="49" charset="0"/>
-                <a:cs typeface="Courier New" panose="02070309020205020404" pitchFamily="49" charset="0"/>
-              </a:rPr>
-              <a:t>logging:</a:t>
-            </a:r>
-          </a:p>
-          <a:p>
-            <a:pPr marL="252000" lvl="1" indent="0">
-              <a:spcAft>
-                <a:spcPts val="600"/>
-              </a:spcAft>
-              <a:buNone/>
-            </a:pPr>
-            <a:r>
-              <a:rPr lang="en-US" sz="2400" dirty="0">
-                <a:latin typeface="Courier New" panose="02070309020205020404" pitchFamily="49" charset="0"/>
-                <a:cs typeface="Courier New" panose="02070309020205020404" pitchFamily="49" charset="0"/>
-              </a:rPr>
-              <a:t>  level:</a:t>
-            </a:r>
-          </a:p>
-          <a:p>
-            <a:pPr marL="252000" lvl="1" indent="0">
-              <a:spcAft>
-                <a:spcPts val="600"/>
-              </a:spcAft>
-              <a:buNone/>
-            </a:pPr>
-            <a:r>
-              <a:rPr lang="en-US" sz="2400" dirty="0">
-                <a:latin typeface="Courier New" panose="02070309020205020404" pitchFamily="49" charset="0"/>
-                <a:cs typeface="Courier New" panose="02070309020205020404" pitchFamily="49" charset="0"/>
-              </a:rPr>
-              <a:t>    </a:t>
-            </a:r>
-            <a:r>
-              <a:rPr lang="en-US" sz="2400" dirty="0" err="1">
-                <a:latin typeface="Courier New" panose="02070309020205020404" pitchFamily="49" charset="0"/>
-                <a:cs typeface="Courier New" panose="02070309020205020404" pitchFamily="49" charset="0"/>
-              </a:rPr>
-              <a:t>org.hibernate.SQL</a:t>
-            </a:r>
-            <a:r>
-              <a:rPr lang="en-US" sz="2400" dirty="0">
-                <a:latin typeface="Courier New" panose="02070309020205020404" pitchFamily="49" charset="0"/>
-                <a:cs typeface="Courier New" panose="02070309020205020404" pitchFamily="49" charset="0"/>
-              </a:rPr>
-              <a:t>: debug</a:t>
-            </a:r>
-          </a:p>
-          <a:p>
-            <a:pPr marL="252000" lvl="1" indent="0">
-              <a:spcAft>
-                <a:spcPts val="600"/>
-              </a:spcAft>
-              <a:buNone/>
-            </a:pPr>
-            <a:r>
-              <a:rPr lang="en-US" sz="2400" dirty="0">
-                <a:latin typeface="Courier New" panose="02070309020205020404" pitchFamily="49" charset="0"/>
-                <a:cs typeface="Courier New" panose="02070309020205020404" pitchFamily="49" charset="0"/>
-              </a:rPr>
-              <a:t>    </a:t>
-            </a:r>
-            <a:r>
-              <a:rPr lang="en-US" sz="2400" dirty="0" err="1">
-                <a:latin typeface="Courier New" panose="02070309020205020404" pitchFamily="49" charset="0"/>
-                <a:cs typeface="Courier New" panose="02070309020205020404" pitchFamily="49" charset="0"/>
-              </a:rPr>
-              <a:t>org.hibernate.type.descriptor.sql</a:t>
-            </a:r>
-            <a:r>
-              <a:rPr lang="en-US" sz="2400" dirty="0">
-                <a:latin typeface="Courier New" panose="02070309020205020404" pitchFamily="49" charset="0"/>
-                <a:cs typeface="Courier New" panose="02070309020205020404" pitchFamily="49" charset="0"/>
-              </a:rPr>
-              <a:t>: trace</a:t>
-            </a:r>
           </a:p>
         </p:txBody>
       </p:sp>
     </p:spTree>
     <p:extLst>
       <p:ext uri="{BB962C8B-B14F-4D97-AF65-F5344CB8AC3E}">
-        <p14:creationId xmlns:p14="http://schemas.microsoft.com/office/powerpoint/2010/main" val="36027474"/>
+        <p14:creationId xmlns:p14="http://schemas.microsoft.com/office/powerpoint/2010/main" val="1036875611"/>
       </p:ext>
     </p:extLst>
   </p:cSld>
@@ -31792,23 +32791,8 @@
           <a:p>
             <a:r>
               <a:rPr lang="en-US" dirty="0"/>
-              <a:t>Mistake 3: Using </a:t>
-            </a:r>
-            <a:r>
-              <a:rPr lang="en-US" dirty="0">
-                <a:latin typeface="Courier New" panose="02070309020205020404" pitchFamily="49" charset="0"/>
-                <a:cs typeface="Courier New" panose="02070309020205020404" pitchFamily="49" charset="0"/>
-              </a:rPr>
-              <a:t>@Transactional </a:t>
-            </a:r>
-            <a:r>
-              <a:rPr lang="en-US" dirty="0"/>
-              <a:t>in tests</a:t>
-            </a:r>
-            <a:endParaRPr lang="en-US" dirty="0">
-              <a:latin typeface="Courier New" panose="02070309020205020404" pitchFamily="49" charset="0"/>
-              <a:cs typeface="Courier New" panose="02070309020205020404" pitchFamily="49" charset="0"/>
-            </a:endParaRPr>
+              <a:t>Mistake 1: Using entities for read-only operations.</a:t>
+            </a:r>
           </a:p>
         </p:txBody>
       </p:sp>
@@ -31846,30 +32830,8 @@
               </a:spcAft>
             </a:pPr>
             <a:r>
-              <a:rPr lang="en-US" dirty="0"/>
-              <a:t>Why would you use </a:t>
-            </a:r>
-            <a:r>
-              <a:rPr lang="en-US" dirty="0">
-                <a:latin typeface="Courier New" panose="02070309020205020404" pitchFamily="49" charset="0"/>
-                <a:cs typeface="Courier New" panose="02070309020205020404" pitchFamily="49" charset="0"/>
-              </a:rPr>
-              <a:t>@Transactional </a:t>
-            </a:r>
-            <a:r>
-              <a:rPr lang="en-US" dirty="0"/>
-              <a:t>in a test?</a:t>
-            </a:r>
-          </a:p>
-          <a:p>
-            <a:pPr lvl="1">
-              <a:spcAft>
-                <a:spcPts val="600"/>
-              </a:spcAft>
-            </a:pPr>
-            <a:r>
-              <a:rPr lang="en-US" dirty="0"/>
-              <a:t>To clean up data and ensure a deterministic test suite.</a:t>
+              <a:rPr lang="en-US" sz="2800" dirty="0"/>
+              <a:t>Entities come with a lot of overhead.</a:t>
             </a:r>
           </a:p>
           <a:p>
@@ -31879,126 +32841,16 @@
               </a:spcAft>
             </a:pPr>
             <a:r>
-              <a:rPr lang="en-US" dirty="0"/>
-              <a:t>What is the biggest problem when doing this?</a:t>
-            </a:r>
-          </a:p>
-          <a:p>
-            <a:pPr lvl="1">
-              <a:spcAft>
-                <a:spcPts val="600"/>
-              </a:spcAft>
-            </a:pPr>
-            <a:r>
-              <a:rPr lang="en-US" dirty="0"/>
-              <a:t>Using </a:t>
-            </a:r>
-            <a:r>
-              <a:rPr lang="en-US" dirty="0">
-                <a:latin typeface="Courier New" panose="02070309020205020404" pitchFamily="49" charset="0"/>
-                <a:cs typeface="Courier New" panose="02070309020205020404" pitchFamily="49" charset="0"/>
-              </a:rPr>
-              <a:t>@Transactional </a:t>
-            </a:r>
-            <a:r>
-              <a:rPr lang="en-US" dirty="0"/>
-              <a:t>in tests is dangerous as it can hide production issues.</a:t>
-            </a:r>
-          </a:p>
-          <a:p>
-            <a:pPr>
-              <a:spcAft>
-                <a:spcPts val="600"/>
-              </a:spcAft>
-            </a:pPr>
-            <a:r>
-              <a:rPr lang="en-US" dirty="0"/>
-              <a:t>Solution:</a:t>
-            </a:r>
-          </a:p>
-          <a:p>
-            <a:pPr lvl="1">
-              <a:spcAft>
-                <a:spcPts val="600"/>
-              </a:spcAft>
-            </a:pPr>
-            <a:r>
-              <a:rPr lang="en-US" dirty="0"/>
-              <a:t>Clean up manually (</a:t>
-            </a:r>
-            <a:r>
-              <a:rPr lang="en-US" dirty="0">
-                <a:latin typeface="Courier New" panose="02070309020205020404" pitchFamily="49" charset="0"/>
-                <a:cs typeface="Courier New" panose="02070309020205020404" pitchFamily="49" charset="0"/>
-              </a:rPr>
-              <a:t>@AfterEach</a:t>
-            </a:r>
-            <a:r>
-              <a:rPr lang="en-US" dirty="0"/>
-              <a:t>).</a:t>
-            </a:r>
-          </a:p>
-          <a:p>
-            <a:pPr>
-              <a:spcAft>
-                <a:spcPts val="600"/>
-              </a:spcAft>
-            </a:pPr>
-            <a:endParaRPr lang="en-US" dirty="0"/>
+              <a:rPr lang="en-US" sz="2800" dirty="0"/>
+              <a:t>Use DTO projections if possible.</a:t>
+            </a:r>
           </a:p>
         </p:txBody>
       </p:sp>
-      <p:pic>
-        <p:nvPicPr>
-          <p:cNvPr id="4" name="Picture 2" descr="22,947 Demo Foto's, Afbeeldingen en Stock Fotografie - 123RF">
-            <a:extLst>
-              <a:ext uri="{FF2B5EF4-FFF2-40B4-BE49-F238E27FC236}">
-                <a16:creationId xmlns:a16="http://schemas.microsoft.com/office/drawing/2014/main" id="{3078C261-1290-4C96-B0F3-7F5867671363}"/>
-              </a:ext>
-            </a:extLst>
-          </p:cNvPr>
-          <p:cNvPicPr>
-            <a:picLocks noChangeAspect="1" noChangeArrowheads="1"/>
-          </p:cNvPicPr>
-          <p:nvPr/>
-        </p:nvPicPr>
-        <p:blipFill>
-          <a:blip r:embed="rId2">
-            <a:extLst>
-              <a:ext uri="{28A0092B-C50C-407E-A947-70E740481C1C}">
-                <a14:useLocalDpi xmlns:a14="http://schemas.microsoft.com/office/drawing/2010/main" val="0"/>
-              </a:ext>
-            </a:extLst>
-          </a:blip>
-          <a:srcRect/>
-          <a:stretch>
-            <a:fillRect/>
-          </a:stretch>
-        </p:blipFill>
-        <p:spPr bwMode="auto">
-          <a:xfrm>
-            <a:off x="10059668" y="5661520"/>
-            <a:ext cx="1923011" cy="952959"/>
-          </a:xfrm>
-          <a:prstGeom prst="rect">
-            <a:avLst/>
-          </a:prstGeom>
-          <a:noFill/>
-          <a:extLst>
-            <a:ext uri="{909E8E84-426E-40DD-AFC4-6F175D3DCCD1}">
-              <a14:hiddenFill xmlns:a14="http://schemas.microsoft.com/office/drawing/2010/main">
-                <a:solidFill>
-                  <a:srgbClr val="FFFFFF"/>
-                </a:solidFill>
-              </a14:hiddenFill>
-            </a:ext>
-          </a:extLst>
-        </p:spPr>
-      </p:pic>
     </p:spTree>
     <p:extLst>
       <p:ext uri="{BB962C8B-B14F-4D97-AF65-F5344CB8AC3E}">
-        <p14:creationId xmlns:p14="http://schemas.microsoft.com/office/powerpoint/2010/main" val="3022796713"/>
+        <p14:creationId xmlns:p14="http://schemas.microsoft.com/office/powerpoint/2010/main" val="613316660"/>
       </p:ext>
     </p:extLst>
   </p:cSld>
@@ -32043,24 +32895,21 @@
         </p:nvSpPr>
         <p:spPr>
           <a:xfrm>
-            <a:off x="1296000" y="719999"/>
-            <a:ext cx="9864000" cy="1057285"/>
+            <a:off x="1296000" y="720000"/>
+            <a:ext cx="9864000" cy="681480"/>
           </a:xfrm>
         </p:spPr>
         <p:txBody>
           <a:bodyPr anchor="t">
-            <a:normAutofit fontScale="90000"/>
+            <a:normAutofit/>
           </a:bodyPr>
           <a:lstStyle/>
           <a:p>
             <a:r>
-              <a:rPr lang="en-US" dirty="0"/>
-              <a:t>Mistake 4: Updating or removing entities one-by-one</a:t>
-            </a:r>
-            <a:endParaRPr lang="en-US" dirty="0">
-              <a:solidFill>
-                <a:srgbClr val="FF0000"/>
-              </a:solidFill>
+              <a:rPr lang="en-US" sz="3600" dirty="0"/>
+              <a:t>Mistake 2: Not reading SQL logs</a:t>
+            </a:r>
+            <a:endParaRPr lang="en-US" sz="3600" dirty="0">
               <a:latin typeface="Courier New" panose="02070309020205020404" pitchFamily="49" charset="0"/>
               <a:cs typeface="Courier New" panose="02070309020205020404" pitchFamily="49" charset="0"/>
             </a:endParaRPr>
@@ -32091,7 +32940,7 @@
         </p:spPr>
         <p:txBody>
           <a:bodyPr>
-            <a:normAutofit/>
+            <a:normAutofit lnSpcReduction="10000"/>
           </a:bodyPr>
           <a:lstStyle/>
           <a:p>
@@ -32101,8 +32950,30 @@
               </a:spcAft>
             </a:pPr>
             <a:r>
-              <a:rPr lang="en-US" dirty="0"/>
-              <a:t>Anti-pattern: retrieving entities and updating/deleting them one by one.</a:t>
+              <a:rPr lang="en-US" sz="2800" dirty="0"/>
+              <a:t>Don’t use </a:t>
+            </a:r>
+            <a:r>
+              <a:rPr lang="en-US" sz="2800" dirty="0" err="1">
+                <a:latin typeface="Courier New" panose="02070309020205020404" pitchFamily="49" charset="0"/>
+                <a:cs typeface="Courier New" panose="02070309020205020404" pitchFamily="49" charset="0"/>
+              </a:rPr>
+              <a:t>hibernate.show_sql</a:t>
+            </a:r>
+            <a:endParaRPr lang="en-US" sz="2800" dirty="0">
+              <a:latin typeface="Courier New" panose="02070309020205020404" pitchFamily="49" charset="0"/>
+              <a:cs typeface="Courier New" panose="02070309020205020404" pitchFamily="49" charset="0"/>
+            </a:endParaRPr>
+          </a:p>
+          <a:p>
+            <a:pPr lvl="1">
+              <a:spcAft>
+                <a:spcPts val="600"/>
+              </a:spcAft>
+            </a:pPr>
+            <a:r>
+              <a:rPr lang="en-US" sz="2400" dirty="0"/>
+              <a:t>Statements are always logged to console.</a:t>
             </a:r>
           </a:p>
           <a:p>
@@ -32112,30 +32983,96 @@
               </a:spcAft>
             </a:pPr>
             <a:r>
-              <a:rPr lang="en-US" dirty="0"/>
-              <a:t>Try to create an update/delete query for all relevant rows.</a:t>
-            </a:r>
-          </a:p>
-          <a:p>
-            <a:pPr>
+              <a:rPr lang="en-US" sz="2800" dirty="0"/>
+              <a:t>Use the logger framework instead:</a:t>
+            </a:r>
+          </a:p>
+          <a:p>
+            <a:pPr marL="252000" lvl="1" indent="0">
               <a:spcAft>
                 <a:spcPts val="600"/>
               </a:spcAft>
-            </a:pPr>
-            <a:r>
-              <a:rPr lang="en-US" dirty="0"/>
-              <a:t>If not possible to write a general query: think about batch processing and Hibernate memory usage.</a:t>
-            </a:r>
-          </a:p>
-          <a:p>
-            <a:pPr lvl="1">
+              <a:buNone/>
+            </a:pPr>
+            <a:r>
+              <a:rPr lang="en-US" sz="2400" dirty="0">
+                <a:latin typeface="Courier New" panose="02070309020205020404" pitchFamily="49" charset="0"/>
+                <a:cs typeface="Courier New" panose="02070309020205020404" pitchFamily="49" charset="0"/>
+              </a:rPr>
+              <a:t>logging:</a:t>
+            </a:r>
+          </a:p>
+          <a:p>
+            <a:pPr marL="252000" lvl="1" indent="0">
               <a:spcAft>
                 <a:spcPts val="600"/>
               </a:spcAft>
-            </a:pPr>
-            <a:r>
-              <a:rPr lang="en-US" dirty="0"/>
-              <a:t>https://docs.jboss.org/hibernate/core/3.6/reference/en-US/html_single/#batch</a:t>
+              <a:buNone/>
+            </a:pPr>
+            <a:r>
+              <a:rPr lang="en-US" sz="2400" dirty="0">
+                <a:latin typeface="Courier New" panose="02070309020205020404" pitchFamily="49" charset="0"/>
+                <a:cs typeface="Courier New" panose="02070309020205020404" pitchFamily="49" charset="0"/>
+              </a:rPr>
+              <a:t>  level:</a:t>
+            </a:r>
+          </a:p>
+          <a:p>
+            <a:pPr marL="252000" lvl="1" indent="0">
+              <a:spcAft>
+                <a:spcPts val="600"/>
+              </a:spcAft>
+              <a:buNone/>
+            </a:pPr>
+            <a:r>
+              <a:rPr lang="en-US" sz="2400" dirty="0">
+                <a:latin typeface="Courier New" panose="02070309020205020404" pitchFamily="49" charset="0"/>
+                <a:cs typeface="Courier New" panose="02070309020205020404" pitchFamily="49" charset="0"/>
+              </a:rPr>
+              <a:t>    </a:t>
+            </a:r>
+            <a:r>
+              <a:rPr lang="en-US" sz="2400" dirty="0" err="1">
+                <a:latin typeface="Courier New" panose="02070309020205020404" pitchFamily="49" charset="0"/>
+                <a:cs typeface="Courier New" panose="02070309020205020404" pitchFamily="49" charset="0"/>
+              </a:rPr>
+              <a:t>org.hibernate.SQL</a:t>
+            </a:r>
+            <a:r>
+              <a:rPr lang="en-US" sz="2400" dirty="0">
+                <a:latin typeface="Courier New" panose="02070309020205020404" pitchFamily="49" charset="0"/>
+                <a:cs typeface="Courier New" panose="02070309020205020404" pitchFamily="49" charset="0"/>
+              </a:rPr>
+              <a:t>: debug</a:t>
+            </a:r>
+          </a:p>
+          <a:p>
+            <a:pPr marL="252000" lvl="1" indent="0">
+              <a:spcAft>
+                <a:spcPts val="600"/>
+              </a:spcAft>
+              <a:buNone/>
+            </a:pPr>
+            <a:r>
+              <a:rPr lang="en-US" sz="2400" dirty="0">
+                <a:latin typeface="Courier New" panose="02070309020205020404" pitchFamily="49" charset="0"/>
+                <a:cs typeface="Courier New" panose="02070309020205020404" pitchFamily="49" charset="0"/>
+              </a:rPr>
+              <a:t>    </a:t>
+            </a:r>
+            <a:r>
+              <a:rPr lang="en-US" sz="2400" dirty="0" err="1">
+                <a:latin typeface="Courier New" panose="02070309020205020404" pitchFamily="49" charset="0"/>
+                <a:cs typeface="Courier New" panose="02070309020205020404" pitchFamily="49" charset="0"/>
+              </a:rPr>
+              <a:t>org.hibernate.type.descriptor.sql</a:t>
+            </a:r>
+            <a:r>
+              <a:rPr lang="en-US" sz="2400" dirty="0">
+                <a:latin typeface="Courier New" panose="02070309020205020404" pitchFamily="49" charset="0"/>
+                <a:cs typeface="Courier New" panose="02070309020205020404" pitchFamily="49" charset="0"/>
+              </a:rPr>
+              <a:t>: trace</a:t>
             </a:r>
           </a:p>
         </p:txBody>
@@ -32143,7 +33080,7 @@
     </p:spTree>
     <p:extLst>
       <p:ext uri="{BB962C8B-B14F-4D97-AF65-F5344CB8AC3E}">
-        <p14:creationId xmlns:p14="http://schemas.microsoft.com/office/powerpoint/2010/main" val="3338901119"/>
+        <p14:creationId xmlns:p14="http://schemas.microsoft.com/office/powerpoint/2010/main" val="36027474"/>
       </p:ext>
     </p:extLst>
   </p:cSld>
@@ -32200,8 +33137,23 @@
           <a:p>
             <a:r>
               <a:rPr lang="en-US" dirty="0"/>
-              <a:t>Mistake 5: Using association fetching anti-patterns</a:t>
-            </a:r>
+              <a:t>Mistake 3: Using </a:t>
+            </a:r>
+            <a:r>
+              <a:rPr lang="en-US" dirty="0">
+                <a:latin typeface="Courier New" panose="02070309020205020404" pitchFamily="49" charset="0"/>
+                <a:cs typeface="Courier New" panose="02070309020205020404" pitchFamily="49" charset="0"/>
+              </a:rPr>
+              <a:t>@Transactional </a:t>
+            </a:r>
+            <a:r>
+              <a:rPr lang="en-US" dirty="0"/>
+              <a:t>in tests</a:t>
+            </a:r>
+            <a:endParaRPr lang="en-US" dirty="0">
+              <a:latin typeface="Courier New" panose="02070309020205020404" pitchFamily="49" charset="0"/>
+              <a:cs typeface="Courier New" panose="02070309020205020404" pitchFamily="49" charset="0"/>
+            </a:endParaRPr>
           </a:p>
         </p:txBody>
       </p:sp>
@@ -32224,7 +33176,7 @@
         <p:spPr>
           <a:xfrm>
             <a:off x="1296000" y="2105696"/>
-            <a:ext cx="9864000" cy="3632163"/>
+            <a:ext cx="9864000" cy="4279473"/>
           </a:xfrm>
         </p:spPr>
         <p:txBody>
@@ -32239,13 +33191,83 @@
               </a:spcAft>
             </a:pPr>
             <a:r>
-              <a:rPr lang="en-US" sz="2800" dirty="0"/>
-              <a:t>Open session in view</a:t>
-            </a:r>
-            <a:endParaRPr lang="en-US" sz="2800" dirty="0">
-              <a:latin typeface="Courier New" panose="02070309020205020404" pitchFamily="49" charset="0"/>
-              <a:cs typeface="Courier New" panose="02070309020205020404" pitchFamily="49" charset="0"/>
-            </a:endParaRPr>
+              <a:rPr lang="en-US" dirty="0"/>
+              <a:t>Why would you use </a:t>
+            </a:r>
+            <a:r>
+              <a:rPr lang="en-US" dirty="0">
+                <a:latin typeface="Courier New" panose="02070309020205020404" pitchFamily="49" charset="0"/>
+                <a:cs typeface="Courier New" panose="02070309020205020404" pitchFamily="49" charset="0"/>
+              </a:rPr>
+              <a:t>@Transactional </a:t>
+            </a:r>
+            <a:r>
+              <a:rPr lang="en-US" dirty="0"/>
+              <a:t>in a test?</a:t>
+            </a:r>
+          </a:p>
+          <a:p>
+            <a:pPr lvl="1">
+              <a:spcAft>
+                <a:spcPts val="600"/>
+              </a:spcAft>
+            </a:pPr>
+            <a:r>
+              <a:rPr lang="en-US" dirty="0"/>
+              <a:t>To clean up data and ensure a deterministic test suite.</a:t>
+            </a:r>
+          </a:p>
+          <a:p>
+            <a:pPr lvl="1">
+              <a:spcAft>
+                <a:spcPts val="600"/>
+              </a:spcAft>
+            </a:pPr>
+            <a:r>
+              <a:rPr lang="en-US" dirty="0"/>
+              <a:t>Behavior of </a:t>
+            </a:r>
+            <a:r>
+              <a:rPr lang="en-US" dirty="0">
+                <a:latin typeface="Courier New" panose="02070309020205020404" pitchFamily="49" charset="0"/>
+                <a:cs typeface="Courier New" panose="02070309020205020404" pitchFamily="49" charset="0"/>
+              </a:rPr>
+              <a:t>@Transactional </a:t>
+            </a:r>
+            <a:r>
+              <a:rPr lang="en-US" dirty="0"/>
+              <a:t>in tests = rollback</a:t>
+            </a:r>
+          </a:p>
+          <a:p>
+            <a:pPr lvl="2">
+              <a:spcAft>
+                <a:spcPts val="600"/>
+              </a:spcAft>
+            </a:pPr>
+            <a:r>
+              <a:rPr lang="en-US" dirty="0"/>
+              <a:t>In the </a:t>
+            </a:r>
+            <a:r>
+              <a:rPr lang="en-US" dirty="0" err="1"/>
+              <a:t>TestContext</a:t>
+            </a:r>
+            <a:r>
+              <a:rPr lang="en-US" dirty="0"/>
+              <a:t> framework, transactions are managed by the </a:t>
+            </a:r>
+            <a:r>
+              <a:rPr lang="en-US" dirty="0" err="1">
+                <a:latin typeface="Courier New" panose="02070309020205020404" pitchFamily="49" charset="0"/>
+                <a:cs typeface="Courier New" panose="02070309020205020404" pitchFamily="49" charset="0"/>
+              </a:rPr>
+              <a:t>TransactionalTestExecutionListener</a:t>
+            </a:r>
+            <a:r>
+              <a:rPr lang="en-US" dirty="0"/>
+              <a:t>.</a:t>
+            </a:r>
           </a:p>
           <a:p>
             <a:pPr>
@@ -32254,16 +33276,31 @@
               </a:spcAft>
             </a:pPr>
             <a:r>
-              <a:rPr lang="en-US" sz="2800" dirty="0" err="1">
+              <a:rPr lang="en-US" dirty="0"/>
+              <a:t>What is the biggest problem when doing this?</a:t>
+            </a:r>
+          </a:p>
+          <a:p>
+            <a:pPr lvl="1">
+              <a:spcAft>
+                <a:spcPts val="600"/>
+              </a:spcAft>
+            </a:pPr>
+            <a:r>
+              <a:rPr lang="en-US" dirty="0"/>
+              <a:t>Using </a:t>
+            </a:r>
+            <a:r>
+              <a:rPr lang="en-US" dirty="0">
                 <a:latin typeface="Courier New" panose="02070309020205020404" pitchFamily="49" charset="0"/>
                 <a:cs typeface="Courier New" panose="02070309020205020404" pitchFamily="49" charset="0"/>
               </a:rPr>
-              <a:t>enable_lazy_load_no_trans</a:t>
-            </a:r>
-            <a:endParaRPr lang="en-US" sz="2800" dirty="0">
-              <a:latin typeface="Courier New" panose="02070309020205020404" pitchFamily="49" charset="0"/>
-              <a:cs typeface="Courier New" panose="02070309020205020404" pitchFamily="49" charset="0"/>
-            </a:endParaRPr>
+              <a:t>@Transactional </a:t>
+            </a:r>
+            <a:r>
+              <a:rPr lang="en-US" dirty="0"/>
+              <a:t>in tests is dangerous as it can hide production issues.</a:t>
+            </a:r>
           </a:p>
           <a:p>
             <a:pPr>
@@ -32272,16 +33309,9 @@
               </a:spcAft>
             </a:pPr>
             <a:r>
-              <a:rPr lang="en-US" sz="2800" dirty="0" err="1">
-                <a:latin typeface="Courier New" panose="02070309020205020404" pitchFamily="49" charset="0"/>
-                <a:cs typeface="Courier New" panose="02070309020205020404" pitchFamily="49" charset="0"/>
-              </a:rPr>
-              <a:t>FetchType.EAGER</a:t>
-            </a:r>
-            <a:endParaRPr lang="en-US" sz="2800" dirty="0">
-              <a:latin typeface="Courier New" panose="02070309020205020404" pitchFamily="49" charset="0"/>
-              <a:cs typeface="Courier New" panose="02070309020205020404" pitchFamily="49" charset="0"/>
-            </a:endParaRPr>
+              <a:rPr lang="en-US" dirty="0"/>
+              <a:t>Solution:</a:t>
+            </a:r>
           </a:p>
           <a:p>
             <a:pPr lvl="1">
@@ -32291,7 +33321,18 @@
             </a:pPr>
             <a:r>
               <a:rPr lang="en-US" dirty="0"/>
-              <a:t>Including the default for all-to-one associations.</a:t>
+              <a:t>Clean up manually (</a:t>
+            </a:r>
+            <a:r>
+              <a:rPr lang="en-US" dirty="0">
+                <a:latin typeface="Courier New" panose="02070309020205020404" pitchFamily="49" charset="0"/>
+                <a:cs typeface="Courier New" panose="02070309020205020404" pitchFamily="49" charset="0"/>
+              </a:rPr>
+              <a:t>@AfterEach</a:t>
+            </a:r>
+            <a:r>
+              <a:rPr lang="en-US" dirty="0"/>
+              <a:t>).</a:t>
             </a:r>
           </a:p>
           <a:p>
@@ -32300,28 +33341,61 @@
                 <a:spcPts val="600"/>
               </a:spcAft>
             </a:pPr>
-            <a:r>
-              <a:rPr lang="en-US" dirty="0"/>
-              <a:t>Not using </a:t>
-            </a:r>
-            <a:r>
-              <a:rPr lang="en-US" dirty="0">
-                <a:latin typeface="Courier New" panose="02070309020205020404" pitchFamily="49" charset="0"/>
-                <a:cs typeface="Courier New" panose="02070309020205020404" pitchFamily="49" charset="0"/>
-              </a:rPr>
-              <a:t>JOIN FETCH </a:t>
-            </a:r>
-            <a:r>
-              <a:rPr lang="en-US" dirty="0"/>
-              <a:t>directive if necessary to avoid the N+1 problem.</a:t>
-            </a:r>
+            <a:endParaRPr lang="en-US" dirty="0"/>
           </a:p>
         </p:txBody>
       </p:sp>
+      <p:pic>
+        <p:nvPicPr>
+          <p:cNvPr id="4" name="Picture 2" descr="22,947 Demo Foto's, Afbeeldingen en Stock Fotografie - 123RF">
+            <a:extLst>
+              <a:ext uri="{FF2B5EF4-FFF2-40B4-BE49-F238E27FC236}">
+                <a16:creationId xmlns:a16="http://schemas.microsoft.com/office/drawing/2014/main" id="{3078C261-1290-4C96-B0F3-7F5867671363}"/>
+              </a:ext>
+            </a:extLst>
+          </p:cNvPr>
+          <p:cNvPicPr>
+            <a:picLocks noChangeAspect="1" noChangeArrowheads="1"/>
+          </p:cNvPicPr>
+          <p:nvPr/>
+        </p:nvPicPr>
+        <p:blipFill>
+          <a:blip r:embed="rId2">
+            <a:extLst>
+              <a:ext uri="{28A0092B-C50C-407E-A947-70E740481C1C}">
+                <a14:useLocalDpi xmlns:a14="http://schemas.microsoft.com/office/drawing/2010/main" val="0"/>
+              </a:ext>
+            </a:extLst>
+          </a:blip>
+          <a:srcRect/>
+          <a:stretch>
+            <a:fillRect/>
+          </a:stretch>
+        </p:blipFill>
+        <p:spPr bwMode="auto">
+          <a:xfrm>
+            <a:off x="10059668" y="5661520"/>
+            <a:ext cx="1923011" cy="952959"/>
+          </a:xfrm>
+          <a:prstGeom prst="rect">
+            <a:avLst/>
+          </a:prstGeom>
+          <a:noFill/>
+          <a:extLst>
+            <a:ext uri="{909E8E84-426E-40DD-AFC4-6F175D3DCCD1}">
+              <a14:hiddenFill xmlns:a14="http://schemas.microsoft.com/office/drawing/2010/main">
+                <a:solidFill>
+                  <a:srgbClr val="FFFFFF"/>
+                </a:solidFill>
+              </a14:hiddenFill>
+            </a:ext>
+          </a:extLst>
+        </p:spPr>
+      </p:pic>
     </p:spTree>
     <p:extLst>
       <p:ext uri="{BB962C8B-B14F-4D97-AF65-F5344CB8AC3E}">
-        <p14:creationId xmlns:p14="http://schemas.microsoft.com/office/powerpoint/2010/main" val="865283392"/>
+        <p14:creationId xmlns:p14="http://schemas.microsoft.com/office/powerpoint/2010/main" val="3022796713"/>
       </p:ext>
     </p:extLst>
   </p:cSld>
@@ -32366,8 +33440,8 @@
         </p:nvSpPr>
         <p:spPr>
           <a:xfrm>
-            <a:off x="1296000" y="720000"/>
-            <a:ext cx="9864000" cy="681480"/>
+            <a:off x="1296000" y="719999"/>
+            <a:ext cx="9864000" cy="1057285"/>
           </a:xfrm>
         </p:spPr>
         <p:txBody>
@@ -32378,8 +33452,15 @@
           <a:p>
             <a:r>
               <a:rPr lang="en-US" dirty="0"/>
-              <a:t>Mistake 6: Not offloading enough to the database</a:t>
-            </a:r>
+              <a:t>Mistake 4: Updating or removing entities one-by-one</a:t>
+            </a:r>
+            <a:endParaRPr lang="en-US" dirty="0">
+              <a:solidFill>
+                <a:srgbClr val="FF0000"/>
+              </a:solidFill>
+              <a:latin typeface="Courier New" panose="02070309020205020404" pitchFamily="49" charset="0"/>
+              <a:cs typeface="Courier New" panose="02070309020205020404" pitchFamily="49" charset="0"/>
+            </a:endParaRPr>
           </a:p>
         </p:txBody>
       </p:sp>
@@ -32417,8 +33498,8 @@
               </a:spcAft>
             </a:pPr>
             <a:r>
-              <a:rPr lang="en-US" sz="2800" dirty="0"/>
-              <a:t>The database is here to work for you!</a:t>
+              <a:rPr lang="en-US" dirty="0"/>
+              <a:t>Anti-pattern: retrieving entities and updating/deleting them one by one.</a:t>
             </a:r>
           </a:p>
           <a:p>
@@ -32428,8 +33509,30 @@
               </a:spcAft>
             </a:pPr>
             <a:r>
-              <a:rPr lang="en-US" sz="2800" dirty="0"/>
-              <a:t>Don’t be afraid to use views, procedures, etc. with Hibernate.</a:t>
+              <a:rPr lang="en-US" dirty="0"/>
+              <a:t>Try to create an update/delete query for all relevant rows.</a:t>
+            </a:r>
+          </a:p>
+          <a:p>
+            <a:pPr>
+              <a:spcAft>
+                <a:spcPts val="600"/>
+              </a:spcAft>
+            </a:pPr>
+            <a:r>
+              <a:rPr lang="en-US" dirty="0"/>
+              <a:t>If not possible to write a general query: think about batch processing and Hibernate memory usage.</a:t>
+            </a:r>
+          </a:p>
+          <a:p>
+            <a:pPr lvl="1">
+              <a:spcAft>
+                <a:spcPts val="600"/>
+              </a:spcAft>
+            </a:pPr>
+            <a:r>
+              <a:rPr lang="en-US" dirty="0"/>
+              <a:t>https://docs.jboss.org/hibernate/core/3.6/reference/en-US/html_single/#batch</a:t>
             </a:r>
           </a:p>
         </p:txBody>
@@ -32437,7 +33540,7 @@
     </p:spTree>
     <p:extLst>
       <p:ext uri="{BB962C8B-B14F-4D97-AF65-F5344CB8AC3E}">
-        <p14:creationId xmlns:p14="http://schemas.microsoft.com/office/powerpoint/2010/main" val="4240503186"/>
+        <p14:creationId xmlns:p14="http://schemas.microsoft.com/office/powerpoint/2010/main" val="3338901119"/>
       </p:ext>
     </p:extLst>
   </p:cSld>
@@ -32483,7 +33586,7 @@
         <p:spPr>
           <a:xfrm>
             <a:off x="1296000" y="720000"/>
-            <a:ext cx="9864000" cy="1165950"/>
+            <a:ext cx="9864000" cy="681480"/>
           </a:xfrm>
         </p:spPr>
         <p:txBody>
@@ -32494,7 +33597,7 @@
           <a:p>
             <a:r>
               <a:rPr lang="en-US" dirty="0"/>
-              <a:t>Mistake 7: Using a different database system in your tests</a:t>
+              <a:t>Mistake 5: Using association fetching anti-patterns</a:t>
             </a:r>
           </a:p>
         </p:txBody>
@@ -32534,16 +33637,12 @@
             </a:pPr>
             <a:r>
               <a:rPr lang="en-US" sz="2800" dirty="0"/>
-              <a:t>No need for H2, use </a:t>
-            </a:r>
-            <a:r>
-              <a:rPr lang="en-US" sz="2800" i="1" dirty="0" err="1"/>
-              <a:t>Testcontainers</a:t>
-            </a:r>
-            <a:r>
-              <a:rPr lang="en-US" sz="2800" dirty="0"/>
-              <a:t> for integration tests.</a:t>
-            </a:r>
+              <a:t>Open session in view</a:t>
+            </a:r>
+            <a:endParaRPr lang="en-US" sz="2800" dirty="0">
+              <a:latin typeface="Courier New" panose="02070309020205020404" pitchFamily="49" charset="0"/>
+              <a:cs typeface="Courier New" panose="02070309020205020404" pitchFamily="49" charset="0"/>
+            </a:endParaRPr>
           </a:p>
           <a:p>
             <a:pPr>
@@ -32552,8 +33651,55 @@
               </a:spcAft>
             </a:pPr>
             <a:r>
+              <a:rPr lang="en-US" sz="2800" dirty="0" err="1">
+                <a:latin typeface="Courier New" panose="02070309020205020404" pitchFamily="49" charset="0"/>
+                <a:cs typeface="Courier New" panose="02070309020205020404" pitchFamily="49" charset="0"/>
+              </a:rPr>
+              <a:t>enable_lazy_load_no_trans</a:t>
+            </a:r>
+            <a:endParaRPr lang="en-US" sz="2800" dirty="0">
+              <a:latin typeface="Courier New" panose="02070309020205020404" pitchFamily="49" charset="0"/>
+              <a:cs typeface="Courier New" panose="02070309020205020404" pitchFamily="49" charset="0"/>
+            </a:endParaRPr>
+          </a:p>
+          <a:p>
+            <a:pPr>
+              <a:spcAft>
+                <a:spcPts val="600"/>
+              </a:spcAft>
+            </a:pPr>
+            <a:r>
+              <a:rPr lang="en-US" sz="2800" dirty="0" err="1">
+                <a:latin typeface="Courier New" panose="02070309020205020404" pitchFamily="49" charset="0"/>
+                <a:cs typeface="Courier New" panose="02070309020205020404" pitchFamily="49" charset="0"/>
+              </a:rPr>
+              <a:t>FetchType.EAGER</a:t>
+            </a:r>
+            <a:endParaRPr lang="en-US" sz="2800" dirty="0">
+              <a:latin typeface="Courier New" panose="02070309020205020404" pitchFamily="49" charset="0"/>
+              <a:cs typeface="Courier New" panose="02070309020205020404" pitchFamily="49" charset="0"/>
+            </a:endParaRPr>
+          </a:p>
+          <a:p>
+            <a:pPr>
+              <a:spcAft>
+                <a:spcPts val="600"/>
+              </a:spcAft>
+            </a:pPr>
+            <a:r>
               <a:rPr lang="en-US" sz="2800" dirty="0"/>
-              <a:t>Ensures that your tests are representative for production.</a:t>
+              <a:t>Not using </a:t>
+            </a:r>
+            <a:r>
+              <a:rPr lang="en-US" sz="2800" dirty="0">
+                <a:latin typeface="Courier New" panose="02070309020205020404" pitchFamily="49" charset="0"/>
+                <a:cs typeface="Courier New" panose="02070309020205020404" pitchFamily="49" charset="0"/>
+              </a:rPr>
+              <a:t>JOIN FETCH </a:t>
+            </a:r>
+            <a:r>
+              <a:rPr lang="en-US" sz="2800" dirty="0"/>
+              <a:t>directive if necessary to avoid the N+1 problem.</a:t>
             </a:r>
           </a:p>
         </p:txBody>
@@ -32561,7 +33707,7 @@
     </p:spTree>
     <p:extLst>
       <p:ext uri="{BB962C8B-B14F-4D97-AF65-F5344CB8AC3E}">
-        <p14:creationId xmlns:p14="http://schemas.microsoft.com/office/powerpoint/2010/main" val="2812624236"/>
+        <p14:creationId xmlns:p14="http://schemas.microsoft.com/office/powerpoint/2010/main" val="865283392"/>
       </p:ext>
     </p:extLst>
   </p:cSld>
@@ -32612,30 +33758,14 @@
         </p:spPr>
         <p:txBody>
           <a:bodyPr anchor="t">
-            <a:normAutofit/>
+            <a:normAutofit fontScale="90000"/>
           </a:bodyPr>
           <a:lstStyle/>
           <a:p>
             <a:r>
               <a:rPr lang="en-US" dirty="0"/>
-              <a:t>Mistake 8: Using </a:t>
-            </a:r>
-            <a:r>
-              <a:rPr lang="en-US" dirty="0">
-                <a:latin typeface="Courier New" panose="02070309020205020404" pitchFamily="49" charset="0"/>
-                <a:cs typeface="Courier New" panose="02070309020205020404" pitchFamily="49" charset="0"/>
-              </a:rPr>
-              <a:t>flush </a:t>
-            </a:r>
-            <a:r>
-              <a:rPr lang="en-US" dirty="0"/>
-              <a:t>without reason</a:t>
-            </a:r>
-            <a:endParaRPr lang="en-US" dirty="0">
-              <a:solidFill>
-                <a:srgbClr val="FF0000"/>
-              </a:solidFill>
-            </a:endParaRPr>
+              <a:t>Mistake 6: Not offloading enough to the database</a:t>
+            </a:r>
           </a:p>
         </p:txBody>
       </p:sp>
@@ -32674,7 +33804,7 @@
             </a:pPr>
             <a:r>
               <a:rPr lang="en-US" sz="2800" dirty="0"/>
-              <a:t>It forces Hibernate to perform dirty checking and writing updates to the database early.</a:t>
+              <a:t>The database is here to work for you!</a:t>
             </a:r>
           </a:p>
           <a:p>
@@ -32685,18 +33815,7 @@
             </a:pPr>
             <a:r>
               <a:rPr lang="en-US" sz="2800" dirty="0"/>
-              <a:t>Let Hibernate combine updates into 1 SQL update, bundle multiple identical statements into a batch call, etc.</a:t>
-            </a:r>
-          </a:p>
-          <a:p>
-            <a:pPr>
-              <a:spcAft>
-                <a:spcPts val="600"/>
-              </a:spcAft>
-            </a:pPr>
-            <a:r>
-              <a:rPr lang="en-US" sz="2800" dirty="0"/>
-              <a:t>Rare exception: batch updates.</a:t>
+              <a:t>Don’t be afraid to use views, procedures, etc. with Hibernate.</a:t>
             </a:r>
           </a:p>
         </p:txBody>
@@ -32704,7 +33823,7 @@
     </p:spTree>
     <p:extLst>
       <p:ext uri="{BB962C8B-B14F-4D97-AF65-F5344CB8AC3E}">
-        <p14:creationId xmlns:p14="http://schemas.microsoft.com/office/powerpoint/2010/main" val="2389961084"/>
+        <p14:creationId xmlns:p14="http://schemas.microsoft.com/office/powerpoint/2010/main" val="4240503186"/>
       </p:ext>
     </p:extLst>
   </p:cSld>
@@ -32750,7 +33869,7 @@
         <p:spPr>
           <a:xfrm>
             <a:off x="1296000" y="720000"/>
-            <a:ext cx="9864000" cy="681480"/>
+            <a:ext cx="9864000" cy="1165950"/>
           </a:xfrm>
         </p:spPr>
         <p:txBody>
@@ -32761,18 +33880,7 @@
           <a:p>
             <a:r>
               <a:rPr lang="en-US" dirty="0"/>
-              <a:t>Mistake 9: Not understanding </a:t>
-            </a:r>
-            <a:r>
-              <a:rPr lang="en-US" dirty="0">
-                <a:latin typeface="Courier New" panose="02070309020205020404" pitchFamily="49" charset="0"/>
-                <a:cs typeface="Courier New" panose="02070309020205020404" pitchFamily="49" charset="0"/>
-              </a:rPr>
-              <a:t>@Transactional </a:t>
-            </a:r>
-            <a:r>
-              <a:rPr lang="en-US" dirty="0"/>
-              <a:t>semantics</a:t>
+              <a:t>Mistake 7: Using a different database system in your tests</a:t>
             </a:r>
           </a:p>
         </p:txBody>
@@ -32812,89 +33920,34 @@
             </a:pPr>
             <a:r>
               <a:rPr lang="en-US" sz="2800" dirty="0"/>
-              <a:t>Spot the problems:</a:t>
-            </a:r>
-          </a:p>
-          <a:p>
-            <a:pPr lvl="1">
+              <a:t>No need for H2, use </a:t>
+            </a:r>
+            <a:r>
+              <a:rPr lang="en-US" sz="2800" i="1" dirty="0" err="1"/>
+              <a:t>Testcontainers</a:t>
+            </a:r>
+            <a:r>
+              <a:rPr lang="en-US" sz="2800" dirty="0"/>
+              <a:t> for integration tests.</a:t>
+            </a:r>
+          </a:p>
+          <a:p>
+            <a:pPr>
               <a:spcAft>
                 <a:spcPts val="600"/>
               </a:spcAft>
             </a:pPr>
             <a:r>
-              <a:rPr lang="en-US" sz="2400" dirty="0"/>
-              <a:t>Demo: retrieve all comments</a:t>
-            </a:r>
-          </a:p>
-          <a:p>
-            <a:pPr lvl="1">
-              <a:spcAft>
-                <a:spcPts val="600"/>
-              </a:spcAft>
-            </a:pPr>
-            <a:r>
-              <a:rPr lang="en-US" sz="2400" dirty="0"/>
-              <a:t>Demo: give managers a raise</a:t>
-            </a:r>
-            <a:endParaRPr lang="en-US" sz="2400" dirty="0">
-              <a:solidFill>
-                <a:srgbClr val="FF0000"/>
-              </a:solidFill>
-            </a:endParaRPr>
+              <a:rPr lang="en-US" sz="2800" dirty="0"/>
+              <a:t>Ensures that your tests are representative for production.</a:t>
+            </a:r>
           </a:p>
         </p:txBody>
       </p:sp>
-      <p:pic>
-        <p:nvPicPr>
-          <p:cNvPr id="4" name="Picture 2" descr="22,947 Demo Foto's, Afbeeldingen en Stock Fotografie - 123RF">
-            <a:extLst>
-              <a:ext uri="{FF2B5EF4-FFF2-40B4-BE49-F238E27FC236}">
-                <a16:creationId xmlns:a16="http://schemas.microsoft.com/office/drawing/2014/main" id="{87FF1B22-1B3E-4538-B78C-F1254AD75764}"/>
-              </a:ext>
-            </a:extLst>
-          </p:cNvPr>
-          <p:cNvPicPr>
-            <a:picLocks noChangeAspect="1" noChangeArrowheads="1"/>
-          </p:cNvPicPr>
-          <p:nvPr/>
-        </p:nvPicPr>
-        <p:blipFill>
-          <a:blip r:embed="rId2">
-            <a:extLst>
-              <a:ext uri="{28A0092B-C50C-407E-A947-70E740481C1C}">
-                <a14:useLocalDpi xmlns:a14="http://schemas.microsoft.com/office/drawing/2010/main" val="0"/>
-              </a:ext>
-            </a:extLst>
-          </a:blip>
-          <a:srcRect/>
-          <a:stretch>
-            <a:fillRect/>
-          </a:stretch>
-        </p:blipFill>
-        <p:spPr bwMode="auto">
-          <a:xfrm>
-            <a:off x="10059668" y="5661520"/>
-            <a:ext cx="1923011" cy="952959"/>
-          </a:xfrm>
-          <a:prstGeom prst="rect">
-            <a:avLst/>
-          </a:prstGeom>
-          <a:noFill/>
-          <a:extLst>
-            <a:ext uri="{909E8E84-426E-40DD-AFC4-6F175D3DCCD1}">
-              <a14:hiddenFill xmlns:a14="http://schemas.microsoft.com/office/drawing/2010/main">
-                <a:solidFill>
-                  <a:srgbClr val="FFFFFF"/>
-                </a:solidFill>
-              </a14:hiddenFill>
-            </a:ext>
-          </a:extLst>
-        </p:spPr>
-      </p:pic>
     </p:spTree>
     <p:extLst>
       <p:ext uri="{BB962C8B-B14F-4D97-AF65-F5344CB8AC3E}">
-        <p14:creationId xmlns:p14="http://schemas.microsoft.com/office/powerpoint/2010/main" val="730571193"/>
+        <p14:creationId xmlns:p14="http://schemas.microsoft.com/office/powerpoint/2010/main" val="2812624236"/>
       </p:ext>
     </p:extLst>
   </p:cSld>
@@ -32945,79 +33998,99 @@
         </p:spPr>
         <p:txBody>
           <a:bodyPr anchor="t">
-            <a:normAutofit fontScale="90000"/>
+            <a:normAutofit/>
           </a:bodyPr>
           <a:lstStyle/>
           <a:p>
             <a:r>
               <a:rPr lang="en-US" dirty="0"/>
-              <a:t>Mistake 9: Not understanding </a:t>
+              <a:t>Mistake 8: Using </a:t>
             </a:r>
             <a:r>
               <a:rPr lang="en-US" dirty="0">
                 <a:latin typeface="Courier New" panose="02070309020205020404" pitchFamily="49" charset="0"/>
                 <a:cs typeface="Courier New" panose="02070309020205020404" pitchFamily="49" charset="0"/>
               </a:rPr>
-              <a:t>@Transactional </a:t>
+              <a:t>flush </a:t>
             </a:r>
             <a:r>
               <a:rPr lang="en-US" dirty="0"/>
-              <a:t>semantics</a:t>
-            </a:r>
+              <a:t>without reason</a:t>
+            </a:r>
+            <a:endParaRPr lang="en-US" dirty="0">
+              <a:solidFill>
+                <a:srgbClr val="FF0000"/>
+              </a:solidFill>
+            </a:endParaRPr>
           </a:p>
         </p:txBody>
       </p:sp>
-      <p:pic>
-        <p:nvPicPr>
-          <p:cNvPr id="2050" name="Picture 2" descr="A beginner's guide to entity state transitions with JPA and Hibernate -  Vlad Mihalcea">
+      <p:sp>
+        <p:nvSpPr>
+          <p:cNvPr id="13" name="Text Placeholder 2">
             <a:extLst>
               <a:ext uri="{FF2B5EF4-FFF2-40B4-BE49-F238E27FC236}">
-                <a16:creationId xmlns:a16="http://schemas.microsoft.com/office/drawing/2014/main" id="{381D251D-9E80-43FA-9B7D-273D35E1892C}"/>
+                <a16:creationId xmlns:a16="http://schemas.microsoft.com/office/drawing/2014/main" id="{5AFACC08-6E7F-14DD-D1E6-54973126E7AF}"/>
               </a:ext>
             </a:extLst>
           </p:cNvPr>
-          <p:cNvPicPr>
-            <a:picLocks noChangeAspect="1" noChangeArrowheads="1"/>
-          </p:cNvPicPr>
-          <p:nvPr/>
-        </p:nvPicPr>
-        <p:blipFill>
-          <a:blip r:embed="rId2">
-            <a:extLst>
-              <a:ext uri="{28A0092B-C50C-407E-A947-70E740481C1C}">
-                <a14:useLocalDpi xmlns:a14="http://schemas.microsoft.com/office/drawing/2010/main" val="0"/>
-              </a:ext>
-            </a:extLst>
-          </a:blip>
-          <a:srcRect/>
-          <a:stretch>
-            <a:fillRect/>
-          </a:stretch>
-        </p:blipFill>
-        <p:spPr bwMode="auto">
+          <p:cNvSpPr>
+            <a:spLocks noGrp="1"/>
+          </p:cNvSpPr>
+          <p:nvPr>
+            <p:ph type="body" sz="quarter" idx="10"/>
+          </p:nvPr>
+        </p:nvSpPr>
+        <p:spPr>
           <a:xfrm>
-            <a:off x="2690812" y="2108869"/>
-            <a:ext cx="6810375" cy="4333875"/>
+            <a:off x="1296000" y="2105696"/>
+            <a:ext cx="9864000" cy="3632163"/>
           </a:xfrm>
-          <a:prstGeom prst="rect">
-            <a:avLst/>
-          </a:prstGeom>
-          <a:noFill/>
-          <a:extLst>
-            <a:ext uri="{909E8E84-426E-40DD-AFC4-6F175D3DCCD1}">
-              <a14:hiddenFill xmlns:a14="http://schemas.microsoft.com/office/drawing/2010/main">
-                <a:solidFill>
-                  <a:srgbClr val="FFFFFF"/>
-                </a:solidFill>
-              </a14:hiddenFill>
-            </a:ext>
-          </a:extLst>
         </p:spPr>
-      </p:pic>
+        <p:txBody>
+          <a:bodyPr>
+            <a:normAutofit/>
+          </a:bodyPr>
+          <a:lstStyle/>
+          <a:p>
+            <a:pPr>
+              <a:spcAft>
+                <a:spcPts val="600"/>
+              </a:spcAft>
+            </a:pPr>
+            <a:r>
+              <a:rPr lang="en-US" sz="2800" dirty="0"/>
+              <a:t>It forces Hibernate to perform dirty checking and writing updates to the database early.</a:t>
+            </a:r>
+          </a:p>
+          <a:p>
+            <a:pPr>
+              <a:spcAft>
+                <a:spcPts val="600"/>
+              </a:spcAft>
+            </a:pPr>
+            <a:r>
+              <a:rPr lang="en-US" sz="2800" dirty="0"/>
+              <a:t>Let Hibernate combine updates into 1 SQL update, bundle multiple identical statements into a batch call, etc.</a:t>
+            </a:r>
+          </a:p>
+          <a:p>
+            <a:pPr>
+              <a:spcAft>
+                <a:spcPts val="600"/>
+              </a:spcAft>
+            </a:pPr>
+            <a:r>
+              <a:rPr lang="en-US" sz="2800" dirty="0"/>
+              <a:t>Rare exception: batch updates.</a:t>
+            </a:r>
+          </a:p>
+        </p:txBody>
+      </p:sp>
     </p:spTree>
     <p:extLst>
       <p:ext uri="{BB962C8B-B14F-4D97-AF65-F5344CB8AC3E}">
-        <p14:creationId xmlns:p14="http://schemas.microsoft.com/office/powerpoint/2010/main" val="1820933201"/>
+        <p14:creationId xmlns:p14="http://schemas.microsoft.com/office/powerpoint/2010/main" val="2389961084"/>
       </p:ext>
     </p:extLst>
   </p:cSld>
@@ -33114,7 +34187,30 @@
             </a:pPr>
             <a:r>
               <a:rPr lang="en-US" sz="2400" dirty="0"/>
-              <a:t>JPA</a:t>
+              <a:t>JPA </a:t>
+            </a:r>
+            <a:endParaRPr lang="en-US" i="1" dirty="0"/>
+          </a:p>
+          <a:p>
+            <a:pPr lvl="1">
+              <a:spcAft>
+                <a:spcPts val="600"/>
+              </a:spcAft>
+            </a:pPr>
+            <a:r>
+              <a:rPr lang="en-US" dirty="0"/>
+              <a:t>Java Persistence API</a:t>
+            </a:r>
+          </a:p>
+          <a:p>
+            <a:pPr lvl="1">
+              <a:spcAft>
+                <a:spcPts val="600"/>
+              </a:spcAft>
+            </a:pPr>
+            <a:r>
+              <a:rPr lang="en-US" dirty="0"/>
+              <a:t>Now named: Jakarta Persistence API</a:t>
             </a:r>
           </a:p>
           <a:p>
@@ -33239,13 +34335,24 @@
         </p:spPr>
         <p:txBody>
           <a:bodyPr anchor="t">
-            <a:normAutofit/>
+            <a:normAutofit fontScale="90000"/>
           </a:bodyPr>
           <a:lstStyle/>
           <a:p>
             <a:r>
               <a:rPr lang="en-US" dirty="0"/>
-              <a:t>Mistake 10: Leaking entities to web layer</a:t>
+              <a:t>Mistake 9: Not understanding </a:t>
+            </a:r>
+            <a:r>
+              <a:rPr lang="en-US" dirty="0">
+                <a:latin typeface="Courier New" panose="02070309020205020404" pitchFamily="49" charset="0"/>
+                <a:cs typeface="Courier New" panose="02070309020205020404" pitchFamily="49" charset="0"/>
+              </a:rPr>
+              <a:t>@Transactional </a:t>
+            </a:r>
+            <a:r>
+              <a:rPr lang="en-US" dirty="0"/>
+              <a:t>semantics</a:t>
             </a:r>
           </a:p>
         </p:txBody>
@@ -33284,27 +34391,90 @@
               </a:spcAft>
             </a:pPr>
             <a:r>
-              <a:rPr lang="en-US" dirty="0"/>
-              <a:t>Always map entities to a data transfer object (DTO).</a:t>
-            </a:r>
-          </a:p>
-          <a:p>
-            <a:pPr>
+              <a:rPr lang="en-US" sz="2800" dirty="0"/>
+              <a:t>Spot the problems:</a:t>
+            </a:r>
+          </a:p>
+          <a:p>
+            <a:pPr lvl="1">
               <a:spcAft>
                 <a:spcPts val="600"/>
               </a:spcAft>
             </a:pPr>
             <a:r>
-              <a:rPr lang="en-US" dirty="0"/>
-              <a:t>Avoid security leaks and have a separation between the database model and the web model.</a:t>
-            </a:r>
+              <a:rPr lang="en-US" sz="2400" dirty="0"/>
+              <a:t>Demo: retrieve all comments</a:t>
+            </a:r>
+          </a:p>
+          <a:p>
+            <a:pPr lvl="1">
+              <a:spcAft>
+                <a:spcPts val="600"/>
+              </a:spcAft>
+            </a:pPr>
+            <a:r>
+              <a:rPr lang="en-US" sz="2400" dirty="0"/>
+              <a:t>Demo: give managers a raise</a:t>
+            </a:r>
+            <a:endParaRPr lang="en-US" sz="2400" dirty="0">
+              <a:solidFill>
+                <a:srgbClr val="FF0000"/>
+              </a:solidFill>
+            </a:endParaRPr>
           </a:p>
         </p:txBody>
       </p:sp>
+      <p:pic>
+        <p:nvPicPr>
+          <p:cNvPr id="4" name="Picture 2" descr="22,947 Demo Foto's, Afbeeldingen en Stock Fotografie - 123RF">
+            <a:extLst>
+              <a:ext uri="{FF2B5EF4-FFF2-40B4-BE49-F238E27FC236}">
+                <a16:creationId xmlns:a16="http://schemas.microsoft.com/office/drawing/2014/main" id="{87FF1B22-1B3E-4538-B78C-F1254AD75764}"/>
+              </a:ext>
+            </a:extLst>
+          </p:cNvPr>
+          <p:cNvPicPr>
+            <a:picLocks noChangeAspect="1" noChangeArrowheads="1"/>
+          </p:cNvPicPr>
+          <p:nvPr/>
+        </p:nvPicPr>
+        <p:blipFill>
+          <a:blip r:embed="rId2">
+            <a:extLst>
+              <a:ext uri="{28A0092B-C50C-407E-A947-70E740481C1C}">
+                <a14:useLocalDpi xmlns:a14="http://schemas.microsoft.com/office/drawing/2010/main" val="0"/>
+              </a:ext>
+            </a:extLst>
+          </a:blip>
+          <a:srcRect/>
+          <a:stretch>
+            <a:fillRect/>
+          </a:stretch>
+        </p:blipFill>
+        <p:spPr bwMode="auto">
+          <a:xfrm>
+            <a:off x="10059668" y="5661520"/>
+            <a:ext cx="1923011" cy="952959"/>
+          </a:xfrm>
+          <a:prstGeom prst="rect">
+            <a:avLst/>
+          </a:prstGeom>
+          <a:noFill/>
+          <a:extLst>
+            <a:ext uri="{909E8E84-426E-40DD-AFC4-6F175D3DCCD1}">
+              <a14:hiddenFill xmlns:a14="http://schemas.microsoft.com/office/drawing/2010/main">
+                <a:solidFill>
+                  <a:srgbClr val="FFFFFF"/>
+                </a:solidFill>
+              </a14:hiddenFill>
+            </a:ext>
+          </a:extLst>
+        </p:spPr>
+      </p:pic>
     </p:spTree>
     <p:extLst>
       <p:ext uri="{BB962C8B-B14F-4D97-AF65-F5344CB8AC3E}">
-        <p14:creationId xmlns:p14="http://schemas.microsoft.com/office/powerpoint/2010/main" val="3288774039"/>
+        <p14:creationId xmlns:p14="http://schemas.microsoft.com/office/powerpoint/2010/main" val="730571193"/>
       </p:ext>
     </p:extLst>
   </p:cSld>
@@ -33361,161 +34531,73 @@
           <a:p>
             <a:r>
               <a:rPr lang="en-US" dirty="0"/>
-              <a:t>Mistake 11: Including lazy associations in </a:t>
-            </a:r>
-            <a:r>
-              <a:rPr lang="en-US" dirty="0" err="1">
-                <a:latin typeface="Courier New" panose="02070309020205020404" pitchFamily="49" charset="0"/>
-                <a:cs typeface="Courier New" panose="02070309020205020404" pitchFamily="49" charset="0"/>
-              </a:rPr>
-              <a:t>toString</a:t>
+              <a:t>Mistake 9: Not understanding </a:t>
             </a:r>
             <a:r>
               <a:rPr lang="en-US" dirty="0">
                 <a:latin typeface="Courier New" panose="02070309020205020404" pitchFamily="49" charset="0"/>
                 <a:cs typeface="Courier New" panose="02070309020205020404" pitchFamily="49" charset="0"/>
               </a:rPr>
-              <a:t>()</a:t>
+              <a:t>@Transactional </a:t>
             </a:r>
             <a:r>
               <a:rPr lang="en-US" dirty="0"/>
-              <a:t> of an entity</a:t>
-            </a:r>
-            <a:endParaRPr lang="en-US" dirty="0">
-              <a:latin typeface="Courier New" panose="02070309020205020404" pitchFamily="49" charset="0"/>
-              <a:cs typeface="Courier New" panose="02070309020205020404" pitchFamily="49" charset="0"/>
-            </a:endParaRPr>
+              <a:t>semantics</a:t>
+            </a:r>
           </a:p>
         </p:txBody>
       </p:sp>
-      <p:sp>
-        <p:nvSpPr>
-          <p:cNvPr id="13" name="Text Placeholder 2">
+      <p:pic>
+        <p:nvPicPr>
+          <p:cNvPr id="2050" name="Picture 2" descr="A beginner's guide to entity state transitions with JPA and Hibernate -  Vlad Mihalcea">
             <a:extLst>
               <a:ext uri="{FF2B5EF4-FFF2-40B4-BE49-F238E27FC236}">
-                <a16:creationId xmlns:a16="http://schemas.microsoft.com/office/drawing/2014/main" id="{5AFACC08-6E7F-14DD-D1E6-54973126E7AF}"/>
+                <a16:creationId xmlns:a16="http://schemas.microsoft.com/office/drawing/2014/main" id="{381D251D-9E80-43FA-9B7D-273D35E1892C}"/>
               </a:ext>
             </a:extLst>
           </p:cNvPr>
-          <p:cNvSpPr>
-            <a:spLocks noGrp="1"/>
-          </p:cNvSpPr>
-          <p:nvPr>
-            <p:ph type="body" sz="quarter" idx="10"/>
-          </p:nvPr>
-        </p:nvSpPr>
-        <p:spPr>
+          <p:cNvPicPr>
+            <a:picLocks noChangeAspect="1" noChangeArrowheads="1"/>
+          </p:cNvPicPr>
+          <p:nvPr/>
+        </p:nvPicPr>
+        <p:blipFill>
+          <a:blip r:embed="rId2">
+            <a:extLst>
+              <a:ext uri="{28A0092B-C50C-407E-A947-70E740481C1C}">
+                <a14:useLocalDpi xmlns:a14="http://schemas.microsoft.com/office/drawing/2010/main" val="0"/>
+              </a:ext>
+            </a:extLst>
+          </a:blip>
+          <a:srcRect/>
+          <a:stretch>
+            <a:fillRect/>
+          </a:stretch>
+        </p:blipFill>
+        <p:spPr bwMode="auto">
           <a:xfrm>
-            <a:off x="1296000" y="2105696"/>
-            <a:ext cx="9864000" cy="3632163"/>
+            <a:off x="2690812" y="2108869"/>
+            <a:ext cx="6810375" cy="4333875"/>
           </a:xfrm>
+          <a:prstGeom prst="rect">
+            <a:avLst/>
+          </a:prstGeom>
+          <a:noFill/>
+          <a:extLst>
+            <a:ext uri="{909E8E84-426E-40DD-AFC4-6F175D3DCCD1}">
+              <a14:hiddenFill xmlns:a14="http://schemas.microsoft.com/office/drawing/2010/main">
+                <a:solidFill>
+                  <a:srgbClr val="FFFFFF"/>
+                </a:solidFill>
+              </a14:hiddenFill>
+            </a:ext>
+          </a:extLst>
         </p:spPr>
-        <p:txBody>
-          <a:bodyPr>
-            <a:normAutofit/>
-          </a:bodyPr>
-          <a:lstStyle/>
-          <a:p>
-            <a:pPr>
-              <a:spcAft>
-                <a:spcPts val="600"/>
-              </a:spcAft>
-            </a:pPr>
-            <a:r>
-              <a:rPr lang="en-US" dirty="0"/>
-              <a:t>It forces Hibernate to retrieve (an otherwise lazy collection) whenever </a:t>
-            </a:r>
-            <a:r>
-              <a:rPr lang="en-US" dirty="0" err="1">
-                <a:latin typeface="Courier New" panose="02070309020205020404" pitchFamily="49" charset="0"/>
-                <a:cs typeface="Courier New" panose="02070309020205020404" pitchFamily="49" charset="0"/>
-              </a:rPr>
-              <a:t>toString</a:t>
-            </a:r>
-            <a:r>
-              <a:rPr lang="en-US" dirty="0">
-                <a:latin typeface="Courier New" panose="02070309020205020404" pitchFamily="49" charset="0"/>
-                <a:cs typeface="Courier New" panose="02070309020205020404" pitchFamily="49" charset="0"/>
-              </a:rPr>
-              <a:t>() </a:t>
-            </a:r>
-            <a:r>
-              <a:rPr lang="en-US" dirty="0"/>
-              <a:t>is called.</a:t>
-            </a:r>
-          </a:p>
-          <a:p>
-            <a:pPr>
-              <a:spcAft>
-                <a:spcPts val="600"/>
-              </a:spcAft>
-            </a:pPr>
-            <a:r>
-              <a:rPr lang="en-US" dirty="0"/>
-              <a:t>With </a:t>
-            </a:r>
-            <a:r>
-              <a:rPr lang="en-US" i="1" dirty="0"/>
-              <a:t>Lombok</a:t>
-            </a:r>
-            <a:r>
-              <a:rPr lang="en-US" dirty="0"/>
-              <a:t> it’s easy to run into this with </a:t>
-            </a:r>
-            <a:r>
-              <a:rPr lang="en-US" dirty="0">
-                <a:latin typeface="Courier New" panose="02070309020205020404" pitchFamily="49" charset="0"/>
-                <a:cs typeface="Courier New" panose="02070309020205020404" pitchFamily="49" charset="0"/>
-              </a:rPr>
-              <a:t>@ToString</a:t>
-            </a:r>
-            <a:r>
-              <a:rPr lang="en-US" dirty="0"/>
-              <a:t>.</a:t>
-            </a:r>
-          </a:p>
-          <a:p>
-            <a:pPr lvl="1">
-              <a:spcAft>
-                <a:spcPts val="600"/>
-              </a:spcAft>
-            </a:pPr>
-            <a:r>
-              <a:rPr lang="en-US" dirty="0"/>
-              <a:t>Use </a:t>
-            </a:r>
-            <a:r>
-              <a:rPr lang="en-US" dirty="0">
-                <a:latin typeface="Courier New" panose="02070309020205020404" pitchFamily="49" charset="0"/>
-                <a:cs typeface="Courier New" panose="02070309020205020404" pitchFamily="49" charset="0"/>
-              </a:rPr>
-              <a:t>@ToString.Exclude </a:t>
-            </a:r>
-            <a:r>
-              <a:rPr lang="en-US" dirty="0"/>
-              <a:t>on the lazy associations.</a:t>
-            </a:r>
-          </a:p>
-          <a:p>
-            <a:pPr lvl="1">
-              <a:spcAft>
-                <a:spcPts val="600"/>
-              </a:spcAft>
-            </a:pPr>
-            <a:r>
-              <a:rPr lang="en-US" dirty="0">
-                <a:hlinkClick r:id="rId2"/>
-              </a:rPr>
-              <a:t>https://projectlombok.org/features/ToString</a:t>
-            </a:r>
-            <a:endParaRPr lang="en-US" dirty="0"/>
-          </a:p>
-        </p:txBody>
-      </p:sp>
+      </p:pic>
     </p:spTree>
     <p:extLst>
       <p:ext uri="{BB962C8B-B14F-4D97-AF65-F5344CB8AC3E}">
-        <p14:creationId xmlns:p14="http://schemas.microsoft.com/office/powerpoint/2010/main" val="2468397319"/>
+        <p14:creationId xmlns:p14="http://schemas.microsoft.com/office/powerpoint/2010/main" val="1820933201"/>
       </p:ext>
     </p:extLst>
   </p:cSld>
@@ -33572,6 +34654,341 @@
           <a:p>
             <a:r>
               <a:rPr lang="en-US" dirty="0"/>
+              <a:t>Mistake 10: Leaking entities to web layer</a:t>
+            </a:r>
+          </a:p>
+        </p:txBody>
+      </p:sp>
+      <p:sp>
+        <p:nvSpPr>
+          <p:cNvPr id="13" name="Text Placeholder 2">
+            <a:extLst>
+              <a:ext uri="{FF2B5EF4-FFF2-40B4-BE49-F238E27FC236}">
+                <a16:creationId xmlns:a16="http://schemas.microsoft.com/office/drawing/2014/main" id="{5AFACC08-6E7F-14DD-D1E6-54973126E7AF}"/>
+              </a:ext>
+            </a:extLst>
+          </p:cNvPr>
+          <p:cNvSpPr>
+            <a:spLocks noGrp="1"/>
+          </p:cNvSpPr>
+          <p:nvPr>
+            <p:ph type="body" sz="quarter" idx="10"/>
+          </p:nvPr>
+        </p:nvSpPr>
+        <p:spPr>
+          <a:xfrm>
+            <a:off x="1296000" y="2105696"/>
+            <a:ext cx="9864000" cy="3632163"/>
+          </a:xfrm>
+        </p:spPr>
+        <p:txBody>
+          <a:bodyPr>
+            <a:normAutofit/>
+          </a:bodyPr>
+          <a:lstStyle/>
+          <a:p>
+            <a:pPr>
+              <a:spcAft>
+                <a:spcPts val="600"/>
+              </a:spcAft>
+            </a:pPr>
+            <a:r>
+              <a:rPr lang="en-US" dirty="0"/>
+              <a:t>Always map entities to a </a:t>
+            </a:r>
+            <a:r>
+              <a:rPr lang="en-US" i="1" dirty="0"/>
+              <a:t>data transfer object </a:t>
+            </a:r>
+            <a:r>
+              <a:rPr lang="en-US" dirty="0"/>
+              <a:t>(DTO).</a:t>
+            </a:r>
+          </a:p>
+          <a:p>
+            <a:pPr>
+              <a:spcAft>
+                <a:spcPts val="600"/>
+              </a:spcAft>
+            </a:pPr>
+            <a:r>
+              <a:rPr lang="en-US" dirty="0"/>
+              <a:t>Avoid security leaks and have a separation between the database model and the web model.</a:t>
+            </a:r>
+          </a:p>
+        </p:txBody>
+      </p:sp>
+    </p:spTree>
+    <p:extLst>
+      <p:ext uri="{BB962C8B-B14F-4D97-AF65-F5344CB8AC3E}">
+        <p14:creationId xmlns:p14="http://schemas.microsoft.com/office/powerpoint/2010/main" val="3288774039"/>
+      </p:ext>
+    </p:extLst>
+  </p:cSld>
+  <p:clrMapOvr>
+    <a:masterClrMapping/>
+  </p:clrMapOvr>
+</p:sld>
+</file>
+
+<file path=ppt/slides/slide53.xml><?xml version="1.0" encoding="utf-8"?>
+<p:sld xmlns:a="http://schemas.openxmlformats.org/drawingml/2006/main" xmlns:r="http://schemas.openxmlformats.org/officeDocument/2006/relationships" xmlns:p="http://schemas.openxmlformats.org/presentationml/2006/main">
+  <p:cSld>
+    <p:spTree>
+      <p:nvGrpSpPr>
+        <p:cNvPr id="1" name=""/>
+        <p:cNvGrpSpPr/>
+        <p:nvPr/>
+      </p:nvGrpSpPr>
+      <p:grpSpPr>
+        <a:xfrm>
+          <a:off x="0" y="0"/>
+          <a:ext cx="0" cy="0"/>
+          <a:chOff x="0" y="0"/>
+          <a:chExt cx="0" cy="0"/>
+        </a:xfrm>
+      </p:grpSpPr>
+      <p:sp>
+        <p:nvSpPr>
+          <p:cNvPr id="11" name="Title 1">
+            <a:extLst>
+              <a:ext uri="{FF2B5EF4-FFF2-40B4-BE49-F238E27FC236}">
+                <a16:creationId xmlns:a16="http://schemas.microsoft.com/office/drawing/2014/main" id="{51612DA1-DB43-7E72-A4EA-4B95C807605F}"/>
+              </a:ext>
+            </a:extLst>
+          </p:cNvPr>
+          <p:cNvSpPr>
+            <a:spLocks noGrp="1"/>
+          </p:cNvSpPr>
+          <p:nvPr>
+            <p:ph type="title"/>
+          </p:nvPr>
+        </p:nvSpPr>
+        <p:spPr>
+          <a:xfrm>
+            <a:off x="1296000" y="720000"/>
+            <a:ext cx="9864000" cy="681480"/>
+          </a:xfrm>
+        </p:spPr>
+        <p:txBody>
+          <a:bodyPr anchor="t">
+            <a:normAutofit fontScale="90000"/>
+          </a:bodyPr>
+          <a:lstStyle/>
+          <a:p>
+            <a:r>
+              <a:rPr lang="en-US" dirty="0"/>
+              <a:t>Mistake 11: Including lazy associations in </a:t>
+            </a:r>
+            <a:r>
+              <a:rPr lang="en-US" dirty="0" err="1">
+                <a:latin typeface="Courier New" panose="02070309020205020404" pitchFamily="49" charset="0"/>
+                <a:cs typeface="Courier New" panose="02070309020205020404" pitchFamily="49" charset="0"/>
+              </a:rPr>
+              <a:t>toString</a:t>
+            </a:r>
+            <a:r>
+              <a:rPr lang="en-US" dirty="0">
+                <a:latin typeface="Courier New" panose="02070309020205020404" pitchFamily="49" charset="0"/>
+                <a:cs typeface="Courier New" panose="02070309020205020404" pitchFamily="49" charset="0"/>
+              </a:rPr>
+              <a:t>()</a:t>
+            </a:r>
+            <a:r>
+              <a:rPr lang="en-US" dirty="0"/>
+              <a:t> of an entity</a:t>
+            </a:r>
+            <a:endParaRPr lang="en-US" dirty="0">
+              <a:latin typeface="Courier New" panose="02070309020205020404" pitchFamily="49" charset="0"/>
+              <a:cs typeface="Courier New" panose="02070309020205020404" pitchFamily="49" charset="0"/>
+            </a:endParaRPr>
+          </a:p>
+        </p:txBody>
+      </p:sp>
+      <p:sp>
+        <p:nvSpPr>
+          <p:cNvPr id="13" name="Text Placeholder 2">
+            <a:extLst>
+              <a:ext uri="{FF2B5EF4-FFF2-40B4-BE49-F238E27FC236}">
+                <a16:creationId xmlns:a16="http://schemas.microsoft.com/office/drawing/2014/main" id="{5AFACC08-6E7F-14DD-D1E6-54973126E7AF}"/>
+              </a:ext>
+            </a:extLst>
+          </p:cNvPr>
+          <p:cNvSpPr>
+            <a:spLocks noGrp="1"/>
+          </p:cNvSpPr>
+          <p:nvPr>
+            <p:ph type="body" sz="quarter" idx="10"/>
+          </p:nvPr>
+        </p:nvSpPr>
+        <p:spPr>
+          <a:xfrm>
+            <a:off x="1296000" y="2105696"/>
+            <a:ext cx="9864000" cy="3632163"/>
+          </a:xfrm>
+        </p:spPr>
+        <p:txBody>
+          <a:bodyPr>
+            <a:normAutofit/>
+          </a:bodyPr>
+          <a:lstStyle/>
+          <a:p>
+            <a:pPr>
+              <a:spcAft>
+                <a:spcPts val="600"/>
+              </a:spcAft>
+            </a:pPr>
+            <a:r>
+              <a:rPr lang="en-US" dirty="0"/>
+              <a:t>It forces Hibernate to retrieve (an otherwise lazy collection) whenever </a:t>
+            </a:r>
+            <a:r>
+              <a:rPr lang="en-US" dirty="0" err="1">
+                <a:latin typeface="Courier New" panose="02070309020205020404" pitchFamily="49" charset="0"/>
+                <a:cs typeface="Courier New" panose="02070309020205020404" pitchFamily="49" charset="0"/>
+              </a:rPr>
+              <a:t>toString</a:t>
+            </a:r>
+            <a:r>
+              <a:rPr lang="en-US" dirty="0">
+                <a:latin typeface="Courier New" panose="02070309020205020404" pitchFamily="49" charset="0"/>
+                <a:cs typeface="Courier New" panose="02070309020205020404" pitchFamily="49" charset="0"/>
+              </a:rPr>
+              <a:t>() </a:t>
+            </a:r>
+            <a:r>
+              <a:rPr lang="en-US" dirty="0"/>
+              <a:t>is called.</a:t>
+            </a:r>
+          </a:p>
+          <a:p>
+            <a:pPr>
+              <a:spcAft>
+                <a:spcPts val="600"/>
+              </a:spcAft>
+            </a:pPr>
+            <a:r>
+              <a:rPr lang="en-US" dirty="0"/>
+              <a:t>With </a:t>
+            </a:r>
+            <a:r>
+              <a:rPr lang="en-US" i="1" dirty="0"/>
+              <a:t>Lombok</a:t>
+            </a:r>
+            <a:r>
+              <a:rPr lang="en-US" dirty="0"/>
+              <a:t> it’s easy to run into this with </a:t>
+            </a:r>
+            <a:r>
+              <a:rPr lang="en-US" dirty="0">
+                <a:latin typeface="Courier New" panose="02070309020205020404" pitchFamily="49" charset="0"/>
+                <a:cs typeface="Courier New" panose="02070309020205020404" pitchFamily="49" charset="0"/>
+              </a:rPr>
+              <a:t>@ToString</a:t>
+            </a:r>
+            <a:r>
+              <a:rPr lang="en-US" dirty="0"/>
+              <a:t>.</a:t>
+            </a:r>
+          </a:p>
+          <a:p>
+            <a:pPr lvl="1">
+              <a:spcAft>
+                <a:spcPts val="600"/>
+              </a:spcAft>
+            </a:pPr>
+            <a:r>
+              <a:rPr lang="en-US" dirty="0"/>
+              <a:t>Use </a:t>
+            </a:r>
+            <a:r>
+              <a:rPr lang="en-US" dirty="0">
+                <a:latin typeface="Courier New" panose="02070309020205020404" pitchFamily="49" charset="0"/>
+                <a:cs typeface="Courier New" panose="02070309020205020404" pitchFamily="49" charset="0"/>
+              </a:rPr>
+              <a:t>@ToString.Exclude </a:t>
+            </a:r>
+            <a:r>
+              <a:rPr lang="en-US" dirty="0"/>
+              <a:t>on the lazy associations.</a:t>
+            </a:r>
+          </a:p>
+          <a:p>
+            <a:pPr lvl="1">
+              <a:spcAft>
+                <a:spcPts val="600"/>
+              </a:spcAft>
+            </a:pPr>
+            <a:r>
+              <a:rPr lang="en-US" dirty="0">
+                <a:hlinkClick r:id="rId2"/>
+              </a:rPr>
+              <a:t>https://projectlombok.org/features/ToString</a:t>
+            </a:r>
+            <a:endParaRPr lang="en-US" dirty="0"/>
+          </a:p>
+        </p:txBody>
+      </p:sp>
+    </p:spTree>
+    <p:extLst>
+      <p:ext uri="{BB962C8B-B14F-4D97-AF65-F5344CB8AC3E}">
+        <p14:creationId xmlns:p14="http://schemas.microsoft.com/office/powerpoint/2010/main" val="2468397319"/>
+      </p:ext>
+    </p:extLst>
+  </p:cSld>
+  <p:clrMapOvr>
+    <a:masterClrMapping/>
+  </p:clrMapOvr>
+</p:sld>
+</file>
+
+<file path=ppt/slides/slide54.xml><?xml version="1.0" encoding="utf-8"?>
+<p:sld xmlns:a="http://schemas.openxmlformats.org/drawingml/2006/main" xmlns:r="http://schemas.openxmlformats.org/officeDocument/2006/relationships" xmlns:p="http://schemas.openxmlformats.org/presentationml/2006/main">
+  <p:cSld>
+    <p:spTree>
+      <p:nvGrpSpPr>
+        <p:cNvPr id="1" name=""/>
+        <p:cNvGrpSpPr/>
+        <p:nvPr/>
+      </p:nvGrpSpPr>
+      <p:grpSpPr>
+        <a:xfrm>
+          <a:off x="0" y="0"/>
+          <a:ext cx="0" cy="0"/>
+          <a:chOff x="0" y="0"/>
+          <a:chExt cx="0" cy="0"/>
+        </a:xfrm>
+      </p:grpSpPr>
+      <p:sp>
+        <p:nvSpPr>
+          <p:cNvPr id="11" name="Title 1">
+            <a:extLst>
+              <a:ext uri="{FF2B5EF4-FFF2-40B4-BE49-F238E27FC236}">
+                <a16:creationId xmlns:a16="http://schemas.microsoft.com/office/drawing/2014/main" id="{51612DA1-DB43-7E72-A4EA-4B95C807605F}"/>
+              </a:ext>
+            </a:extLst>
+          </p:cNvPr>
+          <p:cNvSpPr>
+            <a:spLocks noGrp="1"/>
+          </p:cNvSpPr>
+          <p:nvPr>
+            <p:ph type="title"/>
+          </p:nvPr>
+        </p:nvSpPr>
+        <p:spPr>
+          <a:xfrm>
+            <a:off x="1296000" y="720000"/>
+            <a:ext cx="9864000" cy="681480"/>
+          </a:xfrm>
+        </p:spPr>
+        <p:txBody>
+          <a:bodyPr anchor="t">
+            <a:normAutofit/>
+          </a:bodyPr>
+          <a:lstStyle/>
+          <a:p>
+            <a:r>
+              <a:rPr lang="en-US" dirty="0"/>
               <a:t>Mistake 12: Trusting Stack Overflow blindly</a:t>
             </a:r>
           </a:p>
@@ -33590,7 +35007,7 @@
 </p:sld>
 </file>
 
-<file path=ppt/slides/slide53.xml><?xml version="1.0" encoding="utf-8"?>
+<file path=ppt/slides/slide55.xml><?xml version="1.0" encoding="utf-8"?>
 <p:sld xmlns:a="http://schemas.openxmlformats.org/drawingml/2006/main" xmlns:r="http://schemas.openxmlformats.org/officeDocument/2006/relationships" xmlns:p="http://schemas.openxmlformats.org/presentationml/2006/main">
   <p:cSld>
     <p:spTree>
@@ -33659,7 +35076,7 @@
 </p:sld>
 </file>
 
-<file path=ppt/slides/slide54.xml><?xml version="1.0" encoding="utf-8"?>
+<file path=ppt/slides/slide56.xml><?xml version="1.0" encoding="utf-8"?>
 <p:sld xmlns:a="http://schemas.openxmlformats.org/drawingml/2006/main" xmlns:r="http://schemas.openxmlformats.org/officeDocument/2006/relationships" xmlns:p="http://schemas.openxmlformats.org/presentationml/2006/main">
   <p:cSld>
     <p:spTree>
@@ -33720,9 +35137,16 @@
             <p:ph type="body" sz="quarter" idx="10"/>
           </p:nvPr>
         </p:nvSpPr>
-        <p:spPr/>
+        <p:spPr>
+          <a:xfrm>
+            <a:off x="1296000" y="1612154"/>
+            <a:ext cx="9864000" cy="4541108"/>
+          </a:xfrm>
+        </p:spPr>
         <p:txBody>
-          <a:bodyPr/>
+          <a:bodyPr>
+            <a:normAutofit fontScale="92500" lnSpcReduction="10000"/>
+          </a:bodyPr>
           <a:lstStyle/>
           <a:p>
             <a:r>
@@ -33787,7 +35211,7 @@
           <a:p>
             <a:r>
               <a:rPr lang="en-US" dirty="0"/>
-              <a:t>How does Spring Transactional work?</a:t>
+              <a:t>JPA specification</a:t>
             </a:r>
           </a:p>
           <a:p>
@@ -33796,11 +35220,40 @@
               <a:rPr lang="en-US" dirty="0">
                 <a:hlinkClick r:id="rId6"/>
               </a:rPr>
+              <a:t>https://jakarta.ee/specifications/persistence/3.0/jakarta-persistence-spec-3.0.html</a:t>
+            </a:r>
+            <a:endParaRPr lang="en-US" dirty="0"/>
+          </a:p>
+          <a:p>
+            <a:r>
+              <a:rPr lang="en-US" dirty="0"/>
+              <a:t>How does Spring Transactional work?</a:t>
+            </a:r>
+          </a:p>
+          <a:p>
+            <a:pPr lvl="1"/>
+            <a:r>
+              <a:rPr lang="en-US" dirty="0">
+                <a:hlinkClick r:id="rId7"/>
+              </a:rPr>
               <a:t>https://dzone.com/articles/how-does-spring-transactional</a:t>
             </a:r>
             <a:endParaRPr lang="en-US" dirty="0"/>
           </a:p>
           <a:p>
+            <a:r>
+              <a:rPr lang="en-US" dirty="0"/>
+              <a:t>JPA Join Types</a:t>
+            </a:r>
+          </a:p>
+          <a:p>
+            <a:pPr lvl="1"/>
+            <a:r>
+              <a:rPr lang="en-US" dirty="0">
+                <a:hlinkClick r:id="rId8"/>
+              </a:rPr>
+              <a:t>https://www.baeldung.com/jpa-join-types</a:t>
+            </a:r>
             <a:endParaRPr lang="en-US" dirty="0"/>
           </a:p>
         </p:txBody>
@@ -33818,7 +35271,7 @@
 </p:sld>
 </file>
 
-<file path=ppt/slides/slide55.xml><?xml version="1.0" encoding="utf-8"?>
+<file path=ppt/slides/slide57.xml><?xml version="1.0" encoding="utf-8"?>
 <p:sld xmlns:a="http://schemas.openxmlformats.org/drawingml/2006/main" xmlns:r="http://schemas.openxmlformats.org/officeDocument/2006/relationships" xmlns:p="http://schemas.openxmlformats.org/presentationml/2006/main">
   <p:cSld>
     <p:spTree>
@@ -35726,21 +37179,6 @@
 </file>
 
 <file path=customXml/item1.xml><?xml version="1.0" encoding="utf-8"?>
-<?mso-contentType ?>
-<FormTemplates xmlns="http://schemas.microsoft.com/sharepoint/v3/contenttype/forms">
-  <Display>DocumentLibraryForm</Display>
-  <Edit>DocumentLibraryForm</Edit>
-  <New>DocumentLibraryForm</New>
-</FormTemplates>
-</file>
-
-<file path=customXml/item2.xml><?xml version="1.0" encoding="utf-8"?>
-<p:properties xmlns:p="http://schemas.microsoft.com/office/2006/metadata/properties" xmlns:xsi="http://www.w3.org/2001/XMLSchema-instance" xmlns:pc="http://schemas.microsoft.com/office/infopath/2007/PartnerControls">
-  <documentManagement/>
-</p:properties>
-</file>
-
-<file path=customXml/item3.xml><?xml version="1.0" encoding="utf-8"?>
 <ct:contentTypeSchema xmlns:ct="http://schemas.microsoft.com/office/2006/metadata/contentType" xmlns:ma="http://schemas.microsoft.com/office/2006/metadata/properties/metaAttributes" ct:_="" ma:_="" ma:contentTypeName="Document" ma:contentTypeID="0x0101000858805C9A31ED4698AA5994F7540466" ma:contentTypeVersion="1" ma:contentTypeDescription="Een nieuw document maken." ma:contentTypeScope="" ma:versionID="5cab34e6f8d54d32c51f192539e9981c">
   <xsd:schema xmlns:xsd="http://www.w3.org/2001/XMLSchema" xmlns:xs="http://www.w3.org/2001/XMLSchema" xmlns:p="http://schemas.microsoft.com/office/2006/metadata/properties" xmlns:ns2="a73fd6a0-a740-4ca0-a47f-6beba88ccc77" targetNamespace="http://schemas.microsoft.com/office/2006/metadata/properties" ma:root="true" ma:fieldsID="10b3ae9c115bae24efdfd9076c93080b" ns2:_="">
     <xsd:import namespace="a73fd6a0-a740-4ca0-a47f-6beba88ccc77"/>
@@ -35880,31 +37318,22 @@
 </ct:contentTypeSchema>
 </file>
 
-<file path=customXml/itemProps1.xml><?xml version="1.0" encoding="utf-8"?>
-<ds:datastoreItem xmlns:ds="http://schemas.openxmlformats.org/officeDocument/2006/customXml" ds:itemID="{4522A51C-073F-4C45-9170-ECE5951F4DEA}">
-  <ds:schemaRefs>
-    <ds:schemaRef ds:uri="http://schemas.microsoft.com/sharepoint/v3/contenttype/forms"/>
-  </ds:schemaRefs>
-</ds:datastoreItem>
+<file path=customXml/item2.xml><?xml version="1.0" encoding="utf-8"?>
+<?mso-contentType ?>
+<FormTemplates xmlns="http://schemas.microsoft.com/sharepoint/v3/contenttype/forms">
+  <Display>DocumentLibraryForm</Display>
+  <Edit>DocumentLibraryForm</Edit>
+  <New>DocumentLibraryForm</New>
+</FormTemplates>
 </file>
 
-<file path=customXml/itemProps2.xml><?xml version="1.0" encoding="utf-8"?>
-<ds:datastoreItem xmlns:ds="http://schemas.openxmlformats.org/officeDocument/2006/customXml" ds:itemID="{F8AE8C2F-0717-4D42-B44A-CAECCF122A1A}">
-  <ds:schemaRefs>
-    <ds:schemaRef ds:uri="http://purl.org/dc/elements/1.1/"/>
-    <ds:schemaRef ds:uri="http://schemas.microsoft.com/office/2006/metadata/properties"/>
-    <ds:schemaRef ds:uri="http://schemas.microsoft.com/office/2006/documentManagement/types"/>
-    <ds:schemaRef ds:uri="http://purl.org/dc/terms/"/>
-    <ds:schemaRef ds:uri="http://schemas.openxmlformats.org/package/2006/metadata/core-properties"/>
-    <ds:schemaRef ds:uri="http://purl.org/dc/dcmitype/"/>
-    <ds:schemaRef ds:uri="http://schemas.microsoft.com/office/infopath/2007/PartnerControls"/>
-    <ds:schemaRef ds:uri="a73fd6a0-a740-4ca0-a47f-6beba88ccc77"/>
-    <ds:schemaRef ds:uri="http://www.w3.org/XML/1998/namespace"/>
-  </ds:schemaRefs>
-</ds:datastoreItem>
+<file path=customXml/item3.xml><?xml version="1.0" encoding="utf-8"?>
+<p:properties xmlns:p="http://schemas.microsoft.com/office/2006/metadata/properties" xmlns:xsi="http://www.w3.org/2001/XMLSchema-instance" xmlns:pc="http://schemas.microsoft.com/office/infopath/2007/PartnerControls">
+  <documentManagement/>
+</p:properties>
 </file>
 
-<file path=customXml/itemProps3.xml><?xml version="1.0" encoding="utf-8"?>
+<file path=customXml/itemProps1.xml><?xml version="1.0" encoding="utf-8"?>
 <ds:datastoreItem xmlns:ds="http://schemas.openxmlformats.org/officeDocument/2006/customXml" ds:itemID="{9AC0CDE9-3E35-44FD-A63A-9795CF527D47}">
   <ds:schemaRefs>
     <ds:schemaRef ds:uri="http://schemas.microsoft.com/office/2006/metadata/contentType"/>
@@ -35920,4 +37349,28 @@
     <ds:schemaRef ds:uri="http://schemas.microsoft.com/internal/obd"/>
   </ds:schemaRefs>
 </ds:datastoreItem>
+</file>
+
+<file path=customXml/itemProps2.xml><?xml version="1.0" encoding="utf-8"?>
+<ds:datastoreItem xmlns:ds="http://schemas.openxmlformats.org/officeDocument/2006/customXml" ds:itemID="{4522A51C-073F-4C45-9170-ECE5951F4DEA}">
+  <ds:schemaRefs>
+    <ds:schemaRef ds:uri="http://schemas.microsoft.com/sharepoint/v3/contenttype/forms"/>
+  </ds:schemaRefs>
+</ds:datastoreItem>
+</file>
+
+<file path=customXml/itemProps3.xml><?xml version="1.0" encoding="utf-8"?>
+<ds:datastoreItem xmlns:ds="http://schemas.openxmlformats.org/officeDocument/2006/customXml" ds:itemID="{F8AE8C2F-0717-4D42-B44A-CAECCF122A1A}">
+  <ds:schemaRefs>
+    <ds:schemaRef ds:uri="http://www.w3.org/XML/1998/namespace"/>
+    <ds:schemaRef ds:uri="http://purl.org/dc/elements/1.1/"/>
+    <ds:schemaRef ds:uri="a73fd6a0-a740-4ca0-a47f-6beba88ccc77"/>
+    <ds:schemaRef ds:uri="http://schemas.microsoft.com/office/2006/metadata/properties"/>
+    <ds:schemaRef ds:uri="http://purl.org/dc/dcmitype/"/>
+    <ds:schemaRef ds:uri="http://schemas.microsoft.com/office/2006/documentManagement/types"/>
+    <ds:schemaRef ds:uri="http://purl.org/dc/terms/"/>
+    <ds:schemaRef ds:uri="http://schemas.microsoft.com/office/infopath/2007/PartnerControls"/>
+    <ds:schemaRef ds:uri="http://schemas.openxmlformats.org/package/2006/metadata/core-properties"/>
+  </ds:schemaRefs>
+</ds:datastoreItem>
 </file>
--- a/slides.pptx
+++ b/slides.pptx
@@ -283,7 +283,7 @@
           <a:p>
             <a:fld id="{3532B83F-F844-4C18-98E8-7C33F4B39DE0}" type="datetimeFigureOut">
               <a:rPr lang="nl-NL" smtClean="0"/>
-              <a:t>2-5-2022</a:t>
+              <a:t>11-10-2022</a:t>
             </a:fld>
             <a:endParaRPr lang="nl-NL"/>
           </a:p>
@@ -460,7 +460,7 @@
           <a:p>
             <a:fld id="{27396D34-C2B8-41FF-AE69-48AE3B3D8E8B}" type="datetimeFigureOut">
               <a:rPr lang="nl-NL" smtClean="0"/>
-              <a:t>2-5-2022</a:t>
+              <a:t>11-10-2022</a:t>
             </a:fld>
             <a:endParaRPr lang="nl-NL"/>
           </a:p>
@@ -34004,18 +34004,7 @@
           <a:p>
             <a:r>
               <a:rPr lang="en-US" dirty="0"/>
-              <a:t>Mistake 8: Using </a:t>
-            </a:r>
-            <a:r>
-              <a:rPr lang="en-US" dirty="0">
-                <a:latin typeface="Courier New" panose="02070309020205020404" pitchFamily="49" charset="0"/>
-                <a:cs typeface="Courier New" panose="02070309020205020404" pitchFamily="49" charset="0"/>
-              </a:rPr>
-              <a:t>flush </a:t>
-            </a:r>
-            <a:r>
-              <a:rPr lang="en-US" dirty="0"/>
-              <a:t>without reason</a:t>
+              <a:t>Mistake 8: Not using read-only transactions</a:t>
             </a:r>
             <a:endParaRPr lang="en-US" dirty="0">
               <a:solidFill>
@@ -34060,7 +34049,14 @@
             </a:pPr>
             <a:r>
               <a:rPr lang="en-US" sz="2800" dirty="0"/>
-              <a:t>It forces Hibernate to perform dirty checking and writing updates to the database early.</a:t>
+              <a:t>If your use-case doesn’t require propagating changes to the database, use </a:t>
+            </a:r>
+            <a:r>
+              <a:rPr lang="en-US" sz="2800" dirty="0">
+                <a:latin typeface="Courier New" panose="02070309020205020404" pitchFamily="49" charset="0"/>
+                <a:cs typeface="Courier New" panose="02070309020205020404" pitchFamily="49" charset="0"/>
+              </a:rPr>
+              <a:t>@Transactional(readOnly=true)</a:t>
             </a:r>
           </a:p>
           <a:p>
@@ -34071,7 +34067,7 @@
             </a:pPr>
             <a:r>
               <a:rPr lang="en-US" sz="2800" dirty="0"/>
-              <a:t>Let Hibernate combine updates into 1 SQL update, bundle multiple identical statements into a batch call, etc.</a:t>
+              <a:t>It eliminates dirty-checking.</a:t>
             </a:r>
           </a:p>
           <a:p>
@@ -34082,7 +34078,7 @@
             </a:pPr>
             <a:r>
               <a:rPr lang="en-US" sz="2800" dirty="0"/>
-              <a:t>Rare exception: batch updates.</a:t>
+              <a:t>It eliminates loading the entity in the persistence context.</a:t>
             </a:r>
           </a:p>
         </p:txBody>
@@ -37179,6 +37175,21 @@
 </file>
 
 <file path=customXml/item1.xml><?xml version="1.0" encoding="utf-8"?>
+<?mso-contentType ?>
+<FormTemplates xmlns="http://schemas.microsoft.com/sharepoint/v3/contenttype/forms">
+  <Display>DocumentLibraryForm</Display>
+  <Edit>DocumentLibraryForm</Edit>
+  <New>DocumentLibraryForm</New>
+</FormTemplates>
+</file>
+
+<file path=customXml/item2.xml><?xml version="1.0" encoding="utf-8"?>
+<p:properties xmlns:p="http://schemas.microsoft.com/office/2006/metadata/properties" xmlns:xsi="http://www.w3.org/2001/XMLSchema-instance" xmlns:pc="http://schemas.microsoft.com/office/infopath/2007/PartnerControls">
+  <documentManagement/>
+</p:properties>
+</file>
+
+<file path=customXml/item3.xml><?xml version="1.0" encoding="utf-8"?>
 <ct:contentTypeSchema xmlns:ct="http://schemas.microsoft.com/office/2006/metadata/contentType" xmlns:ma="http://schemas.microsoft.com/office/2006/metadata/properties/metaAttributes" ct:_="" ma:_="" ma:contentTypeName="Document" ma:contentTypeID="0x0101000858805C9A31ED4698AA5994F7540466" ma:contentTypeVersion="1" ma:contentTypeDescription="Een nieuw document maken." ma:contentTypeScope="" ma:versionID="5cab34e6f8d54d32c51f192539e9981c">
   <xsd:schema xmlns:xsd="http://www.w3.org/2001/XMLSchema" xmlns:xs="http://www.w3.org/2001/XMLSchema" xmlns:p="http://schemas.microsoft.com/office/2006/metadata/properties" xmlns:ns2="a73fd6a0-a740-4ca0-a47f-6beba88ccc77" targetNamespace="http://schemas.microsoft.com/office/2006/metadata/properties" ma:root="true" ma:fieldsID="10b3ae9c115bae24efdfd9076c93080b" ns2:_="">
     <xsd:import namespace="a73fd6a0-a740-4ca0-a47f-6beba88ccc77"/>
@@ -37318,22 +37329,31 @@
 </ct:contentTypeSchema>
 </file>
 
-<file path=customXml/item2.xml><?xml version="1.0" encoding="utf-8"?>
-<?mso-contentType ?>
-<FormTemplates xmlns="http://schemas.microsoft.com/sharepoint/v3/contenttype/forms">
-  <Display>DocumentLibraryForm</Display>
-  <Edit>DocumentLibraryForm</Edit>
-  <New>DocumentLibraryForm</New>
-</FormTemplates>
+<file path=customXml/itemProps1.xml><?xml version="1.0" encoding="utf-8"?>
+<ds:datastoreItem xmlns:ds="http://schemas.openxmlformats.org/officeDocument/2006/customXml" ds:itemID="{4522A51C-073F-4C45-9170-ECE5951F4DEA}">
+  <ds:schemaRefs>
+    <ds:schemaRef ds:uri="http://schemas.microsoft.com/sharepoint/v3/contenttype/forms"/>
+  </ds:schemaRefs>
+</ds:datastoreItem>
 </file>
 
-<file path=customXml/item3.xml><?xml version="1.0" encoding="utf-8"?>
-<p:properties xmlns:p="http://schemas.microsoft.com/office/2006/metadata/properties" xmlns:xsi="http://www.w3.org/2001/XMLSchema-instance" xmlns:pc="http://schemas.microsoft.com/office/infopath/2007/PartnerControls">
-  <documentManagement/>
-</p:properties>
+<file path=customXml/itemProps2.xml><?xml version="1.0" encoding="utf-8"?>
+<ds:datastoreItem xmlns:ds="http://schemas.openxmlformats.org/officeDocument/2006/customXml" ds:itemID="{F8AE8C2F-0717-4D42-B44A-CAECCF122A1A}">
+  <ds:schemaRefs>
+    <ds:schemaRef ds:uri="http://www.w3.org/XML/1998/namespace"/>
+    <ds:schemaRef ds:uri="http://purl.org/dc/elements/1.1/"/>
+    <ds:schemaRef ds:uri="a73fd6a0-a740-4ca0-a47f-6beba88ccc77"/>
+    <ds:schemaRef ds:uri="http://schemas.microsoft.com/office/2006/metadata/properties"/>
+    <ds:schemaRef ds:uri="http://purl.org/dc/dcmitype/"/>
+    <ds:schemaRef ds:uri="http://schemas.microsoft.com/office/2006/documentManagement/types"/>
+    <ds:schemaRef ds:uri="http://purl.org/dc/terms/"/>
+    <ds:schemaRef ds:uri="http://schemas.microsoft.com/office/infopath/2007/PartnerControls"/>
+    <ds:schemaRef ds:uri="http://schemas.openxmlformats.org/package/2006/metadata/core-properties"/>
+  </ds:schemaRefs>
+</ds:datastoreItem>
 </file>
 
-<file path=customXml/itemProps1.xml><?xml version="1.0" encoding="utf-8"?>
+<file path=customXml/itemProps3.xml><?xml version="1.0" encoding="utf-8"?>
 <ds:datastoreItem xmlns:ds="http://schemas.openxmlformats.org/officeDocument/2006/customXml" ds:itemID="{9AC0CDE9-3E35-44FD-A63A-9795CF527D47}">
   <ds:schemaRefs>
     <ds:schemaRef ds:uri="http://schemas.microsoft.com/office/2006/metadata/contentType"/>
@@ -37349,28 +37369,4 @@
     <ds:schemaRef ds:uri="http://schemas.microsoft.com/internal/obd"/>
   </ds:schemaRefs>
 </ds:datastoreItem>
-</file>
-
-<file path=customXml/itemProps2.xml><?xml version="1.0" encoding="utf-8"?>
-<ds:datastoreItem xmlns:ds="http://schemas.openxmlformats.org/officeDocument/2006/customXml" ds:itemID="{4522A51C-073F-4C45-9170-ECE5951F4DEA}">
-  <ds:schemaRefs>
-    <ds:schemaRef ds:uri="http://schemas.microsoft.com/sharepoint/v3/contenttype/forms"/>
-  </ds:schemaRefs>
-</ds:datastoreItem>
-</file>
-
-<file path=customXml/itemProps3.xml><?xml version="1.0" encoding="utf-8"?>
-<ds:datastoreItem xmlns:ds="http://schemas.openxmlformats.org/officeDocument/2006/customXml" ds:itemID="{F8AE8C2F-0717-4D42-B44A-CAECCF122A1A}">
-  <ds:schemaRefs>
-    <ds:schemaRef ds:uri="http://www.w3.org/XML/1998/namespace"/>
-    <ds:schemaRef ds:uri="http://purl.org/dc/elements/1.1/"/>
-    <ds:schemaRef ds:uri="a73fd6a0-a740-4ca0-a47f-6beba88ccc77"/>
-    <ds:schemaRef ds:uri="http://schemas.microsoft.com/office/2006/metadata/properties"/>
-    <ds:schemaRef ds:uri="http://purl.org/dc/dcmitype/"/>
-    <ds:schemaRef ds:uri="http://schemas.microsoft.com/office/2006/documentManagement/types"/>
-    <ds:schemaRef ds:uri="http://purl.org/dc/terms/"/>
-    <ds:schemaRef ds:uri="http://schemas.microsoft.com/office/infopath/2007/PartnerControls"/>
-    <ds:schemaRef ds:uri="http://schemas.openxmlformats.org/package/2006/metadata/core-properties"/>
-  </ds:schemaRefs>
-</ds:datastoreItem>
 </file>
--- a/slides.pptx
+++ b/slides.pptx
@@ -32791,7 +32791,7 @@
           <a:p>
             <a:r>
               <a:rPr lang="en-US" dirty="0"/>
-              <a:t>Mistake 1: Using entities for read-only operations.</a:t>
+              <a:t>Tip 1: Don’t use entities for read only operations</a:t>
             </a:r>
           </a:p>
         </p:txBody>
@@ -32907,7 +32907,7 @@
           <a:p>
             <a:r>
               <a:rPr lang="en-US" sz="3600" dirty="0"/>
-              <a:t>Mistake 2: Not reading SQL logs</a:t>
+              <a:t>Tip 2: Read SQL logs</a:t>
             </a:r>
             <a:endParaRPr lang="en-US" sz="3600" dirty="0">
               <a:latin typeface="Courier New" panose="02070309020205020404" pitchFamily="49" charset="0"/>
@@ -33131,13 +33131,13 @@
         </p:spPr>
         <p:txBody>
           <a:bodyPr anchor="t">
-            <a:normAutofit fontScale="90000"/>
+            <a:normAutofit/>
           </a:bodyPr>
           <a:lstStyle/>
           <a:p>
             <a:r>
               <a:rPr lang="en-US" dirty="0"/>
-              <a:t>Mistake 3: Using </a:t>
+              <a:t>Tip 3: Don’t use </a:t>
             </a:r>
             <a:r>
               <a:rPr lang="en-US" dirty="0">
@@ -33446,13 +33446,13 @@
         </p:spPr>
         <p:txBody>
           <a:bodyPr anchor="t">
-            <a:normAutofit fontScale="90000"/>
+            <a:normAutofit/>
           </a:bodyPr>
           <a:lstStyle/>
           <a:p>
             <a:r>
               <a:rPr lang="en-US" dirty="0"/>
-              <a:t>Mistake 4: Updating or removing entities one-by-one</a:t>
+              <a:t>Tip 4: Use bulk operations</a:t>
             </a:r>
             <a:endParaRPr lang="en-US" dirty="0">
               <a:solidFill>
@@ -33597,7 +33597,7 @@
           <a:p>
             <a:r>
               <a:rPr lang="en-US" dirty="0"/>
-              <a:t>Mistake 5: Using association fetching anti-patterns</a:t>
+              <a:t>Tip 5: Avoid association fetching anti-patterns</a:t>
             </a:r>
           </a:p>
         </p:txBody>
@@ -33758,13 +33758,21 @@
         </p:spPr>
         <p:txBody>
           <a:bodyPr anchor="t">
-            <a:normAutofit fontScale="90000"/>
+            <a:normAutofit/>
           </a:bodyPr>
           <a:lstStyle/>
           <a:p>
             <a:r>
               <a:rPr lang="en-US" dirty="0"/>
-              <a:t>Mistake 6: Not offloading enough to the database</a:t>
+              <a:t>Tip 6: </a:t>
+            </a:r>
+            <a:r>
+              <a:rPr lang="en-US" u="sng" dirty="0"/>
+              <a:t>Use</a:t>
+            </a:r>
+            <a:r>
+              <a:rPr lang="en-US" dirty="0"/>
+              <a:t> your database!</a:t>
             </a:r>
           </a:p>
         </p:txBody>
@@ -33880,7 +33888,7 @@
           <a:p>
             <a:r>
               <a:rPr lang="en-US" dirty="0"/>
-              <a:t>Mistake 7: Using a different database system in your tests</a:t>
+              <a:t>Tip 7: Use the same database system in your tests</a:t>
             </a:r>
           </a:p>
         </p:txBody>
@@ -34004,7 +34012,7 @@
           <a:p>
             <a:r>
               <a:rPr lang="en-US" dirty="0"/>
-              <a:t>Mistake 8: Not using read-only transactions</a:t>
+              <a:t>Tip 8: Use read-only transactions</a:t>
             </a:r>
             <a:endParaRPr lang="en-US" dirty="0">
               <a:solidFill>
@@ -34337,7 +34345,7 @@
           <a:p>
             <a:r>
               <a:rPr lang="en-US" dirty="0"/>
-              <a:t>Mistake 9: Not understanding </a:t>
+              <a:t>Tip 9: Understand </a:t>
             </a:r>
             <a:r>
               <a:rPr lang="en-US" dirty="0">
@@ -34527,7 +34535,7 @@
           <a:p>
             <a:r>
               <a:rPr lang="en-US" dirty="0"/>
-              <a:t>Mistake 9: Not understanding </a:t>
+              <a:t>Tip 9: Understand </a:t>
             </a:r>
             <a:r>
               <a:rPr lang="en-US" dirty="0">
@@ -34644,13 +34652,13 @@
         </p:spPr>
         <p:txBody>
           <a:bodyPr anchor="t">
-            <a:normAutofit/>
+            <a:normAutofit fontScale="90000"/>
           </a:bodyPr>
           <a:lstStyle/>
           <a:p>
             <a:r>
               <a:rPr lang="en-US" dirty="0"/>
-              <a:t>Mistake 10: Leaking entities to web layer</a:t>
+              <a:t>Tip 10: Use DTOs in the web layer, not entities</a:t>
             </a:r>
           </a:p>
         </p:txBody>
@@ -34774,30 +34782,15 @@
           <a:p>
             <a:r>
               <a:rPr lang="en-US" dirty="0"/>
-              <a:t>Mistake 11: Including lazy associations in </a:t>
-            </a:r>
-            <a:r>
-              <a:rPr lang="en-US" dirty="0" err="1">
-                <a:latin typeface="Courier New" panose="02070309020205020404" pitchFamily="49" charset="0"/>
-                <a:cs typeface="Courier New" panose="02070309020205020404" pitchFamily="49" charset="0"/>
-              </a:rPr>
-              <a:t>toString</a:t>
+              <a:t>Tip 11: Don’t include associations in </a:t>
             </a:r>
             <a:r>
               <a:rPr lang="en-US" dirty="0">
                 <a:latin typeface="Courier New" panose="02070309020205020404" pitchFamily="49" charset="0"/>
                 <a:cs typeface="Courier New" panose="02070309020205020404" pitchFamily="49" charset="0"/>
               </a:rPr>
-              <a:t>()</a:t>
-            </a:r>
-            <a:r>
-              <a:rPr lang="en-US" dirty="0"/>
-              <a:t> of an entity</a:t>
-            </a:r>
-            <a:endParaRPr lang="en-US" dirty="0">
-              <a:latin typeface="Courier New" panose="02070309020205020404" pitchFamily="49" charset="0"/>
-              <a:cs typeface="Courier New" panose="02070309020205020404" pitchFamily="49" charset="0"/>
-            </a:endParaRPr>
+              <a:t>@ToString</a:t>
+            </a:r>
           </a:p>
         </p:txBody>
       </p:sp>
@@ -34985,11 +34978,58 @@
           <a:p>
             <a:r>
               <a:rPr lang="en-US" dirty="0"/>
-              <a:t>Mistake 12: Trusting Stack Overflow blindly</a:t>
+              <a:t>Tip 12: Don’t trust Stack Overflow blindly</a:t>
             </a:r>
           </a:p>
         </p:txBody>
       </p:sp>
+      <p:pic>
+        <p:nvPicPr>
+          <p:cNvPr id="1026" name="Picture 2" descr="25 More StackOverflow Programming Memes That All Devs Can Relate To | by  Sheetal | JavaScript in Plain English">
+            <a:extLst>
+              <a:ext uri="{FF2B5EF4-FFF2-40B4-BE49-F238E27FC236}">
+                <a16:creationId xmlns:a16="http://schemas.microsoft.com/office/drawing/2014/main" id="{7E158610-EAEB-45B5-58B8-E63CBFCCC40C}"/>
+              </a:ext>
+            </a:extLst>
+          </p:cNvPr>
+          <p:cNvPicPr>
+            <a:picLocks noChangeAspect="1" noChangeArrowheads="1"/>
+          </p:cNvPicPr>
+          <p:nvPr/>
+        </p:nvPicPr>
+        <p:blipFill>
+          <a:blip r:embed="rId2">
+            <a:extLst>
+              <a:ext uri="{28A0092B-C50C-407E-A947-70E740481C1C}">
+                <a14:useLocalDpi xmlns:a14="http://schemas.microsoft.com/office/drawing/2010/main" val="0"/>
+              </a:ext>
+            </a:extLst>
+          </a:blip>
+          <a:srcRect/>
+          <a:stretch>
+            <a:fillRect/>
+          </a:stretch>
+        </p:blipFill>
+        <p:spPr bwMode="auto">
+          <a:xfrm>
+            <a:off x="4125156" y="1734397"/>
+            <a:ext cx="3941687" cy="4403603"/>
+          </a:xfrm>
+          <a:prstGeom prst="rect">
+            <a:avLst/>
+          </a:prstGeom>
+          <a:noFill/>
+          <a:extLst>
+            <a:ext uri="{909E8E84-426E-40DD-AFC4-6F175D3DCCD1}">
+              <a14:hiddenFill xmlns:a14="http://schemas.microsoft.com/office/drawing/2010/main">
+                <a:solidFill>
+                  <a:srgbClr val="FFFFFF"/>
+                </a:solidFill>
+              </a14:hiddenFill>
+            </a:ext>
+          </a:extLst>
+        </p:spPr>
+      </p:pic>
     </p:spTree>
     <p:extLst>
       <p:ext uri="{BB962C8B-B14F-4D97-AF65-F5344CB8AC3E}">
@@ -37340,15 +37380,15 @@
 <file path=customXml/itemProps2.xml><?xml version="1.0" encoding="utf-8"?>
 <ds:datastoreItem xmlns:ds="http://schemas.openxmlformats.org/officeDocument/2006/customXml" ds:itemID="{F8AE8C2F-0717-4D42-B44A-CAECCF122A1A}">
   <ds:schemaRefs>
+    <ds:schemaRef ds:uri="http://schemas.microsoft.com/office/2006/documentManagement/types"/>
+    <ds:schemaRef ds:uri="http://schemas.openxmlformats.org/package/2006/metadata/core-properties"/>
+    <ds:schemaRef ds:uri="http://schemas.microsoft.com/office/2006/metadata/properties"/>
     <ds:schemaRef ds:uri="http://www.w3.org/XML/1998/namespace"/>
+    <ds:schemaRef ds:uri="http://purl.org/dc/dcmitype/"/>
+    <ds:schemaRef ds:uri="http://purl.org/dc/terms/"/>
     <ds:schemaRef ds:uri="http://purl.org/dc/elements/1.1/"/>
+    <ds:schemaRef ds:uri="http://schemas.microsoft.com/office/infopath/2007/PartnerControls"/>
     <ds:schemaRef ds:uri="a73fd6a0-a740-4ca0-a47f-6beba88ccc77"/>
-    <ds:schemaRef ds:uri="http://schemas.microsoft.com/office/2006/metadata/properties"/>
-    <ds:schemaRef ds:uri="http://purl.org/dc/dcmitype/"/>
-    <ds:schemaRef ds:uri="http://schemas.microsoft.com/office/2006/documentManagement/types"/>
-    <ds:schemaRef ds:uri="http://purl.org/dc/terms/"/>
-    <ds:schemaRef ds:uri="http://schemas.microsoft.com/office/infopath/2007/PartnerControls"/>
-    <ds:schemaRef ds:uri="http://schemas.openxmlformats.org/package/2006/metadata/core-properties"/>
   </ds:schemaRefs>
 </ds:datastoreItem>
 </file>

--- a/slides.pptx
+++ b/slides.pptx
@@ -811,6 +811,90 @@
 </p:notes>
 </file>
 
+<file path=ppt/notesSlides/notesSlide10.xml><?xml version="1.0" encoding="utf-8"?>
+<p:notes xmlns:a="http://schemas.openxmlformats.org/drawingml/2006/main" xmlns:r="http://schemas.openxmlformats.org/officeDocument/2006/relationships" xmlns:p="http://schemas.openxmlformats.org/presentationml/2006/main">
+  <p:cSld>
+    <p:spTree>
+      <p:nvGrpSpPr>
+        <p:cNvPr id="1" name=""/>
+        <p:cNvGrpSpPr/>
+        <p:nvPr/>
+      </p:nvGrpSpPr>
+      <p:grpSpPr>
+        <a:xfrm>
+          <a:off x="0" y="0"/>
+          <a:ext cx="0" cy="0"/>
+          <a:chOff x="0" y="0"/>
+          <a:chExt cx="0" cy="0"/>
+        </a:xfrm>
+      </p:grpSpPr>
+      <p:sp>
+        <p:nvSpPr>
+          <p:cNvPr id="2" name="Tijdelijke aanduiding voor dia-afbeelding 1"/>
+          <p:cNvSpPr>
+            <a:spLocks noGrp="1" noRot="1" noChangeAspect="1"/>
+          </p:cNvSpPr>
+          <p:nvPr>
+            <p:ph type="sldImg"/>
+          </p:nvPr>
+        </p:nvSpPr>
+        <p:spPr/>
+      </p:sp>
+      <p:sp>
+        <p:nvSpPr>
+          <p:cNvPr id="3" name="Tijdelijke aanduiding voor notities 2"/>
+          <p:cNvSpPr>
+            <a:spLocks noGrp="1"/>
+          </p:cNvSpPr>
+          <p:nvPr>
+            <p:ph type="body" idx="1"/>
+          </p:nvPr>
+        </p:nvSpPr>
+        <p:spPr/>
+        <p:txBody>
+          <a:bodyPr/>
+          <a:lstStyle/>
+          <a:p>
+            <a:endParaRPr lang="nl-NL" dirty="0"/>
+          </a:p>
+        </p:txBody>
+      </p:sp>
+      <p:sp>
+        <p:nvSpPr>
+          <p:cNvPr id="4" name="Tijdelijke aanduiding voor dianummer 3"/>
+          <p:cNvSpPr>
+            <a:spLocks noGrp="1"/>
+          </p:cNvSpPr>
+          <p:nvPr>
+            <p:ph type="sldNum" sz="quarter" idx="5"/>
+          </p:nvPr>
+        </p:nvSpPr>
+        <p:spPr/>
+        <p:txBody>
+          <a:bodyPr/>
+          <a:lstStyle/>
+          <a:p>
+            <a:fld id="{4970B036-1422-4C36-8158-C30E1C0769EB}" type="slidenum">
+              <a:rPr lang="nl-NL" smtClean="0"/>
+              <a:t>57</a:t>
+            </a:fld>
+            <a:endParaRPr lang="nl-NL"/>
+          </a:p>
+        </p:txBody>
+      </p:sp>
+    </p:spTree>
+    <p:extLst>
+      <p:ext uri="{BB962C8B-B14F-4D97-AF65-F5344CB8AC3E}">
+        <p14:creationId xmlns:p14="http://schemas.microsoft.com/office/powerpoint/2010/main" val="1781968148"/>
+      </p:ext>
+    </p:extLst>
+  </p:cSld>
+  <p:clrMapOvr>
+    <a:masterClrMapping/>
+  </p:clrMapOvr>
+</p:notes>
+</file>
+
 <file path=ppt/notesSlides/notesSlide2.xml><?xml version="1.0" encoding="utf-8"?>
 <p:notes xmlns:a="http://schemas.openxmlformats.org/drawingml/2006/main" xmlns:r="http://schemas.openxmlformats.org/officeDocument/2006/relationships" xmlns:p="http://schemas.openxmlformats.org/presentationml/2006/main">
   <p:cSld>
@@ -1583,7 +1667,7 @@
           <a:p>
             <a:fld id="{4970B036-1422-4C36-8158-C30E1C0769EB}" type="slidenum">
               <a:rPr lang="nl-NL" smtClean="0"/>
-              <a:t>57</a:t>
+              <a:t>53</a:t>
             </a:fld>
             <a:endParaRPr lang="nl-NL"/>
           </a:p>
@@ -1592,7 +1676,7 @@
     </p:spTree>
     <p:extLst>
       <p:ext uri="{BB962C8B-B14F-4D97-AF65-F5344CB8AC3E}">
-        <p14:creationId xmlns:p14="http://schemas.microsoft.com/office/powerpoint/2010/main" val="1781968148"/>
+        <p14:creationId xmlns:p14="http://schemas.microsoft.com/office/powerpoint/2010/main" val="2321177061"/>
       </p:ext>
     </p:extLst>
   </p:cSld>
@@ -34770,8 +34854,8 @@
         </p:nvSpPr>
         <p:spPr>
           <a:xfrm>
-            <a:off x="1296000" y="720000"/>
-            <a:ext cx="9864000" cy="681480"/>
+            <a:off x="1296000" y="719999"/>
+            <a:ext cx="9864000" cy="1226031"/>
           </a:xfrm>
         </p:spPr>
         <p:txBody>
@@ -34782,15 +34866,34 @@
           <a:p>
             <a:r>
               <a:rPr lang="en-US" dirty="0"/>
-              <a:t>Tip 11: Don’t include associations in </a:t>
-            </a:r>
-            <a:r>
-              <a:rPr lang="en-US" dirty="0">
+              <a:t>Tip 11: Use </a:t>
+            </a:r>
+            <a:r>
+              <a:rPr lang="en-US" dirty="0" err="1">
                 <a:latin typeface="Courier New" panose="02070309020205020404" pitchFamily="49" charset="0"/>
                 <a:cs typeface="Courier New" panose="02070309020205020404" pitchFamily="49" charset="0"/>
               </a:rPr>
-              <a:t>@ToString</a:t>
-            </a:r>
+              <a:t>getById</a:t>
+            </a:r>
+            <a:r>
+              <a:rPr lang="en-US" dirty="0"/>
+              <a:t> instead of </a:t>
+            </a:r>
+            <a:r>
+              <a:rPr lang="en-US" dirty="0" err="1">
+                <a:latin typeface="Courier New" panose="02070309020205020404" pitchFamily="49" charset="0"/>
+                <a:cs typeface="Courier New" panose="02070309020205020404" pitchFamily="49" charset="0"/>
+              </a:rPr>
+              <a:t>findById</a:t>
+            </a:r>
+            <a:r>
+              <a:rPr lang="en-US" dirty="0"/>
+              <a:t> if you don’t need the entity contents</a:t>
+            </a:r>
+            <a:endParaRPr lang="en-US" dirty="0">
+              <a:latin typeface="Courier New" panose="02070309020205020404" pitchFamily="49" charset="0"/>
+              <a:cs typeface="Courier New" panose="02070309020205020404" pitchFamily="49" charset="0"/>
+            </a:endParaRPr>
           </a:p>
         </p:txBody>
       </p:sp>
@@ -34828,26 +34931,23 @@
               </a:spcAft>
             </a:pPr>
             <a:r>
-              <a:rPr lang="en-US" dirty="0"/>
-              <a:t>It forces Hibernate to retrieve (an otherwise lazy collection) whenever </a:t>
-            </a:r>
-            <a:r>
               <a:rPr lang="en-US" dirty="0" err="1">
                 <a:latin typeface="Courier New" panose="02070309020205020404" pitchFamily="49" charset="0"/>
                 <a:cs typeface="Courier New" panose="02070309020205020404" pitchFamily="49" charset="0"/>
               </a:rPr>
-              <a:t>toString</a:t>
-            </a:r>
-            <a:r>
-              <a:rPr lang="en-US" dirty="0">
-                <a:latin typeface="Courier New" panose="02070309020205020404" pitchFamily="49" charset="0"/>
-                <a:cs typeface="Courier New" panose="02070309020205020404" pitchFamily="49" charset="0"/>
-              </a:rPr>
-              <a:t>() </a:t>
+              <a:t>getById</a:t>
             </a:r>
             <a:r>
               <a:rPr lang="en-US" dirty="0"/>
-              <a:t>is called.</a:t>
+              <a:t> returns a proxied </a:t>
+            </a:r>
+            <a:r>
+              <a:rPr lang="en-US" i="1" dirty="0"/>
+              <a:t>reference</a:t>
+            </a:r>
+            <a:r>
+              <a:rPr lang="en-US" dirty="0"/>
+              <a:t> to an entity, it doesn’t go to the database.</a:t>
             </a:r>
           </a:p>
           <a:p>
@@ -34858,26 +34958,18 @@
             </a:pPr>
             <a:r>
               <a:rPr lang="en-US" dirty="0"/>
-              <a:t>With </a:t>
-            </a:r>
-            <a:r>
-              <a:rPr lang="en-US" i="1" dirty="0"/>
-              <a:t>Lombok</a:t>
-            </a:r>
+              <a:t>You can use getters on the proxied reference, but this triggers lazy loading.</a:t>
+            </a:r>
+          </a:p>
+          <a:p>
+            <a:pPr>
+              <a:spcAft>
+                <a:spcPts val="600"/>
+              </a:spcAft>
+            </a:pPr>
             <a:r>
               <a:rPr lang="en-US" dirty="0"/>
-              <a:t> it’s easy to run into this with </a:t>
-            </a:r>
-            <a:r>
-              <a:rPr lang="en-US" dirty="0">
-                <a:latin typeface="Courier New" panose="02070309020205020404" pitchFamily="49" charset="0"/>
-                <a:cs typeface="Courier New" panose="02070309020205020404" pitchFamily="49" charset="0"/>
-              </a:rPr>
-              <a:t>@ToString</a:t>
-            </a:r>
-            <a:r>
-              <a:rPr lang="en-US" dirty="0"/>
-              <a:t>.</a:t>
+              <a:t>Perfect when you only need the entity for establishing a relationship.</a:t>
             </a:r>
           </a:p>
           <a:p>
@@ -34888,36 +34980,80 @@
             </a:pPr>
             <a:r>
               <a:rPr lang="en-US" dirty="0"/>
-              <a:t>Use </a:t>
+              <a:t>Example: Inserting a </a:t>
+            </a:r>
+            <a:r>
+              <a:rPr lang="en-US" dirty="0" err="1">
+                <a:latin typeface="Courier New" panose="02070309020205020404" pitchFamily="49" charset="0"/>
+                <a:cs typeface="Courier New" panose="02070309020205020404" pitchFamily="49" charset="0"/>
+              </a:rPr>
+              <a:t>PostComment</a:t>
+            </a:r>
+            <a:r>
+              <a:rPr lang="en-US" dirty="0"/>
+              <a:t> for a </a:t>
             </a:r>
             <a:r>
               <a:rPr lang="en-US" dirty="0">
                 <a:latin typeface="Courier New" panose="02070309020205020404" pitchFamily="49" charset="0"/>
                 <a:cs typeface="Courier New" panose="02070309020205020404" pitchFamily="49" charset="0"/>
               </a:rPr>
-              <a:t>@ToString.Exclude </a:t>
+              <a:t>Post</a:t>
             </a:r>
             <a:r>
               <a:rPr lang="en-US" dirty="0"/>
-              <a:t>on the lazy associations.</a:t>
-            </a:r>
-          </a:p>
-          <a:p>
-            <a:pPr lvl="1">
-              <a:spcAft>
-                <a:spcPts val="600"/>
-              </a:spcAft>
-            </a:pPr>
-            <a:r>
-              <a:rPr lang="en-US" dirty="0">
-                <a:hlinkClick r:id="rId2"/>
-              </a:rPr>
-              <a:t>https://projectlombok.org/features/ToString</a:t>
-            </a:r>
-            <a:endParaRPr lang="en-US" dirty="0"/>
+              <a:t>.</a:t>
+            </a:r>
           </a:p>
         </p:txBody>
       </p:sp>
+      <p:pic>
+        <p:nvPicPr>
+          <p:cNvPr id="2" name="Picture 2" descr="22,947 Demo Foto's, Afbeeldingen en Stock Fotografie - 123RF">
+            <a:extLst>
+              <a:ext uri="{FF2B5EF4-FFF2-40B4-BE49-F238E27FC236}">
+                <a16:creationId xmlns:a16="http://schemas.microsoft.com/office/drawing/2014/main" id="{91D385B1-3DE8-9E8A-3E89-F4FC39CE1F93}"/>
+              </a:ext>
+            </a:extLst>
+          </p:cNvPr>
+          <p:cNvPicPr>
+            <a:picLocks noChangeAspect="1" noChangeArrowheads="1"/>
+          </p:cNvPicPr>
+          <p:nvPr/>
+        </p:nvPicPr>
+        <p:blipFill>
+          <a:blip r:embed="rId3">
+            <a:extLst>
+              <a:ext uri="{28A0092B-C50C-407E-A947-70E740481C1C}">
+                <a14:useLocalDpi xmlns:a14="http://schemas.microsoft.com/office/drawing/2010/main" val="0"/>
+              </a:ext>
+            </a:extLst>
+          </a:blip>
+          <a:srcRect/>
+          <a:stretch>
+            <a:fillRect/>
+          </a:stretch>
+        </p:blipFill>
+        <p:spPr bwMode="auto">
+          <a:xfrm>
+            <a:off x="10059668" y="5661520"/>
+            <a:ext cx="1923011" cy="952959"/>
+          </a:xfrm>
+          <a:prstGeom prst="rect">
+            <a:avLst/>
+          </a:prstGeom>
+          <a:noFill/>
+          <a:extLst>
+            <a:ext uri="{909E8E84-426E-40DD-AFC4-6F175D3DCCD1}">
+              <a14:hiddenFill xmlns:a14="http://schemas.microsoft.com/office/drawing/2010/main">
+                <a:solidFill>
+                  <a:srgbClr val="FFFFFF"/>
+                </a:solidFill>
+              </a14:hiddenFill>
+            </a:ext>
+          </a:extLst>
+        </p:spPr>
+      </p:pic>
     </p:spTree>
     <p:extLst>
       <p:ext uri="{BB962C8B-B14F-4D97-AF65-F5344CB8AC3E}">

--- a/slides.pptx
+++ b/slides.pptx
@@ -26746,15 +26746,7 @@
           <a:p>
             <a:r>
               <a:rPr lang="en-US" dirty="0"/>
-              <a:t>Loading </a:t>
-            </a:r>
-            <a:r>
-              <a:rPr lang="en-US" dirty="0" err="1"/>
-              <a:t>assocations</a:t>
-            </a:r>
-            <a:r>
-              <a:rPr lang="en-US" dirty="0"/>
-              <a:t>: best practices</a:t>
+              <a:t>Loading associations: best practices</a:t>
             </a:r>
           </a:p>
         </p:txBody>
@@ -33331,7 +33323,7 @@
             </a:pPr>
             <a:r>
               <a:rPr lang="en-US" dirty="0"/>
-              <a:t>In the </a:t>
+              <a:t>In the Spring </a:t>
             </a:r>
             <a:r>
               <a:rPr lang="en-US" dirty="0" err="1"/>
@@ -33615,9 +33607,12 @@
               </a:spcAft>
             </a:pPr>
             <a:r>
-              <a:rPr lang="en-US" dirty="0"/>
+              <a:rPr lang="en-US" dirty="0">
+                <a:hlinkClick r:id="rId2"/>
+              </a:rPr>
               <a:t>https://docs.jboss.org/hibernate/core/3.6/reference/en-US/html_single/#batch</a:t>
             </a:r>
+            <a:endParaRPr lang="en-US" dirty="0"/>
           </a:p>
         </p:txBody>
       </p:sp>
@@ -34033,6 +34028,26 @@
               <a:rPr lang="en-US" sz="2800" dirty="0"/>
               <a:t>Ensures that your tests are representative for production.</a:t>
             </a:r>
+          </a:p>
+          <a:p>
+            <a:pPr>
+              <a:spcAft>
+                <a:spcPts val="600"/>
+              </a:spcAft>
+            </a:pPr>
+            <a:r>
+              <a:rPr lang="en-US" sz="2800" dirty="0"/>
+              <a:t>Allows you to use more database specific features.</a:t>
+            </a:r>
+          </a:p>
+          <a:p>
+            <a:pPr marL="0" indent="0">
+              <a:spcAft>
+                <a:spcPts val="600"/>
+              </a:spcAft>
+              <a:buNone/>
+            </a:pPr>
+            <a:endParaRPr lang="en-US" sz="2800" dirty="0"/>
           </a:p>
         </p:txBody>
       </p:sp>
@@ -37351,21 +37366,12 @@
 </file>
 
 <file path=customXml/item1.xml><?xml version="1.0" encoding="utf-8"?>
-<?mso-contentType ?>
-<FormTemplates xmlns="http://schemas.microsoft.com/sharepoint/v3/contenttype/forms">
-  <Display>DocumentLibraryForm</Display>
-  <Edit>DocumentLibraryForm</Edit>
-  <New>DocumentLibraryForm</New>
-</FormTemplates>
-</file>
-
-<file path=customXml/item2.xml><?xml version="1.0" encoding="utf-8"?>
 <p:properties xmlns:p="http://schemas.microsoft.com/office/2006/metadata/properties" xmlns:xsi="http://www.w3.org/2001/XMLSchema-instance" xmlns:pc="http://schemas.microsoft.com/office/infopath/2007/PartnerControls">
   <documentManagement/>
 </p:properties>
 </file>
 
-<file path=customXml/item3.xml><?xml version="1.0" encoding="utf-8"?>
+<file path=customXml/item2.xml><?xml version="1.0" encoding="utf-8"?>
 <ct:contentTypeSchema xmlns:ct="http://schemas.microsoft.com/office/2006/metadata/contentType" xmlns:ma="http://schemas.microsoft.com/office/2006/metadata/properties/metaAttributes" ct:_="" ma:_="" ma:contentTypeName="Document" ma:contentTypeID="0x0101000858805C9A31ED4698AA5994F7540466" ma:contentTypeVersion="1" ma:contentTypeDescription="Een nieuw document maken." ma:contentTypeScope="" ma:versionID="5cab34e6f8d54d32c51f192539e9981c">
   <xsd:schema xmlns:xsd="http://www.w3.org/2001/XMLSchema" xmlns:xs="http://www.w3.org/2001/XMLSchema" xmlns:p="http://schemas.microsoft.com/office/2006/metadata/properties" xmlns:ns2="a73fd6a0-a740-4ca0-a47f-6beba88ccc77" targetNamespace="http://schemas.microsoft.com/office/2006/metadata/properties" ma:root="true" ma:fieldsID="10b3ae9c115bae24efdfd9076c93080b" ns2:_="">
     <xsd:import namespace="a73fd6a0-a740-4ca0-a47f-6beba88ccc77"/>
@@ -37505,15 +37511,16 @@
 </ct:contentTypeSchema>
 </file>
 
-<file path=customXml/itemProps1.xml><?xml version="1.0" encoding="utf-8"?>
-<ds:datastoreItem xmlns:ds="http://schemas.openxmlformats.org/officeDocument/2006/customXml" ds:itemID="{4522A51C-073F-4C45-9170-ECE5951F4DEA}">
-  <ds:schemaRefs>
-    <ds:schemaRef ds:uri="http://schemas.microsoft.com/sharepoint/v3/contenttype/forms"/>
-  </ds:schemaRefs>
-</ds:datastoreItem>
+<file path=customXml/item3.xml><?xml version="1.0" encoding="utf-8"?>
+<?mso-contentType ?>
+<FormTemplates xmlns="http://schemas.microsoft.com/sharepoint/v3/contenttype/forms">
+  <Display>DocumentLibraryForm</Display>
+  <Edit>DocumentLibraryForm</Edit>
+  <New>DocumentLibraryForm</New>
+</FormTemplates>
 </file>
 
-<file path=customXml/itemProps2.xml><?xml version="1.0" encoding="utf-8"?>
+<file path=customXml/itemProps1.xml><?xml version="1.0" encoding="utf-8"?>
 <ds:datastoreItem xmlns:ds="http://schemas.openxmlformats.org/officeDocument/2006/customXml" ds:itemID="{F8AE8C2F-0717-4D42-B44A-CAECCF122A1A}">
   <ds:schemaRefs>
     <ds:schemaRef ds:uri="http://schemas.microsoft.com/office/2006/documentManagement/types"/>
@@ -37529,7 +37536,7 @@
 </ds:datastoreItem>
 </file>
 
-<file path=customXml/itemProps3.xml><?xml version="1.0" encoding="utf-8"?>
+<file path=customXml/itemProps2.xml><?xml version="1.0" encoding="utf-8"?>
 <ds:datastoreItem xmlns:ds="http://schemas.openxmlformats.org/officeDocument/2006/customXml" ds:itemID="{9AC0CDE9-3E35-44FD-A63A-9795CF527D47}">
   <ds:schemaRefs>
     <ds:schemaRef ds:uri="http://schemas.microsoft.com/office/2006/metadata/contentType"/>
@@ -37545,4 +37552,12 @@
     <ds:schemaRef ds:uri="http://schemas.microsoft.com/internal/obd"/>
   </ds:schemaRefs>
 </ds:datastoreItem>
+</file>
+
+<file path=customXml/itemProps3.xml><?xml version="1.0" encoding="utf-8"?>
+<ds:datastoreItem xmlns:ds="http://schemas.openxmlformats.org/officeDocument/2006/customXml" ds:itemID="{4522A51C-073F-4C45-9170-ECE5951F4DEA}">
+  <ds:schemaRefs>
+    <ds:schemaRef ds:uri="http://schemas.microsoft.com/sharepoint/v3/contenttype/forms"/>
+  </ds:schemaRefs>
+</ds:datastoreItem>
 </file>
--- a/slides.pptx
+++ b/slides.pptx
@@ -26615,6 +26615,248 @@
   <p:clrMapOvr>
     <a:masterClrMapping/>
   </p:clrMapOvr>
+  <p:timing>
+    <p:tnLst>
+      <p:par>
+        <p:cTn id="1" dur="indefinite" restart="never" nodeType="tmRoot">
+          <p:childTnLst>
+            <p:seq concurrent="1" nextAc="seek">
+              <p:cTn id="2" dur="indefinite" nodeType="mainSeq">
+                <p:childTnLst>
+                  <p:par>
+                    <p:cTn id="3" fill="hold">
+                      <p:stCondLst>
+                        <p:cond delay="indefinite"/>
+                      </p:stCondLst>
+                      <p:childTnLst>
+                        <p:par>
+                          <p:cTn id="4" fill="hold">
+                            <p:stCondLst>
+                              <p:cond delay="0"/>
+                            </p:stCondLst>
+                            <p:childTnLst>
+                              <p:par>
+                                <p:cTn id="5" presetID="1" presetClass="entr" presetSubtype="0" fill="hold" grpId="0" nodeType="clickEffect">
+                                  <p:stCondLst>
+                                    <p:cond delay="0"/>
+                                  </p:stCondLst>
+                                  <p:childTnLst>
+                                    <p:set>
+                                      <p:cBhvr>
+                                        <p:cTn id="6" dur="1" fill="hold">
+                                          <p:stCondLst>
+                                            <p:cond delay="0"/>
+                                          </p:stCondLst>
+                                        </p:cTn>
+                                        <p:tgtEl>
+                                          <p:spTgt spid="4">
+                                            <p:txEl>
+                                              <p:pRg st="0" end="0"/>
+                                            </p:txEl>
+                                          </p:spTgt>
+                                        </p:tgtEl>
+                                        <p:attrNameLst>
+                                          <p:attrName>style.visibility</p:attrName>
+                                        </p:attrNameLst>
+                                      </p:cBhvr>
+                                      <p:to>
+                                        <p:strVal val="visible"/>
+                                      </p:to>
+                                    </p:set>
+                                  </p:childTnLst>
+                                </p:cTn>
+                              </p:par>
+                            </p:childTnLst>
+                          </p:cTn>
+                        </p:par>
+                      </p:childTnLst>
+                    </p:cTn>
+                  </p:par>
+                  <p:par>
+                    <p:cTn id="7" fill="hold">
+                      <p:stCondLst>
+                        <p:cond delay="indefinite"/>
+                      </p:stCondLst>
+                      <p:childTnLst>
+                        <p:par>
+                          <p:cTn id="8" fill="hold">
+                            <p:stCondLst>
+                              <p:cond delay="0"/>
+                            </p:stCondLst>
+                            <p:childTnLst>
+                              <p:par>
+                                <p:cTn id="9" presetID="1" presetClass="entr" presetSubtype="0" fill="hold" grpId="0" nodeType="clickEffect">
+                                  <p:stCondLst>
+                                    <p:cond delay="0"/>
+                                  </p:stCondLst>
+                                  <p:childTnLst>
+                                    <p:set>
+                                      <p:cBhvr>
+                                        <p:cTn id="10" dur="1" fill="hold">
+                                          <p:stCondLst>
+                                            <p:cond delay="0"/>
+                                          </p:stCondLst>
+                                        </p:cTn>
+                                        <p:tgtEl>
+                                          <p:spTgt spid="4">
+                                            <p:txEl>
+                                              <p:pRg st="1" end="1"/>
+                                            </p:txEl>
+                                          </p:spTgt>
+                                        </p:tgtEl>
+                                        <p:attrNameLst>
+                                          <p:attrName>style.visibility</p:attrName>
+                                        </p:attrNameLst>
+                                      </p:cBhvr>
+                                      <p:to>
+                                        <p:strVal val="visible"/>
+                                      </p:to>
+                                    </p:set>
+                                  </p:childTnLst>
+                                </p:cTn>
+                              </p:par>
+                              <p:par>
+                                <p:cTn id="11" presetID="1" presetClass="entr" presetSubtype="0" fill="hold" grpId="0" nodeType="withEffect">
+                                  <p:stCondLst>
+                                    <p:cond delay="0"/>
+                                  </p:stCondLst>
+                                  <p:childTnLst>
+                                    <p:set>
+                                      <p:cBhvr>
+                                        <p:cTn id="12" dur="1" fill="hold">
+                                          <p:stCondLst>
+                                            <p:cond delay="0"/>
+                                          </p:stCondLst>
+                                        </p:cTn>
+                                        <p:tgtEl>
+                                          <p:spTgt spid="4">
+                                            <p:txEl>
+                                              <p:pRg st="2" end="2"/>
+                                            </p:txEl>
+                                          </p:spTgt>
+                                        </p:tgtEl>
+                                        <p:attrNameLst>
+                                          <p:attrName>style.visibility</p:attrName>
+                                        </p:attrNameLst>
+                                      </p:cBhvr>
+                                      <p:to>
+                                        <p:strVal val="visible"/>
+                                      </p:to>
+                                    </p:set>
+                                  </p:childTnLst>
+                                </p:cTn>
+                              </p:par>
+                              <p:par>
+                                <p:cTn id="13" presetID="1" presetClass="entr" presetSubtype="0" fill="hold" grpId="0" nodeType="withEffect">
+                                  <p:stCondLst>
+                                    <p:cond delay="0"/>
+                                  </p:stCondLst>
+                                  <p:childTnLst>
+                                    <p:set>
+                                      <p:cBhvr>
+                                        <p:cTn id="14" dur="1" fill="hold">
+                                          <p:stCondLst>
+                                            <p:cond delay="0"/>
+                                          </p:stCondLst>
+                                        </p:cTn>
+                                        <p:tgtEl>
+                                          <p:spTgt spid="4">
+                                            <p:txEl>
+                                              <p:pRg st="3" end="3"/>
+                                            </p:txEl>
+                                          </p:spTgt>
+                                        </p:tgtEl>
+                                        <p:attrNameLst>
+                                          <p:attrName>style.visibility</p:attrName>
+                                        </p:attrNameLst>
+                                      </p:cBhvr>
+                                      <p:to>
+                                        <p:strVal val="visible"/>
+                                      </p:to>
+                                    </p:set>
+                                  </p:childTnLst>
+                                </p:cTn>
+                              </p:par>
+                            </p:childTnLst>
+                          </p:cTn>
+                        </p:par>
+                      </p:childTnLst>
+                    </p:cTn>
+                  </p:par>
+                  <p:par>
+                    <p:cTn id="15" fill="hold">
+                      <p:stCondLst>
+                        <p:cond delay="indefinite"/>
+                      </p:stCondLst>
+                      <p:childTnLst>
+                        <p:par>
+                          <p:cTn id="16" fill="hold">
+                            <p:stCondLst>
+                              <p:cond delay="0"/>
+                            </p:stCondLst>
+                            <p:childTnLst>
+                              <p:par>
+                                <p:cTn id="17" presetID="1" presetClass="entr" presetSubtype="0" fill="hold" grpId="0" nodeType="clickEffect">
+                                  <p:stCondLst>
+                                    <p:cond delay="0"/>
+                                  </p:stCondLst>
+                                  <p:childTnLst>
+                                    <p:set>
+                                      <p:cBhvr>
+                                        <p:cTn id="18" dur="1" fill="hold">
+                                          <p:stCondLst>
+                                            <p:cond delay="0"/>
+                                          </p:stCondLst>
+                                        </p:cTn>
+                                        <p:tgtEl>
+                                          <p:spTgt spid="4">
+                                            <p:txEl>
+                                              <p:pRg st="4" end="4"/>
+                                            </p:txEl>
+                                          </p:spTgt>
+                                        </p:tgtEl>
+                                        <p:attrNameLst>
+                                          <p:attrName>style.visibility</p:attrName>
+                                        </p:attrNameLst>
+                                      </p:cBhvr>
+                                      <p:to>
+                                        <p:strVal val="visible"/>
+                                      </p:to>
+                                    </p:set>
+                                  </p:childTnLst>
+                                </p:cTn>
+                              </p:par>
+                            </p:childTnLst>
+                          </p:cTn>
+                        </p:par>
+                      </p:childTnLst>
+                    </p:cTn>
+                  </p:par>
+                </p:childTnLst>
+              </p:cTn>
+              <p:prevCondLst>
+                <p:cond evt="onPrev" delay="0">
+                  <p:tgtEl>
+                    <p:sldTgt/>
+                  </p:tgtEl>
+                </p:cond>
+              </p:prevCondLst>
+              <p:nextCondLst>
+                <p:cond evt="onNext" delay="0">
+                  <p:tgtEl>
+                    <p:sldTgt/>
+                  </p:tgtEl>
+                </p:cond>
+              </p:nextCondLst>
+            </p:seq>
+          </p:childTnLst>
+        </p:cTn>
+      </p:par>
+    </p:tnLst>
+    <p:bldLst>
+      <p:bldP spid="4" grpId="0" build="p"/>
+    </p:bldLst>
+  </p:timing>
 </p:sld>
 </file>
 
@@ -27412,8 +27654,15 @@
               </a:spcAft>
             </a:pPr>
             <a:r>
+              <a:rPr lang="en-US" dirty="0" err="1">
+                <a:latin typeface="Courier New" panose="02070309020205020404" pitchFamily="49" charset="0"/>
+                <a:cs typeface="Courier New" panose="02070309020205020404" pitchFamily="49" charset="0"/>
+              </a:rPr>
+              <a:t>findById</a:t>
+            </a:r>
+            <a:r>
               <a:rPr lang="en-US" dirty="0"/>
-              <a:t>Ensures that a database session is active throughout the entire request.</a:t>
+              <a:t> only keeps the database session open when retrieving the initial entity (the post).</a:t>
             </a:r>
           </a:p>
           <a:p>
@@ -27424,7 +27673,15 @@
             </a:pPr>
             <a:r>
               <a:rPr lang="en-US" dirty="0"/>
-              <a:t>Instead of letting the business layer decide how it’s best to fetch all the associations that are needed by the View layer, it forces the Persistence Context to stay open so that the View layer can trigger the lazy-loaded collection initialization.</a:t>
+              <a:t>Open Session in View ensures that a database session is active </a:t>
+            </a:r>
+            <a:r>
+              <a:rPr lang="en-US" b="1" dirty="0"/>
+              <a:t>throughout the entire web request </a:t>
+            </a:r>
+            <a:r>
+              <a:rPr lang="en-US" dirty="0"/>
+              <a:t>– so that we can retrieve the lazy loaded collections in the same database session  (the post comments). </a:t>
             </a:r>
           </a:p>
           <a:p>
@@ -27476,6 +27733,186 @@
   <p:clrMapOvr>
     <a:masterClrMapping/>
   </p:clrMapOvr>
+  <p:timing>
+    <p:tnLst>
+      <p:par>
+        <p:cTn id="1" dur="indefinite" restart="never" nodeType="tmRoot">
+          <p:childTnLst>
+            <p:seq concurrent="1" nextAc="seek">
+              <p:cTn id="2" dur="indefinite" nodeType="mainSeq">
+                <p:childTnLst>
+                  <p:par>
+                    <p:cTn id="3" fill="hold">
+                      <p:stCondLst>
+                        <p:cond delay="indefinite"/>
+                      </p:stCondLst>
+                      <p:childTnLst>
+                        <p:par>
+                          <p:cTn id="4" fill="hold">
+                            <p:stCondLst>
+                              <p:cond delay="0"/>
+                            </p:stCondLst>
+                            <p:childTnLst>
+                              <p:par>
+                                <p:cTn id="5" presetID="1" presetClass="entr" presetSubtype="0" fill="hold" grpId="0" nodeType="clickEffect">
+                                  <p:stCondLst>
+                                    <p:cond delay="0"/>
+                                  </p:stCondLst>
+                                  <p:childTnLst>
+                                    <p:set>
+                                      <p:cBhvr>
+                                        <p:cTn id="6" dur="1" fill="hold">
+                                          <p:stCondLst>
+                                            <p:cond delay="0"/>
+                                          </p:stCondLst>
+                                        </p:cTn>
+                                        <p:tgtEl>
+                                          <p:spTgt spid="13">
+                                            <p:txEl>
+                                              <p:pRg st="0" end="0"/>
+                                            </p:txEl>
+                                          </p:spTgt>
+                                        </p:tgtEl>
+                                        <p:attrNameLst>
+                                          <p:attrName>style.visibility</p:attrName>
+                                        </p:attrNameLst>
+                                      </p:cBhvr>
+                                      <p:to>
+                                        <p:strVal val="visible"/>
+                                      </p:to>
+                                    </p:set>
+                                  </p:childTnLst>
+                                </p:cTn>
+                              </p:par>
+                            </p:childTnLst>
+                          </p:cTn>
+                        </p:par>
+                      </p:childTnLst>
+                    </p:cTn>
+                  </p:par>
+                  <p:par>
+                    <p:cTn id="7" fill="hold">
+                      <p:stCondLst>
+                        <p:cond delay="indefinite"/>
+                      </p:stCondLst>
+                      <p:childTnLst>
+                        <p:par>
+                          <p:cTn id="8" fill="hold">
+                            <p:stCondLst>
+                              <p:cond delay="0"/>
+                            </p:stCondLst>
+                            <p:childTnLst>
+                              <p:par>
+                                <p:cTn id="9" presetID="1" presetClass="entr" presetSubtype="0" fill="hold" grpId="0" nodeType="clickEffect">
+                                  <p:stCondLst>
+                                    <p:cond delay="0"/>
+                                  </p:stCondLst>
+                                  <p:childTnLst>
+                                    <p:set>
+                                      <p:cBhvr>
+                                        <p:cTn id="10" dur="1" fill="hold">
+                                          <p:stCondLst>
+                                            <p:cond delay="0"/>
+                                          </p:stCondLst>
+                                        </p:cTn>
+                                        <p:tgtEl>
+                                          <p:spTgt spid="13">
+                                            <p:txEl>
+                                              <p:pRg st="1" end="1"/>
+                                            </p:txEl>
+                                          </p:spTgt>
+                                        </p:tgtEl>
+                                        <p:attrNameLst>
+                                          <p:attrName>style.visibility</p:attrName>
+                                        </p:attrNameLst>
+                                      </p:cBhvr>
+                                      <p:to>
+                                        <p:strVal val="visible"/>
+                                      </p:to>
+                                    </p:set>
+                                  </p:childTnLst>
+                                </p:cTn>
+                              </p:par>
+                            </p:childTnLst>
+                          </p:cTn>
+                        </p:par>
+                      </p:childTnLst>
+                    </p:cTn>
+                  </p:par>
+                  <p:par>
+                    <p:cTn id="11" fill="hold">
+                      <p:stCondLst>
+                        <p:cond delay="indefinite"/>
+                      </p:stCondLst>
+                      <p:childTnLst>
+                        <p:par>
+                          <p:cTn id="12" fill="hold">
+                            <p:stCondLst>
+                              <p:cond delay="0"/>
+                            </p:stCondLst>
+                            <p:childTnLst>
+                              <p:par>
+                                <p:cTn id="13" presetID="1" presetClass="entr" presetSubtype="0" fill="hold" grpId="0" nodeType="clickEffect">
+                                  <p:stCondLst>
+                                    <p:cond delay="0"/>
+                                  </p:stCondLst>
+                                  <p:childTnLst>
+                                    <p:set>
+                                      <p:cBhvr>
+                                        <p:cTn id="14" dur="1" fill="hold">
+                                          <p:stCondLst>
+                                            <p:cond delay="0"/>
+                                          </p:stCondLst>
+                                        </p:cTn>
+                                        <p:tgtEl>
+                                          <p:spTgt spid="13">
+                                            <p:txEl>
+                                              <p:pRg st="2" end="2"/>
+                                            </p:txEl>
+                                          </p:spTgt>
+                                        </p:tgtEl>
+                                        <p:attrNameLst>
+                                          <p:attrName>style.visibility</p:attrName>
+                                        </p:attrNameLst>
+                                      </p:cBhvr>
+                                      <p:to>
+                                        <p:strVal val="visible"/>
+                                      </p:to>
+                                    </p:set>
+                                  </p:childTnLst>
+                                </p:cTn>
+                              </p:par>
+                            </p:childTnLst>
+                          </p:cTn>
+                        </p:par>
+                      </p:childTnLst>
+                    </p:cTn>
+                  </p:par>
+                </p:childTnLst>
+              </p:cTn>
+              <p:prevCondLst>
+                <p:cond evt="onPrev" delay="0">
+                  <p:tgtEl>
+                    <p:sldTgt/>
+                  </p:tgtEl>
+                </p:cond>
+              </p:prevCondLst>
+              <p:nextCondLst>
+                <p:cond evt="onNext" delay="0">
+                  <p:tgtEl>
+                    <p:sldTgt/>
+                  </p:tgtEl>
+                </p:cond>
+              </p:nextCondLst>
+            </p:seq>
+          </p:childTnLst>
+        </p:cTn>
+      </p:par>
+    </p:tnLst>
+    <p:bldLst>
+      <p:bldP spid="13" grpId="0" build="p"/>
+    </p:bldLst>
+  </p:timing>
 </p:sld>
 </file>
 
@@ -27565,6 +28002,83 @@
           </a:p>
         </p:txBody>
       </p:sp>
+      <p:cxnSp>
+        <p:nvCxnSpPr>
+          <p:cNvPr id="3" name="Rechte verbindingslijn met pijl 2">
+            <a:extLst>
+              <a:ext uri="{FF2B5EF4-FFF2-40B4-BE49-F238E27FC236}">
+                <a16:creationId xmlns:a16="http://schemas.microsoft.com/office/drawing/2014/main" id="{C4C59088-CD72-6918-F1DB-EE9C7C0CA963}"/>
+              </a:ext>
+            </a:extLst>
+          </p:cNvPr>
+          <p:cNvCxnSpPr>
+            <a:cxnSpLocks/>
+          </p:cNvCxnSpPr>
+          <p:nvPr/>
+        </p:nvCxnSpPr>
+        <p:spPr>
+          <a:xfrm flipH="1">
+            <a:off x="2248348" y="1785769"/>
+            <a:ext cx="849854" cy="143422"/>
+          </a:xfrm>
+          <a:prstGeom prst="straightConnector1">
+            <a:avLst/>
+          </a:prstGeom>
+          <a:ln>
+            <a:tailEnd type="triangle"/>
+          </a:ln>
+        </p:spPr>
+        <p:style>
+          <a:lnRef idx="1">
+            <a:schemeClr val="accent1"/>
+          </a:lnRef>
+          <a:fillRef idx="0">
+            <a:schemeClr val="accent1"/>
+          </a:fillRef>
+          <a:effectRef idx="0">
+            <a:schemeClr val="accent1"/>
+          </a:effectRef>
+          <a:fontRef idx="minor">
+            <a:schemeClr val="tx1"/>
+          </a:fontRef>
+        </p:style>
+      </p:cxnSp>
+      <p:sp>
+        <p:nvSpPr>
+          <p:cNvPr id="7" name="Tekstvak 6">
+            <a:extLst>
+              <a:ext uri="{FF2B5EF4-FFF2-40B4-BE49-F238E27FC236}">
+                <a16:creationId xmlns:a16="http://schemas.microsoft.com/office/drawing/2014/main" id="{EAB367E4-B65D-0EF2-810D-5838EA68F729}"/>
+              </a:ext>
+            </a:extLst>
+          </p:cNvPr>
+          <p:cNvSpPr txBox="1"/>
+          <p:nvPr/>
+        </p:nvSpPr>
+        <p:spPr>
+          <a:xfrm>
+            <a:off x="3098202" y="1559859"/>
+            <a:ext cx="4378362" cy="369332"/>
+          </a:xfrm>
+          <a:prstGeom prst="rect">
+            <a:avLst/>
+          </a:prstGeom>
+          <a:noFill/>
+        </p:spPr>
+        <p:txBody>
+          <a:bodyPr wrap="square" rtlCol="0">
+            <a:spAutoFit/>
+          </a:bodyPr>
+          <a:lstStyle/>
+          <a:p>
+            <a:r>
+              <a:rPr lang="nl-BE" dirty="0"/>
+              <a:t>Filters are a concept of Spring Web</a:t>
+            </a:r>
+            <a:endParaRPr lang="nl-NL" dirty="0"/>
+          </a:p>
+        </p:txBody>
+      </p:sp>
     </p:spTree>
     <p:extLst>
       <p:ext uri="{BB962C8B-B14F-4D97-AF65-F5344CB8AC3E}">
@@ -27736,6 +28250,284 @@
   <p:clrMapOvr>
     <a:masterClrMapping/>
   </p:clrMapOvr>
+  <p:timing>
+    <p:tnLst>
+      <p:par>
+        <p:cTn id="1" dur="indefinite" restart="never" nodeType="tmRoot">
+          <p:childTnLst>
+            <p:seq concurrent="1" nextAc="seek">
+              <p:cTn id="2" dur="indefinite" nodeType="mainSeq">
+                <p:childTnLst>
+                  <p:par>
+                    <p:cTn id="3" fill="hold">
+                      <p:stCondLst>
+                        <p:cond delay="indefinite"/>
+                      </p:stCondLst>
+                      <p:childTnLst>
+                        <p:par>
+                          <p:cTn id="4" fill="hold">
+                            <p:stCondLst>
+                              <p:cond delay="0"/>
+                            </p:stCondLst>
+                            <p:childTnLst>
+                              <p:par>
+                                <p:cTn id="5" presetID="1" presetClass="entr" presetSubtype="0" fill="hold" grpId="0" nodeType="clickEffect">
+                                  <p:stCondLst>
+                                    <p:cond delay="0"/>
+                                  </p:stCondLst>
+                                  <p:childTnLst>
+                                    <p:set>
+                                      <p:cBhvr>
+                                        <p:cTn id="6" dur="1" fill="hold">
+                                          <p:stCondLst>
+                                            <p:cond delay="0"/>
+                                          </p:stCondLst>
+                                        </p:cTn>
+                                        <p:tgtEl>
+                                          <p:spTgt spid="13">
+                                            <p:txEl>
+                                              <p:pRg st="0" end="0"/>
+                                            </p:txEl>
+                                          </p:spTgt>
+                                        </p:tgtEl>
+                                        <p:attrNameLst>
+                                          <p:attrName>style.visibility</p:attrName>
+                                        </p:attrNameLst>
+                                      </p:cBhvr>
+                                      <p:to>
+                                        <p:strVal val="visible"/>
+                                      </p:to>
+                                    </p:set>
+                                  </p:childTnLst>
+                                </p:cTn>
+                              </p:par>
+                            </p:childTnLst>
+                          </p:cTn>
+                        </p:par>
+                      </p:childTnLst>
+                    </p:cTn>
+                  </p:par>
+                  <p:par>
+                    <p:cTn id="7" fill="hold">
+                      <p:stCondLst>
+                        <p:cond delay="indefinite"/>
+                      </p:stCondLst>
+                      <p:childTnLst>
+                        <p:par>
+                          <p:cTn id="8" fill="hold">
+                            <p:stCondLst>
+                              <p:cond delay="0"/>
+                            </p:stCondLst>
+                            <p:childTnLst>
+                              <p:par>
+                                <p:cTn id="9" presetID="1" presetClass="entr" presetSubtype="0" fill="hold" grpId="0" nodeType="clickEffect">
+                                  <p:stCondLst>
+                                    <p:cond delay="0"/>
+                                  </p:stCondLst>
+                                  <p:childTnLst>
+                                    <p:set>
+                                      <p:cBhvr>
+                                        <p:cTn id="10" dur="1" fill="hold">
+                                          <p:stCondLst>
+                                            <p:cond delay="0"/>
+                                          </p:stCondLst>
+                                        </p:cTn>
+                                        <p:tgtEl>
+                                          <p:spTgt spid="13">
+                                            <p:txEl>
+                                              <p:pRg st="1" end="1"/>
+                                            </p:txEl>
+                                          </p:spTgt>
+                                        </p:tgtEl>
+                                        <p:attrNameLst>
+                                          <p:attrName>style.visibility</p:attrName>
+                                        </p:attrNameLst>
+                                      </p:cBhvr>
+                                      <p:to>
+                                        <p:strVal val="visible"/>
+                                      </p:to>
+                                    </p:set>
+                                  </p:childTnLst>
+                                </p:cTn>
+                              </p:par>
+                            </p:childTnLst>
+                          </p:cTn>
+                        </p:par>
+                      </p:childTnLst>
+                    </p:cTn>
+                  </p:par>
+                  <p:par>
+                    <p:cTn id="11" fill="hold">
+                      <p:stCondLst>
+                        <p:cond delay="indefinite"/>
+                      </p:stCondLst>
+                      <p:childTnLst>
+                        <p:par>
+                          <p:cTn id="12" fill="hold">
+                            <p:stCondLst>
+                              <p:cond delay="0"/>
+                            </p:stCondLst>
+                            <p:childTnLst>
+                              <p:par>
+                                <p:cTn id="13" presetID="1" presetClass="entr" presetSubtype="0" fill="hold" grpId="0" nodeType="clickEffect">
+                                  <p:stCondLst>
+                                    <p:cond delay="0"/>
+                                  </p:stCondLst>
+                                  <p:childTnLst>
+                                    <p:set>
+                                      <p:cBhvr>
+                                        <p:cTn id="14" dur="1" fill="hold">
+                                          <p:stCondLst>
+                                            <p:cond delay="0"/>
+                                          </p:stCondLst>
+                                        </p:cTn>
+                                        <p:tgtEl>
+                                          <p:spTgt spid="13">
+                                            <p:txEl>
+                                              <p:pRg st="2" end="2"/>
+                                            </p:txEl>
+                                          </p:spTgt>
+                                        </p:tgtEl>
+                                        <p:attrNameLst>
+                                          <p:attrName>style.visibility</p:attrName>
+                                        </p:attrNameLst>
+                                      </p:cBhvr>
+                                      <p:to>
+                                        <p:strVal val="visible"/>
+                                      </p:to>
+                                    </p:set>
+                                  </p:childTnLst>
+                                </p:cTn>
+                              </p:par>
+                            </p:childTnLst>
+                          </p:cTn>
+                        </p:par>
+                      </p:childTnLst>
+                    </p:cTn>
+                  </p:par>
+                  <p:par>
+                    <p:cTn id="15" fill="hold">
+                      <p:stCondLst>
+                        <p:cond delay="indefinite"/>
+                      </p:stCondLst>
+                      <p:childTnLst>
+                        <p:par>
+                          <p:cTn id="16" fill="hold">
+                            <p:stCondLst>
+                              <p:cond delay="0"/>
+                            </p:stCondLst>
+                            <p:childTnLst>
+                              <p:par>
+                                <p:cTn id="17" presetID="1" presetClass="entr" presetSubtype="0" fill="hold" grpId="0" nodeType="clickEffect">
+                                  <p:stCondLst>
+                                    <p:cond delay="0"/>
+                                  </p:stCondLst>
+                                  <p:childTnLst>
+                                    <p:set>
+                                      <p:cBhvr>
+                                        <p:cTn id="18" dur="1" fill="hold">
+                                          <p:stCondLst>
+                                            <p:cond delay="0"/>
+                                          </p:stCondLst>
+                                        </p:cTn>
+                                        <p:tgtEl>
+                                          <p:spTgt spid="13">
+                                            <p:txEl>
+                                              <p:pRg st="3" end="3"/>
+                                            </p:txEl>
+                                          </p:spTgt>
+                                        </p:tgtEl>
+                                        <p:attrNameLst>
+                                          <p:attrName>style.visibility</p:attrName>
+                                        </p:attrNameLst>
+                                      </p:cBhvr>
+                                      <p:to>
+                                        <p:strVal val="visible"/>
+                                      </p:to>
+                                    </p:set>
+                                  </p:childTnLst>
+                                </p:cTn>
+                              </p:par>
+                            </p:childTnLst>
+                          </p:cTn>
+                        </p:par>
+                      </p:childTnLst>
+                    </p:cTn>
+                  </p:par>
+                  <p:par>
+                    <p:cTn id="19" fill="hold">
+                      <p:stCondLst>
+                        <p:cond delay="indefinite"/>
+                      </p:stCondLst>
+                      <p:childTnLst>
+                        <p:par>
+                          <p:cTn id="20" fill="hold">
+                            <p:stCondLst>
+                              <p:cond delay="0"/>
+                            </p:stCondLst>
+                            <p:childTnLst>
+                              <p:par>
+                                <p:cTn id="21" presetID="1" presetClass="entr" presetSubtype="0" fill="hold" grpId="0" nodeType="clickEffect">
+                                  <p:stCondLst>
+                                    <p:cond delay="0"/>
+                                  </p:stCondLst>
+                                  <p:childTnLst>
+                                    <p:set>
+                                      <p:cBhvr>
+                                        <p:cTn id="22" dur="1" fill="hold">
+                                          <p:stCondLst>
+                                            <p:cond delay="0"/>
+                                          </p:stCondLst>
+                                        </p:cTn>
+                                        <p:tgtEl>
+                                          <p:spTgt spid="13">
+                                            <p:txEl>
+                                              <p:pRg st="4" end="4"/>
+                                            </p:txEl>
+                                          </p:spTgt>
+                                        </p:tgtEl>
+                                        <p:attrNameLst>
+                                          <p:attrName>style.visibility</p:attrName>
+                                        </p:attrNameLst>
+                                      </p:cBhvr>
+                                      <p:to>
+                                        <p:strVal val="visible"/>
+                                      </p:to>
+                                    </p:set>
+                                  </p:childTnLst>
+                                </p:cTn>
+                              </p:par>
+                            </p:childTnLst>
+                          </p:cTn>
+                        </p:par>
+                      </p:childTnLst>
+                    </p:cTn>
+                  </p:par>
+                </p:childTnLst>
+              </p:cTn>
+              <p:prevCondLst>
+                <p:cond evt="onPrev" delay="0">
+                  <p:tgtEl>
+                    <p:sldTgt/>
+                  </p:tgtEl>
+                </p:cond>
+              </p:prevCondLst>
+              <p:nextCondLst>
+                <p:cond evt="onNext" delay="0">
+                  <p:tgtEl>
+                    <p:sldTgt/>
+                  </p:tgtEl>
+                </p:cond>
+              </p:nextCondLst>
+            </p:seq>
+          </p:childTnLst>
+        </p:cTn>
+      </p:par>
+    </p:tnLst>
+    <p:bldLst>
+      <p:bldP spid="13" grpId="0" build="p"/>
+    </p:bldLst>
+  </p:timing>
 </p:sld>
 </file>
 
@@ -28098,6 +28890,17 @@
             </a:pPr>
             <a:r>
               <a:rPr lang="en-US" dirty="0"/>
+              <a:t>Open Session in View kept a session open for us the entire request…</a:t>
+            </a:r>
+          </a:p>
+          <a:p>
+            <a:pPr>
+              <a:spcAft>
+                <a:spcPts val="600"/>
+              </a:spcAft>
+            </a:pPr>
+            <a:r>
+              <a:rPr lang="en-US" dirty="0"/>
               <a:t>The persistence context (</a:t>
             </a:r>
             <a:r>
@@ -28119,13 +28922,13 @@
               <a:t>JpaRepository</a:t>
             </a:r>
             <a:r>
-              <a:rPr lang="en-US" dirty="0"/>
-              <a:t> </a:t>
-            </a:r>
-            <a:r>
-              <a:rPr lang="en-US" i="1" dirty="0"/>
-              <a:t>(if not in a transaction).</a:t>
-            </a:r>
+              <a:rPr lang="en-US" dirty="0">
+                <a:latin typeface="Courier New" panose="02070309020205020404" pitchFamily="49" charset="0"/>
+                <a:cs typeface="Courier New" panose="02070309020205020404" pitchFamily="49" charset="0"/>
+              </a:rPr>
+              <a:t>.</a:t>
+            </a:r>
+            <a:endParaRPr lang="en-US" i="1" dirty="0"/>
           </a:p>
           <a:p>
             <a:pPr>
@@ -28208,6 +29011,235 @@
   <p:clrMapOvr>
     <a:masterClrMapping/>
   </p:clrMapOvr>
+  <p:timing>
+    <p:tnLst>
+      <p:par>
+        <p:cTn id="1" dur="indefinite" restart="never" nodeType="tmRoot">
+          <p:childTnLst>
+            <p:seq concurrent="1" nextAc="seek">
+              <p:cTn id="2" dur="indefinite" nodeType="mainSeq">
+                <p:childTnLst>
+                  <p:par>
+                    <p:cTn id="3" fill="hold">
+                      <p:stCondLst>
+                        <p:cond delay="indefinite"/>
+                      </p:stCondLst>
+                      <p:childTnLst>
+                        <p:par>
+                          <p:cTn id="4" fill="hold">
+                            <p:stCondLst>
+                              <p:cond delay="0"/>
+                            </p:stCondLst>
+                            <p:childTnLst>
+                              <p:par>
+                                <p:cTn id="5" presetID="1" presetClass="entr" presetSubtype="0" fill="hold" grpId="0" nodeType="clickEffect">
+                                  <p:stCondLst>
+                                    <p:cond delay="0"/>
+                                  </p:stCondLst>
+                                  <p:childTnLst>
+                                    <p:set>
+                                      <p:cBhvr>
+                                        <p:cTn id="6" dur="1" fill="hold">
+                                          <p:stCondLst>
+                                            <p:cond delay="0"/>
+                                          </p:stCondLst>
+                                        </p:cTn>
+                                        <p:tgtEl>
+                                          <p:spTgt spid="4">
+                                            <p:txEl>
+                                              <p:pRg st="0" end="0"/>
+                                            </p:txEl>
+                                          </p:spTgt>
+                                        </p:tgtEl>
+                                        <p:attrNameLst>
+                                          <p:attrName>style.visibility</p:attrName>
+                                        </p:attrNameLst>
+                                      </p:cBhvr>
+                                      <p:to>
+                                        <p:strVal val="visible"/>
+                                      </p:to>
+                                    </p:set>
+                                  </p:childTnLst>
+                                </p:cTn>
+                              </p:par>
+                            </p:childTnLst>
+                          </p:cTn>
+                        </p:par>
+                      </p:childTnLst>
+                    </p:cTn>
+                  </p:par>
+                  <p:par>
+                    <p:cTn id="7" fill="hold">
+                      <p:stCondLst>
+                        <p:cond delay="indefinite"/>
+                      </p:stCondLst>
+                      <p:childTnLst>
+                        <p:par>
+                          <p:cTn id="8" fill="hold">
+                            <p:stCondLst>
+                              <p:cond delay="0"/>
+                            </p:stCondLst>
+                            <p:childTnLst>
+                              <p:par>
+                                <p:cTn id="9" presetID="1" presetClass="entr" presetSubtype="0" fill="hold" grpId="0" nodeType="clickEffect">
+                                  <p:stCondLst>
+                                    <p:cond delay="0"/>
+                                  </p:stCondLst>
+                                  <p:childTnLst>
+                                    <p:set>
+                                      <p:cBhvr>
+                                        <p:cTn id="10" dur="1" fill="hold">
+                                          <p:stCondLst>
+                                            <p:cond delay="0"/>
+                                          </p:stCondLst>
+                                        </p:cTn>
+                                        <p:tgtEl>
+                                          <p:spTgt spid="4">
+                                            <p:txEl>
+                                              <p:pRg st="1" end="1"/>
+                                            </p:txEl>
+                                          </p:spTgt>
+                                        </p:tgtEl>
+                                        <p:attrNameLst>
+                                          <p:attrName>style.visibility</p:attrName>
+                                        </p:attrNameLst>
+                                      </p:cBhvr>
+                                      <p:to>
+                                        <p:strVal val="visible"/>
+                                      </p:to>
+                                    </p:set>
+                                  </p:childTnLst>
+                                </p:cTn>
+                              </p:par>
+                            </p:childTnLst>
+                          </p:cTn>
+                        </p:par>
+                      </p:childTnLst>
+                    </p:cTn>
+                  </p:par>
+                  <p:par>
+                    <p:cTn id="11" fill="hold">
+                      <p:stCondLst>
+                        <p:cond delay="indefinite"/>
+                      </p:stCondLst>
+                      <p:childTnLst>
+                        <p:par>
+                          <p:cTn id="12" fill="hold">
+                            <p:stCondLst>
+                              <p:cond delay="0"/>
+                            </p:stCondLst>
+                            <p:childTnLst>
+                              <p:par>
+                                <p:cTn id="13" presetID="1" presetClass="entr" presetSubtype="0" fill="hold" grpId="0" nodeType="clickEffect">
+                                  <p:stCondLst>
+                                    <p:cond delay="0"/>
+                                  </p:stCondLst>
+                                  <p:childTnLst>
+                                    <p:set>
+                                      <p:cBhvr>
+                                        <p:cTn id="14" dur="1" fill="hold">
+                                          <p:stCondLst>
+                                            <p:cond delay="0"/>
+                                          </p:stCondLst>
+                                        </p:cTn>
+                                        <p:tgtEl>
+                                          <p:spTgt spid="4">
+                                            <p:txEl>
+                                              <p:pRg st="2" end="2"/>
+                                            </p:txEl>
+                                          </p:spTgt>
+                                        </p:tgtEl>
+                                        <p:attrNameLst>
+                                          <p:attrName>style.visibility</p:attrName>
+                                        </p:attrNameLst>
+                                      </p:cBhvr>
+                                      <p:to>
+                                        <p:strVal val="visible"/>
+                                      </p:to>
+                                    </p:set>
+                                  </p:childTnLst>
+                                </p:cTn>
+                              </p:par>
+                            </p:childTnLst>
+                          </p:cTn>
+                        </p:par>
+                      </p:childTnLst>
+                    </p:cTn>
+                  </p:par>
+                  <p:par>
+                    <p:cTn id="15" fill="hold">
+                      <p:stCondLst>
+                        <p:cond delay="indefinite"/>
+                      </p:stCondLst>
+                      <p:childTnLst>
+                        <p:par>
+                          <p:cTn id="16" fill="hold">
+                            <p:stCondLst>
+                              <p:cond delay="0"/>
+                            </p:stCondLst>
+                            <p:childTnLst>
+                              <p:par>
+                                <p:cTn id="17" presetID="1" presetClass="entr" presetSubtype="0" fill="hold" grpId="0" nodeType="clickEffect">
+                                  <p:stCondLst>
+                                    <p:cond delay="0"/>
+                                  </p:stCondLst>
+                                  <p:childTnLst>
+                                    <p:set>
+                                      <p:cBhvr>
+                                        <p:cTn id="18" dur="1" fill="hold">
+                                          <p:stCondLst>
+                                            <p:cond delay="0"/>
+                                          </p:stCondLst>
+                                        </p:cTn>
+                                        <p:tgtEl>
+                                          <p:spTgt spid="4">
+                                            <p:txEl>
+                                              <p:pRg st="3" end="3"/>
+                                            </p:txEl>
+                                          </p:spTgt>
+                                        </p:tgtEl>
+                                        <p:attrNameLst>
+                                          <p:attrName>style.visibility</p:attrName>
+                                        </p:attrNameLst>
+                                      </p:cBhvr>
+                                      <p:to>
+                                        <p:strVal val="visible"/>
+                                      </p:to>
+                                    </p:set>
+                                  </p:childTnLst>
+                                </p:cTn>
+                              </p:par>
+                            </p:childTnLst>
+                          </p:cTn>
+                        </p:par>
+                      </p:childTnLst>
+                    </p:cTn>
+                  </p:par>
+                </p:childTnLst>
+              </p:cTn>
+              <p:prevCondLst>
+                <p:cond evt="onPrev" delay="0">
+                  <p:tgtEl>
+                    <p:sldTgt/>
+                  </p:tgtEl>
+                </p:cond>
+              </p:prevCondLst>
+              <p:nextCondLst>
+                <p:cond evt="onNext" delay="0">
+                  <p:tgtEl>
+                    <p:sldTgt/>
+                  </p:tgtEl>
+                </p:cond>
+              </p:nextCondLst>
+            </p:seq>
+          </p:childTnLst>
+        </p:cTn>
+      </p:par>
+    </p:tnLst>
+    <p:bldLst>
+      <p:bldP spid="4" grpId="0" build="p"/>
+    </p:bldLst>
+  </p:timing>
 </p:sld>
 </file>
 
@@ -28539,6 +29571,284 @@
   <p:clrMapOvr>
     <a:masterClrMapping/>
   </p:clrMapOvr>
+  <p:timing>
+    <p:tnLst>
+      <p:par>
+        <p:cTn id="1" dur="indefinite" restart="never" nodeType="tmRoot">
+          <p:childTnLst>
+            <p:seq concurrent="1" nextAc="seek">
+              <p:cTn id="2" dur="indefinite" nodeType="mainSeq">
+                <p:childTnLst>
+                  <p:par>
+                    <p:cTn id="3" fill="hold">
+                      <p:stCondLst>
+                        <p:cond delay="indefinite"/>
+                      </p:stCondLst>
+                      <p:childTnLst>
+                        <p:par>
+                          <p:cTn id="4" fill="hold">
+                            <p:stCondLst>
+                              <p:cond delay="0"/>
+                            </p:stCondLst>
+                            <p:childTnLst>
+                              <p:par>
+                                <p:cTn id="5" presetID="1" presetClass="entr" presetSubtype="0" fill="hold" grpId="0" nodeType="clickEffect">
+                                  <p:stCondLst>
+                                    <p:cond delay="0"/>
+                                  </p:stCondLst>
+                                  <p:childTnLst>
+                                    <p:set>
+                                      <p:cBhvr>
+                                        <p:cTn id="6" dur="1" fill="hold">
+                                          <p:stCondLst>
+                                            <p:cond delay="0"/>
+                                          </p:stCondLst>
+                                        </p:cTn>
+                                        <p:tgtEl>
+                                          <p:spTgt spid="13">
+                                            <p:txEl>
+                                              <p:pRg st="0" end="0"/>
+                                            </p:txEl>
+                                          </p:spTgt>
+                                        </p:tgtEl>
+                                        <p:attrNameLst>
+                                          <p:attrName>style.visibility</p:attrName>
+                                        </p:attrNameLst>
+                                      </p:cBhvr>
+                                      <p:to>
+                                        <p:strVal val="visible"/>
+                                      </p:to>
+                                    </p:set>
+                                  </p:childTnLst>
+                                </p:cTn>
+                              </p:par>
+                            </p:childTnLst>
+                          </p:cTn>
+                        </p:par>
+                      </p:childTnLst>
+                    </p:cTn>
+                  </p:par>
+                  <p:par>
+                    <p:cTn id="7" fill="hold">
+                      <p:stCondLst>
+                        <p:cond delay="indefinite"/>
+                      </p:stCondLst>
+                      <p:childTnLst>
+                        <p:par>
+                          <p:cTn id="8" fill="hold">
+                            <p:stCondLst>
+                              <p:cond delay="0"/>
+                            </p:stCondLst>
+                            <p:childTnLst>
+                              <p:par>
+                                <p:cTn id="9" presetID="1" presetClass="entr" presetSubtype="0" fill="hold" grpId="0" nodeType="clickEffect">
+                                  <p:stCondLst>
+                                    <p:cond delay="0"/>
+                                  </p:stCondLst>
+                                  <p:childTnLst>
+                                    <p:set>
+                                      <p:cBhvr>
+                                        <p:cTn id="10" dur="1" fill="hold">
+                                          <p:stCondLst>
+                                            <p:cond delay="0"/>
+                                          </p:stCondLst>
+                                        </p:cTn>
+                                        <p:tgtEl>
+                                          <p:spTgt spid="13">
+                                            <p:txEl>
+                                              <p:pRg st="1" end="1"/>
+                                            </p:txEl>
+                                          </p:spTgt>
+                                        </p:tgtEl>
+                                        <p:attrNameLst>
+                                          <p:attrName>style.visibility</p:attrName>
+                                        </p:attrNameLst>
+                                      </p:cBhvr>
+                                      <p:to>
+                                        <p:strVal val="visible"/>
+                                      </p:to>
+                                    </p:set>
+                                  </p:childTnLst>
+                                </p:cTn>
+                              </p:par>
+                            </p:childTnLst>
+                          </p:cTn>
+                        </p:par>
+                      </p:childTnLst>
+                    </p:cTn>
+                  </p:par>
+                  <p:par>
+                    <p:cTn id="11" fill="hold">
+                      <p:stCondLst>
+                        <p:cond delay="indefinite"/>
+                      </p:stCondLst>
+                      <p:childTnLst>
+                        <p:par>
+                          <p:cTn id="12" fill="hold">
+                            <p:stCondLst>
+                              <p:cond delay="0"/>
+                            </p:stCondLst>
+                            <p:childTnLst>
+                              <p:par>
+                                <p:cTn id="13" presetID="1" presetClass="entr" presetSubtype="0" fill="hold" grpId="0" nodeType="clickEffect">
+                                  <p:stCondLst>
+                                    <p:cond delay="0"/>
+                                  </p:stCondLst>
+                                  <p:childTnLst>
+                                    <p:set>
+                                      <p:cBhvr>
+                                        <p:cTn id="14" dur="1" fill="hold">
+                                          <p:stCondLst>
+                                            <p:cond delay="0"/>
+                                          </p:stCondLst>
+                                        </p:cTn>
+                                        <p:tgtEl>
+                                          <p:spTgt spid="13">
+                                            <p:txEl>
+                                              <p:pRg st="2" end="2"/>
+                                            </p:txEl>
+                                          </p:spTgt>
+                                        </p:tgtEl>
+                                        <p:attrNameLst>
+                                          <p:attrName>style.visibility</p:attrName>
+                                        </p:attrNameLst>
+                                      </p:cBhvr>
+                                      <p:to>
+                                        <p:strVal val="visible"/>
+                                      </p:to>
+                                    </p:set>
+                                  </p:childTnLst>
+                                </p:cTn>
+                              </p:par>
+                            </p:childTnLst>
+                          </p:cTn>
+                        </p:par>
+                      </p:childTnLst>
+                    </p:cTn>
+                  </p:par>
+                  <p:par>
+                    <p:cTn id="15" fill="hold">
+                      <p:stCondLst>
+                        <p:cond delay="indefinite"/>
+                      </p:stCondLst>
+                      <p:childTnLst>
+                        <p:par>
+                          <p:cTn id="16" fill="hold">
+                            <p:stCondLst>
+                              <p:cond delay="0"/>
+                            </p:stCondLst>
+                            <p:childTnLst>
+                              <p:par>
+                                <p:cTn id="17" presetID="1" presetClass="entr" presetSubtype="0" fill="hold" grpId="0" nodeType="clickEffect">
+                                  <p:stCondLst>
+                                    <p:cond delay="0"/>
+                                  </p:stCondLst>
+                                  <p:childTnLst>
+                                    <p:set>
+                                      <p:cBhvr>
+                                        <p:cTn id="18" dur="1" fill="hold">
+                                          <p:stCondLst>
+                                            <p:cond delay="0"/>
+                                          </p:stCondLst>
+                                        </p:cTn>
+                                        <p:tgtEl>
+                                          <p:spTgt spid="13">
+                                            <p:txEl>
+                                              <p:pRg st="3" end="3"/>
+                                            </p:txEl>
+                                          </p:spTgt>
+                                        </p:tgtEl>
+                                        <p:attrNameLst>
+                                          <p:attrName>style.visibility</p:attrName>
+                                        </p:attrNameLst>
+                                      </p:cBhvr>
+                                      <p:to>
+                                        <p:strVal val="visible"/>
+                                      </p:to>
+                                    </p:set>
+                                  </p:childTnLst>
+                                </p:cTn>
+                              </p:par>
+                            </p:childTnLst>
+                          </p:cTn>
+                        </p:par>
+                      </p:childTnLst>
+                    </p:cTn>
+                  </p:par>
+                  <p:par>
+                    <p:cTn id="19" fill="hold">
+                      <p:stCondLst>
+                        <p:cond delay="indefinite"/>
+                      </p:stCondLst>
+                      <p:childTnLst>
+                        <p:par>
+                          <p:cTn id="20" fill="hold">
+                            <p:stCondLst>
+                              <p:cond delay="0"/>
+                            </p:stCondLst>
+                            <p:childTnLst>
+                              <p:par>
+                                <p:cTn id="21" presetID="1" presetClass="entr" presetSubtype="0" fill="hold" grpId="0" nodeType="clickEffect">
+                                  <p:stCondLst>
+                                    <p:cond delay="0"/>
+                                  </p:stCondLst>
+                                  <p:childTnLst>
+                                    <p:set>
+                                      <p:cBhvr>
+                                        <p:cTn id="22" dur="1" fill="hold">
+                                          <p:stCondLst>
+                                            <p:cond delay="0"/>
+                                          </p:stCondLst>
+                                        </p:cTn>
+                                        <p:tgtEl>
+                                          <p:spTgt spid="13">
+                                            <p:txEl>
+                                              <p:pRg st="4" end="4"/>
+                                            </p:txEl>
+                                          </p:spTgt>
+                                        </p:tgtEl>
+                                        <p:attrNameLst>
+                                          <p:attrName>style.visibility</p:attrName>
+                                        </p:attrNameLst>
+                                      </p:cBhvr>
+                                      <p:to>
+                                        <p:strVal val="visible"/>
+                                      </p:to>
+                                    </p:set>
+                                  </p:childTnLst>
+                                </p:cTn>
+                              </p:par>
+                            </p:childTnLst>
+                          </p:cTn>
+                        </p:par>
+                      </p:childTnLst>
+                    </p:cTn>
+                  </p:par>
+                </p:childTnLst>
+              </p:cTn>
+              <p:prevCondLst>
+                <p:cond evt="onPrev" delay="0">
+                  <p:tgtEl>
+                    <p:sldTgt/>
+                  </p:tgtEl>
+                </p:cond>
+              </p:prevCondLst>
+              <p:nextCondLst>
+                <p:cond evt="onNext" delay="0">
+                  <p:tgtEl>
+                    <p:sldTgt/>
+                  </p:tgtEl>
+                </p:cond>
+              </p:nextCondLst>
+            </p:seq>
+          </p:childTnLst>
+        </p:cTn>
+      </p:par>
+    </p:tnLst>
+    <p:bldLst>
+      <p:bldP spid="13" grpId="0" build="p"/>
+    </p:bldLst>
+  </p:timing>
 </p:sld>
 </file>
 
@@ -28964,7 +30274,7 @@
             </a:pPr>
             <a:r>
               <a:rPr lang="en-US" dirty="0"/>
-              <a:t>At the site where you initialize a collection, ensure that it is wrapped in </a:t>
+              <a:t>At the location where you initialize a collection, ensure that it is wrapped in </a:t>
             </a:r>
             <a:r>
               <a:rPr lang="en-US" dirty="0">
@@ -29075,45 +30385,6 @@
       </p:grpSpPr>
       <p:sp>
         <p:nvSpPr>
-          <p:cNvPr id="11" name="Title 1">
-            <a:extLst>
-              <a:ext uri="{FF2B5EF4-FFF2-40B4-BE49-F238E27FC236}">
-                <a16:creationId xmlns:a16="http://schemas.microsoft.com/office/drawing/2014/main" id="{51612DA1-DB43-7E72-A4EA-4B95C807605F}"/>
-              </a:ext>
-            </a:extLst>
-          </p:cNvPr>
-          <p:cNvSpPr>
-            <a:spLocks noGrp="1"/>
-          </p:cNvSpPr>
-          <p:nvPr>
-            <p:ph type="title"/>
-          </p:nvPr>
-        </p:nvSpPr>
-        <p:spPr/>
-        <p:txBody>
-          <a:bodyPr anchor="t">
-            <a:normAutofit/>
-          </a:bodyPr>
-          <a:lstStyle/>
-          <a:p>
-            <a:r>
-              <a:rPr lang="en-US" dirty="0">
-                <a:latin typeface="Courier New" panose="02070309020205020404" pitchFamily="49" charset="0"/>
-                <a:cs typeface="Courier New" panose="02070309020205020404" pitchFamily="49" charset="0"/>
-              </a:rPr>
-              <a:t>@Transactional </a:t>
-            </a:r>
-            <a:r>
-              <a:rPr lang="en-US" dirty="0">
-                <a:cs typeface="Courier New" panose="02070309020205020404" pitchFamily="49" charset="0"/>
-              </a:rPr>
-              <a:t>FAQ</a:t>
-            </a:r>
-          </a:p>
-        </p:txBody>
-      </p:sp>
-      <p:sp>
-        <p:nvSpPr>
           <p:cNvPr id="13" name="Text Placeholder 2">
             <a:extLst>
               <a:ext uri="{FF2B5EF4-FFF2-40B4-BE49-F238E27FC236}">
@@ -29147,39 +30418,28 @@
             </a:pPr>
             <a:r>
               <a:rPr lang="en-US" sz="2800" dirty="0"/>
-              <a:t>Where to use?</a:t>
-            </a:r>
-          </a:p>
-          <a:p>
-            <a:pPr lvl="1">
+              <a:t>The service layer determines the transaction boundaries.</a:t>
+            </a:r>
+          </a:p>
+          <a:p>
+            <a:pPr>
               <a:spcAft>
                 <a:spcPts val="600"/>
               </a:spcAft>
             </a:pPr>
             <a:r>
-              <a:rPr lang="en-US" sz="2400" dirty="0"/>
-              <a:t>The service layer determines the transaction boundaries.</a:t>
-            </a:r>
-          </a:p>
-          <a:p>
-            <a:pPr lvl="1">
+              <a:rPr lang="en-US" sz="2800" dirty="0"/>
+              <a:t>Avoid it in the web layer: it increases database connection lease times (see OSIV)</a:t>
+            </a:r>
+          </a:p>
+          <a:p>
+            <a:pPr>
               <a:spcAft>
                 <a:spcPts val="600"/>
               </a:spcAft>
             </a:pPr>
             <a:r>
-              <a:rPr lang="en-US" sz="2400" dirty="0"/>
-              <a:t>Avoid it in the web layer: it increases database connection lease times (see OSIV)</a:t>
-            </a:r>
-          </a:p>
-          <a:p>
-            <a:pPr lvl="1">
-              <a:spcAft>
-                <a:spcPts val="600"/>
-              </a:spcAft>
-            </a:pPr>
-            <a:r>
-              <a:rPr lang="en-US" sz="2400" dirty="0"/>
+              <a:rPr lang="en-US" sz="2800" dirty="0"/>
               <a:t>Repositories require a transaction, but this should propagate from the service layer.</a:t>
             </a:r>
           </a:p>
@@ -29207,6 +30467,53 @@
               </a:spcAft>
             </a:pPr>
             <a:endParaRPr lang="en-US" sz="2800" dirty="0"/>
+          </a:p>
+        </p:txBody>
+      </p:sp>
+      <p:sp>
+        <p:nvSpPr>
+          <p:cNvPr id="5" name="Title 1">
+            <a:extLst>
+              <a:ext uri="{FF2B5EF4-FFF2-40B4-BE49-F238E27FC236}">
+                <a16:creationId xmlns:a16="http://schemas.microsoft.com/office/drawing/2014/main" id="{20AFFCF3-CFB4-61CC-DBBB-BA32880FCE1B}"/>
+              </a:ext>
+            </a:extLst>
+          </p:cNvPr>
+          <p:cNvSpPr>
+            <a:spLocks noGrp="1"/>
+          </p:cNvSpPr>
+          <p:nvPr>
+            <p:ph type="title"/>
+          </p:nvPr>
+        </p:nvSpPr>
+        <p:spPr>
+          <a:xfrm>
+            <a:off x="1296000" y="720000"/>
+            <a:ext cx="9864000" cy="723210"/>
+          </a:xfrm>
+        </p:spPr>
+        <p:txBody>
+          <a:bodyPr anchor="t">
+            <a:normAutofit/>
+          </a:bodyPr>
+          <a:lstStyle/>
+          <a:p>
+            <a:r>
+              <a:rPr lang="en-US" dirty="0">
+                <a:cs typeface="Courier New" panose="02070309020205020404" pitchFamily="49" charset="0"/>
+              </a:rPr>
+              <a:t>Where to use </a:t>
+            </a:r>
+            <a:r>
+              <a:rPr lang="en-US" dirty="0">
+                <a:latin typeface="Courier New" panose="02070309020205020404" pitchFamily="49" charset="0"/>
+                <a:cs typeface="Courier New" panose="02070309020205020404" pitchFamily="49" charset="0"/>
+              </a:rPr>
+              <a:t>@Transactional</a:t>
+            </a:r>
+            <a:endParaRPr lang="en-US" dirty="0">
+              <a:cs typeface="Courier New" panose="02070309020205020404" pitchFamily="49" charset="0"/>
+            </a:endParaRPr>
           </a:p>
         </p:txBody>
       </p:sp>
@@ -29256,7 +30563,12 @@
             <p:ph type="title"/>
           </p:nvPr>
         </p:nvSpPr>
-        <p:spPr/>
+        <p:spPr>
+          <a:xfrm>
+            <a:off x="1296000" y="720000"/>
+            <a:ext cx="9864000" cy="723210"/>
+          </a:xfrm>
+        </p:spPr>
         <p:txBody>
           <a:bodyPr anchor="t">
             <a:normAutofit/>
@@ -29265,17 +30577,20 @@
           <a:p>
             <a:r>
               <a:rPr lang="en-US" dirty="0">
+                <a:cs typeface="Courier New" panose="02070309020205020404" pitchFamily="49" charset="0"/>
+              </a:rPr>
+              <a:t>When to use </a:t>
+            </a:r>
+            <a:r>
+              <a:rPr lang="en-US" dirty="0">
                 <a:latin typeface="Courier New" panose="02070309020205020404" pitchFamily="49" charset="0"/>
                 <a:cs typeface="Courier New" panose="02070309020205020404" pitchFamily="49" charset="0"/>
               </a:rPr>
-              <a:t>@Transactional </a:t>
-            </a:r>
-            <a:r>
-              <a:rPr lang="en-US" dirty="0">
-                <a:cs typeface="Courier New" panose="02070309020205020404" pitchFamily="49" charset="0"/>
-              </a:rPr>
-              <a:t>FAQ</a:t>
-            </a:r>
+              <a:t>@Transactional</a:t>
+            </a:r>
+            <a:endParaRPr lang="en-US" dirty="0">
+              <a:cs typeface="Courier New" panose="02070309020205020404" pitchFamily="49" charset="0"/>
+            </a:endParaRPr>
           </a:p>
         </p:txBody>
       </p:sp>
@@ -29303,7 +30618,7 @@
         </p:spPr>
         <p:txBody>
           <a:bodyPr>
-            <a:normAutofit/>
+            <a:normAutofit fontScale="92500"/>
           </a:bodyPr>
           <a:lstStyle/>
           <a:p>
@@ -29314,83 +30629,72 @@
             </a:pPr>
             <a:r>
               <a:rPr lang="en-US" sz="2800" dirty="0"/>
-              <a:t>When to use?</a:t>
-            </a:r>
-          </a:p>
-          <a:p>
-            <a:pPr lvl="1">
+              <a:t>When using repositories, </a:t>
+            </a:r>
+            <a:r>
+              <a:rPr lang="en-US" sz="2800" dirty="0">
+                <a:latin typeface="Courier New" panose="02070309020205020404" pitchFamily="49" charset="0"/>
+                <a:cs typeface="Courier New" panose="02070309020205020404" pitchFamily="49" charset="0"/>
+              </a:rPr>
+              <a:t>@Transactional </a:t>
+            </a:r>
+            <a:r>
+              <a:rPr lang="en-US" sz="2800" dirty="0"/>
+              <a:t>is applied to repository scope automatically.</a:t>
+            </a:r>
+          </a:p>
+          <a:p>
+            <a:pPr>
               <a:spcAft>
                 <a:spcPts val="600"/>
               </a:spcAft>
             </a:pPr>
             <a:r>
-              <a:rPr lang="en-US" sz="2400" dirty="0"/>
-              <a:t>When using repositories, </a:t>
-            </a:r>
-            <a:r>
-              <a:rPr lang="en-US" sz="2400" dirty="0">
-                <a:latin typeface="Courier New" panose="02070309020205020404" pitchFamily="49" charset="0"/>
-                <a:cs typeface="Courier New" panose="02070309020205020404" pitchFamily="49" charset="0"/>
-              </a:rPr>
-              <a:t>@Transactional </a:t>
-            </a:r>
-            <a:r>
-              <a:rPr lang="en-US" sz="2400" dirty="0"/>
-              <a:t>is applied to repository scope automatically.</a:t>
-            </a:r>
-          </a:p>
-          <a:p>
-            <a:pPr lvl="1">
+              <a:rPr lang="en-US" sz="2800" dirty="0"/>
+              <a:t>You’d lose the connection after getting a result back from the repository.</a:t>
+            </a:r>
+          </a:p>
+          <a:p>
+            <a:pPr>
               <a:spcAft>
                 <a:spcPts val="600"/>
               </a:spcAft>
             </a:pPr>
             <a:r>
-              <a:rPr lang="en-US" sz="2400" dirty="0"/>
-              <a:t>You’d lose the connection after getting a result back from the repository.</a:t>
-            </a:r>
-          </a:p>
-          <a:p>
-            <a:pPr lvl="1">
+              <a:rPr lang="en-US" sz="2800" dirty="0"/>
+              <a:t>You’d get a </a:t>
+            </a:r>
+            <a:r>
+              <a:rPr lang="en-US" sz="2800" dirty="0" err="1">
+                <a:latin typeface="Courier New" panose="02070309020205020404" pitchFamily="49" charset="0"/>
+                <a:cs typeface="Courier New" panose="02070309020205020404" pitchFamily="49" charset="0"/>
+              </a:rPr>
+              <a:t>LazyInitializationException</a:t>
+            </a:r>
+            <a:r>
+              <a:rPr lang="en-US" sz="2800" dirty="0"/>
+              <a:t> when using Lazy Loading out of repository scope because the session is lost.</a:t>
+            </a:r>
+          </a:p>
+          <a:p>
+            <a:pPr>
               <a:spcAft>
                 <a:spcPts val="600"/>
               </a:spcAft>
             </a:pPr>
             <a:r>
-              <a:rPr lang="en-US" sz="2400" dirty="0"/>
-              <a:t>You’d get a </a:t>
-            </a:r>
-            <a:r>
-              <a:rPr lang="en-US" sz="2400" dirty="0" err="1">
-                <a:latin typeface="Courier New" panose="02070309020205020404" pitchFamily="49" charset="0"/>
-                <a:cs typeface="Courier New" panose="02070309020205020404" pitchFamily="49" charset="0"/>
-              </a:rPr>
-              <a:t>LazyInitializationException</a:t>
-            </a:r>
-            <a:r>
-              <a:rPr lang="en-US" sz="2400" dirty="0"/>
-              <a:t> when using Lazy Loading out of repository scope because the connection is lost.</a:t>
-            </a:r>
-          </a:p>
-          <a:p>
-            <a:pPr lvl="1">
+              <a:rPr lang="en-US" sz="2800" dirty="0"/>
+              <a:t>You’ll have to use it when using Lazy Loading.</a:t>
+            </a:r>
+          </a:p>
+          <a:p>
+            <a:pPr>
               <a:spcAft>
                 <a:spcPts val="600"/>
               </a:spcAft>
             </a:pPr>
             <a:r>
-              <a:rPr lang="en-US" sz="2400" dirty="0"/>
-              <a:t>You’ll have to use it when using Lazy Loading.</a:t>
-            </a:r>
-          </a:p>
-          <a:p>
-            <a:pPr lvl="1">
-              <a:spcAft>
-                <a:spcPts val="600"/>
-              </a:spcAft>
-            </a:pPr>
-            <a:r>
-              <a:rPr lang="en-US" sz="2400" dirty="0"/>
+              <a:rPr lang="en-US" sz="2800" dirty="0"/>
               <a:t>Good practice: always use it to clearly define transaction boundaries!</a:t>
             </a:r>
           </a:p>
@@ -29431,6 +30735,284 @@
   <p:clrMapOvr>
     <a:masterClrMapping/>
   </p:clrMapOvr>
+  <p:timing>
+    <p:tnLst>
+      <p:par>
+        <p:cTn id="1" dur="indefinite" restart="never" nodeType="tmRoot">
+          <p:childTnLst>
+            <p:seq concurrent="1" nextAc="seek">
+              <p:cTn id="2" dur="indefinite" nodeType="mainSeq">
+                <p:childTnLst>
+                  <p:par>
+                    <p:cTn id="3" fill="hold">
+                      <p:stCondLst>
+                        <p:cond delay="indefinite"/>
+                      </p:stCondLst>
+                      <p:childTnLst>
+                        <p:par>
+                          <p:cTn id="4" fill="hold">
+                            <p:stCondLst>
+                              <p:cond delay="0"/>
+                            </p:stCondLst>
+                            <p:childTnLst>
+                              <p:par>
+                                <p:cTn id="5" presetID="1" presetClass="entr" presetSubtype="0" fill="hold" grpId="0" nodeType="clickEffect">
+                                  <p:stCondLst>
+                                    <p:cond delay="0"/>
+                                  </p:stCondLst>
+                                  <p:childTnLst>
+                                    <p:set>
+                                      <p:cBhvr>
+                                        <p:cTn id="6" dur="1" fill="hold">
+                                          <p:stCondLst>
+                                            <p:cond delay="0"/>
+                                          </p:stCondLst>
+                                        </p:cTn>
+                                        <p:tgtEl>
+                                          <p:spTgt spid="13">
+                                            <p:txEl>
+                                              <p:pRg st="0" end="0"/>
+                                            </p:txEl>
+                                          </p:spTgt>
+                                        </p:tgtEl>
+                                        <p:attrNameLst>
+                                          <p:attrName>style.visibility</p:attrName>
+                                        </p:attrNameLst>
+                                      </p:cBhvr>
+                                      <p:to>
+                                        <p:strVal val="visible"/>
+                                      </p:to>
+                                    </p:set>
+                                  </p:childTnLst>
+                                </p:cTn>
+                              </p:par>
+                            </p:childTnLst>
+                          </p:cTn>
+                        </p:par>
+                      </p:childTnLst>
+                    </p:cTn>
+                  </p:par>
+                  <p:par>
+                    <p:cTn id="7" fill="hold">
+                      <p:stCondLst>
+                        <p:cond delay="indefinite"/>
+                      </p:stCondLst>
+                      <p:childTnLst>
+                        <p:par>
+                          <p:cTn id="8" fill="hold">
+                            <p:stCondLst>
+                              <p:cond delay="0"/>
+                            </p:stCondLst>
+                            <p:childTnLst>
+                              <p:par>
+                                <p:cTn id="9" presetID="1" presetClass="entr" presetSubtype="0" fill="hold" grpId="0" nodeType="clickEffect">
+                                  <p:stCondLst>
+                                    <p:cond delay="0"/>
+                                  </p:stCondLst>
+                                  <p:childTnLst>
+                                    <p:set>
+                                      <p:cBhvr>
+                                        <p:cTn id="10" dur="1" fill="hold">
+                                          <p:stCondLst>
+                                            <p:cond delay="0"/>
+                                          </p:stCondLst>
+                                        </p:cTn>
+                                        <p:tgtEl>
+                                          <p:spTgt spid="13">
+                                            <p:txEl>
+                                              <p:pRg st="1" end="1"/>
+                                            </p:txEl>
+                                          </p:spTgt>
+                                        </p:tgtEl>
+                                        <p:attrNameLst>
+                                          <p:attrName>style.visibility</p:attrName>
+                                        </p:attrNameLst>
+                                      </p:cBhvr>
+                                      <p:to>
+                                        <p:strVal val="visible"/>
+                                      </p:to>
+                                    </p:set>
+                                  </p:childTnLst>
+                                </p:cTn>
+                              </p:par>
+                            </p:childTnLst>
+                          </p:cTn>
+                        </p:par>
+                      </p:childTnLst>
+                    </p:cTn>
+                  </p:par>
+                  <p:par>
+                    <p:cTn id="11" fill="hold">
+                      <p:stCondLst>
+                        <p:cond delay="indefinite"/>
+                      </p:stCondLst>
+                      <p:childTnLst>
+                        <p:par>
+                          <p:cTn id="12" fill="hold">
+                            <p:stCondLst>
+                              <p:cond delay="0"/>
+                            </p:stCondLst>
+                            <p:childTnLst>
+                              <p:par>
+                                <p:cTn id="13" presetID="1" presetClass="entr" presetSubtype="0" fill="hold" grpId="0" nodeType="clickEffect">
+                                  <p:stCondLst>
+                                    <p:cond delay="0"/>
+                                  </p:stCondLst>
+                                  <p:childTnLst>
+                                    <p:set>
+                                      <p:cBhvr>
+                                        <p:cTn id="14" dur="1" fill="hold">
+                                          <p:stCondLst>
+                                            <p:cond delay="0"/>
+                                          </p:stCondLst>
+                                        </p:cTn>
+                                        <p:tgtEl>
+                                          <p:spTgt spid="13">
+                                            <p:txEl>
+                                              <p:pRg st="2" end="2"/>
+                                            </p:txEl>
+                                          </p:spTgt>
+                                        </p:tgtEl>
+                                        <p:attrNameLst>
+                                          <p:attrName>style.visibility</p:attrName>
+                                        </p:attrNameLst>
+                                      </p:cBhvr>
+                                      <p:to>
+                                        <p:strVal val="visible"/>
+                                      </p:to>
+                                    </p:set>
+                                  </p:childTnLst>
+                                </p:cTn>
+                              </p:par>
+                            </p:childTnLst>
+                          </p:cTn>
+                        </p:par>
+                      </p:childTnLst>
+                    </p:cTn>
+                  </p:par>
+                  <p:par>
+                    <p:cTn id="15" fill="hold">
+                      <p:stCondLst>
+                        <p:cond delay="indefinite"/>
+                      </p:stCondLst>
+                      <p:childTnLst>
+                        <p:par>
+                          <p:cTn id="16" fill="hold">
+                            <p:stCondLst>
+                              <p:cond delay="0"/>
+                            </p:stCondLst>
+                            <p:childTnLst>
+                              <p:par>
+                                <p:cTn id="17" presetID="1" presetClass="entr" presetSubtype="0" fill="hold" grpId="0" nodeType="clickEffect">
+                                  <p:stCondLst>
+                                    <p:cond delay="0"/>
+                                  </p:stCondLst>
+                                  <p:childTnLst>
+                                    <p:set>
+                                      <p:cBhvr>
+                                        <p:cTn id="18" dur="1" fill="hold">
+                                          <p:stCondLst>
+                                            <p:cond delay="0"/>
+                                          </p:stCondLst>
+                                        </p:cTn>
+                                        <p:tgtEl>
+                                          <p:spTgt spid="13">
+                                            <p:txEl>
+                                              <p:pRg st="3" end="3"/>
+                                            </p:txEl>
+                                          </p:spTgt>
+                                        </p:tgtEl>
+                                        <p:attrNameLst>
+                                          <p:attrName>style.visibility</p:attrName>
+                                        </p:attrNameLst>
+                                      </p:cBhvr>
+                                      <p:to>
+                                        <p:strVal val="visible"/>
+                                      </p:to>
+                                    </p:set>
+                                  </p:childTnLst>
+                                </p:cTn>
+                              </p:par>
+                            </p:childTnLst>
+                          </p:cTn>
+                        </p:par>
+                      </p:childTnLst>
+                    </p:cTn>
+                  </p:par>
+                  <p:par>
+                    <p:cTn id="19" fill="hold">
+                      <p:stCondLst>
+                        <p:cond delay="indefinite"/>
+                      </p:stCondLst>
+                      <p:childTnLst>
+                        <p:par>
+                          <p:cTn id="20" fill="hold">
+                            <p:stCondLst>
+                              <p:cond delay="0"/>
+                            </p:stCondLst>
+                            <p:childTnLst>
+                              <p:par>
+                                <p:cTn id="21" presetID="1" presetClass="entr" presetSubtype="0" fill="hold" grpId="0" nodeType="clickEffect">
+                                  <p:stCondLst>
+                                    <p:cond delay="0"/>
+                                  </p:stCondLst>
+                                  <p:childTnLst>
+                                    <p:set>
+                                      <p:cBhvr>
+                                        <p:cTn id="22" dur="1" fill="hold">
+                                          <p:stCondLst>
+                                            <p:cond delay="0"/>
+                                          </p:stCondLst>
+                                        </p:cTn>
+                                        <p:tgtEl>
+                                          <p:spTgt spid="13">
+                                            <p:txEl>
+                                              <p:pRg st="4" end="4"/>
+                                            </p:txEl>
+                                          </p:spTgt>
+                                        </p:tgtEl>
+                                        <p:attrNameLst>
+                                          <p:attrName>style.visibility</p:attrName>
+                                        </p:attrNameLst>
+                                      </p:cBhvr>
+                                      <p:to>
+                                        <p:strVal val="visible"/>
+                                      </p:to>
+                                    </p:set>
+                                  </p:childTnLst>
+                                </p:cTn>
+                              </p:par>
+                            </p:childTnLst>
+                          </p:cTn>
+                        </p:par>
+                      </p:childTnLst>
+                    </p:cTn>
+                  </p:par>
+                </p:childTnLst>
+              </p:cTn>
+              <p:prevCondLst>
+                <p:cond evt="onPrev" delay="0">
+                  <p:tgtEl>
+                    <p:sldTgt/>
+                  </p:tgtEl>
+                </p:cond>
+              </p:prevCondLst>
+              <p:nextCondLst>
+                <p:cond evt="onNext" delay="0">
+                  <p:tgtEl>
+                    <p:sldTgt/>
+                  </p:tgtEl>
+                </p:cond>
+              </p:nextCondLst>
+            </p:seq>
+          </p:childTnLst>
+        </p:cTn>
+      </p:par>
+    </p:tnLst>
+    <p:bldLst>
+      <p:bldP spid="13" grpId="0" build="p"/>
+    </p:bldLst>
+  </p:timing>
 </p:sld>
 </file>
 
@@ -30418,6 +32000,186 @@
   <p:clrMapOvr>
     <a:masterClrMapping/>
   </p:clrMapOvr>
+  <p:timing>
+    <p:tnLst>
+      <p:par>
+        <p:cTn id="1" dur="indefinite" restart="never" nodeType="tmRoot">
+          <p:childTnLst>
+            <p:seq concurrent="1" nextAc="seek">
+              <p:cTn id="2" dur="indefinite" nodeType="mainSeq">
+                <p:childTnLst>
+                  <p:par>
+                    <p:cTn id="3" fill="hold">
+                      <p:stCondLst>
+                        <p:cond delay="indefinite"/>
+                      </p:stCondLst>
+                      <p:childTnLst>
+                        <p:par>
+                          <p:cTn id="4" fill="hold">
+                            <p:stCondLst>
+                              <p:cond delay="0"/>
+                            </p:stCondLst>
+                            <p:childTnLst>
+                              <p:par>
+                                <p:cTn id="5" presetID="1" presetClass="entr" presetSubtype="0" fill="hold" grpId="0" nodeType="clickEffect">
+                                  <p:stCondLst>
+                                    <p:cond delay="0"/>
+                                  </p:stCondLst>
+                                  <p:childTnLst>
+                                    <p:set>
+                                      <p:cBhvr>
+                                        <p:cTn id="6" dur="1" fill="hold">
+                                          <p:stCondLst>
+                                            <p:cond delay="0"/>
+                                          </p:stCondLst>
+                                        </p:cTn>
+                                        <p:tgtEl>
+                                          <p:spTgt spid="13">
+                                            <p:txEl>
+                                              <p:pRg st="0" end="0"/>
+                                            </p:txEl>
+                                          </p:spTgt>
+                                        </p:tgtEl>
+                                        <p:attrNameLst>
+                                          <p:attrName>style.visibility</p:attrName>
+                                        </p:attrNameLst>
+                                      </p:cBhvr>
+                                      <p:to>
+                                        <p:strVal val="visible"/>
+                                      </p:to>
+                                    </p:set>
+                                  </p:childTnLst>
+                                </p:cTn>
+                              </p:par>
+                            </p:childTnLst>
+                          </p:cTn>
+                        </p:par>
+                      </p:childTnLst>
+                    </p:cTn>
+                  </p:par>
+                  <p:par>
+                    <p:cTn id="7" fill="hold">
+                      <p:stCondLst>
+                        <p:cond delay="indefinite"/>
+                      </p:stCondLst>
+                      <p:childTnLst>
+                        <p:par>
+                          <p:cTn id="8" fill="hold">
+                            <p:stCondLst>
+                              <p:cond delay="0"/>
+                            </p:stCondLst>
+                            <p:childTnLst>
+                              <p:par>
+                                <p:cTn id="9" presetID="1" presetClass="entr" presetSubtype="0" fill="hold" grpId="0" nodeType="clickEffect">
+                                  <p:stCondLst>
+                                    <p:cond delay="0"/>
+                                  </p:stCondLst>
+                                  <p:childTnLst>
+                                    <p:set>
+                                      <p:cBhvr>
+                                        <p:cTn id="10" dur="1" fill="hold">
+                                          <p:stCondLst>
+                                            <p:cond delay="0"/>
+                                          </p:stCondLst>
+                                        </p:cTn>
+                                        <p:tgtEl>
+                                          <p:spTgt spid="13">
+                                            <p:txEl>
+                                              <p:pRg st="1" end="1"/>
+                                            </p:txEl>
+                                          </p:spTgt>
+                                        </p:tgtEl>
+                                        <p:attrNameLst>
+                                          <p:attrName>style.visibility</p:attrName>
+                                        </p:attrNameLst>
+                                      </p:cBhvr>
+                                      <p:to>
+                                        <p:strVal val="visible"/>
+                                      </p:to>
+                                    </p:set>
+                                  </p:childTnLst>
+                                </p:cTn>
+                              </p:par>
+                            </p:childTnLst>
+                          </p:cTn>
+                        </p:par>
+                      </p:childTnLst>
+                    </p:cTn>
+                  </p:par>
+                  <p:par>
+                    <p:cTn id="11" fill="hold">
+                      <p:stCondLst>
+                        <p:cond delay="indefinite"/>
+                      </p:stCondLst>
+                      <p:childTnLst>
+                        <p:par>
+                          <p:cTn id="12" fill="hold">
+                            <p:stCondLst>
+                              <p:cond delay="0"/>
+                            </p:stCondLst>
+                            <p:childTnLst>
+                              <p:par>
+                                <p:cTn id="13" presetID="1" presetClass="entr" presetSubtype="0" fill="hold" grpId="0" nodeType="clickEffect">
+                                  <p:stCondLst>
+                                    <p:cond delay="0"/>
+                                  </p:stCondLst>
+                                  <p:childTnLst>
+                                    <p:set>
+                                      <p:cBhvr>
+                                        <p:cTn id="14" dur="1" fill="hold">
+                                          <p:stCondLst>
+                                            <p:cond delay="0"/>
+                                          </p:stCondLst>
+                                        </p:cTn>
+                                        <p:tgtEl>
+                                          <p:spTgt spid="13">
+                                            <p:txEl>
+                                              <p:pRg st="2" end="2"/>
+                                            </p:txEl>
+                                          </p:spTgt>
+                                        </p:tgtEl>
+                                        <p:attrNameLst>
+                                          <p:attrName>style.visibility</p:attrName>
+                                        </p:attrNameLst>
+                                      </p:cBhvr>
+                                      <p:to>
+                                        <p:strVal val="visible"/>
+                                      </p:to>
+                                    </p:set>
+                                  </p:childTnLst>
+                                </p:cTn>
+                              </p:par>
+                            </p:childTnLst>
+                          </p:cTn>
+                        </p:par>
+                      </p:childTnLst>
+                    </p:cTn>
+                  </p:par>
+                </p:childTnLst>
+              </p:cTn>
+              <p:prevCondLst>
+                <p:cond evt="onPrev" delay="0">
+                  <p:tgtEl>
+                    <p:sldTgt/>
+                  </p:tgtEl>
+                </p:cond>
+              </p:prevCondLst>
+              <p:nextCondLst>
+                <p:cond evt="onNext" delay="0">
+                  <p:tgtEl>
+                    <p:sldTgt/>
+                  </p:tgtEl>
+                </p:cond>
+              </p:nextCondLst>
+            </p:seq>
+          </p:childTnLst>
+        </p:cTn>
+      </p:par>
+    </p:tnLst>
+    <p:bldLst>
+      <p:bldP spid="13" grpId="0" build="p"/>
+    </p:bldLst>
+  </p:timing>
 </p:sld>
 </file>
 
@@ -31570,6 +33332,235 @@
   <p:clrMapOvr>
     <a:masterClrMapping/>
   </p:clrMapOvr>
+  <p:timing>
+    <p:tnLst>
+      <p:par>
+        <p:cTn id="1" dur="indefinite" restart="never" nodeType="tmRoot">
+          <p:childTnLst>
+            <p:seq concurrent="1" nextAc="seek">
+              <p:cTn id="2" dur="indefinite" nodeType="mainSeq">
+                <p:childTnLst>
+                  <p:par>
+                    <p:cTn id="3" fill="hold">
+                      <p:stCondLst>
+                        <p:cond delay="indefinite"/>
+                      </p:stCondLst>
+                      <p:childTnLst>
+                        <p:par>
+                          <p:cTn id="4" fill="hold">
+                            <p:stCondLst>
+                              <p:cond delay="0"/>
+                            </p:stCondLst>
+                            <p:childTnLst>
+                              <p:par>
+                                <p:cTn id="5" presetID="1" presetClass="entr" presetSubtype="0" fill="hold" grpId="0" nodeType="clickEffect">
+                                  <p:stCondLst>
+                                    <p:cond delay="0"/>
+                                  </p:stCondLst>
+                                  <p:childTnLst>
+                                    <p:set>
+                                      <p:cBhvr>
+                                        <p:cTn id="6" dur="1" fill="hold">
+                                          <p:stCondLst>
+                                            <p:cond delay="0"/>
+                                          </p:stCondLst>
+                                        </p:cTn>
+                                        <p:tgtEl>
+                                          <p:spTgt spid="13">
+                                            <p:txEl>
+                                              <p:pRg st="0" end="0"/>
+                                            </p:txEl>
+                                          </p:spTgt>
+                                        </p:tgtEl>
+                                        <p:attrNameLst>
+                                          <p:attrName>style.visibility</p:attrName>
+                                        </p:attrNameLst>
+                                      </p:cBhvr>
+                                      <p:to>
+                                        <p:strVal val="visible"/>
+                                      </p:to>
+                                    </p:set>
+                                  </p:childTnLst>
+                                </p:cTn>
+                              </p:par>
+                            </p:childTnLst>
+                          </p:cTn>
+                        </p:par>
+                      </p:childTnLst>
+                    </p:cTn>
+                  </p:par>
+                  <p:par>
+                    <p:cTn id="7" fill="hold">
+                      <p:stCondLst>
+                        <p:cond delay="indefinite"/>
+                      </p:stCondLst>
+                      <p:childTnLst>
+                        <p:par>
+                          <p:cTn id="8" fill="hold">
+                            <p:stCondLst>
+                              <p:cond delay="0"/>
+                            </p:stCondLst>
+                            <p:childTnLst>
+                              <p:par>
+                                <p:cTn id="9" presetID="1" presetClass="entr" presetSubtype="0" fill="hold" grpId="0" nodeType="clickEffect">
+                                  <p:stCondLst>
+                                    <p:cond delay="0"/>
+                                  </p:stCondLst>
+                                  <p:childTnLst>
+                                    <p:set>
+                                      <p:cBhvr>
+                                        <p:cTn id="10" dur="1" fill="hold">
+                                          <p:stCondLst>
+                                            <p:cond delay="0"/>
+                                          </p:stCondLst>
+                                        </p:cTn>
+                                        <p:tgtEl>
+                                          <p:spTgt spid="13">
+                                            <p:txEl>
+                                              <p:pRg st="1" end="1"/>
+                                            </p:txEl>
+                                          </p:spTgt>
+                                        </p:tgtEl>
+                                        <p:attrNameLst>
+                                          <p:attrName>style.visibility</p:attrName>
+                                        </p:attrNameLst>
+                                      </p:cBhvr>
+                                      <p:to>
+                                        <p:strVal val="visible"/>
+                                      </p:to>
+                                    </p:set>
+                                  </p:childTnLst>
+                                </p:cTn>
+                              </p:par>
+                            </p:childTnLst>
+                          </p:cTn>
+                        </p:par>
+                      </p:childTnLst>
+                    </p:cTn>
+                  </p:par>
+                  <p:par>
+                    <p:cTn id="11" fill="hold">
+                      <p:stCondLst>
+                        <p:cond delay="indefinite"/>
+                      </p:stCondLst>
+                      <p:childTnLst>
+                        <p:par>
+                          <p:cTn id="12" fill="hold">
+                            <p:stCondLst>
+                              <p:cond delay="0"/>
+                            </p:stCondLst>
+                            <p:childTnLst>
+                              <p:par>
+                                <p:cTn id="13" presetID="1" presetClass="entr" presetSubtype="0" fill="hold" grpId="0" nodeType="clickEffect">
+                                  <p:stCondLst>
+                                    <p:cond delay="0"/>
+                                  </p:stCondLst>
+                                  <p:childTnLst>
+                                    <p:set>
+                                      <p:cBhvr>
+                                        <p:cTn id="14" dur="1" fill="hold">
+                                          <p:stCondLst>
+                                            <p:cond delay="0"/>
+                                          </p:stCondLst>
+                                        </p:cTn>
+                                        <p:tgtEl>
+                                          <p:spTgt spid="13">
+                                            <p:txEl>
+                                              <p:pRg st="2" end="2"/>
+                                            </p:txEl>
+                                          </p:spTgt>
+                                        </p:tgtEl>
+                                        <p:attrNameLst>
+                                          <p:attrName>style.visibility</p:attrName>
+                                        </p:attrNameLst>
+                                      </p:cBhvr>
+                                      <p:to>
+                                        <p:strVal val="visible"/>
+                                      </p:to>
+                                    </p:set>
+                                  </p:childTnLst>
+                                </p:cTn>
+                              </p:par>
+                            </p:childTnLst>
+                          </p:cTn>
+                        </p:par>
+                      </p:childTnLst>
+                    </p:cTn>
+                  </p:par>
+                  <p:par>
+                    <p:cTn id="15" fill="hold">
+                      <p:stCondLst>
+                        <p:cond delay="indefinite"/>
+                      </p:stCondLst>
+                      <p:childTnLst>
+                        <p:par>
+                          <p:cTn id="16" fill="hold">
+                            <p:stCondLst>
+                              <p:cond delay="0"/>
+                            </p:stCondLst>
+                            <p:childTnLst>
+                              <p:par>
+                                <p:cTn id="17" presetID="1" presetClass="entr" presetSubtype="0" fill="hold" grpId="0" nodeType="clickEffect">
+                                  <p:stCondLst>
+                                    <p:cond delay="0"/>
+                                  </p:stCondLst>
+                                  <p:childTnLst>
+                                    <p:set>
+                                      <p:cBhvr>
+                                        <p:cTn id="18" dur="1" fill="hold">
+                                          <p:stCondLst>
+                                            <p:cond delay="0"/>
+                                          </p:stCondLst>
+                                        </p:cTn>
+                                        <p:tgtEl>
+                                          <p:spTgt spid="13">
+                                            <p:txEl>
+                                              <p:pRg st="3" end="3"/>
+                                            </p:txEl>
+                                          </p:spTgt>
+                                        </p:tgtEl>
+                                        <p:attrNameLst>
+                                          <p:attrName>style.visibility</p:attrName>
+                                        </p:attrNameLst>
+                                      </p:cBhvr>
+                                      <p:to>
+                                        <p:strVal val="visible"/>
+                                      </p:to>
+                                    </p:set>
+                                  </p:childTnLst>
+                                </p:cTn>
+                              </p:par>
+                            </p:childTnLst>
+                          </p:cTn>
+                        </p:par>
+                      </p:childTnLst>
+                    </p:cTn>
+                  </p:par>
+                </p:childTnLst>
+              </p:cTn>
+              <p:prevCondLst>
+                <p:cond evt="onPrev" delay="0">
+                  <p:tgtEl>
+                    <p:sldTgt/>
+                  </p:tgtEl>
+                </p:cond>
+              </p:prevCondLst>
+              <p:nextCondLst>
+                <p:cond evt="onNext" delay="0">
+                  <p:tgtEl>
+                    <p:sldTgt/>
+                  </p:tgtEl>
+                </p:cond>
+              </p:nextCondLst>
+            </p:seq>
+          </p:childTnLst>
+        </p:cTn>
+      </p:par>
+    </p:tnLst>
+    <p:bldLst>
+      <p:bldP spid="13" grpId="0" build="p"/>
+    </p:bldLst>
+  </p:timing>
 </p:sld>
 </file>
 
@@ -32245,53 +34236,6 @@
       </p:sp>
       <p:pic>
         <p:nvPicPr>
-          <p:cNvPr id="5" name="Picture 2" descr="22,947 Demo Foto's, Afbeeldingen en Stock Fotografie - 123RF">
-            <a:extLst>
-              <a:ext uri="{FF2B5EF4-FFF2-40B4-BE49-F238E27FC236}">
-                <a16:creationId xmlns:a16="http://schemas.microsoft.com/office/drawing/2014/main" id="{95B0A73F-6D16-4E98-926F-40FC964455BD}"/>
-              </a:ext>
-            </a:extLst>
-          </p:cNvPr>
-          <p:cNvPicPr>
-            <a:picLocks noChangeAspect="1" noChangeArrowheads="1"/>
-          </p:cNvPicPr>
-          <p:nvPr/>
-        </p:nvPicPr>
-        <p:blipFill>
-          <a:blip r:embed="rId8">
-            <a:extLst>
-              <a:ext uri="{28A0092B-C50C-407E-A947-70E740481C1C}">
-                <a14:useLocalDpi xmlns:a14="http://schemas.microsoft.com/office/drawing/2010/main" val="0"/>
-              </a:ext>
-            </a:extLst>
-          </a:blip>
-          <a:srcRect/>
-          <a:stretch>
-            <a:fillRect/>
-          </a:stretch>
-        </p:blipFill>
-        <p:spPr bwMode="auto">
-          <a:xfrm>
-            <a:off x="10160000" y="5711240"/>
-            <a:ext cx="1822679" cy="903239"/>
-          </a:xfrm>
-          <a:prstGeom prst="rect">
-            <a:avLst/>
-          </a:prstGeom>
-          <a:noFill/>
-          <a:extLst>
-            <a:ext uri="{909E8E84-426E-40DD-AFC4-6F175D3DCCD1}">
-              <a14:hiddenFill xmlns:a14="http://schemas.microsoft.com/office/drawing/2010/main">
-                <a:solidFill>
-                  <a:srgbClr val="FFFFFF"/>
-                </a:solidFill>
-              </a14:hiddenFill>
-            </a:ext>
-          </a:extLst>
-        </p:spPr>
-      </p:pic>
-      <p:pic>
-        <p:nvPicPr>
           <p:cNvPr id="7" name="Afbeelding 6">
             <a:extLst>
               <a:ext uri="{FF2B5EF4-FFF2-40B4-BE49-F238E27FC236}">
@@ -32305,7 +34249,7 @@
           <p:nvPr/>
         </p:nvPicPr>
         <p:blipFill>
-          <a:blip r:embed="rId9"/>
+          <a:blip r:embed="rId8"/>
           <a:stretch>
             <a:fillRect/>
           </a:stretch>
@@ -35952,6 +37896,457 @@
   <p:clrMapOvr>
     <a:masterClrMapping/>
   </p:clrMapOvr>
+  <p:timing>
+    <p:tnLst>
+      <p:par>
+        <p:cTn id="1" dur="indefinite" restart="never" nodeType="tmRoot">
+          <p:childTnLst>
+            <p:seq concurrent="1" nextAc="seek">
+              <p:cTn id="2" dur="indefinite" nodeType="mainSeq">
+                <p:childTnLst>
+                  <p:par>
+                    <p:cTn id="3" fill="hold">
+                      <p:stCondLst>
+                        <p:cond delay="indefinite"/>
+                      </p:stCondLst>
+                      <p:childTnLst>
+                        <p:par>
+                          <p:cTn id="4" fill="hold">
+                            <p:stCondLst>
+                              <p:cond delay="0"/>
+                            </p:stCondLst>
+                            <p:childTnLst>
+                              <p:par>
+                                <p:cTn id="5" presetID="1" presetClass="entr" presetSubtype="0" fill="hold" grpId="0" nodeType="clickEffect">
+                                  <p:stCondLst>
+                                    <p:cond delay="0"/>
+                                  </p:stCondLst>
+                                  <p:childTnLst>
+                                    <p:set>
+                                      <p:cBhvr>
+                                        <p:cTn id="6" dur="1" fill="hold">
+                                          <p:stCondLst>
+                                            <p:cond delay="0"/>
+                                          </p:stCondLst>
+                                        </p:cTn>
+                                        <p:tgtEl>
+                                          <p:spTgt spid="4">
+                                            <p:txEl>
+                                              <p:pRg st="0" end="0"/>
+                                            </p:txEl>
+                                          </p:spTgt>
+                                        </p:tgtEl>
+                                        <p:attrNameLst>
+                                          <p:attrName>style.visibility</p:attrName>
+                                        </p:attrNameLst>
+                                      </p:cBhvr>
+                                      <p:to>
+                                        <p:strVal val="visible"/>
+                                      </p:to>
+                                    </p:set>
+                                  </p:childTnLst>
+                                </p:cTn>
+                              </p:par>
+                            </p:childTnLst>
+                          </p:cTn>
+                        </p:par>
+                      </p:childTnLst>
+                    </p:cTn>
+                  </p:par>
+                  <p:par>
+                    <p:cTn id="7" fill="hold">
+                      <p:stCondLst>
+                        <p:cond delay="indefinite"/>
+                      </p:stCondLst>
+                      <p:childTnLst>
+                        <p:par>
+                          <p:cTn id="8" fill="hold">
+                            <p:stCondLst>
+                              <p:cond delay="0"/>
+                            </p:stCondLst>
+                            <p:childTnLst>
+                              <p:par>
+                                <p:cTn id="9" presetID="1" presetClass="entr" presetSubtype="0" fill="hold" grpId="0" nodeType="clickEffect">
+                                  <p:stCondLst>
+                                    <p:cond delay="0"/>
+                                  </p:stCondLst>
+                                  <p:childTnLst>
+                                    <p:set>
+                                      <p:cBhvr>
+                                        <p:cTn id="10" dur="1" fill="hold">
+                                          <p:stCondLst>
+                                            <p:cond delay="0"/>
+                                          </p:stCondLst>
+                                        </p:cTn>
+                                        <p:tgtEl>
+                                          <p:spTgt spid="4">
+                                            <p:txEl>
+                                              <p:pRg st="1" end="1"/>
+                                            </p:txEl>
+                                          </p:spTgt>
+                                        </p:tgtEl>
+                                        <p:attrNameLst>
+                                          <p:attrName>style.visibility</p:attrName>
+                                        </p:attrNameLst>
+                                      </p:cBhvr>
+                                      <p:to>
+                                        <p:strVal val="visible"/>
+                                      </p:to>
+                                    </p:set>
+                                  </p:childTnLst>
+                                </p:cTn>
+                              </p:par>
+                            </p:childTnLst>
+                          </p:cTn>
+                        </p:par>
+                      </p:childTnLst>
+                    </p:cTn>
+                  </p:par>
+                  <p:par>
+                    <p:cTn id="11" fill="hold">
+                      <p:stCondLst>
+                        <p:cond delay="indefinite"/>
+                      </p:stCondLst>
+                      <p:childTnLst>
+                        <p:par>
+                          <p:cTn id="12" fill="hold">
+                            <p:stCondLst>
+                              <p:cond delay="0"/>
+                            </p:stCondLst>
+                            <p:childTnLst>
+                              <p:par>
+                                <p:cTn id="13" presetID="1" presetClass="entr" presetSubtype="0" fill="hold" grpId="0" nodeType="clickEffect">
+                                  <p:stCondLst>
+                                    <p:cond delay="0"/>
+                                  </p:stCondLst>
+                                  <p:childTnLst>
+                                    <p:set>
+                                      <p:cBhvr>
+                                        <p:cTn id="14" dur="1" fill="hold">
+                                          <p:stCondLst>
+                                            <p:cond delay="0"/>
+                                          </p:stCondLst>
+                                        </p:cTn>
+                                        <p:tgtEl>
+                                          <p:spTgt spid="4">
+                                            <p:txEl>
+                                              <p:pRg st="2" end="2"/>
+                                            </p:txEl>
+                                          </p:spTgt>
+                                        </p:tgtEl>
+                                        <p:attrNameLst>
+                                          <p:attrName>style.visibility</p:attrName>
+                                        </p:attrNameLst>
+                                      </p:cBhvr>
+                                      <p:to>
+                                        <p:strVal val="visible"/>
+                                      </p:to>
+                                    </p:set>
+                                  </p:childTnLst>
+                                </p:cTn>
+                              </p:par>
+                            </p:childTnLst>
+                          </p:cTn>
+                        </p:par>
+                      </p:childTnLst>
+                    </p:cTn>
+                  </p:par>
+                  <p:par>
+                    <p:cTn id="15" fill="hold">
+                      <p:stCondLst>
+                        <p:cond delay="indefinite"/>
+                      </p:stCondLst>
+                      <p:childTnLst>
+                        <p:par>
+                          <p:cTn id="16" fill="hold">
+                            <p:stCondLst>
+                              <p:cond delay="0"/>
+                            </p:stCondLst>
+                            <p:childTnLst>
+                              <p:par>
+                                <p:cTn id="17" presetID="1" presetClass="entr" presetSubtype="0" fill="hold" grpId="0" nodeType="clickEffect">
+                                  <p:stCondLst>
+                                    <p:cond delay="0"/>
+                                  </p:stCondLst>
+                                  <p:childTnLst>
+                                    <p:set>
+                                      <p:cBhvr>
+                                        <p:cTn id="18" dur="1" fill="hold">
+                                          <p:stCondLst>
+                                            <p:cond delay="0"/>
+                                          </p:stCondLst>
+                                        </p:cTn>
+                                        <p:tgtEl>
+                                          <p:spTgt spid="4">
+                                            <p:txEl>
+                                              <p:pRg st="3" end="3"/>
+                                            </p:txEl>
+                                          </p:spTgt>
+                                        </p:tgtEl>
+                                        <p:attrNameLst>
+                                          <p:attrName>style.visibility</p:attrName>
+                                        </p:attrNameLst>
+                                      </p:cBhvr>
+                                      <p:to>
+                                        <p:strVal val="visible"/>
+                                      </p:to>
+                                    </p:set>
+                                  </p:childTnLst>
+                                </p:cTn>
+                              </p:par>
+                            </p:childTnLst>
+                          </p:cTn>
+                        </p:par>
+                      </p:childTnLst>
+                    </p:cTn>
+                  </p:par>
+                  <p:par>
+                    <p:cTn id="19" fill="hold">
+                      <p:stCondLst>
+                        <p:cond delay="indefinite"/>
+                      </p:stCondLst>
+                      <p:childTnLst>
+                        <p:par>
+                          <p:cTn id="20" fill="hold">
+                            <p:stCondLst>
+                              <p:cond delay="0"/>
+                            </p:stCondLst>
+                            <p:childTnLst>
+                              <p:par>
+                                <p:cTn id="21" presetID="1" presetClass="entr" presetSubtype="0" fill="hold" grpId="0" nodeType="clickEffect">
+                                  <p:stCondLst>
+                                    <p:cond delay="0"/>
+                                  </p:stCondLst>
+                                  <p:childTnLst>
+                                    <p:set>
+                                      <p:cBhvr>
+                                        <p:cTn id="22" dur="1" fill="hold">
+                                          <p:stCondLst>
+                                            <p:cond delay="0"/>
+                                          </p:stCondLst>
+                                        </p:cTn>
+                                        <p:tgtEl>
+                                          <p:spTgt spid="4">
+                                            <p:txEl>
+                                              <p:pRg st="4" end="4"/>
+                                            </p:txEl>
+                                          </p:spTgt>
+                                        </p:tgtEl>
+                                        <p:attrNameLst>
+                                          <p:attrName>style.visibility</p:attrName>
+                                        </p:attrNameLst>
+                                      </p:cBhvr>
+                                      <p:to>
+                                        <p:strVal val="visible"/>
+                                      </p:to>
+                                    </p:set>
+                                  </p:childTnLst>
+                                </p:cTn>
+                              </p:par>
+                              <p:par>
+                                <p:cTn id="23" presetID="1" presetClass="entr" presetSubtype="0" fill="hold" grpId="0" nodeType="withEffect">
+                                  <p:stCondLst>
+                                    <p:cond delay="0"/>
+                                  </p:stCondLst>
+                                  <p:childTnLst>
+                                    <p:set>
+                                      <p:cBhvr>
+                                        <p:cTn id="24" dur="1" fill="hold">
+                                          <p:stCondLst>
+                                            <p:cond delay="0"/>
+                                          </p:stCondLst>
+                                        </p:cTn>
+                                        <p:tgtEl>
+                                          <p:spTgt spid="4">
+                                            <p:txEl>
+                                              <p:pRg st="5" end="5"/>
+                                            </p:txEl>
+                                          </p:spTgt>
+                                        </p:tgtEl>
+                                        <p:attrNameLst>
+                                          <p:attrName>style.visibility</p:attrName>
+                                        </p:attrNameLst>
+                                      </p:cBhvr>
+                                      <p:to>
+                                        <p:strVal val="visible"/>
+                                      </p:to>
+                                    </p:set>
+                                  </p:childTnLst>
+                                </p:cTn>
+                              </p:par>
+                            </p:childTnLst>
+                          </p:cTn>
+                        </p:par>
+                      </p:childTnLst>
+                    </p:cTn>
+                  </p:par>
+                  <p:par>
+                    <p:cTn id="25" fill="hold">
+                      <p:stCondLst>
+                        <p:cond delay="indefinite"/>
+                      </p:stCondLst>
+                      <p:childTnLst>
+                        <p:par>
+                          <p:cTn id="26" fill="hold">
+                            <p:stCondLst>
+                              <p:cond delay="0"/>
+                            </p:stCondLst>
+                            <p:childTnLst>
+                              <p:par>
+                                <p:cTn id="27" presetID="1" presetClass="entr" presetSubtype="0" fill="hold" grpId="0" nodeType="clickEffect">
+                                  <p:stCondLst>
+                                    <p:cond delay="0"/>
+                                  </p:stCondLst>
+                                  <p:childTnLst>
+                                    <p:set>
+                                      <p:cBhvr>
+                                        <p:cTn id="28" dur="1" fill="hold">
+                                          <p:stCondLst>
+                                            <p:cond delay="0"/>
+                                          </p:stCondLst>
+                                        </p:cTn>
+                                        <p:tgtEl>
+                                          <p:spTgt spid="4">
+                                            <p:txEl>
+                                              <p:pRg st="6" end="6"/>
+                                            </p:txEl>
+                                          </p:spTgt>
+                                        </p:tgtEl>
+                                        <p:attrNameLst>
+                                          <p:attrName>style.visibility</p:attrName>
+                                        </p:attrNameLst>
+                                      </p:cBhvr>
+                                      <p:to>
+                                        <p:strVal val="visible"/>
+                                      </p:to>
+                                    </p:set>
+                                  </p:childTnLst>
+                                </p:cTn>
+                              </p:par>
+                              <p:par>
+                                <p:cTn id="29" presetID="1" presetClass="entr" presetSubtype="0" fill="hold" grpId="0" nodeType="withEffect">
+                                  <p:stCondLst>
+                                    <p:cond delay="0"/>
+                                  </p:stCondLst>
+                                  <p:childTnLst>
+                                    <p:set>
+                                      <p:cBhvr>
+                                        <p:cTn id="30" dur="1" fill="hold">
+                                          <p:stCondLst>
+                                            <p:cond delay="0"/>
+                                          </p:stCondLst>
+                                        </p:cTn>
+                                        <p:tgtEl>
+                                          <p:spTgt spid="4">
+                                            <p:txEl>
+                                              <p:pRg st="7" end="7"/>
+                                            </p:txEl>
+                                          </p:spTgt>
+                                        </p:tgtEl>
+                                        <p:attrNameLst>
+                                          <p:attrName>style.visibility</p:attrName>
+                                        </p:attrNameLst>
+                                      </p:cBhvr>
+                                      <p:to>
+                                        <p:strVal val="visible"/>
+                                      </p:to>
+                                    </p:set>
+                                  </p:childTnLst>
+                                </p:cTn>
+                              </p:par>
+                              <p:par>
+                                <p:cTn id="31" presetID="1" presetClass="entr" presetSubtype="0" fill="hold" grpId="0" nodeType="withEffect">
+                                  <p:stCondLst>
+                                    <p:cond delay="0"/>
+                                  </p:stCondLst>
+                                  <p:childTnLst>
+                                    <p:set>
+                                      <p:cBhvr>
+                                        <p:cTn id="32" dur="1" fill="hold">
+                                          <p:stCondLst>
+                                            <p:cond delay="0"/>
+                                          </p:stCondLst>
+                                        </p:cTn>
+                                        <p:tgtEl>
+                                          <p:spTgt spid="4">
+                                            <p:txEl>
+                                              <p:pRg st="8" end="8"/>
+                                            </p:txEl>
+                                          </p:spTgt>
+                                        </p:tgtEl>
+                                        <p:attrNameLst>
+                                          <p:attrName>style.visibility</p:attrName>
+                                        </p:attrNameLst>
+                                      </p:cBhvr>
+                                      <p:to>
+                                        <p:strVal val="visible"/>
+                                      </p:to>
+                                    </p:set>
+                                  </p:childTnLst>
+                                </p:cTn>
+                              </p:par>
+                              <p:par>
+                                <p:cTn id="33" presetID="1" presetClass="entr" presetSubtype="0" fill="hold" grpId="0" nodeType="withEffect">
+                                  <p:stCondLst>
+                                    <p:cond delay="0"/>
+                                  </p:stCondLst>
+                                  <p:childTnLst>
+                                    <p:set>
+                                      <p:cBhvr>
+                                        <p:cTn id="34" dur="1" fill="hold">
+                                          <p:stCondLst>
+                                            <p:cond delay="0"/>
+                                          </p:stCondLst>
+                                        </p:cTn>
+                                        <p:tgtEl>
+                                          <p:spTgt spid="4">
+                                            <p:txEl>
+                                              <p:pRg st="9" end="9"/>
+                                            </p:txEl>
+                                          </p:spTgt>
+                                        </p:tgtEl>
+                                        <p:attrNameLst>
+                                          <p:attrName>style.visibility</p:attrName>
+                                        </p:attrNameLst>
+                                      </p:cBhvr>
+                                      <p:to>
+                                        <p:strVal val="visible"/>
+                                      </p:to>
+                                    </p:set>
+                                  </p:childTnLst>
+                                </p:cTn>
+                              </p:par>
+                            </p:childTnLst>
+                          </p:cTn>
+                        </p:par>
+                      </p:childTnLst>
+                    </p:cTn>
+                  </p:par>
+                </p:childTnLst>
+              </p:cTn>
+              <p:prevCondLst>
+                <p:cond evt="onPrev" delay="0">
+                  <p:tgtEl>
+                    <p:sldTgt/>
+                  </p:tgtEl>
+                </p:cond>
+              </p:prevCondLst>
+              <p:nextCondLst>
+                <p:cond evt="onNext" delay="0">
+                  <p:tgtEl>
+                    <p:sldTgt/>
+                  </p:tgtEl>
+                </p:cond>
+              </p:nextCondLst>
+            </p:seq>
+          </p:childTnLst>
+        </p:cTn>
+      </p:par>
+    </p:tnLst>
+    <p:bldLst>
+      <p:bldP spid="4" grpId="0" build="p"/>
+    </p:bldLst>
+  </p:timing>
 </p:sld>
 </file>
 
@@ -37170,12 +39565,6 @@
 </file>
 
 <file path=customXml/item1.xml><?xml version="1.0" encoding="utf-8"?>
-<p:properties xmlns:p="http://schemas.microsoft.com/office/2006/metadata/properties" xmlns:xsi="http://www.w3.org/2001/XMLSchema-instance" xmlns:pc="http://schemas.microsoft.com/office/infopath/2007/PartnerControls">
-  <documentManagement/>
-</p:properties>
-</file>
-
-<file path=customXml/item2.xml><?xml version="1.0" encoding="utf-8"?>
 <ct:contentTypeSchema xmlns:ct="http://schemas.microsoft.com/office/2006/metadata/contentType" xmlns:ma="http://schemas.microsoft.com/office/2006/metadata/properties/metaAttributes" ct:_="" ma:_="" ma:contentTypeName="Document" ma:contentTypeID="0x0101000858805C9A31ED4698AA5994F7540466" ma:contentTypeVersion="1" ma:contentTypeDescription="Een nieuw document maken." ma:contentTypeScope="" ma:versionID="5cab34e6f8d54d32c51f192539e9981c">
   <xsd:schema xmlns:xsd="http://www.w3.org/2001/XMLSchema" xmlns:xs="http://www.w3.org/2001/XMLSchema" xmlns:p="http://schemas.microsoft.com/office/2006/metadata/properties" xmlns:ns2="a73fd6a0-a740-4ca0-a47f-6beba88ccc77" targetNamespace="http://schemas.microsoft.com/office/2006/metadata/properties" ma:root="true" ma:fieldsID="10b3ae9c115bae24efdfd9076c93080b" ns2:_="">
     <xsd:import namespace="a73fd6a0-a740-4ca0-a47f-6beba88ccc77"/>
@@ -37315,7 +39704,7 @@
 </ct:contentTypeSchema>
 </file>
 
-<file path=customXml/item3.xml><?xml version="1.0" encoding="utf-8"?>
+<file path=customXml/item2.xml><?xml version="1.0" encoding="utf-8"?>
 <?mso-contentType ?>
 <FormTemplates xmlns="http://schemas.microsoft.com/sharepoint/v3/contenttype/forms">
   <Display>DocumentLibraryForm</Display>
@@ -37324,23 +39713,13 @@
 </FormTemplates>
 </file>
 
-<file path=customXml/itemProps1.xml><?xml version="1.0" encoding="utf-8"?>
-<ds:datastoreItem xmlns:ds="http://schemas.openxmlformats.org/officeDocument/2006/customXml" ds:itemID="{F8AE8C2F-0717-4D42-B44A-CAECCF122A1A}">
-  <ds:schemaRefs>
-    <ds:schemaRef ds:uri="http://www.w3.org/XML/1998/namespace"/>
-    <ds:schemaRef ds:uri="http://purl.org/dc/dcmitype/"/>
-    <ds:schemaRef ds:uri="http://purl.org/dc/terms/"/>
-    <ds:schemaRef ds:uri="http://schemas.microsoft.com/office/2006/metadata/properties"/>
-    <ds:schemaRef ds:uri="http://schemas.microsoft.com/office/infopath/2007/PartnerControls"/>
-    <ds:schemaRef ds:uri="http://purl.org/dc/elements/1.1/"/>
-    <ds:schemaRef ds:uri="http://schemas.microsoft.com/office/2006/documentManagement/types"/>
-    <ds:schemaRef ds:uri="http://schemas.openxmlformats.org/package/2006/metadata/core-properties"/>
-    <ds:schemaRef ds:uri="a73fd6a0-a740-4ca0-a47f-6beba88ccc77"/>
-  </ds:schemaRefs>
-</ds:datastoreItem>
+<file path=customXml/item3.xml><?xml version="1.0" encoding="utf-8"?>
+<p:properties xmlns:p="http://schemas.microsoft.com/office/2006/metadata/properties" xmlns:xsi="http://www.w3.org/2001/XMLSchema-instance" xmlns:pc="http://schemas.microsoft.com/office/infopath/2007/PartnerControls">
+  <documentManagement/>
+</p:properties>
 </file>
 
-<file path=customXml/itemProps2.xml><?xml version="1.0" encoding="utf-8"?>
+<file path=customXml/itemProps1.xml><?xml version="1.0" encoding="utf-8"?>
 <ds:datastoreItem xmlns:ds="http://schemas.openxmlformats.org/officeDocument/2006/customXml" ds:itemID="{9AC0CDE9-3E35-44FD-A63A-9795CF527D47}">
   <ds:schemaRefs>
     <ds:schemaRef ds:uri="http://schemas.microsoft.com/office/2006/metadata/contentType"/>
@@ -37358,10 +39737,26 @@
 </ds:datastoreItem>
 </file>
 
-<file path=customXml/itemProps3.xml><?xml version="1.0" encoding="utf-8"?>
+<file path=customXml/itemProps2.xml><?xml version="1.0" encoding="utf-8"?>
 <ds:datastoreItem xmlns:ds="http://schemas.openxmlformats.org/officeDocument/2006/customXml" ds:itemID="{4522A51C-073F-4C45-9170-ECE5951F4DEA}">
   <ds:schemaRefs>
     <ds:schemaRef ds:uri="http://schemas.microsoft.com/sharepoint/v3/contenttype/forms"/>
   </ds:schemaRefs>
 </ds:datastoreItem>
+</file>
+
+<file path=customXml/itemProps3.xml><?xml version="1.0" encoding="utf-8"?>
+<ds:datastoreItem xmlns:ds="http://schemas.openxmlformats.org/officeDocument/2006/customXml" ds:itemID="{F8AE8C2F-0717-4D42-B44A-CAECCF122A1A}">
+  <ds:schemaRefs>
+    <ds:schemaRef ds:uri="http://www.w3.org/XML/1998/namespace"/>
+    <ds:schemaRef ds:uri="http://purl.org/dc/dcmitype/"/>
+    <ds:schemaRef ds:uri="http://purl.org/dc/terms/"/>
+    <ds:schemaRef ds:uri="http://schemas.microsoft.com/office/2006/metadata/properties"/>
+    <ds:schemaRef ds:uri="http://schemas.microsoft.com/office/infopath/2007/PartnerControls"/>
+    <ds:schemaRef ds:uri="http://purl.org/dc/elements/1.1/"/>
+    <ds:schemaRef ds:uri="http://schemas.microsoft.com/office/2006/documentManagement/types"/>
+    <ds:schemaRef ds:uri="http://schemas.openxmlformats.org/package/2006/metadata/core-properties"/>
+    <ds:schemaRef ds:uri="a73fd6a0-a740-4ca0-a47f-6beba88ccc77"/>
+  </ds:schemaRefs>
+</ds:datastoreItem>
 </file>
--- a/slides.pptx
+++ b/slides.pptx
@@ -6,10 +6,10 @@
     <p:sldMasterId id="2147483669" r:id="rId5"/>
   </p:sldMasterIdLst>
   <p:notesMasterIdLst>
-    <p:notesMasterId r:id="rId66"/>
+    <p:notesMasterId r:id="rId65"/>
   </p:notesMasterIdLst>
   <p:handoutMasterIdLst>
-    <p:handoutMasterId r:id="rId67"/>
+    <p:handoutMasterId r:id="rId66"/>
   </p:handoutMasterIdLst>
   <p:sldIdLst>
     <p:sldId id="256" r:id="rId6"/>
@@ -53,25 +53,24 @@
     <p:sldId id="287" r:id="rId44"/>
     <p:sldId id="289" r:id="rId45"/>
     <p:sldId id="336" r:id="rId46"/>
-    <p:sldId id="327" r:id="rId47"/>
-    <p:sldId id="291" r:id="rId48"/>
-    <p:sldId id="293" r:id="rId49"/>
-    <p:sldId id="300" r:id="rId50"/>
-    <p:sldId id="334" r:id="rId51"/>
-    <p:sldId id="294" r:id="rId52"/>
-    <p:sldId id="295" r:id="rId53"/>
-    <p:sldId id="296" r:id="rId54"/>
-    <p:sldId id="297" r:id="rId55"/>
-    <p:sldId id="299" r:id="rId56"/>
-    <p:sldId id="302" r:id="rId57"/>
-    <p:sldId id="303" r:id="rId58"/>
-    <p:sldId id="309" r:id="rId59"/>
-    <p:sldId id="324" r:id="rId60"/>
-    <p:sldId id="305" r:id="rId61"/>
-    <p:sldId id="335" r:id="rId62"/>
-    <p:sldId id="318" r:id="rId63"/>
-    <p:sldId id="340" r:id="rId64"/>
-    <p:sldId id="319" r:id="rId65"/>
+    <p:sldId id="291" r:id="rId47"/>
+    <p:sldId id="293" r:id="rId48"/>
+    <p:sldId id="300" r:id="rId49"/>
+    <p:sldId id="334" r:id="rId50"/>
+    <p:sldId id="294" r:id="rId51"/>
+    <p:sldId id="295" r:id="rId52"/>
+    <p:sldId id="296" r:id="rId53"/>
+    <p:sldId id="297" r:id="rId54"/>
+    <p:sldId id="299" r:id="rId55"/>
+    <p:sldId id="302" r:id="rId56"/>
+    <p:sldId id="303" r:id="rId57"/>
+    <p:sldId id="309" r:id="rId58"/>
+    <p:sldId id="324" r:id="rId59"/>
+    <p:sldId id="305" r:id="rId60"/>
+    <p:sldId id="335" r:id="rId61"/>
+    <p:sldId id="318" r:id="rId62"/>
+    <p:sldId id="340" r:id="rId63"/>
+    <p:sldId id="319" r:id="rId64"/>
   </p:sldIdLst>
   <p:sldSz cx="12192000" cy="6858000"/>
   <p:notesSz cx="6858000" cy="9144000"/>
@@ -1502,91 +1501,7 @@
           <a:p>
             <a:fld id="{4970B036-1422-4C36-8158-C30E1C0769EB}" type="slidenum">
               <a:rPr lang="nl-NL" smtClean="0"/>
-              <a:t>42</a:t>
-            </a:fld>
-            <a:endParaRPr lang="nl-NL"/>
-          </a:p>
-        </p:txBody>
-      </p:sp>
-    </p:spTree>
-    <p:extLst>
-      <p:ext uri="{BB962C8B-B14F-4D97-AF65-F5344CB8AC3E}">
-        <p14:creationId xmlns:p14="http://schemas.microsoft.com/office/powerpoint/2010/main" val="3795590368"/>
-      </p:ext>
-    </p:extLst>
-  </p:cSld>
-  <p:clrMapOvr>
-    <a:masterClrMapping/>
-  </p:clrMapOvr>
-</p:notes>
-</file>
-
-<file path=ppt/notesSlides/notesSlide9.xml><?xml version="1.0" encoding="utf-8"?>
-<p:notes xmlns:a="http://schemas.openxmlformats.org/drawingml/2006/main" xmlns:r="http://schemas.openxmlformats.org/officeDocument/2006/relationships" xmlns:p="http://schemas.openxmlformats.org/presentationml/2006/main">
-  <p:cSld>
-    <p:spTree>
-      <p:nvGrpSpPr>
-        <p:cNvPr id="1" name=""/>
-        <p:cNvGrpSpPr/>
-        <p:nvPr/>
-      </p:nvGrpSpPr>
-      <p:grpSpPr>
-        <a:xfrm>
-          <a:off x="0" y="0"/>
-          <a:ext cx="0" cy="0"/>
-          <a:chOff x="0" y="0"/>
-          <a:chExt cx="0" cy="0"/>
-        </a:xfrm>
-      </p:grpSpPr>
-      <p:sp>
-        <p:nvSpPr>
-          <p:cNvPr id="2" name="Tijdelijke aanduiding voor dia-afbeelding 1"/>
-          <p:cNvSpPr>
-            <a:spLocks noGrp="1" noRot="1" noChangeAspect="1"/>
-          </p:cNvSpPr>
-          <p:nvPr>
-            <p:ph type="sldImg"/>
-          </p:nvPr>
-        </p:nvSpPr>
-        <p:spPr/>
-      </p:sp>
-      <p:sp>
-        <p:nvSpPr>
-          <p:cNvPr id="3" name="Tijdelijke aanduiding voor notities 2"/>
-          <p:cNvSpPr>
-            <a:spLocks noGrp="1"/>
-          </p:cNvSpPr>
-          <p:nvPr>
-            <p:ph type="body" idx="1"/>
-          </p:nvPr>
-        </p:nvSpPr>
-        <p:spPr/>
-        <p:txBody>
-          <a:bodyPr/>
-          <a:lstStyle/>
-          <a:p>
-            <a:endParaRPr lang="nl-NL" dirty="0"/>
-          </a:p>
-        </p:txBody>
-      </p:sp>
-      <p:sp>
-        <p:nvSpPr>
-          <p:cNvPr id="4" name="Tijdelijke aanduiding voor dianummer 3"/>
-          <p:cNvSpPr>
-            <a:spLocks noGrp="1"/>
-          </p:cNvSpPr>
-          <p:nvPr>
-            <p:ph type="sldNum" sz="quarter" idx="5"/>
-          </p:nvPr>
-        </p:nvSpPr>
-        <p:spPr/>
-        <p:txBody>
-          <a:bodyPr/>
-          <a:lstStyle/>
-          <a:p>
-            <a:fld id="{4970B036-1422-4C36-8158-C30E1C0769EB}" type="slidenum">
-              <a:rPr lang="nl-NL" smtClean="0"/>
-              <a:t>55</a:t>
+              <a:t>54</a:t>
             </a:fld>
             <a:endParaRPr lang="nl-NL"/>
           </a:p>
@@ -33764,163 +33679,12 @@
               </a:spcAft>
             </a:pPr>
             <a:r>
-              <a:rPr lang="en-US" sz="2800" dirty="0">
-                <a:latin typeface="Courier New" panose="02070309020205020404" pitchFamily="49" charset="0"/>
-                <a:cs typeface="Courier New" panose="02070309020205020404" pitchFamily="49" charset="0"/>
-              </a:rPr>
-              <a:t>JOIN</a:t>
-            </a:r>
-            <a:r>
-              <a:rPr lang="en-US" dirty="0"/>
-              <a:t>s</a:t>
-            </a:r>
-            <a:r>
               <a:rPr lang="en-US" sz="2800" dirty="0"/>
-              <a:t> lead to a data set with duplicates.</a:t>
-            </a:r>
-          </a:p>
-          <a:p>
-            <a:pPr lvl="1">
-              <a:spcAft>
-                <a:spcPts val="600"/>
-              </a:spcAft>
-            </a:pPr>
-            <a:r>
-              <a:rPr lang="en-US" sz="2400" dirty="0"/>
-              <a:t>Solution 1: </a:t>
-            </a:r>
-            <a:r>
-              <a:rPr lang="en-US" sz="2200" dirty="0"/>
-              <a:t>Fetch associations independently.</a:t>
-            </a:r>
-          </a:p>
-          <a:p>
-            <a:pPr lvl="2">
-              <a:spcAft>
-                <a:spcPts val="600"/>
-              </a:spcAft>
-            </a:pPr>
-            <a:r>
-              <a:rPr lang="en-US" sz="2200" dirty="0"/>
-              <a:t>Downside: the N+1 problem is back.</a:t>
-            </a:r>
-          </a:p>
-          <a:p>
-            <a:pPr lvl="1">
-              <a:spcAft>
-                <a:spcPts val="600"/>
-              </a:spcAft>
-            </a:pPr>
-            <a:r>
-              <a:rPr lang="en-US" sz="2400" dirty="0"/>
-              <a:t>Solution 2: Use </a:t>
-            </a:r>
-            <a:r>
-              <a:rPr lang="en-US" sz="2400" dirty="0">
-                <a:latin typeface="Courier New" panose="02070309020205020404" pitchFamily="49" charset="0"/>
-                <a:cs typeface="Courier New" panose="02070309020205020404" pitchFamily="49" charset="0"/>
-              </a:rPr>
-              <a:t>DISTINCT</a:t>
-            </a:r>
-            <a:r>
-              <a:rPr lang="en-US" dirty="0"/>
-              <a:t>.</a:t>
-            </a:r>
-            <a:endParaRPr lang="en-US" sz="2400" dirty="0"/>
-          </a:p>
-          <a:p>
-            <a:pPr lvl="2">
-              <a:spcAft>
-                <a:spcPts val="600"/>
-              </a:spcAft>
-            </a:pPr>
-            <a:r>
-              <a:rPr lang="en-US" sz="2200" dirty="0"/>
-              <a:t>Downside: Hibernate will de-duplicate all data in memory (</a:t>
-            </a:r>
-            <a:r>
-              <a:rPr lang="en-US" sz="2200" dirty="0" err="1">
-                <a:latin typeface="Courier New" panose="02070309020205020404" pitchFamily="49" charset="0"/>
-                <a:cs typeface="Courier New" panose="02070309020205020404" pitchFamily="49" charset="0"/>
-              </a:rPr>
-              <a:t>QueryTranslatorImpl</a:t>
-            </a:r>
-            <a:r>
-              <a:rPr lang="en-US" sz="2200" dirty="0">
-                <a:latin typeface="Courier New" panose="02070309020205020404" pitchFamily="49" charset="0"/>
-                <a:cs typeface="Courier New" panose="02070309020205020404" pitchFamily="49" charset="0"/>
-              </a:rPr>
-              <a:t> </a:t>
-            </a:r>
-            <a:r>
-              <a:rPr lang="en-US" sz="2200" dirty="0" err="1">
-                <a:latin typeface="Courier New" panose="02070309020205020404" pitchFamily="49" charset="0"/>
-                <a:cs typeface="Courier New" panose="02070309020205020404" pitchFamily="49" charset="0"/>
-              </a:rPr>
-              <a:t>needsDistincting</a:t>
-            </a:r>
-            <a:r>
-              <a:rPr lang="en-US" sz="2200" dirty="0"/>
-              <a:t>).</a:t>
-            </a:r>
-          </a:p>
-          <a:p>
-            <a:pPr lvl="1">
-              <a:spcAft>
-                <a:spcPts val="600"/>
-              </a:spcAft>
-            </a:pPr>
-            <a:endParaRPr lang="en-US" sz="2400" dirty="0"/>
+              <a:t>Hibernate needs to de-duplicate in-memory: could cause performance issues.</a:t>
+            </a:r>
           </a:p>
         </p:txBody>
       </p:sp>
-      <p:pic>
-        <p:nvPicPr>
-          <p:cNvPr id="4" name="Picture 2" descr="22,947 Demo Foto's, Afbeeldingen en Stock Fotografie - 123RF">
-            <a:extLst>
-              <a:ext uri="{FF2B5EF4-FFF2-40B4-BE49-F238E27FC236}">
-                <a16:creationId xmlns:a16="http://schemas.microsoft.com/office/drawing/2014/main" id="{ED64D180-0547-4366-BB5C-0393EF8728AB}"/>
-              </a:ext>
-            </a:extLst>
-          </p:cNvPr>
-          <p:cNvPicPr>
-            <a:picLocks noChangeAspect="1" noChangeArrowheads="1"/>
-          </p:cNvPicPr>
-          <p:nvPr/>
-        </p:nvPicPr>
-        <p:blipFill>
-          <a:blip r:embed="rId3">
-            <a:extLst>
-              <a:ext uri="{28A0092B-C50C-407E-A947-70E740481C1C}">
-                <a14:useLocalDpi xmlns:a14="http://schemas.microsoft.com/office/drawing/2010/main" val="0"/>
-              </a:ext>
-            </a:extLst>
-          </a:blip>
-          <a:srcRect/>
-          <a:stretch>
-            <a:fillRect/>
-          </a:stretch>
-        </p:blipFill>
-        <p:spPr bwMode="auto">
-          <a:xfrm>
-            <a:off x="10059668" y="5661520"/>
-            <a:ext cx="1923011" cy="952959"/>
-          </a:xfrm>
-          <a:prstGeom prst="rect">
-            <a:avLst/>
-          </a:prstGeom>
-          <a:noFill/>
-          <a:extLst>
-            <a:ext uri="{909E8E84-426E-40DD-AFC4-6F175D3DCCD1}">
-              <a14:hiddenFill xmlns:a14="http://schemas.microsoft.com/office/drawing/2010/main">
-                <a:solidFill>
-                  <a:srgbClr val="FFFFFF"/>
-                </a:solidFill>
-              </a14:hiddenFill>
-            </a:ext>
-          </a:extLst>
-        </p:spPr>
-      </p:pic>
     </p:spTree>
     <p:extLst>
       <p:ext uri="{BB962C8B-B14F-4D97-AF65-F5344CB8AC3E}">
@@ -34032,27 +33796,27 @@
             </a:pPr>
             <a:r>
               <a:rPr lang="en-US" sz="2800" dirty="0"/>
-              <a:t>Fetching associations with lazy loading causes more database traffic and latency but can be faster than deduplicating a massive result set with </a:t>
-            </a:r>
-            <a:r>
-              <a:rPr lang="en-US" sz="2800" dirty="0">
-                <a:latin typeface="Courier New" panose="02070309020205020404" pitchFamily="49" charset="0"/>
-                <a:cs typeface="Courier New" panose="02070309020205020404" pitchFamily="49" charset="0"/>
-              </a:rPr>
-              <a:t>DISTINCT</a:t>
-            </a:r>
-            <a:r>
-              <a:rPr lang="en-US" sz="2800" dirty="0"/>
-              <a:t>.</a:t>
-            </a:r>
-            <a:endParaRPr lang="en-US" sz="2200" dirty="0"/>
-          </a:p>
-          <a:p>
-            <a:pPr lvl="1">
+              <a:t>Could avoid the JOIN and use lazy loading.</a:t>
+            </a:r>
+          </a:p>
+          <a:p>
+            <a:pPr>
               <a:spcAft>
                 <a:spcPts val="600"/>
               </a:spcAft>
             </a:pPr>
+            <a:r>
+              <a:rPr lang="en-US" sz="2800" dirty="0"/>
+              <a:t>Fetching associations with lazy loading causes more database traffic and latency but </a:t>
+            </a:r>
+            <a:r>
+              <a:rPr lang="en-US" sz="2800" i="1" dirty="0"/>
+              <a:t>could</a:t>
+            </a:r>
+            <a:r>
+              <a:rPr lang="en-US" sz="2800" dirty="0"/>
+              <a:t> be faster than deduplicating a massive result set.</a:t>
+            </a:r>
             <a:endParaRPr lang="en-US" sz="2400" dirty="0"/>
           </a:p>
         </p:txBody>
@@ -34071,213 +33835,6 @@
 </file>
 
 <file path=ppt/slides/slide42.xml><?xml version="1.0" encoding="utf-8"?>
-<p:sld xmlns:a="http://schemas.openxmlformats.org/drawingml/2006/main" xmlns:r="http://schemas.openxmlformats.org/officeDocument/2006/relationships" xmlns:p="http://schemas.openxmlformats.org/presentationml/2006/main">
-  <p:cSld>
-    <p:spTree>
-      <p:nvGrpSpPr>
-        <p:cNvPr id="1" name=""/>
-        <p:cNvGrpSpPr/>
-        <p:nvPr/>
-      </p:nvGrpSpPr>
-      <p:grpSpPr>
-        <a:xfrm>
-          <a:off x="0" y="0"/>
-          <a:ext cx="0" cy="0"/>
-          <a:chOff x="0" y="0"/>
-          <a:chExt cx="0" cy="0"/>
-        </a:xfrm>
-      </p:grpSpPr>
-      <p:sp>
-        <p:nvSpPr>
-          <p:cNvPr id="2" name="Titel 1">
-            <a:extLst>
-              <a:ext uri="{FF2B5EF4-FFF2-40B4-BE49-F238E27FC236}">
-                <a16:creationId xmlns:a16="http://schemas.microsoft.com/office/drawing/2014/main" id="{05B55862-4B05-4C16-B01F-3FA0CB002DB3}"/>
-              </a:ext>
-            </a:extLst>
-          </p:cNvPr>
-          <p:cNvSpPr>
-            <a:spLocks noGrp="1"/>
-          </p:cNvSpPr>
-          <p:nvPr>
-            <p:ph type="title"/>
-          </p:nvPr>
-        </p:nvSpPr>
-        <p:spPr>
-          <a:xfrm>
-            <a:off x="1296000" y="720000"/>
-            <a:ext cx="9864000" cy="866153"/>
-          </a:xfrm>
-        </p:spPr>
-        <p:txBody>
-          <a:bodyPr/>
-          <a:lstStyle/>
-          <a:p>
-            <a:r>
-              <a:rPr lang="nl-BE" dirty="0"/>
-              <a:t>The </a:t>
-            </a:r>
-            <a:r>
-              <a:rPr lang="nl-BE" dirty="0" err="1"/>
-              <a:t>cartesian</a:t>
-            </a:r>
-            <a:r>
-              <a:rPr lang="nl-BE" dirty="0"/>
-              <a:t> product </a:t>
-            </a:r>
-            <a:r>
-              <a:rPr lang="nl-BE" dirty="0" err="1"/>
-              <a:t>problem</a:t>
-            </a:r>
-            <a:r>
-              <a:rPr lang="nl-BE" dirty="0"/>
-              <a:t> is a database </a:t>
-            </a:r>
-            <a:r>
-              <a:rPr lang="nl-BE" dirty="0" err="1"/>
-              <a:t>problem</a:t>
-            </a:r>
-            <a:endParaRPr lang="nl-NL" dirty="0"/>
-          </a:p>
-        </p:txBody>
-      </p:sp>
-      <p:sp>
-        <p:nvSpPr>
-          <p:cNvPr id="3" name="Tijdelijke aanduiding voor tekst 2">
-            <a:extLst>
-              <a:ext uri="{FF2B5EF4-FFF2-40B4-BE49-F238E27FC236}">
-                <a16:creationId xmlns:a16="http://schemas.microsoft.com/office/drawing/2014/main" id="{8B3F77EB-4E55-4CD2-91C4-1539E78AB8B6}"/>
-              </a:ext>
-            </a:extLst>
-          </p:cNvPr>
-          <p:cNvSpPr>
-            <a:spLocks noGrp="1"/>
-          </p:cNvSpPr>
-          <p:nvPr>
-            <p:ph type="body" sz="quarter" idx="10"/>
-          </p:nvPr>
-        </p:nvSpPr>
-        <p:spPr>
-          <a:xfrm>
-            <a:off x="1295999" y="3506569"/>
-            <a:ext cx="9864000" cy="2709415"/>
-          </a:xfrm>
-        </p:spPr>
-        <p:txBody>
-          <a:bodyPr>
-            <a:normAutofit/>
-          </a:bodyPr>
-          <a:lstStyle/>
-          <a:p>
-            <a:pPr marL="0" indent="0">
-              <a:buNone/>
-            </a:pPr>
-            <a:r>
-              <a:rPr lang="nl-BE" sz="1800" dirty="0"/>
-              <a:t>More info: </a:t>
-            </a:r>
-            <a:endParaRPr lang="nl-BE" sz="1800" b="1" dirty="0">
-              <a:highlight>
-                <a:srgbClr val="FFFF00"/>
-              </a:highlight>
-            </a:endParaRPr>
-          </a:p>
-          <a:p>
-            <a:pPr lvl="1"/>
-            <a:r>
-              <a:rPr lang="nl-BE" sz="1800" dirty="0">
-                <a:hlinkClick r:id="rId3"/>
-              </a:rPr>
-              <a:t>https://jakarta.ee/specifications/persistence/3.0/jakarta-persistence-spec-3.0.html#a4931</a:t>
-            </a:r>
-            <a:endParaRPr lang="nl-BE" sz="1800" dirty="0"/>
-          </a:p>
-          <a:p>
-            <a:pPr lvl="1"/>
-            <a:r>
-              <a:rPr lang="nl-BE" sz="1800" dirty="0">
-                <a:hlinkClick r:id="rId4"/>
-              </a:rPr>
-              <a:t>https://developer.jboss.org/docs/DOC-15782#jive_content_id_Hibernate_does_not_return_distinct_results_for_a_query_with_outer_join_fetching_enabled_for_a_collection_even_if_I_use_the_distinct_keyword</a:t>
-            </a:r>
-            <a:endParaRPr lang="nl-BE" sz="1800" dirty="0"/>
-          </a:p>
-          <a:p>
-            <a:pPr lvl="1"/>
-            <a:r>
-              <a:rPr lang="nl-BE" sz="1800" dirty="0">
-                <a:hlinkClick r:id="rId5"/>
-              </a:rPr>
-              <a:t>https://vladmihalcea.com/jpql-distinct-jpa-hibernate/</a:t>
-            </a:r>
-            <a:endParaRPr lang="nl-BE" sz="1800" dirty="0"/>
-          </a:p>
-          <a:p>
-            <a:pPr lvl="1"/>
-            <a:r>
-              <a:rPr lang="nl-BE" sz="1800" dirty="0">
-                <a:hlinkClick r:id="rId6"/>
-              </a:rPr>
-              <a:t>https://in.relation.to/2016/08/04/introducing-distinct-pass-through-query-hint/</a:t>
-            </a:r>
-            <a:endParaRPr lang="nl-BE" sz="1800" dirty="0"/>
-          </a:p>
-          <a:p>
-            <a:pPr lvl="1"/>
-            <a:r>
-              <a:rPr lang="nl-BE" sz="1800" dirty="0">
-                <a:hlinkClick r:id="rId7"/>
-              </a:rPr>
-              <a:t>https://thorben-janssen.com/hibernate-tips-apply-distinct-to-jpql-but-not-sql-query/</a:t>
-            </a:r>
-            <a:endParaRPr lang="nl-BE" sz="1800" dirty="0"/>
-          </a:p>
-        </p:txBody>
-      </p:sp>
-      <p:pic>
-        <p:nvPicPr>
-          <p:cNvPr id="7" name="Afbeelding 6">
-            <a:extLst>
-              <a:ext uri="{FF2B5EF4-FFF2-40B4-BE49-F238E27FC236}">
-                <a16:creationId xmlns:a16="http://schemas.microsoft.com/office/drawing/2014/main" id="{852748A4-766B-4D58-8E95-3421775E2523}"/>
-              </a:ext>
-            </a:extLst>
-          </p:cNvPr>
-          <p:cNvPicPr>
-            <a:picLocks noChangeAspect="1"/>
-          </p:cNvPicPr>
-          <p:nvPr/>
-        </p:nvPicPr>
-        <p:blipFill>
-          <a:blip r:embed="rId8"/>
-          <a:stretch>
-            <a:fillRect/>
-          </a:stretch>
-        </p:blipFill>
-        <p:spPr>
-          <a:xfrm>
-            <a:off x="1178414" y="2047261"/>
-            <a:ext cx="10099171" cy="1304171"/>
-          </a:xfrm>
-          <a:prstGeom prst="rect">
-            <a:avLst/>
-          </a:prstGeom>
-        </p:spPr>
-      </p:pic>
-    </p:spTree>
-    <p:extLst>
-      <p:ext uri="{BB962C8B-B14F-4D97-AF65-F5344CB8AC3E}">
-        <p14:creationId xmlns:p14="http://schemas.microsoft.com/office/powerpoint/2010/main" val="3090134708"/>
-      </p:ext>
-    </p:extLst>
-  </p:cSld>
-  <p:clrMapOvr>
-    <a:masterClrMapping/>
-  </p:clrMapOvr>
-</p:sld>
-</file>
-
-<file path=ppt/slides/slide43.xml><?xml version="1.0" encoding="utf-8"?>
 <p:sld xmlns:a="http://schemas.openxmlformats.org/drawingml/2006/main" xmlns:r="http://schemas.openxmlformats.org/officeDocument/2006/relationships" xmlns:p="http://schemas.openxmlformats.org/presentationml/2006/main">
   <p:cSld>
     <p:spTree>
@@ -34337,6 +33894,111 @@
     <p:extLst>
       <p:ext uri="{BB962C8B-B14F-4D97-AF65-F5344CB8AC3E}">
         <p14:creationId xmlns:p14="http://schemas.microsoft.com/office/powerpoint/2010/main" val="1036875611"/>
+      </p:ext>
+    </p:extLst>
+  </p:cSld>
+  <p:clrMapOvr>
+    <a:masterClrMapping/>
+  </p:clrMapOvr>
+</p:sld>
+</file>
+
+<file path=ppt/slides/slide43.xml><?xml version="1.0" encoding="utf-8"?>
+<p:sld xmlns:a="http://schemas.openxmlformats.org/drawingml/2006/main" xmlns:r="http://schemas.openxmlformats.org/officeDocument/2006/relationships" xmlns:p="http://schemas.openxmlformats.org/presentationml/2006/main">
+  <p:cSld>
+    <p:spTree>
+      <p:nvGrpSpPr>
+        <p:cNvPr id="1" name=""/>
+        <p:cNvGrpSpPr/>
+        <p:nvPr/>
+      </p:nvGrpSpPr>
+      <p:grpSpPr>
+        <a:xfrm>
+          <a:off x="0" y="0"/>
+          <a:ext cx="0" cy="0"/>
+          <a:chOff x="0" y="0"/>
+          <a:chExt cx="0" cy="0"/>
+        </a:xfrm>
+      </p:grpSpPr>
+      <p:sp>
+        <p:nvSpPr>
+          <p:cNvPr id="11" name="Title 1">
+            <a:extLst>
+              <a:ext uri="{FF2B5EF4-FFF2-40B4-BE49-F238E27FC236}">
+                <a16:creationId xmlns:a16="http://schemas.microsoft.com/office/drawing/2014/main" id="{51612DA1-DB43-7E72-A4EA-4B95C807605F}"/>
+              </a:ext>
+            </a:extLst>
+          </p:cNvPr>
+          <p:cNvSpPr>
+            <a:spLocks noGrp="1"/>
+          </p:cNvSpPr>
+          <p:nvPr>
+            <p:ph type="title"/>
+          </p:nvPr>
+        </p:nvSpPr>
+        <p:spPr>
+          <a:xfrm>
+            <a:off x="1296000" y="719999"/>
+            <a:ext cx="9864000" cy="1259407"/>
+          </a:xfrm>
+        </p:spPr>
+        <p:txBody>
+          <a:bodyPr anchor="t">
+            <a:normAutofit/>
+          </a:bodyPr>
+          <a:lstStyle/>
+          <a:p>
+            <a:r>
+              <a:rPr lang="en-US" dirty="0"/>
+              <a:t>Tip 1: Avoid entity overhead</a:t>
+            </a:r>
+          </a:p>
+        </p:txBody>
+      </p:sp>
+      <p:sp>
+        <p:nvSpPr>
+          <p:cNvPr id="13" name="Text Placeholder 2">
+            <a:extLst>
+              <a:ext uri="{FF2B5EF4-FFF2-40B4-BE49-F238E27FC236}">
+                <a16:creationId xmlns:a16="http://schemas.microsoft.com/office/drawing/2014/main" id="{5AFACC08-6E7F-14DD-D1E6-54973126E7AF}"/>
+              </a:ext>
+            </a:extLst>
+          </p:cNvPr>
+          <p:cNvSpPr>
+            <a:spLocks noGrp="1"/>
+          </p:cNvSpPr>
+          <p:nvPr>
+            <p:ph type="body" sz="quarter" idx="10"/>
+          </p:nvPr>
+        </p:nvSpPr>
+        <p:spPr>
+          <a:xfrm>
+            <a:off x="1296000" y="2398955"/>
+            <a:ext cx="9864000" cy="3338904"/>
+          </a:xfrm>
+        </p:spPr>
+        <p:txBody>
+          <a:bodyPr>
+            <a:normAutofit/>
+          </a:bodyPr>
+          <a:lstStyle/>
+          <a:p>
+            <a:pPr>
+              <a:spcAft>
+                <a:spcPts val="600"/>
+              </a:spcAft>
+            </a:pPr>
+            <a:r>
+              <a:rPr lang="en-US" sz="2800" dirty="0"/>
+              <a:t>Entities come with a lot of overhead (dirty checking, persistence context)</a:t>
+            </a:r>
+          </a:p>
+        </p:txBody>
+      </p:sp>
+    </p:spTree>
+    <p:extLst>
+      <p:ext uri="{BB962C8B-B14F-4D97-AF65-F5344CB8AC3E}">
+        <p14:creationId xmlns:p14="http://schemas.microsoft.com/office/powerpoint/2010/main" val="613316660"/>
       </p:ext>
     </p:extLst>
   </p:cSld>
@@ -34381,8 +34043,8 @@
         </p:nvSpPr>
         <p:spPr>
           <a:xfrm>
-            <a:off x="1296000" y="719999"/>
-            <a:ext cx="9864000" cy="1259407"/>
+            <a:off x="1296000" y="720000"/>
+            <a:ext cx="9864000" cy="681480"/>
           </a:xfrm>
         </p:spPr>
         <p:txBody>
@@ -34395,6 +34057,11 @@
               <a:rPr lang="en-US" dirty="0"/>
               <a:t>Tip 1: Avoid entity overhead</a:t>
             </a:r>
+            <a:endParaRPr lang="en-US" dirty="0">
+              <a:solidFill>
+                <a:srgbClr val="FF0000"/>
+              </a:solidFill>
+            </a:endParaRPr>
           </a:p>
         </p:txBody>
       </p:sp>
@@ -34416,8 +34083,8 @@
         </p:nvSpPr>
         <p:spPr>
           <a:xfrm>
-            <a:off x="1296000" y="2398955"/>
-            <a:ext cx="9864000" cy="3338904"/>
+            <a:off x="1296000" y="2105696"/>
+            <a:ext cx="9864000" cy="3632163"/>
           </a:xfrm>
         </p:spPr>
         <p:txBody>
@@ -34433,7 +34100,51 @@
             </a:pPr>
             <a:r>
               <a:rPr lang="en-US" sz="2800" dirty="0"/>
-              <a:t>Entities come with a lot of overhead (dirty checking, persistence context)</a:t>
+              <a:t>If your use-case doesn’t require propagating changes to the database, use </a:t>
+            </a:r>
+            <a:r>
+              <a:rPr lang="en-US" sz="2800" b="1" dirty="0"/>
+              <a:t>read-only transactions</a:t>
+            </a:r>
+            <a:r>
+              <a:rPr lang="en-US" sz="2800" dirty="0"/>
+              <a:t>.</a:t>
+            </a:r>
+          </a:p>
+          <a:p>
+            <a:pPr>
+              <a:spcAft>
+                <a:spcPts val="600"/>
+              </a:spcAft>
+            </a:pPr>
+            <a:r>
+              <a:rPr lang="en-US" sz="2800" dirty="0">
+                <a:latin typeface="Courier New" panose="02070309020205020404" pitchFamily="49" charset="0"/>
+                <a:cs typeface="Courier New" panose="02070309020205020404" pitchFamily="49" charset="0"/>
+              </a:rPr>
+              <a:t>@Transactional(readOnly=true)</a:t>
+            </a:r>
+          </a:p>
+          <a:p>
+            <a:pPr>
+              <a:spcAft>
+                <a:spcPts val="600"/>
+              </a:spcAft>
+            </a:pPr>
+            <a:r>
+              <a:rPr lang="en-US" sz="2800" dirty="0"/>
+              <a:t>It eliminates dirty-checking.</a:t>
+            </a:r>
+          </a:p>
+          <a:p>
+            <a:pPr>
+              <a:spcAft>
+                <a:spcPts val="600"/>
+              </a:spcAft>
+            </a:pPr>
+            <a:r>
+              <a:rPr lang="en-US" sz="2800" dirty="0"/>
+              <a:t>It eliminates loading the entity in the persistence context.</a:t>
             </a:r>
           </a:p>
         </p:txBody>
@@ -34441,7 +34152,7 @@
     </p:spTree>
     <p:extLst>
       <p:ext uri="{BB962C8B-B14F-4D97-AF65-F5344CB8AC3E}">
-        <p14:creationId xmlns:p14="http://schemas.microsoft.com/office/powerpoint/2010/main" val="613316660"/>
+        <p14:creationId xmlns:p14="http://schemas.microsoft.com/office/powerpoint/2010/main" val="2389961084"/>
       </p:ext>
     </p:extLst>
   </p:cSld>
@@ -34543,11 +34254,11 @@
             </a:pPr>
             <a:r>
               <a:rPr lang="en-US" sz="2800" dirty="0"/>
-              <a:t>If your use-case doesn’t require propagating changes to the database, use </a:t>
+              <a:t>You can also eliminate entities by using </a:t>
             </a:r>
             <a:r>
               <a:rPr lang="en-US" sz="2800" b="1" dirty="0"/>
-              <a:t>read-only transactions</a:t>
+              <a:t>DTO projections</a:t>
             </a:r>
             <a:r>
               <a:rPr lang="en-US" sz="2800" dirty="0"/>
@@ -34561,33 +34272,22 @@
               </a:spcAft>
             </a:pPr>
             <a:r>
+              <a:rPr lang="en-US" sz="2800" dirty="0"/>
+              <a:t>Same result as using </a:t>
+            </a:r>
+            <a:r>
               <a:rPr lang="en-US" sz="2800" dirty="0">
                 <a:latin typeface="Courier New" panose="02070309020205020404" pitchFamily="49" charset="0"/>
                 <a:cs typeface="Courier New" panose="02070309020205020404" pitchFamily="49" charset="0"/>
               </a:rPr>
               <a:t>@Transactional(readOnly=true)</a:t>
             </a:r>
-          </a:p>
-          <a:p>
-            <a:pPr>
-              <a:spcAft>
-                <a:spcPts val="600"/>
-              </a:spcAft>
-            </a:pPr>
-            <a:r>
-              <a:rPr lang="en-US" sz="2800" dirty="0"/>
-              <a:t>It eliminates dirty-checking.</a:t>
-            </a:r>
-          </a:p>
-          <a:p>
-            <a:pPr>
-              <a:spcAft>
-                <a:spcPts val="600"/>
-              </a:spcAft>
-            </a:pPr>
-            <a:r>
-              <a:rPr lang="en-US" sz="2800" dirty="0"/>
-              <a:t>It eliminates loading the entity in the persistence context.</a:t>
+            <a:r>
+              <a:rPr lang="en-US" sz="2800" dirty="0">
+                <a:latin typeface="+mj-lt"/>
+                <a:cs typeface="Courier New" panose="02070309020205020404" pitchFamily="49" charset="0"/>
+              </a:rPr>
+              <a:t> but allows you to only extract fields that are required.</a:t>
             </a:r>
           </a:p>
         </p:txBody>
@@ -34595,7 +34295,7 @@
     </p:spTree>
     <p:extLst>
       <p:ext uri="{BB962C8B-B14F-4D97-AF65-F5344CB8AC3E}">
-        <p14:creationId xmlns:p14="http://schemas.microsoft.com/office/powerpoint/2010/main" val="2389961084"/>
+        <p14:creationId xmlns:p14="http://schemas.microsoft.com/office/powerpoint/2010/main" val="3366337949"/>
       </p:ext>
     </p:extLst>
   </p:cSld>
@@ -34651,13 +34351,12 @@
           <a:lstStyle/>
           <a:p>
             <a:r>
-              <a:rPr lang="en-US" dirty="0"/>
-              <a:t>Tip 1: Avoid entity overhead</a:t>
-            </a:r>
-            <a:endParaRPr lang="en-US" dirty="0">
-              <a:solidFill>
-                <a:srgbClr val="FF0000"/>
-              </a:solidFill>
+              <a:rPr lang="en-US" sz="3600" dirty="0"/>
+              <a:t>Tip 2: Read SQL logs</a:t>
+            </a:r>
+            <a:endParaRPr lang="en-US" sz="3600" dirty="0">
+              <a:latin typeface="Courier New" panose="02070309020205020404" pitchFamily="49" charset="0"/>
+              <a:cs typeface="Courier New" panose="02070309020205020404" pitchFamily="49" charset="0"/>
             </a:endParaRPr>
           </a:p>
         </p:txBody>
@@ -34686,7 +34385,7 @@
         </p:spPr>
         <p:txBody>
           <a:bodyPr>
-            <a:normAutofit/>
+            <a:normAutofit lnSpcReduction="10000"/>
           </a:bodyPr>
           <a:lstStyle/>
           <a:p>
@@ -34697,15 +34396,29 @@
             </a:pPr>
             <a:r>
               <a:rPr lang="en-US" sz="2800" dirty="0"/>
-              <a:t>You can also eliminate entities by using </a:t>
-            </a:r>
-            <a:r>
-              <a:rPr lang="en-US" sz="2800" b="1" dirty="0"/>
-              <a:t>DTO projections</a:t>
-            </a:r>
-            <a:r>
-              <a:rPr lang="en-US" sz="2800" dirty="0"/>
-              <a:t>.</a:t>
+              <a:t>Don’t use </a:t>
+            </a:r>
+            <a:r>
+              <a:rPr lang="en-US" sz="2800" dirty="0" err="1">
+                <a:latin typeface="Courier New" panose="02070309020205020404" pitchFamily="49" charset="0"/>
+                <a:cs typeface="Courier New" panose="02070309020205020404" pitchFamily="49" charset="0"/>
+              </a:rPr>
+              <a:t>hibernate.show_sql</a:t>
+            </a:r>
+            <a:endParaRPr lang="en-US" sz="2800" dirty="0">
+              <a:latin typeface="Courier New" panose="02070309020205020404" pitchFamily="49" charset="0"/>
+              <a:cs typeface="Courier New" panose="02070309020205020404" pitchFamily="49" charset="0"/>
+            </a:endParaRPr>
+          </a:p>
+          <a:p>
+            <a:pPr lvl="1">
+              <a:spcAft>
+                <a:spcPts val="600"/>
+              </a:spcAft>
+            </a:pPr>
+            <a:r>
+              <a:rPr lang="en-US" sz="2400" dirty="0"/>
+              <a:t>Statements are always logged to console.</a:t>
             </a:r>
           </a:p>
           <a:p>
@@ -34716,21 +34429,95 @@
             </a:pPr>
             <a:r>
               <a:rPr lang="en-US" sz="2800" dirty="0"/>
-              <a:t>Same result as using </a:t>
-            </a:r>
-            <a:r>
-              <a:rPr lang="en-US" sz="2800" dirty="0">
+              <a:t>Use the logging framework instead:</a:t>
+            </a:r>
+          </a:p>
+          <a:p>
+            <a:pPr marL="252000" lvl="1" indent="0">
+              <a:spcAft>
+                <a:spcPts val="600"/>
+              </a:spcAft>
+              <a:buNone/>
+            </a:pPr>
+            <a:r>
+              <a:rPr lang="en-US" sz="2400" dirty="0">
                 <a:latin typeface="Courier New" panose="02070309020205020404" pitchFamily="49" charset="0"/>
                 <a:cs typeface="Courier New" panose="02070309020205020404" pitchFamily="49" charset="0"/>
               </a:rPr>
-              <a:t>@Transactional(readOnly=true)</a:t>
-            </a:r>
-            <a:r>
-              <a:rPr lang="en-US" sz="2800" dirty="0">
-                <a:latin typeface="+mj-lt"/>
+              <a:t>logging:</a:t>
+            </a:r>
+          </a:p>
+          <a:p>
+            <a:pPr marL="252000" lvl="1" indent="0">
+              <a:spcAft>
+                <a:spcPts val="600"/>
+              </a:spcAft>
+              <a:buNone/>
+            </a:pPr>
+            <a:r>
+              <a:rPr lang="en-US" sz="2400" dirty="0">
+                <a:latin typeface="Courier New" panose="02070309020205020404" pitchFamily="49" charset="0"/>
                 <a:cs typeface="Courier New" panose="02070309020205020404" pitchFamily="49" charset="0"/>
               </a:rPr>
-              <a:t> but allows you to only extract fields that are required.</a:t>
+              <a:t>  level:</a:t>
+            </a:r>
+          </a:p>
+          <a:p>
+            <a:pPr marL="252000" lvl="1" indent="0">
+              <a:spcAft>
+                <a:spcPts val="600"/>
+              </a:spcAft>
+              <a:buNone/>
+            </a:pPr>
+            <a:r>
+              <a:rPr lang="en-US" sz="2400" dirty="0">
+                <a:latin typeface="Courier New" panose="02070309020205020404" pitchFamily="49" charset="0"/>
+                <a:cs typeface="Courier New" panose="02070309020205020404" pitchFamily="49" charset="0"/>
+              </a:rPr>
+              <a:t>    </a:t>
+            </a:r>
+            <a:r>
+              <a:rPr lang="en-US" sz="2400" dirty="0" err="1">
+                <a:latin typeface="Courier New" panose="02070309020205020404" pitchFamily="49" charset="0"/>
+                <a:cs typeface="Courier New" panose="02070309020205020404" pitchFamily="49" charset="0"/>
+              </a:rPr>
+              <a:t>org.hibernate.SQL</a:t>
+            </a:r>
+            <a:r>
+              <a:rPr lang="en-US" sz="2400" dirty="0">
+                <a:latin typeface="Courier New" panose="02070309020205020404" pitchFamily="49" charset="0"/>
+                <a:cs typeface="Courier New" panose="02070309020205020404" pitchFamily="49" charset="0"/>
+              </a:rPr>
+              <a:t>: debug</a:t>
+            </a:r>
+          </a:p>
+          <a:p>
+            <a:pPr marL="252000" lvl="1" indent="0">
+              <a:spcAft>
+                <a:spcPts val="600"/>
+              </a:spcAft>
+              <a:buNone/>
+            </a:pPr>
+            <a:r>
+              <a:rPr lang="en-US" sz="2400" dirty="0">
+                <a:latin typeface="Courier New" panose="02070309020205020404" pitchFamily="49" charset="0"/>
+                <a:cs typeface="Courier New" panose="02070309020205020404" pitchFamily="49" charset="0"/>
+              </a:rPr>
+              <a:t>    </a:t>
+            </a:r>
+            <a:r>
+              <a:rPr lang="en-US" sz="2400" dirty="0" err="1">
+                <a:latin typeface="Courier New" panose="02070309020205020404" pitchFamily="49" charset="0"/>
+                <a:cs typeface="Courier New" panose="02070309020205020404" pitchFamily="49" charset="0"/>
+              </a:rPr>
+              <a:t>org.hibernate.type.descriptor.sql</a:t>
+            </a:r>
+            <a:r>
+              <a:rPr lang="en-US" sz="2400" dirty="0">
+                <a:latin typeface="Courier New" panose="02070309020205020404" pitchFamily="49" charset="0"/>
+                <a:cs typeface="Courier New" panose="02070309020205020404" pitchFamily="49" charset="0"/>
+              </a:rPr>
+              <a:t>: trace</a:t>
             </a:r>
           </a:p>
         </p:txBody>
@@ -34738,7 +34525,7 @@
     </p:spTree>
     <p:extLst>
       <p:ext uri="{BB962C8B-B14F-4D97-AF65-F5344CB8AC3E}">
-        <p14:creationId xmlns:p14="http://schemas.microsoft.com/office/powerpoint/2010/main" val="3366337949"/>
+        <p14:creationId xmlns:p14="http://schemas.microsoft.com/office/powerpoint/2010/main" val="36027474"/>
       </p:ext>
     </p:extLst>
   </p:cSld>
@@ -34794,10 +34581,21 @@
           <a:lstStyle/>
           <a:p>
             <a:r>
-              <a:rPr lang="en-US" sz="3600" dirty="0"/>
-              <a:t>Tip 2: Read SQL logs</a:t>
-            </a:r>
-            <a:endParaRPr lang="en-US" sz="3600" dirty="0">
+              <a:rPr lang="en-US" dirty="0"/>
+              <a:t>Tip 3: Don’t use </a:t>
+            </a:r>
+            <a:r>
+              <a:rPr lang="en-US" dirty="0">
+                <a:latin typeface="Courier New" panose="02070309020205020404" pitchFamily="49" charset="0"/>
+                <a:cs typeface="Courier New" panose="02070309020205020404" pitchFamily="49" charset="0"/>
+              </a:rPr>
+              <a:t>@Transactional </a:t>
+            </a:r>
+            <a:r>
+              <a:rPr lang="en-US" dirty="0"/>
+              <a:t>in tests</a:t>
+            </a:r>
+            <a:endParaRPr lang="en-US" dirty="0">
               <a:latin typeface="Courier New" panose="02070309020205020404" pitchFamily="49" charset="0"/>
               <a:cs typeface="Courier New" panose="02070309020205020404" pitchFamily="49" charset="0"/>
             </a:endParaRPr>
@@ -34823,12 +34621,12 @@
         <p:spPr>
           <a:xfrm>
             <a:off x="1296000" y="2105696"/>
-            <a:ext cx="9864000" cy="3632163"/>
+            <a:ext cx="9864000" cy="4279473"/>
           </a:xfrm>
         </p:spPr>
         <p:txBody>
           <a:bodyPr>
-            <a:normAutofit lnSpcReduction="10000"/>
+            <a:normAutofit/>
           </a:bodyPr>
           <a:lstStyle/>
           <a:p>
@@ -34838,20 +34636,20 @@
               </a:spcAft>
             </a:pPr>
             <a:r>
-              <a:rPr lang="en-US" sz="2800" dirty="0"/>
-              <a:t>Don’t use </a:t>
-            </a:r>
-            <a:r>
-              <a:rPr lang="en-US" sz="2800" dirty="0" err="1">
+              <a:rPr lang="en-US" dirty="0"/>
+              <a:t>Why would you use </a:t>
+            </a:r>
+            <a:r>
+              <a:rPr lang="en-US" dirty="0">
                 <a:latin typeface="Courier New" panose="02070309020205020404" pitchFamily="49" charset="0"/>
                 <a:cs typeface="Courier New" panose="02070309020205020404" pitchFamily="49" charset="0"/>
               </a:rPr>
-              <a:t>hibernate.show_sql</a:t>
-            </a:r>
-            <a:endParaRPr lang="en-US" sz="2800" dirty="0">
-              <a:latin typeface="Courier New" panose="02070309020205020404" pitchFamily="49" charset="0"/>
-              <a:cs typeface="Courier New" panose="02070309020205020404" pitchFamily="49" charset="0"/>
-            </a:endParaRPr>
+              <a:t>@Transactional </a:t>
+            </a:r>
+            <a:r>
+              <a:rPr lang="en-US" dirty="0"/>
+              <a:t>in a test?</a:t>
+            </a:r>
           </a:p>
           <a:p>
             <a:pPr lvl="1">
@@ -34860,8 +34658,60 @@
               </a:spcAft>
             </a:pPr>
             <a:r>
-              <a:rPr lang="en-US" sz="2400" dirty="0"/>
-              <a:t>Statements are always logged to console.</a:t>
+              <a:rPr lang="en-US" dirty="0"/>
+              <a:t>To clean up data and ensure a deterministic test suite.</a:t>
+            </a:r>
+          </a:p>
+          <a:p>
+            <a:pPr lvl="1">
+              <a:spcAft>
+                <a:spcPts val="600"/>
+              </a:spcAft>
+            </a:pPr>
+            <a:r>
+              <a:rPr lang="en-US" dirty="0"/>
+              <a:t>Behavior of </a:t>
+            </a:r>
+            <a:r>
+              <a:rPr lang="en-US" dirty="0">
+                <a:latin typeface="Courier New" panose="02070309020205020404" pitchFamily="49" charset="0"/>
+                <a:cs typeface="Courier New" panose="02070309020205020404" pitchFamily="49" charset="0"/>
+              </a:rPr>
+              <a:t>@Transactional </a:t>
+            </a:r>
+            <a:r>
+              <a:rPr lang="en-US" dirty="0"/>
+              <a:t>in tests = rollback</a:t>
+            </a:r>
+          </a:p>
+          <a:p>
+            <a:pPr lvl="2">
+              <a:spcAft>
+                <a:spcPts val="600"/>
+              </a:spcAft>
+            </a:pPr>
+            <a:r>
+              <a:rPr lang="en-US" dirty="0"/>
+              <a:t>In the Spring </a:t>
+            </a:r>
+            <a:r>
+              <a:rPr lang="en-US" dirty="0" err="1"/>
+              <a:t>TestContext</a:t>
+            </a:r>
+            <a:r>
+              <a:rPr lang="en-US" dirty="0"/>
+              <a:t> framework, transactions are managed by the </a:t>
+            </a:r>
+            <a:r>
+              <a:rPr lang="en-US" dirty="0" err="1">
+                <a:latin typeface="Courier New" panose="02070309020205020404" pitchFamily="49" charset="0"/>
+                <a:cs typeface="Courier New" panose="02070309020205020404" pitchFamily="49" charset="0"/>
+              </a:rPr>
+              <a:t>TransactionalTestExecutionListener</a:t>
+            </a:r>
+            <a:r>
+              <a:rPr lang="en-US" dirty="0"/>
+              <a:t>.</a:t>
             </a:r>
           </a:p>
           <a:p>
@@ -34871,104 +34721,126 @@
               </a:spcAft>
             </a:pPr>
             <a:r>
-              <a:rPr lang="en-US" sz="2800" dirty="0"/>
-              <a:t>Use the logging framework instead:</a:t>
-            </a:r>
-          </a:p>
-          <a:p>
-            <a:pPr marL="252000" lvl="1" indent="0">
+              <a:rPr lang="en-US" dirty="0"/>
+              <a:t>What is the biggest problem when doing this?</a:t>
+            </a:r>
+          </a:p>
+          <a:p>
+            <a:pPr lvl="1">
               <a:spcAft>
                 <a:spcPts val="600"/>
               </a:spcAft>
-              <a:buNone/>
-            </a:pPr>
-            <a:r>
-              <a:rPr lang="en-US" sz="2400" dirty="0">
+            </a:pPr>
+            <a:r>
+              <a:rPr lang="en-US" dirty="0"/>
+              <a:t>Using </a:t>
+            </a:r>
+            <a:r>
+              <a:rPr lang="en-US" dirty="0">
                 <a:latin typeface="Courier New" panose="02070309020205020404" pitchFamily="49" charset="0"/>
                 <a:cs typeface="Courier New" panose="02070309020205020404" pitchFamily="49" charset="0"/>
               </a:rPr>
-              <a:t>logging:</a:t>
-            </a:r>
-          </a:p>
-          <a:p>
-            <a:pPr marL="252000" lvl="1" indent="0">
+              <a:t>@Transactional </a:t>
+            </a:r>
+            <a:r>
+              <a:rPr lang="en-US" dirty="0"/>
+              <a:t>in tests is dangerous as it can hide production issues.</a:t>
+            </a:r>
+          </a:p>
+          <a:p>
+            <a:pPr>
               <a:spcAft>
                 <a:spcPts val="600"/>
               </a:spcAft>
-              <a:buNone/>
-            </a:pPr>
-            <a:r>
-              <a:rPr lang="en-US" sz="2400" dirty="0">
-                <a:latin typeface="Courier New" panose="02070309020205020404" pitchFamily="49" charset="0"/>
-                <a:cs typeface="Courier New" panose="02070309020205020404" pitchFamily="49" charset="0"/>
-              </a:rPr>
-              <a:t>  level:</a:t>
-            </a:r>
-          </a:p>
-          <a:p>
-            <a:pPr marL="252000" lvl="1" indent="0">
+            </a:pPr>
+            <a:r>
+              <a:rPr lang="en-US" dirty="0"/>
+              <a:t>Solution:</a:t>
+            </a:r>
+          </a:p>
+          <a:p>
+            <a:pPr lvl="1">
               <a:spcAft>
                 <a:spcPts val="600"/>
               </a:spcAft>
-              <a:buNone/>
-            </a:pPr>
-            <a:r>
-              <a:rPr lang="en-US" sz="2400" dirty="0">
+            </a:pPr>
+            <a:r>
+              <a:rPr lang="en-US" dirty="0"/>
+              <a:t>Clean up manually (</a:t>
+            </a:r>
+            <a:r>
+              <a:rPr lang="en-US" dirty="0">
                 <a:latin typeface="Courier New" panose="02070309020205020404" pitchFamily="49" charset="0"/>
                 <a:cs typeface="Courier New" panose="02070309020205020404" pitchFamily="49" charset="0"/>
               </a:rPr>
-              <a:t>    </a:t>
-            </a:r>
-            <a:r>
-              <a:rPr lang="en-US" sz="2400" dirty="0" err="1">
-                <a:latin typeface="Courier New" panose="02070309020205020404" pitchFamily="49" charset="0"/>
-                <a:cs typeface="Courier New" panose="02070309020205020404" pitchFamily="49" charset="0"/>
-              </a:rPr>
-              <a:t>org.hibernate.SQL</a:t>
-            </a:r>
-            <a:r>
-              <a:rPr lang="en-US" sz="2400" dirty="0">
-                <a:latin typeface="Courier New" panose="02070309020205020404" pitchFamily="49" charset="0"/>
-                <a:cs typeface="Courier New" panose="02070309020205020404" pitchFamily="49" charset="0"/>
-              </a:rPr>
-              <a:t>: debug</a:t>
-            </a:r>
-          </a:p>
-          <a:p>
-            <a:pPr marL="252000" lvl="1" indent="0">
+              <a:t>@AfterEach</a:t>
+            </a:r>
+            <a:r>
+              <a:rPr lang="en-US" dirty="0"/>
+              <a:t>).</a:t>
+            </a:r>
+          </a:p>
+          <a:p>
+            <a:pPr>
               <a:spcAft>
                 <a:spcPts val="600"/>
               </a:spcAft>
-              <a:buNone/>
-            </a:pPr>
-            <a:r>
-              <a:rPr lang="en-US" sz="2400" dirty="0">
-                <a:latin typeface="Courier New" panose="02070309020205020404" pitchFamily="49" charset="0"/>
-                <a:cs typeface="Courier New" panose="02070309020205020404" pitchFamily="49" charset="0"/>
-              </a:rPr>
-              <a:t>    </a:t>
-            </a:r>
-            <a:r>
-              <a:rPr lang="en-US" sz="2400" dirty="0" err="1">
-                <a:latin typeface="Courier New" panose="02070309020205020404" pitchFamily="49" charset="0"/>
-                <a:cs typeface="Courier New" panose="02070309020205020404" pitchFamily="49" charset="0"/>
-              </a:rPr>
-              <a:t>org.hibernate.type.descriptor.sql</a:t>
-            </a:r>
-            <a:r>
-              <a:rPr lang="en-US" sz="2400" dirty="0">
-                <a:latin typeface="Courier New" panose="02070309020205020404" pitchFamily="49" charset="0"/>
-                <a:cs typeface="Courier New" panose="02070309020205020404" pitchFamily="49" charset="0"/>
-              </a:rPr>
-              <a:t>: trace</a:t>
-            </a:r>
+            </a:pPr>
+            <a:endParaRPr lang="en-US" dirty="0"/>
           </a:p>
         </p:txBody>
       </p:sp>
+      <p:pic>
+        <p:nvPicPr>
+          <p:cNvPr id="4" name="Picture 2" descr="22,947 Demo Foto's, Afbeeldingen en Stock Fotografie - 123RF">
+            <a:extLst>
+              <a:ext uri="{FF2B5EF4-FFF2-40B4-BE49-F238E27FC236}">
+                <a16:creationId xmlns:a16="http://schemas.microsoft.com/office/drawing/2014/main" id="{3078C261-1290-4C96-B0F3-7F5867671363}"/>
+              </a:ext>
+            </a:extLst>
+          </p:cNvPr>
+          <p:cNvPicPr>
+            <a:picLocks noChangeAspect="1" noChangeArrowheads="1"/>
+          </p:cNvPicPr>
+          <p:nvPr/>
+        </p:nvPicPr>
+        <p:blipFill>
+          <a:blip r:embed="rId2">
+            <a:extLst>
+              <a:ext uri="{28A0092B-C50C-407E-A947-70E740481C1C}">
+                <a14:useLocalDpi xmlns:a14="http://schemas.microsoft.com/office/drawing/2010/main" val="0"/>
+              </a:ext>
+            </a:extLst>
+          </a:blip>
+          <a:srcRect/>
+          <a:stretch>
+            <a:fillRect/>
+          </a:stretch>
+        </p:blipFill>
+        <p:spPr bwMode="auto">
+          <a:xfrm>
+            <a:off x="10059668" y="5661520"/>
+            <a:ext cx="1923011" cy="952959"/>
+          </a:xfrm>
+          <a:prstGeom prst="rect">
+            <a:avLst/>
+          </a:prstGeom>
+          <a:noFill/>
+          <a:extLst>
+            <a:ext uri="{909E8E84-426E-40DD-AFC4-6F175D3DCCD1}">
+              <a14:hiddenFill xmlns:a14="http://schemas.microsoft.com/office/drawing/2010/main">
+                <a:solidFill>
+                  <a:srgbClr val="FFFFFF"/>
+                </a:solidFill>
+              </a14:hiddenFill>
+            </a:ext>
+          </a:extLst>
+        </p:spPr>
+      </p:pic>
     </p:spTree>
     <p:extLst>
       <p:ext uri="{BB962C8B-B14F-4D97-AF65-F5344CB8AC3E}">
-        <p14:creationId xmlns:p14="http://schemas.microsoft.com/office/powerpoint/2010/main" val="36027474"/>
+        <p14:creationId xmlns:p14="http://schemas.microsoft.com/office/powerpoint/2010/main" val="3022796713"/>
       </p:ext>
     </p:extLst>
   </p:cSld>
@@ -35013,8 +34885,8 @@
         </p:nvSpPr>
         <p:spPr>
           <a:xfrm>
-            <a:off x="1296000" y="720000"/>
-            <a:ext cx="9864000" cy="681480"/>
+            <a:off x="1296000" y="719999"/>
+            <a:ext cx="9864000" cy="1057285"/>
           </a:xfrm>
         </p:spPr>
         <p:txBody>
@@ -35025,20 +34897,12 @@
           <a:p>
             <a:r>
               <a:rPr lang="en-US" dirty="0"/>
-              <a:t>Tip 3: Don’t use </a:t>
-            </a:r>
-            <a:r>
-              <a:rPr lang="en-US" dirty="0">
-                <a:latin typeface="Courier New" panose="02070309020205020404" pitchFamily="49" charset="0"/>
-                <a:cs typeface="Courier New" panose="02070309020205020404" pitchFamily="49" charset="0"/>
-              </a:rPr>
-              <a:t>@Transactional </a:t>
-            </a:r>
-            <a:r>
-              <a:rPr lang="en-US" dirty="0"/>
-              <a:t>in tests</a:t>
+              <a:t>Tip 4: Use bulk operations</a:t>
             </a:r>
             <a:endParaRPr lang="en-US" dirty="0">
+              <a:solidFill>
+                <a:srgbClr val="FF0000"/>
+              </a:solidFill>
               <a:latin typeface="Courier New" panose="02070309020205020404" pitchFamily="49" charset="0"/>
               <a:cs typeface="Courier New" panose="02070309020205020404" pitchFamily="49" charset="0"/>
             </a:endParaRPr>
@@ -35064,7 +34928,7 @@
         <p:spPr>
           <a:xfrm>
             <a:off x="1296000" y="2105696"/>
-            <a:ext cx="9864000" cy="4279473"/>
+            <a:ext cx="9864000" cy="3632163"/>
           </a:xfrm>
         </p:spPr>
         <p:txBody>
@@ -35080,18 +34944,29 @@
             </a:pPr>
             <a:r>
               <a:rPr lang="en-US" dirty="0"/>
-              <a:t>Why would you use </a:t>
-            </a:r>
-            <a:r>
-              <a:rPr lang="en-US" dirty="0">
-                <a:latin typeface="Courier New" panose="02070309020205020404" pitchFamily="49" charset="0"/>
-                <a:cs typeface="Courier New" panose="02070309020205020404" pitchFamily="49" charset="0"/>
-              </a:rPr>
-              <a:t>@Transactional </a:t>
-            </a:r>
+              <a:t>Anti-pattern: retrieving entities and updating/deleting them one by one.</a:t>
+            </a:r>
+          </a:p>
+          <a:p>
+            <a:pPr>
+              <a:spcAft>
+                <a:spcPts val="600"/>
+              </a:spcAft>
+            </a:pPr>
             <a:r>
               <a:rPr lang="en-US" dirty="0"/>
-              <a:t>in a test?</a:t>
+              <a:t>Try to create an update/delete query for all relevant rows.</a:t>
+            </a:r>
+          </a:p>
+          <a:p>
+            <a:pPr>
+              <a:spcAft>
+                <a:spcPts val="600"/>
+              </a:spcAft>
+            </a:pPr>
+            <a:r>
+              <a:rPr lang="en-US" dirty="0"/>
+              <a:t>If not possible to write a general query: think about batch processing and Hibernate memory usage.</a:t>
             </a:r>
           </a:p>
           <a:p>
@@ -35101,189 +34976,19 @@
               </a:spcAft>
             </a:pPr>
             <a:r>
-              <a:rPr lang="en-US" dirty="0"/>
-              <a:t>To clean up data and ensure a deterministic test suite.</a:t>
-            </a:r>
-          </a:p>
-          <a:p>
-            <a:pPr lvl="1">
-              <a:spcAft>
-                <a:spcPts val="600"/>
-              </a:spcAft>
-            </a:pPr>
-            <a:r>
-              <a:rPr lang="en-US" dirty="0"/>
-              <a:t>Behavior of </a:t>
-            </a:r>
-            <a:r>
               <a:rPr lang="en-US" dirty="0">
-                <a:latin typeface="Courier New" panose="02070309020205020404" pitchFamily="49" charset="0"/>
-                <a:cs typeface="Courier New" panose="02070309020205020404" pitchFamily="49" charset="0"/>
-              </a:rPr>
-              <a:t>@Transactional </a:t>
-            </a:r>
-            <a:r>
-              <a:rPr lang="en-US" dirty="0"/>
-              <a:t>in tests = rollback</a:t>
-            </a:r>
-          </a:p>
-          <a:p>
-            <a:pPr lvl="2">
-              <a:spcAft>
-                <a:spcPts val="600"/>
-              </a:spcAft>
-            </a:pPr>
-            <a:r>
-              <a:rPr lang="en-US" dirty="0"/>
-              <a:t>In the Spring </a:t>
-            </a:r>
-            <a:r>
-              <a:rPr lang="en-US" dirty="0" err="1"/>
-              <a:t>TestContext</a:t>
-            </a:r>
-            <a:r>
-              <a:rPr lang="en-US" dirty="0"/>
-              <a:t> framework, transactions are managed by the </a:t>
-            </a:r>
-            <a:r>
-              <a:rPr lang="en-US" dirty="0" err="1">
-                <a:latin typeface="Courier New" panose="02070309020205020404" pitchFamily="49" charset="0"/>
-                <a:cs typeface="Courier New" panose="02070309020205020404" pitchFamily="49" charset="0"/>
-              </a:rPr>
-              <a:t>TransactionalTestExecutionListener</a:t>
-            </a:r>
-            <a:r>
-              <a:rPr lang="en-US" dirty="0"/>
-              <a:t>.</a:t>
-            </a:r>
-          </a:p>
-          <a:p>
-            <a:pPr>
-              <a:spcAft>
-                <a:spcPts val="600"/>
-              </a:spcAft>
-            </a:pPr>
-            <a:r>
-              <a:rPr lang="en-US" dirty="0"/>
-              <a:t>What is the biggest problem when doing this?</a:t>
-            </a:r>
-          </a:p>
-          <a:p>
-            <a:pPr lvl="1">
-              <a:spcAft>
-                <a:spcPts val="600"/>
-              </a:spcAft>
-            </a:pPr>
-            <a:r>
-              <a:rPr lang="en-US" dirty="0"/>
-              <a:t>Using </a:t>
-            </a:r>
-            <a:r>
-              <a:rPr lang="en-US" dirty="0">
-                <a:latin typeface="Courier New" panose="02070309020205020404" pitchFamily="49" charset="0"/>
-                <a:cs typeface="Courier New" panose="02070309020205020404" pitchFamily="49" charset="0"/>
-              </a:rPr>
-              <a:t>@Transactional </a:t>
-            </a:r>
-            <a:r>
-              <a:rPr lang="en-US" dirty="0"/>
-              <a:t>in tests is dangerous as it can hide production issues.</a:t>
-            </a:r>
-          </a:p>
-          <a:p>
-            <a:pPr>
-              <a:spcAft>
-                <a:spcPts val="600"/>
-              </a:spcAft>
-            </a:pPr>
-            <a:r>
-              <a:rPr lang="en-US" dirty="0"/>
-              <a:t>Solution:</a:t>
-            </a:r>
-          </a:p>
-          <a:p>
-            <a:pPr lvl="1">
-              <a:spcAft>
-                <a:spcPts val="600"/>
-              </a:spcAft>
-            </a:pPr>
-            <a:r>
-              <a:rPr lang="en-US" dirty="0"/>
-              <a:t>Clean up manually (</a:t>
-            </a:r>
-            <a:r>
-              <a:rPr lang="en-US" dirty="0">
-                <a:latin typeface="Courier New" panose="02070309020205020404" pitchFamily="49" charset="0"/>
-                <a:cs typeface="Courier New" panose="02070309020205020404" pitchFamily="49" charset="0"/>
-              </a:rPr>
-              <a:t>@AfterEach</a:t>
-            </a:r>
-            <a:r>
-              <a:rPr lang="en-US" dirty="0"/>
-              <a:t>).</a:t>
-            </a:r>
-          </a:p>
-          <a:p>
-            <a:pPr>
-              <a:spcAft>
-                <a:spcPts val="600"/>
-              </a:spcAft>
-            </a:pPr>
+                <a:hlinkClick r:id="rId2"/>
+              </a:rPr>
+              <a:t>https://docs.jboss.org/hibernate/core/3.6/reference/en-US/html_single/#batch</a:t>
+            </a:r>
             <a:endParaRPr lang="en-US" dirty="0"/>
           </a:p>
         </p:txBody>
       </p:sp>
-      <p:pic>
-        <p:nvPicPr>
-          <p:cNvPr id="4" name="Picture 2" descr="22,947 Demo Foto's, Afbeeldingen en Stock Fotografie - 123RF">
-            <a:extLst>
-              <a:ext uri="{FF2B5EF4-FFF2-40B4-BE49-F238E27FC236}">
-                <a16:creationId xmlns:a16="http://schemas.microsoft.com/office/drawing/2014/main" id="{3078C261-1290-4C96-B0F3-7F5867671363}"/>
-              </a:ext>
-            </a:extLst>
-          </p:cNvPr>
-          <p:cNvPicPr>
-            <a:picLocks noChangeAspect="1" noChangeArrowheads="1"/>
-          </p:cNvPicPr>
-          <p:nvPr/>
-        </p:nvPicPr>
-        <p:blipFill>
-          <a:blip r:embed="rId2">
-            <a:extLst>
-              <a:ext uri="{28A0092B-C50C-407E-A947-70E740481C1C}">
-                <a14:useLocalDpi xmlns:a14="http://schemas.microsoft.com/office/drawing/2010/main" val="0"/>
-              </a:ext>
-            </a:extLst>
-          </a:blip>
-          <a:srcRect/>
-          <a:stretch>
-            <a:fillRect/>
-          </a:stretch>
-        </p:blipFill>
-        <p:spPr bwMode="auto">
-          <a:xfrm>
-            <a:off x="10059668" y="5661520"/>
-            <a:ext cx="1923011" cy="952959"/>
-          </a:xfrm>
-          <a:prstGeom prst="rect">
-            <a:avLst/>
-          </a:prstGeom>
-          <a:noFill/>
-          <a:extLst>
-            <a:ext uri="{909E8E84-426E-40DD-AFC4-6F175D3DCCD1}">
-              <a14:hiddenFill xmlns:a14="http://schemas.microsoft.com/office/drawing/2010/main">
-                <a:solidFill>
-                  <a:srgbClr val="FFFFFF"/>
-                </a:solidFill>
-              </a14:hiddenFill>
-            </a:ext>
-          </a:extLst>
-        </p:spPr>
-      </p:pic>
     </p:spTree>
     <p:extLst>
       <p:ext uri="{BB962C8B-B14F-4D97-AF65-F5344CB8AC3E}">
-        <p14:creationId xmlns:p14="http://schemas.microsoft.com/office/powerpoint/2010/main" val="3022796713"/>
+        <p14:creationId xmlns:p14="http://schemas.microsoft.com/office/powerpoint/2010/main" val="3338901119"/>
       </p:ext>
     </p:extLst>
   </p:cSld>
@@ -35328,27 +35033,20 @@
         </p:nvSpPr>
         <p:spPr>
           <a:xfrm>
-            <a:off x="1296000" y="719999"/>
-            <a:ext cx="9864000" cy="1057285"/>
+            <a:off x="1296000" y="720000"/>
+            <a:ext cx="9864000" cy="681480"/>
           </a:xfrm>
         </p:spPr>
         <p:txBody>
           <a:bodyPr anchor="t">
-            <a:normAutofit/>
+            <a:normAutofit fontScale="90000"/>
           </a:bodyPr>
           <a:lstStyle/>
           <a:p>
             <a:r>
               <a:rPr lang="en-US" dirty="0"/>
-              <a:t>Tip 4: Use bulk operations</a:t>
-            </a:r>
-            <a:endParaRPr lang="en-US" dirty="0">
-              <a:solidFill>
-                <a:srgbClr val="FF0000"/>
-              </a:solidFill>
-              <a:latin typeface="Courier New" panose="02070309020205020404" pitchFamily="49" charset="0"/>
-              <a:cs typeface="Courier New" panose="02070309020205020404" pitchFamily="49" charset="0"/>
-            </a:endParaRPr>
+              <a:t>Tip 5: Avoid association fetching anti-patterns</a:t>
+            </a:r>
           </a:p>
         </p:txBody>
       </p:sp>
@@ -35386,9 +35084,13 @@
               </a:spcAft>
             </a:pPr>
             <a:r>
-              <a:rPr lang="en-US" dirty="0"/>
-              <a:t>Anti-pattern: retrieving entities and updating/deleting them one by one.</a:t>
-            </a:r>
+              <a:rPr lang="en-US" sz="2800" dirty="0"/>
+              <a:t>Open session in view</a:t>
+            </a:r>
+            <a:endParaRPr lang="en-US" sz="2800" dirty="0">
+              <a:latin typeface="Courier New" panose="02070309020205020404" pitchFamily="49" charset="0"/>
+              <a:cs typeface="Courier New" panose="02070309020205020404" pitchFamily="49" charset="0"/>
+            </a:endParaRPr>
           </a:p>
           <a:p>
             <a:pPr>
@@ -35397,9 +35099,16 @@
               </a:spcAft>
             </a:pPr>
             <a:r>
-              <a:rPr lang="en-US" dirty="0"/>
-              <a:t>Try to create an update/delete query for all relevant rows.</a:t>
-            </a:r>
+              <a:rPr lang="en-US" sz="2800" dirty="0" err="1">
+                <a:latin typeface="Courier New" panose="02070309020205020404" pitchFamily="49" charset="0"/>
+                <a:cs typeface="Courier New" panose="02070309020205020404" pitchFamily="49" charset="0"/>
+              </a:rPr>
+              <a:t>enable_lazy_load_no_trans</a:t>
+            </a:r>
+            <a:endParaRPr lang="en-US" sz="2800" dirty="0">
+              <a:latin typeface="Courier New" panose="02070309020205020404" pitchFamily="49" charset="0"/>
+              <a:cs typeface="Courier New" panose="02070309020205020404" pitchFamily="49" charset="0"/>
+            </a:endParaRPr>
           </a:p>
           <a:p>
             <a:pPr>
@@ -35408,30 +35117,45 @@
               </a:spcAft>
             </a:pPr>
             <a:r>
-              <a:rPr lang="en-US" dirty="0"/>
-              <a:t>If not possible to write a general query: think about batch processing and Hibernate memory usage.</a:t>
-            </a:r>
-          </a:p>
-          <a:p>
-            <a:pPr lvl="1">
+              <a:rPr lang="en-US" sz="2800" dirty="0" err="1">
+                <a:latin typeface="Courier New" panose="02070309020205020404" pitchFamily="49" charset="0"/>
+                <a:cs typeface="Courier New" panose="02070309020205020404" pitchFamily="49" charset="0"/>
+              </a:rPr>
+              <a:t>FetchType.EAGER</a:t>
+            </a:r>
+            <a:endParaRPr lang="en-US" sz="2800" dirty="0">
+              <a:latin typeface="Courier New" panose="02070309020205020404" pitchFamily="49" charset="0"/>
+              <a:cs typeface="Courier New" panose="02070309020205020404" pitchFamily="49" charset="0"/>
+            </a:endParaRPr>
+          </a:p>
+          <a:p>
+            <a:pPr>
               <a:spcAft>
                 <a:spcPts val="600"/>
               </a:spcAft>
             </a:pPr>
             <a:r>
-              <a:rPr lang="en-US" dirty="0">
-                <a:hlinkClick r:id="rId2"/>
-              </a:rPr>
-              <a:t>https://docs.jboss.org/hibernate/core/3.6/reference/en-US/html_single/#batch</a:t>
-            </a:r>
-            <a:endParaRPr lang="en-US" dirty="0"/>
+              <a:rPr lang="en-US" sz="2800" dirty="0"/>
+              <a:t>Not using </a:t>
+            </a:r>
+            <a:r>
+              <a:rPr lang="en-US" sz="2800" dirty="0">
+                <a:latin typeface="Courier New" panose="02070309020205020404" pitchFamily="49" charset="0"/>
+                <a:cs typeface="Courier New" panose="02070309020205020404" pitchFamily="49" charset="0"/>
+              </a:rPr>
+              <a:t>JOIN FETCH </a:t>
+            </a:r>
+            <a:r>
+              <a:rPr lang="en-US" sz="2800" dirty="0"/>
+              <a:t>directive if necessary to avoid the N+1 problem.</a:t>
+            </a:r>
           </a:p>
         </p:txBody>
       </p:sp>
     </p:spTree>
     <p:extLst>
       <p:ext uri="{BB962C8B-B14F-4D97-AF65-F5344CB8AC3E}">
-        <p14:creationId xmlns:p14="http://schemas.microsoft.com/office/powerpoint/2010/main" val="3338901119"/>
+        <p14:creationId xmlns:p14="http://schemas.microsoft.com/office/powerpoint/2010/main" val="865283392"/>
       </p:ext>
     </p:extLst>
   </p:cSld>
@@ -35671,7 +35395,7 @@
         <p:spPr>
           <a:xfrm>
             <a:off x="1296000" y="720000"/>
-            <a:ext cx="9864000" cy="681480"/>
+            <a:ext cx="9864000" cy="1165950"/>
           </a:xfrm>
         </p:spPr>
         <p:txBody>
@@ -35682,7 +35406,7 @@
           <a:p>
             <a:r>
               <a:rPr lang="en-US" dirty="0"/>
-              <a:t>Tip 5: Avoid association fetching anti-patterns</a:t>
+              <a:t>Tip 6: Use the same database system in your tests</a:t>
             </a:r>
           </a:p>
         </p:txBody>
@@ -35722,12 +35446,16 @@
             </a:pPr>
             <a:r>
               <a:rPr lang="en-US" sz="2800" dirty="0"/>
-              <a:t>Open session in view</a:t>
-            </a:r>
-            <a:endParaRPr lang="en-US" sz="2800" dirty="0">
-              <a:latin typeface="Courier New" panose="02070309020205020404" pitchFamily="49" charset="0"/>
-              <a:cs typeface="Courier New" panose="02070309020205020404" pitchFamily="49" charset="0"/>
-            </a:endParaRPr>
+              <a:t>No need for H2, use </a:t>
+            </a:r>
+            <a:r>
+              <a:rPr lang="en-US" sz="2800" i="1" dirty="0" err="1"/>
+              <a:t>Testcontainers</a:t>
+            </a:r>
+            <a:r>
+              <a:rPr lang="en-US" sz="2800" dirty="0"/>
+              <a:t> for integration tests.</a:t>
+            </a:r>
           </a:p>
           <a:p>
             <a:pPr>
@@ -35736,16 +35464,9 @@
               </a:spcAft>
             </a:pPr>
             <a:r>
-              <a:rPr lang="en-US" sz="2800" dirty="0" err="1">
-                <a:latin typeface="Courier New" panose="02070309020205020404" pitchFamily="49" charset="0"/>
-                <a:cs typeface="Courier New" panose="02070309020205020404" pitchFamily="49" charset="0"/>
-              </a:rPr>
-              <a:t>enable_lazy_load_no_trans</a:t>
-            </a:r>
-            <a:endParaRPr lang="en-US" sz="2800" dirty="0">
-              <a:latin typeface="Courier New" panose="02070309020205020404" pitchFamily="49" charset="0"/>
-              <a:cs typeface="Courier New" panose="02070309020205020404" pitchFamily="49" charset="0"/>
-            </a:endParaRPr>
+              <a:rPr lang="en-US" sz="2800" dirty="0"/>
+              <a:t>Ensures that your tests are representative for production.</a:t>
+            </a:r>
           </a:p>
           <a:p>
             <a:pPr>
@@ -35754,45 +35475,25 @@
               </a:spcAft>
             </a:pPr>
             <a:r>
-              <a:rPr lang="en-US" sz="2800" dirty="0" err="1">
-                <a:latin typeface="Courier New" panose="02070309020205020404" pitchFamily="49" charset="0"/>
-                <a:cs typeface="Courier New" panose="02070309020205020404" pitchFamily="49" charset="0"/>
-              </a:rPr>
-              <a:t>FetchType.EAGER</a:t>
-            </a:r>
-            <a:endParaRPr lang="en-US" sz="2800" dirty="0">
-              <a:latin typeface="Courier New" panose="02070309020205020404" pitchFamily="49" charset="0"/>
-              <a:cs typeface="Courier New" panose="02070309020205020404" pitchFamily="49" charset="0"/>
-            </a:endParaRPr>
-          </a:p>
-          <a:p>
-            <a:pPr>
+              <a:rPr lang="en-US" sz="2800" dirty="0"/>
+              <a:t>Allows you to use more database specific features.</a:t>
+            </a:r>
+          </a:p>
+          <a:p>
+            <a:pPr marL="0" indent="0">
               <a:spcAft>
                 <a:spcPts val="600"/>
               </a:spcAft>
-            </a:pPr>
-            <a:r>
-              <a:rPr lang="en-US" sz="2800" dirty="0"/>
-              <a:t>Not using </a:t>
-            </a:r>
-            <a:r>
-              <a:rPr lang="en-US" sz="2800" dirty="0">
-                <a:latin typeface="Courier New" panose="02070309020205020404" pitchFamily="49" charset="0"/>
-                <a:cs typeface="Courier New" panose="02070309020205020404" pitchFamily="49" charset="0"/>
-              </a:rPr>
-              <a:t>JOIN FETCH </a:t>
-            </a:r>
-            <a:r>
-              <a:rPr lang="en-US" sz="2800" dirty="0"/>
-              <a:t>directive if necessary to avoid the N+1 problem.</a:t>
-            </a:r>
+              <a:buNone/>
+            </a:pPr>
+            <a:endParaRPr lang="en-US" sz="2800" dirty="0"/>
           </a:p>
         </p:txBody>
       </p:sp>
     </p:spTree>
     <p:extLst>
       <p:ext uri="{BB962C8B-B14F-4D97-AF65-F5344CB8AC3E}">
-        <p14:creationId xmlns:p14="http://schemas.microsoft.com/office/powerpoint/2010/main" val="865283392"/>
+        <p14:creationId xmlns:p14="http://schemas.microsoft.com/office/powerpoint/2010/main" val="2812624236"/>
       </p:ext>
     </p:extLst>
   </p:cSld>
@@ -35838,7 +35539,7 @@
         <p:spPr>
           <a:xfrm>
             <a:off x="1296000" y="720000"/>
-            <a:ext cx="9864000" cy="1165950"/>
+            <a:ext cx="9864000" cy="681480"/>
           </a:xfrm>
         </p:spPr>
         <p:txBody>
@@ -35849,7 +35550,18 @@
           <a:p>
             <a:r>
               <a:rPr lang="en-US" dirty="0"/>
-              <a:t>Tip 6: Use the same database system in your tests</a:t>
+              <a:t>Tip 7: Understand </a:t>
+            </a:r>
+            <a:r>
+              <a:rPr lang="en-US" dirty="0">
+                <a:latin typeface="Courier New" panose="02070309020205020404" pitchFamily="49" charset="0"/>
+                <a:cs typeface="Courier New" panose="02070309020205020404" pitchFamily="49" charset="0"/>
+              </a:rPr>
+              <a:t>@Transactional </a:t>
+            </a:r>
+            <a:r>
+              <a:rPr lang="en-US" dirty="0"/>
+              <a:t>semantics</a:t>
             </a:r>
           </a:p>
         </p:txBody>
@@ -35889,54 +35601,89 @@
             </a:pPr>
             <a:r>
               <a:rPr lang="en-US" sz="2800" dirty="0"/>
-              <a:t>No need for H2, use </a:t>
-            </a:r>
-            <a:r>
-              <a:rPr lang="en-US" sz="2800" i="1" dirty="0" err="1"/>
-              <a:t>Testcontainers</a:t>
-            </a:r>
-            <a:r>
-              <a:rPr lang="en-US" sz="2800" dirty="0"/>
-              <a:t> for integration tests.</a:t>
-            </a:r>
-          </a:p>
-          <a:p>
-            <a:pPr>
+              <a:t>Spot the problems:</a:t>
+            </a:r>
+          </a:p>
+          <a:p>
+            <a:pPr lvl="1">
               <a:spcAft>
                 <a:spcPts val="600"/>
               </a:spcAft>
             </a:pPr>
             <a:r>
-              <a:rPr lang="en-US" sz="2800" dirty="0"/>
-              <a:t>Ensures that your tests are representative for production.</a:t>
-            </a:r>
-          </a:p>
-          <a:p>
-            <a:pPr>
+              <a:rPr lang="en-US" sz="2400" dirty="0"/>
+              <a:t>Demo: retrieve all comments</a:t>
+            </a:r>
+          </a:p>
+          <a:p>
+            <a:pPr lvl="1">
               <a:spcAft>
                 <a:spcPts val="600"/>
               </a:spcAft>
             </a:pPr>
             <a:r>
-              <a:rPr lang="en-US" sz="2800" dirty="0"/>
-              <a:t>Allows you to use more database specific features.</a:t>
-            </a:r>
-          </a:p>
-          <a:p>
-            <a:pPr marL="0" indent="0">
-              <a:spcAft>
-                <a:spcPts val="600"/>
-              </a:spcAft>
-              <a:buNone/>
-            </a:pPr>
-            <a:endParaRPr lang="en-US" sz="2800" dirty="0"/>
+              <a:rPr lang="en-US" sz="2400" dirty="0"/>
+              <a:t>Demo: give managers a raise</a:t>
+            </a:r>
+            <a:endParaRPr lang="en-US" sz="2400" dirty="0">
+              <a:solidFill>
+                <a:srgbClr val="FF0000"/>
+              </a:solidFill>
+            </a:endParaRPr>
           </a:p>
         </p:txBody>
       </p:sp>
+      <p:pic>
+        <p:nvPicPr>
+          <p:cNvPr id="4" name="Picture 2" descr="22,947 Demo Foto's, Afbeeldingen en Stock Fotografie - 123RF">
+            <a:extLst>
+              <a:ext uri="{FF2B5EF4-FFF2-40B4-BE49-F238E27FC236}">
+                <a16:creationId xmlns:a16="http://schemas.microsoft.com/office/drawing/2014/main" id="{87FF1B22-1B3E-4538-B78C-F1254AD75764}"/>
+              </a:ext>
+            </a:extLst>
+          </p:cNvPr>
+          <p:cNvPicPr>
+            <a:picLocks noChangeAspect="1" noChangeArrowheads="1"/>
+          </p:cNvPicPr>
+          <p:nvPr/>
+        </p:nvPicPr>
+        <p:blipFill>
+          <a:blip r:embed="rId2">
+            <a:extLst>
+              <a:ext uri="{28A0092B-C50C-407E-A947-70E740481C1C}">
+                <a14:useLocalDpi xmlns:a14="http://schemas.microsoft.com/office/drawing/2010/main" val="0"/>
+              </a:ext>
+            </a:extLst>
+          </a:blip>
+          <a:srcRect/>
+          <a:stretch>
+            <a:fillRect/>
+          </a:stretch>
+        </p:blipFill>
+        <p:spPr bwMode="auto">
+          <a:xfrm>
+            <a:off x="10059668" y="5661520"/>
+            <a:ext cx="1923011" cy="952959"/>
+          </a:xfrm>
+          <a:prstGeom prst="rect">
+            <a:avLst/>
+          </a:prstGeom>
+          <a:noFill/>
+          <a:extLst>
+            <a:ext uri="{909E8E84-426E-40DD-AFC4-6F175D3DCCD1}">
+              <a14:hiddenFill xmlns:a14="http://schemas.microsoft.com/office/drawing/2010/main">
+                <a:solidFill>
+                  <a:srgbClr val="FFFFFF"/>
+                </a:solidFill>
+              </a14:hiddenFill>
+            </a:ext>
+          </a:extLst>
+        </p:spPr>
+      </p:pic>
     </p:spTree>
     <p:extLst>
       <p:ext uri="{BB962C8B-B14F-4D97-AF65-F5344CB8AC3E}">
-        <p14:creationId xmlns:p14="http://schemas.microsoft.com/office/powerpoint/2010/main" val="2812624236"/>
+        <p14:creationId xmlns:p14="http://schemas.microsoft.com/office/powerpoint/2010/main" val="730571193"/>
       </p:ext>
     </p:extLst>
   </p:cSld>
@@ -36009,79 +35756,12 @@
           </a:p>
         </p:txBody>
       </p:sp>
-      <p:sp>
-        <p:nvSpPr>
-          <p:cNvPr id="13" name="Text Placeholder 2">
+      <p:pic>
+        <p:nvPicPr>
+          <p:cNvPr id="2050" name="Picture 2" descr="A beginner's guide to entity state transitions with JPA and Hibernate -  Vlad Mihalcea">
             <a:extLst>
               <a:ext uri="{FF2B5EF4-FFF2-40B4-BE49-F238E27FC236}">
-                <a16:creationId xmlns:a16="http://schemas.microsoft.com/office/drawing/2014/main" id="{5AFACC08-6E7F-14DD-D1E6-54973126E7AF}"/>
-              </a:ext>
-            </a:extLst>
-          </p:cNvPr>
-          <p:cNvSpPr>
-            <a:spLocks noGrp="1"/>
-          </p:cNvSpPr>
-          <p:nvPr>
-            <p:ph type="body" sz="quarter" idx="10"/>
-          </p:nvPr>
-        </p:nvSpPr>
-        <p:spPr>
-          <a:xfrm>
-            <a:off x="1296000" y="2105696"/>
-            <a:ext cx="9864000" cy="3632163"/>
-          </a:xfrm>
-        </p:spPr>
-        <p:txBody>
-          <a:bodyPr>
-            <a:normAutofit/>
-          </a:bodyPr>
-          <a:lstStyle/>
-          <a:p>
-            <a:pPr>
-              <a:spcAft>
-                <a:spcPts val="600"/>
-              </a:spcAft>
-            </a:pPr>
-            <a:r>
-              <a:rPr lang="en-US" sz="2800" dirty="0"/>
-              <a:t>Spot the problems:</a:t>
-            </a:r>
-          </a:p>
-          <a:p>
-            <a:pPr lvl="1">
-              <a:spcAft>
-                <a:spcPts val="600"/>
-              </a:spcAft>
-            </a:pPr>
-            <a:r>
-              <a:rPr lang="en-US" sz="2400" dirty="0"/>
-              <a:t>Demo: retrieve all comments</a:t>
-            </a:r>
-          </a:p>
-          <a:p>
-            <a:pPr lvl="1">
-              <a:spcAft>
-                <a:spcPts val="600"/>
-              </a:spcAft>
-            </a:pPr>
-            <a:r>
-              <a:rPr lang="en-US" sz="2400" dirty="0"/>
-              <a:t>Demo: give managers a raise</a:t>
-            </a:r>
-            <a:endParaRPr lang="en-US" sz="2400" dirty="0">
-              <a:solidFill>
-                <a:srgbClr val="FF0000"/>
-              </a:solidFill>
-            </a:endParaRPr>
-          </a:p>
-        </p:txBody>
-      </p:sp>
-      <p:pic>
-        <p:nvPicPr>
-          <p:cNvPr id="4" name="Picture 2" descr="22,947 Demo Foto's, Afbeeldingen en Stock Fotografie - 123RF">
-            <a:extLst>
-              <a:ext uri="{FF2B5EF4-FFF2-40B4-BE49-F238E27FC236}">
-                <a16:creationId xmlns:a16="http://schemas.microsoft.com/office/drawing/2014/main" id="{87FF1B22-1B3E-4538-B78C-F1254AD75764}"/>
+                <a16:creationId xmlns:a16="http://schemas.microsoft.com/office/drawing/2014/main" id="{381D251D-9E80-43FA-9B7D-273D35E1892C}"/>
               </a:ext>
             </a:extLst>
           </p:cNvPr>
@@ -36105,8 +35785,8 @@
         </p:blipFill>
         <p:spPr bwMode="auto">
           <a:xfrm>
-            <a:off x="10059668" y="5661520"/>
-            <a:ext cx="1923011" cy="952959"/>
+            <a:off x="2690812" y="2108869"/>
+            <a:ext cx="6810375" cy="4333875"/>
           </a:xfrm>
           <a:prstGeom prst="rect">
             <a:avLst/>
@@ -36126,7 +35806,7 @@
     </p:spTree>
     <p:extLst>
       <p:ext uri="{BB962C8B-B14F-4D97-AF65-F5344CB8AC3E}">
-        <p14:creationId xmlns:p14="http://schemas.microsoft.com/office/powerpoint/2010/main" val="730571193"/>
+        <p14:creationId xmlns:p14="http://schemas.microsoft.com/office/powerpoint/2010/main" val="1820933201"/>
       </p:ext>
     </p:extLst>
   </p:cSld>
@@ -36183,73 +35863,74 @@
           <a:p>
             <a:r>
               <a:rPr lang="en-US" dirty="0"/>
-              <a:t>Tip 7: Understand </a:t>
-            </a:r>
-            <a:r>
-              <a:rPr lang="en-US" dirty="0">
-                <a:latin typeface="Courier New" panose="02070309020205020404" pitchFamily="49" charset="0"/>
-                <a:cs typeface="Courier New" panose="02070309020205020404" pitchFamily="49" charset="0"/>
-              </a:rPr>
-              <a:t>@Transactional </a:t>
-            </a:r>
-            <a:r>
-              <a:rPr lang="en-US" dirty="0"/>
-              <a:t>semantics</a:t>
+              <a:t>Tip 8: Use DTOs in the web layer, not entities</a:t>
             </a:r>
           </a:p>
         </p:txBody>
       </p:sp>
-      <p:pic>
-        <p:nvPicPr>
-          <p:cNvPr id="2050" name="Picture 2" descr="A beginner's guide to entity state transitions with JPA and Hibernate -  Vlad Mihalcea">
+      <p:sp>
+        <p:nvSpPr>
+          <p:cNvPr id="13" name="Text Placeholder 2">
             <a:extLst>
               <a:ext uri="{FF2B5EF4-FFF2-40B4-BE49-F238E27FC236}">
-                <a16:creationId xmlns:a16="http://schemas.microsoft.com/office/drawing/2014/main" id="{381D251D-9E80-43FA-9B7D-273D35E1892C}"/>
+                <a16:creationId xmlns:a16="http://schemas.microsoft.com/office/drawing/2014/main" id="{5AFACC08-6E7F-14DD-D1E6-54973126E7AF}"/>
               </a:ext>
             </a:extLst>
           </p:cNvPr>
-          <p:cNvPicPr>
-            <a:picLocks noChangeAspect="1" noChangeArrowheads="1"/>
-          </p:cNvPicPr>
-          <p:nvPr/>
-        </p:nvPicPr>
-        <p:blipFill>
-          <a:blip r:embed="rId2">
-            <a:extLst>
-              <a:ext uri="{28A0092B-C50C-407E-A947-70E740481C1C}">
-                <a14:useLocalDpi xmlns:a14="http://schemas.microsoft.com/office/drawing/2010/main" val="0"/>
-              </a:ext>
-            </a:extLst>
-          </a:blip>
-          <a:srcRect/>
-          <a:stretch>
-            <a:fillRect/>
-          </a:stretch>
-        </p:blipFill>
-        <p:spPr bwMode="auto">
+          <p:cNvSpPr>
+            <a:spLocks noGrp="1"/>
+          </p:cNvSpPr>
+          <p:nvPr>
+            <p:ph type="body" sz="quarter" idx="10"/>
+          </p:nvPr>
+        </p:nvSpPr>
+        <p:spPr>
           <a:xfrm>
-            <a:off x="2690812" y="2108869"/>
-            <a:ext cx="6810375" cy="4333875"/>
+            <a:off x="1296000" y="2105696"/>
+            <a:ext cx="9864000" cy="3632163"/>
           </a:xfrm>
-          <a:prstGeom prst="rect">
-            <a:avLst/>
-          </a:prstGeom>
-          <a:noFill/>
-          <a:extLst>
-            <a:ext uri="{909E8E84-426E-40DD-AFC4-6F175D3DCCD1}">
-              <a14:hiddenFill xmlns:a14="http://schemas.microsoft.com/office/drawing/2010/main">
-                <a:solidFill>
-                  <a:srgbClr val="FFFFFF"/>
-                </a:solidFill>
-              </a14:hiddenFill>
-            </a:ext>
-          </a:extLst>
         </p:spPr>
-      </p:pic>
+        <p:txBody>
+          <a:bodyPr>
+            <a:normAutofit/>
+          </a:bodyPr>
+          <a:lstStyle/>
+          <a:p>
+            <a:pPr>
+              <a:spcAft>
+                <a:spcPts val="600"/>
+              </a:spcAft>
+            </a:pPr>
+            <a:r>
+              <a:rPr lang="en-US" dirty="0"/>
+              <a:t>Always map entities to a </a:t>
+            </a:r>
+            <a:r>
+              <a:rPr lang="en-US" i="1" dirty="0"/>
+              <a:t>data transfer object </a:t>
+            </a:r>
+            <a:r>
+              <a:rPr lang="en-US" dirty="0"/>
+              <a:t>(DTO).</a:t>
+            </a:r>
+          </a:p>
+          <a:p>
+            <a:pPr>
+              <a:spcAft>
+                <a:spcPts val="600"/>
+              </a:spcAft>
+            </a:pPr>
+            <a:r>
+              <a:rPr lang="en-US" dirty="0"/>
+              <a:t>Avoid security leaks and have a separation between the database model and the web model.</a:t>
+            </a:r>
+          </a:p>
+        </p:txBody>
+      </p:sp>
     </p:spTree>
     <p:extLst>
       <p:ext uri="{BB962C8B-B14F-4D97-AF65-F5344CB8AC3E}">
-        <p14:creationId xmlns:p14="http://schemas.microsoft.com/office/powerpoint/2010/main" val="1820933201"/>
+        <p14:creationId xmlns:p14="http://schemas.microsoft.com/office/powerpoint/2010/main" val="3288774039"/>
       </p:ext>
     </p:extLst>
   </p:cSld>
@@ -36294,8 +35975,8 @@
         </p:nvSpPr>
         <p:spPr>
           <a:xfrm>
-            <a:off x="1296000" y="720000"/>
-            <a:ext cx="9864000" cy="681480"/>
+            <a:off x="1296000" y="719999"/>
+            <a:ext cx="9864000" cy="1226031"/>
           </a:xfrm>
         </p:spPr>
         <p:txBody>
@@ -36306,8 +35987,34 @@
           <a:p>
             <a:r>
               <a:rPr lang="en-US" dirty="0"/>
-              <a:t>Tip 8: Use DTOs in the web layer, not entities</a:t>
-            </a:r>
+              <a:t>Tip 9: Use </a:t>
+            </a:r>
+            <a:r>
+              <a:rPr lang="en-US" dirty="0" err="1">
+                <a:latin typeface="Courier New" panose="02070309020205020404" pitchFamily="49" charset="0"/>
+                <a:cs typeface="Courier New" panose="02070309020205020404" pitchFamily="49" charset="0"/>
+              </a:rPr>
+              <a:t>getById</a:t>
+            </a:r>
+            <a:r>
+              <a:rPr lang="en-US" dirty="0"/>
+              <a:t> instead of </a:t>
+            </a:r>
+            <a:r>
+              <a:rPr lang="en-US" dirty="0" err="1">
+                <a:latin typeface="Courier New" panose="02070309020205020404" pitchFamily="49" charset="0"/>
+                <a:cs typeface="Courier New" panose="02070309020205020404" pitchFamily="49" charset="0"/>
+              </a:rPr>
+              <a:t>findById</a:t>
+            </a:r>
+            <a:r>
+              <a:rPr lang="en-US" dirty="0"/>
+              <a:t> if you don’t need the entity contents</a:t>
+            </a:r>
+            <a:endParaRPr lang="en-US" dirty="0">
+              <a:latin typeface="Courier New" panose="02070309020205020404" pitchFamily="49" charset="0"/>
+              <a:cs typeface="Courier New" panose="02070309020205020404" pitchFamily="49" charset="0"/>
+            </a:endParaRPr>
           </a:p>
         </p:txBody>
       </p:sp>
@@ -36345,16 +36052,23 @@
               </a:spcAft>
             </a:pPr>
             <a:r>
+              <a:rPr lang="en-US" dirty="0" err="1">
+                <a:latin typeface="Courier New" panose="02070309020205020404" pitchFamily="49" charset="0"/>
+                <a:cs typeface="Courier New" panose="02070309020205020404" pitchFamily="49" charset="0"/>
+              </a:rPr>
+              <a:t>getById</a:t>
+            </a:r>
+            <a:r>
               <a:rPr lang="en-US" dirty="0"/>
-              <a:t>Always map entities to a </a:t>
+              <a:t> returns a proxied </a:t>
             </a:r>
             <a:r>
               <a:rPr lang="en-US" i="1" dirty="0"/>
-              <a:t>data transfer object </a:t>
+              <a:t>reference</a:t>
             </a:r>
             <a:r>
               <a:rPr lang="en-US" dirty="0"/>
-              <a:t>(DTO).</a:t>
+              <a:t> to an entity, it doesn’t go to the database.</a:t>
             </a:r>
           </a:p>
           <a:p>
@@ -36365,15 +36079,106 @@
             </a:pPr>
             <a:r>
               <a:rPr lang="en-US" dirty="0"/>
-              <a:t>Avoid security leaks and have a separation between the database model and the web model.</a:t>
+              <a:t>You can use getters on the proxied reference, but this triggers lazy loading.</a:t>
+            </a:r>
+          </a:p>
+          <a:p>
+            <a:pPr>
+              <a:spcAft>
+                <a:spcPts val="600"/>
+              </a:spcAft>
+            </a:pPr>
+            <a:r>
+              <a:rPr lang="en-US" dirty="0"/>
+              <a:t>Perfect when you only need the entity for establishing a relationship.</a:t>
+            </a:r>
+          </a:p>
+          <a:p>
+            <a:pPr lvl="1">
+              <a:spcAft>
+                <a:spcPts val="600"/>
+              </a:spcAft>
+            </a:pPr>
+            <a:r>
+              <a:rPr lang="en-US" dirty="0"/>
+              <a:t>Example: Inserting a </a:t>
+            </a:r>
+            <a:r>
+              <a:rPr lang="en-US" dirty="0" err="1">
+                <a:latin typeface="Courier New" panose="02070309020205020404" pitchFamily="49" charset="0"/>
+                <a:cs typeface="Courier New" panose="02070309020205020404" pitchFamily="49" charset="0"/>
+              </a:rPr>
+              <a:t>PostComment</a:t>
+            </a:r>
+            <a:r>
+              <a:rPr lang="en-US" dirty="0"/>
+              <a:t> for a </a:t>
+            </a:r>
+            <a:r>
+              <a:rPr lang="en-US" dirty="0">
+                <a:latin typeface="Courier New" panose="02070309020205020404" pitchFamily="49" charset="0"/>
+                <a:cs typeface="Courier New" panose="02070309020205020404" pitchFamily="49" charset="0"/>
+              </a:rPr>
+              <a:t>Post</a:t>
+            </a:r>
+            <a:r>
+              <a:rPr lang="en-US" dirty="0"/>
+              <a:t>.</a:t>
             </a:r>
           </a:p>
         </p:txBody>
       </p:sp>
+      <p:pic>
+        <p:nvPicPr>
+          <p:cNvPr id="2" name="Picture 2" descr="22,947 Demo Foto's, Afbeeldingen en Stock Fotografie - 123RF">
+            <a:extLst>
+              <a:ext uri="{FF2B5EF4-FFF2-40B4-BE49-F238E27FC236}">
+                <a16:creationId xmlns:a16="http://schemas.microsoft.com/office/drawing/2014/main" id="{91D385B1-3DE8-9E8A-3E89-F4FC39CE1F93}"/>
+              </a:ext>
+            </a:extLst>
+          </p:cNvPr>
+          <p:cNvPicPr>
+            <a:picLocks noChangeAspect="1" noChangeArrowheads="1"/>
+          </p:cNvPicPr>
+          <p:nvPr/>
+        </p:nvPicPr>
+        <p:blipFill>
+          <a:blip r:embed="rId3">
+            <a:extLst>
+              <a:ext uri="{28A0092B-C50C-407E-A947-70E740481C1C}">
+                <a14:useLocalDpi xmlns:a14="http://schemas.microsoft.com/office/drawing/2010/main" val="0"/>
+              </a:ext>
+            </a:extLst>
+          </a:blip>
+          <a:srcRect/>
+          <a:stretch>
+            <a:fillRect/>
+          </a:stretch>
+        </p:blipFill>
+        <p:spPr bwMode="auto">
+          <a:xfrm>
+            <a:off x="10059668" y="5661520"/>
+            <a:ext cx="1923011" cy="952959"/>
+          </a:xfrm>
+          <a:prstGeom prst="rect">
+            <a:avLst/>
+          </a:prstGeom>
+          <a:noFill/>
+          <a:extLst>
+            <a:ext uri="{909E8E84-426E-40DD-AFC4-6F175D3DCCD1}">
+              <a14:hiddenFill xmlns:a14="http://schemas.microsoft.com/office/drawing/2010/main">
+                <a:solidFill>
+                  <a:srgbClr val="FFFFFF"/>
+                </a:solidFill>
+              </a14:hiddenFill>
+            </a:ext>
+          </a:extLst>
+        </p:spPr>
+      </p:pic>
     </p:spTree>
     <p:extLst>
       <p:ext uri="{BB962C8B-B14F-4D97-AF65-F5344CB8AC3E}">
-        <p14:creationId xmlns:p14="http://schemas.microsoft.com/office/powerpoint/2010/main" val="3288774039"/>
+        <p14:creationId xmlns:p14="http://schemas.microsoft.com/office/powerpoint/2010/main" val="2468397319"/>
       </p:ext>
     </p:extLst>
   </p:cSld>
@@ -36418,165 +36223,29 @@
         </p:nvSpPr>
         <p:spPr>
           <a:xfrm>
-            <a:off x="1296000" y="719999"/>
-            <a:ext cx="9864000" cy="1226031"/>
+            <a:off x="1296000" y="720000"/>
+            <a:ext cx="9864000" cy="681480"/>
           </a:xfrm>
         </p:spPr>
         <p:txBody>
           <a:bodyPr anchor="t">
-            <a:normAutofit fontScale="90000"/>
-          </a:bodyPr>
-          <a:lstStyle/>
-          <a:p>
-            <a:r>
-              <a:rPr lang="en-US" dirty="0"/>
-              <a:t>Tip 9: Use </a:t>
-            </a:r>
-            <a:r>
-              <a:rPr lang="en-US" dirty="0" err="1">
-                <a:latin typeface="Courier New" panose="02070309020205020404" pitchFamily="49" charset="0"/>
-                <a:cs typeface="Courier New" panose="02070309020205020404" pitchFamily="49" charset="0"/>
-              </a:rPr>
-              <a:t>getById</a:t>
-            </a:r>
-            <a:r>
-              <a:rPr lang="en-US" dirty="0"/>
-              <a:t> instead of </a:t>
-            </a:r>
-            <a:r>
-              <a:rPr lang="en-US" dirty="0" err="1">
-                <a:latin typeface="Courier New" panose="02070309020205020404" pitchFamily="49" charset="0"/>
-                <a:cs typeface="Courier New" panose="02070309020205020404" pitchFamily="49" charset="0"/>
-              </a:rPr>
-              <a:t>findById</a:t>
-            </a:r>
-            <a:r>
-              <a:rPr lang="en-US" dirty="0"/>
-              <a:t> if you don’t need the entity contents</a:t>
-            </a:r>
-            <a:endParaRPr lang="en-US" dirty="0">
-              <a:latin typeface="Courier New" panose="02070309020205020404" pitchFamily="49" charset="0"/>
-              <a:cs typeface="Courier New" panose="02070309020205020404" pitchFamily="49" charset="0"/>
-            </a:endParaRPr>
-          </a:p>
-        </p:txBody>
-      </p:sp>
-      <p:sp>
-        <p:nvSpPr>
-          <p:cNvPr id="13" name="Text Placeholder 2">
-            <a:extLst>
-              <a:ext uri="{FF2B5EF4-FFF2-40B4-BE49-F238E27FC236}">
-                <a16:creationId xmlns:a16="http://schemas.microsoft.com/office/drawing/2014/main" id="{5AFACC08-6E7F-14DD-D1E6-54973126E7AF}"/>
-              </a:ext>
-            </a:extLst>
-          </p:cNvPr>
-          <p:cNvSpPr>
-            <a:spLocks noGrp="1"/>
-          </p:cNvSpPr>
-          <p:nvPr>
-            <p:ph type="body" sz="quarter" idx="10"/>
-          </p:nvPr>
-        </p:nvSpPr>
-        <p:spPr>
-          <a:xfrm>
-            <a:off x="1296000" y="2105696"/>
-            <a:ext cx="9864000" cy="3632163"/>
-          </a:xfrm>
-        </p:spPr>
-        <p:txBody>
-          <a:bodyPr>
             <a:normAutofit/>
           </a:bodyPr>
           <a:lstStyle/>
           <a:p>
-            <a:pPr>
-              <a:spcAft>
-                <a:spcPts val="600"/>
-              </a:spcAft>
-            </a:pPr>
-            <a:r>
-              <a:rPr lang="en-US" dirty="0" err="1">
-                <a:latin typeface="Courier New" panose="02070309020205020404" pitchFamily="49" charset="0"/>
-                <a:cs typeface="Courier New" panose="02070309020205020404" pitchFamily="49" charset="0"/>
-              </a:rPr>
-              <a:t>getById</a:t>
-            </a:r>
             <a:r>
               <a:rPr lang="en-US" dirty="0"/>
-              <a:t> returns a proxied </a:t>
-            </a:r>
-            <a:r>
-              <a:rPr lang="en-US" i="1" dirty="0"/>
-              <a:t>reference</a:t>
-            </a:r>
-            <a:r>
-              <a:rPr lang="en-US" dirty="0"/>
-              <a:t> to an entity, it doesn’t go to the database.</a:t>
-            </a:r>
-          </a:p>
-          <a:p>
-            <a:pPr>
-              <a:spcAft>
-                <a:spcPts val="600"/>
-              </a:spcAft>
-            </a:pPr>
-            <a:r>
-              <a:rPr lang="en-US" dirty="0"/>
-              <a:t>You can use getters on the proxied reference, but this triggers lazy loading.</a:t>
-            </a:r>
-          </a:p>
-          <a:p>
-            <a:pPr>
-              <a:spcAft>
-                <a:spcPts val="600"/>
-              </a:spcAft>
-            </a:pPr>
-            <a:r>
-              <a:rPr lang="en-US" dirty="0"/>
-              <a:t>Perfect when you only need the entity for establishing a relationship.</a:t>
-            </a:r>
-          </a:p>
-          <a:p>
-            <a:pPr lvl="1">
-              <a:spcAft>
-                <a:spcPts val="600"/>
-              </a:spcAft>
-            </a:pPr>
-            <a:r>
-              <a:rPr lang="en-US" dirty="0"/>
-              <a:t>Example: Inserting a </a:t>
-            </a:r>
-            <a:r>
-              <a:rPr lang="en-US" dirty="0" err="1">
-                <a:latin typeface="Courier New" panose="02070309020205020404" pitchFamily="49" charset="0"/>
-                <a:cs typeface="Courier New" panose="02070309020205020404" pitchFamily="49" charset="0"/>
-              </a:rPr>
-              <a:t>PostComment</a:t>
-            </a:r>
-            <a:r>
-              <a:rPr lang="en-US" dirty="0"/>
-              <a:t> for a </a:t>
-            </a:r>
-            <a:r>
-              <a:rPr lang="en-US" dirty="0">
-                <a:latin typeface="Courier New" panose="02070309020205020404" pitchFamily="49" charset="0"/>
-                <a:cs typeface="Courier New" panose="02070309020205020404" pitchFamily="49" charset="0"/>
-              </a:rPr>
-              <a:t>Post</a:t>
-            </a:r>
-            <a:r>
-              <a:rPr lang="en-US" dirty="0"/>
-              <a:t>.</a:t>
+              <a:t>Tip 10: Don’t trust Stack Overflow blindly</a:t>
             </a:r>
           </a:p>
         </p:txBody>
       </p:sp>
       <p:pic>
         <p:nvPicPr>
-          <p:cNvPr id="2" name="Picture 2" descr="22,947 Demo Foto's, Afbeeldingen en Stock Fotografie - 123RF">
+          <p:cNvPr id="1026" name="Picture 2" descr="25 More StackOverflow Programming Memes That All Devs Can Relate To | by  Sheetal | JavaScript in Plain English">
             <a:extLst>
               <a:ext uri="{FF2B5EF4-FFF2-40B4-BE49-F238E27FC236}">
-                <a16:creationId xmlns:a16="http://schemas.microsoft.com/office/drawing/2014/main" id="{91D385B1-3DE8-9E8A-3E89-F4FC39CE1F93}"/>
+                <a16:creationId xmlns:a16="http://schemas.microsoft.com/office/drawing/2014/main" id="{7E158610-EAEB-45B5-58B8-E63CBFCCC40C}"/>
               </a:ext>
             </a:extLst>
           </p:cNvPr>
@@ -36586,7 +36255,7 @@
           <p:nvPr/>
         </p:nvPicPr>
         <p:blipFill>
-          <a:blip r:embed="rId3">
+          <a:blip r:embed="rId2">
             <a:extLst>
               <a:ext uri="{28A0092B-C50C-407E-A947-70E740481C1C}">
                 <a14:useLocalDpi xmlns:a14="http://schemas.microsoft.com/office/drawing/2010/main" val="0"/>
@@ -36600,8 +36269,8 @@
         </p:blipFill>
         <p:spPr bwMode="auto">
           <a:xfrm>
-            <a:off x="10059668" y="5661520"/>
-            <a:ext cx="1923011" cy="952959"/>
+            <a:off x="4125156" y="1734397"/>
+            <a:ext cx="3941687" cy="4403603"/>
           </a:xfrm>
           <a:prstGeom prst="rect">
             <a:avLst/>
@@ -36621,7 +36290,7 @@
     </p:spTree>
     <p:extLst>
       <p:ext uri="{BB962C8B-B14F-4D97-AF65-F5344CB8AC3E}">
-        <p14:creationId xmlns:p14="http://schemas.microsoft.com/office/powerpoint/2010/main" val="2468397319"/>
+        <p14:creationId xmlns:p14="http://schemas.microsoft.com/office/powerpoint/2010/main" val="3263293339"/>
       </p:ext>
     </p:extLst>
   </p:cSld>
@@ -36678,62 +36347,88 @@
           <a:p>
             <a:r>
               <a:rPr lang="en-US" dirty="0"/>
-              <a:t>Tip 10: Don’t trust Stack Overflow blindly</a:t>
+              <a:t>In conclusion…</a:t>
             </a:r>
           </a:p>
         </p:txBody>
       </p:sp>
-      <p:pic>
-        <p:nvPicPr>
-          <p:cNvPr id="1026" name="Picture 2" descr="25 More StackOverflow Programming Memes That All Devs Can Relate To | by  Sheetal | JavaScript in Plain English">
+      <p:sp>
+        <p:nvSpPr>
+          <p:cNvPr id="2" name="Text Placeholder 2">
             <a:extLst>
               <a:ext uri="{FF2B5EF4-FFF2-40B4-BE49-F238E27FC236}">
-                <a16:creationId xmlns:a16="http://schemas.microsoft.com/office/drawing/2014/main" id="{7E158610-EAEB-45B5-58B8-E63CBFCCC40C}"/>
+                <a16:creationId xmlns:a16="http://schemas.microsoft.com/office/drawing/2014/main" id="{E76B2B10-35AE-700A-1739-C269C75E032B}"/>
               </a:ext>
             </a:extLst>
           </p:cNvPr>
-          <p:cNvPicPr>
-            <a:picLocks noChangeAspect="1" noChangeArrowheads="1"/>
-          </p:cNvPicPr>
-          <p:nvPr/>
-        </p:nvPicPr>
-        <p:blipFill>
-          <a:blip r:embed="rId2">
-            <a:extLst>
-              <a:ext uri="{28A0092B-C50C-407E-A947-70E740481C1C}">
-                <a14:useLocalDpi xmlns:a14="http://schemas.microsoft.com/office/drawing/2010/main" val="0"/>
-              </a:ext>
-            </a:extLst>
-          </a:blip>
-          <a:srcRect/>
-          <a:stretch>
-            <a:fillRect/>
-          </a:stretch>
-        </p:blipFill>
-        <p:spPr bwMode="auto">
+          <p:cNvSpPr>
+            <a:spLocks noGrp="1"/>
+          </p:cNvSpPr>
+          <p:nvPr>
+            <p:ph type="body" sz="quarter" idx="10"/>
+          </p:nvPr>
+        </p:nvSpPr>
+        <p:spPr>
           <a:xfrm>
-            <a:off x="4125156" y="1734397"/>
-            <a:ext cx="3941687" cy="4403603"/>
+            <a:off x="753036" y="1734397"/>
+            <a:ext cx="11037346" cy="4494281"/>
           </a:xfrm>
-          <a:prstGeom prst="rect">
-            <a:avLst/>
-          </a:prstGeom>
-          <a:noFill/>
-          <a:extLst>
-            <a:ext uri="{909E8E84-426E-40DD-AFC4-6F175D3DCCD1}">
-              <a14:hiddenFill xmlns:a14="http://schemas.microsoft.com/office/drawing/2010/main">
-                <a:solidFill>
-                  <a:srgbClr val="FFFFFF"/>
-                </a:solidFill>
-              </a14:hiddenFill>
-            </a:ext>
-          </a:extLst>
         </p:spPr>
-      </p:pic>
+        <p:txBody>
+          <a:bodyPr>
+            <a:normAutofit/>
+          </a:bodyPr>
+          <a:lstStyle/>
+          <a:p>
+            <a:pPr>
+              <a:spcAft>
+                <a:spcPts val="600"/>
+              </a:spcAft>
+            </a:pPr>
+            <a:r>
+              <a:rPr lang="en-US" sz="2800" dirty="0"/>
+              <a:t>All my advice is a nuanced story…</a:t>
+            </a:r>
+          </a:p>
+          <a:p>
+            <a:pPr>
+              <a:spcAft>
+                <a:spcPts val="600"/>
+              </a:spcAft>
+            </a:pPr>
+            <a:r>
+              <a:rPr lang="en-US" sz="2800" dirty="0"/>
+              <a:t>Important to realize that using JPA comes with a performance impact.</a:t>
+            </a:r>
+          </a:p>
+          <a:p>
+            <a:pPr>
+              <a:spcAft>
+                <a:spcPts val="600"/>
+              </a:spcAft>
+            </a:pPr>
+            <a:r>
+              <a:rPr lang="en-US" sz="2800" dirty="0"/>
+              <a:t>Don’t be afraid to utilize JPA!</a:t>
+            </a:r>
+          </a:p>
+          <a:p>
+            <a:pPr>
+              <a:spcAft>
+                <a:spcPts val="600"/>
+              </a:spcAft>
+            </a:pPr>
+            <a:r>
+              <a:rPr lang="en-US" sz="2800" dirty="0"/>
+              <a:t>Awareness is the most important: know what JPA does for you behind the scenes.</a:t>
+            </a:r>
+          </a:p>
+        </p:txBody>
+      </p:sp>
     </p:spTree>
     <p:extLst>
       <p:ext uri="{BB962C8B-B14F-4D97-AF65-F5344CB8AC3E}">
-        <p14:creationId xmlns:p14="http://schemas.microsoft.com/office/powerpoint/2010/main" val="3263293339"/>
+        <p14:creationId xmlns:p14="http://schemas.microsoft.com/office/powerpoint/2010/main" val="658915625"/>
       </p:ext>
     </p:extLst>
   </p:cSld>
@@ -36744,6 +36439,75 @@
 </file>
 
 <file path=ppt/slides/slide57.xml><?xml version="1.0" encoding="utf-8"?>
+<p:sld xmlns:a="http://schemas.openxmlformats.org/drawingml/2006/main" xmlns:r="http://schemas.openxmlformats.org/officeDocument/2006/relationships" xmlns:p="http://schemas.openxmlformats.org/presentationml/2006/main">
+  <p:cSld>
+    <p:spTree>
+      <p:nvGrpSpPr>
+        <p:cNvPr id="1" name=""/>
+        <p:cNvGrpSpPr/>
+        <p:nvPr/>
+      </p:nvGrpSpPr>
+      <p:grpSpPr>
+        <a:xfrm>
+          <a:off x="0" y="0"/>
+          <a:ext cx="0" cy="0"/>
+          <a:chOff x="0" y="0"/>
+          <a:chExt cx="0" cy="0"/>
+        </a:xfrm>
+      </p:grpSpPr>
+      <p:sp>
+        <p:nvSpPr>
+          <p:cNvPr id="10" name="Title 2">
+            <a:extLst>
+              <a:ext uri="{FF2B5EF4-FFF2-40B4-BE49-F238E27FC236}">
+                <a16:creationId xmlns:a16="http://schemas.microsoft.com/office/drawing/2014/main" id="{49AB3702-1810-764C-3BE9-C338CDB6A62F}"/>
+              </a:ext>
+            </a:extLst>
+          </p:cNvPr>
+          <p:cNvSpPr>
+            <a:spLocks noGrp="1"/>
+          </p:cNvSpPr>
+          <p:nvPr>
+            <p:ph type="title"/>
+          </p:nvPr>
+        </p:nvSpPr>
+        <p:spPr>
+          <a:xfrm>
+            <a:off x="792000" y="1324801"/>
+            <a:ext cx="10165560" cy="2358200"/>
+          </a:xfrm>
+        </p:spPr>
+        <p:txBody>
+          <a:bodyPr anchor="t">
+            <a:normAutofit/>
+          </a:bodyPr>
+          <a:lstStyle/>
+          <a:p>
+            <a:r>
+              <a:rPr lang="en-US" dirty="0"/>
+              <a:t>Further resources</a:t>
+            </a:r>
+            <a:endParaRPr lang="en-US" dirty="0">
+              <a:latin typeface="Courier New" panose="02070309020205020404" pitchFamily="49" charset="0"/>
+              <a:cs typeface="Courier New" panose="02070309020205020404" pitchFamily="49" charset="0"/>
+            </a:endParaRPr>
+          </a:p>
+        </p:txBody>
+      </p:sp>
+    </p:spTree>
+    <p:extLst>
+      <p:ext uri="{BB962C8B-B14F-4D97-AF65-F5344CB8AC3E}">
+        <p14:creationId xmlns:p14="http://schemas.microsoft.com/office/powerpoint/2010/main" val="540281930"/>
+      </p:ext>
+    </p:extLst>
+  </p:cSld>
+  <p:clrMapOvr>
+    <a:masterClrMapping/>
+  </p:clrMapOvr>
+</p:sld>
+</file>
+
+<file path=ppt/slides/slide58.xml><?xml version="1.0" encoding="utf-8"?>
 <p:sld xmlns:a="http://schemas.openxmlformats.org/drawingml/2006/main" xmlns:r="http://schemas.openxmlformats.org/officeDocument/2006/relationships" xmlns:p="http://schemas.openxmlformats.org/presentationml/2006/main">
   <p:cSld>
     <p:spTree>
@@ -36790,7 +36554,7 @@
           <a:p>
             <a:r>
               <a:rPr lang="en-US" dirty="0"/>
-              <a:t>In conclusion…</a:t>
+              <a:t>Slides and demos</a:t>
             </a:r>
           </a:p>
         </p:txBody>
@@ -36830,7 +36594,7 @@
             </a:pPr>
             <a:r>
               <a:rPr lang="en-US" sz="2800" dirty="0"/>
-              <a:t>All my advice is a nuanced story…</a:t>
+              <a:t>Slides and demos are available on GitHub.</a:t>
             </a:r>
           </a:p>
           <a:p>
@@ -36840,107 +36604,19 @@
               </a:spcAft>
             </a:pPr>
             <a:r>
-              <a:rPr lang="en-US" sz="2800" dirty="0"/>
-              <a:t>Important to realize that using JPA comes with a performance impact.</a:t>
-            </a:r>
-          </a:p>
-          <a:p>
-            <a:pPr>
-              <a:spcAft>
-                <a:spcPts val="600"/>
-              </a:spcAft>
-            </a:pPr>
-            <a:r>
-              <a:rPr lang="en-US" sz="2800" dirty="0"/>
-              <a:t>Don’t be afraid to utilize JPA!</a:t>
-            </a:r>
-          </a:p>
-          <a:p>
-            <a:pPr>
-              <a:spcAft>
-                <a:spcPts val="600"/>
-              </a:spcAft>
-            </a:pPr>
-            <a:r>
-              <a:rPr lang="en-US" sz="2800" dirty="0"/>
-              <a:t>Awareness is the most important: know what JPA does for you behind the scenes.</a:t>
-            </a:r>
+              <a:rPr lang="en-US" sz="2800" dirty="0">
+                <a:hlinkClick r:id="rId2"/>
+              </a:rPr>
+              <a:t>https://github.com/raoulvdberge/jpa-with-hibernate</a:t>
+            </a:r>
+            <a:endParaRPr lang="en-US" sz="2800" dirty="0"/>
           </a:p>
         </p:txBody>
       </p:sp>
     </p:spTree>
     <p:extLst>
       <p:ext uri="{BB962C8B-B14F-4D97-AF65-F5344CB8AC3E}">
-        <p14:creationId xmlns:p14="http://schemas.microsoft.com/office/powerpoint/2010/main" val="658915625"/>
-      </p:ext>
-    </p:extLst>
-  </p:cSld>
-  <p:clrMapOvr>
-    <a:masterClrMapping/>
-  </p:clrMapOvr>
-</p:sld>
-</file>
-
-<file path=ppt/slides/slide58.xml><?xml version="1.0" encoding="utf-8"?>
-<p:sld xmlns:a="http://schemas.openxmlformats.org/drawingml/2006/main" xmlns:r="http://schemas.openxmlformats.org/officeDocument/2006/relationships" xmlns:p="http://schemas.openxmlformats.org/presentationml/2006/main">
-  <p:cSld>
-    <p:spTree>
-      <p:nvGrpSpPr>
-        <p:cNvPr id="1" name=""/>
-        <p:cNvGrpSpPr/>
-        <p:nvPr/>
-      </p:nvGrpSpPr>
-      <p:grpSpPr>
-        <a:xfrm>
-          <a:off x="0" y="0"/>
-          <a:ext cx="0" cy="0"/>
-          <a:chOff x="0" y="0"/>
-          <a:chExt cx="0" cy="0"/>
-        </a:xfrm>
-      </p:grpSpPr>
-      <p:sp>
-        <p:nvSpPr>
-          <p:cNvPr id="10" name="Title 2">
-            <a:extLst>
-              <a:ext uri="{FF2B5EF4-FFF2-40B4-BE49-F238E27FC236}">
-                <a16:creationId xmlns:a16="http://schemas.microsoft.com/office/drawing/2014/main" id="{49AB3702-1810-764C-3BE9-C338CDB6A62F}"/>
-              </a:ext>
-            </a:extLst>
-          </p:cNvPr>
-          <p:cNvSpPr>
-            <a:spLocks noGrp="1"/>
-          </p:cNvSpPr>
-          <p:nvPr>
-            <p:ph type="title"/>
-          </p:nvPr>
-        </p:nvSpPr>
-        <p:spPr>
-          <a:xfrm>
-            <a:off x="792000" y="1324801"/>
-            <a:ext cx="10165560" cy="2358200"/>
-          </a:xfrm>
-        </p:spPr>
-        <p:txBody>
-          <a:bodyPr anchor="t">
-            <a:normAutofit/>
-          </a:bodyPr>
-          <a:lstStyle/>
-          <a:p>
-            <a:r>
-              <a:rPr lang="en-US" dirty="0"/>
-              <a:t>Further resources</a:t>
-            </a:r>
-            <a:endParaRPr lang="en-US" dirty="0">
-              <a:latin typeface="Courier New" panose="02070309020205020404" pitchFamily="49" charset="0"/>
-              <a:cs typeface="Courier New" panose="02070309020205020404" pitchFamily="49" charset="0"/>
-            </a:endParaRPr>
-          </a:p>
-        </p:txBody>
-      </p:sp>
-    </p:spTree>
-    <p:extLst>
-      <p:ext uri="{BB962C8B-B14F-4D97-AF65-F5344CB8AC3E}">
-        <p14:creationId xmlns:p14="http://schemas.microsoft.com/office/powerpoint/2010/main" val="540281930"/>
+        <p14:creationId xmlns:p14="http://schemas.microsoft.com/office/powerpoint/2010/main" val="4123513284"/>
       </p:ext>
     </p:extLst>
   </p:cSld>
@@ -36969,10 +36645,10 @@
       </p:grpSpPr>
       <p:sp>
         <p:nvSpPr>
-          <p:cNvPr id="11" name="Title 1">
+          <p:cNvPr id="8" name="Title 1">
             <a:extLst>
               <a:ext uri="{FF2B5EF4-FFF2-40B4-BE49-F238E27FC236}">
-                <a16:creationId xmlns:a16="http://schemas.microsoft.com/office/drawing/2014/main" id="{51612DA1-DB43-7E72-A4EA-4B95C807605F}"/>
+                <a16:creationId xmlns:a16="http://schemas.microsoft.com/office/drawing/2014/main" id="{280C1126-AE06-6F45-5C34-548D61239155}"/>
               </a:ext>
             </a:extLst>
           </p:cNvPr>
@@ -36983,31 +36659,24 @@
             <p:ph type="title"/>
           </p:nvPr>
         </p:nvSpPr>
-        <p:spPr>
-          <a:xfrm>
-            <a:off x="1296000" y="720000"/>
-            <a:ext cx="9864000" cy="681480"/>
-          </a:xfrm>
-        </p:spPr>
+        <p:spPr/>
         <p:txBody>
-          <a:bodyPr anchor="t">
-            <a:normAutofit/>
-          </a:bodyPr>
+          <a:bodyPr/>
           <a:lstStyle/>
           <a:p>
             <a:r>
               <a:rPr lang="en-US" dirty="0"/>
-              <a:t>Slides and demos</a:t>
+              <a:t>Further resources</a:t>
             </a:r>
           </a:p>
         </p:txBody>
       </p:sp>
       <p:sp>
         <p:nvSpPr>
-          <p:cNvPr id="2" name="Text Placeholder 2">
+          <p:cNvPr id="10" name="Text Placeholder 2">
             <a:extLst>
               <a:ext uri="{FF2B5EF4-FFF2-40B4-BE49-F238E27FC236}">
-                <a16:creationId xmlns:a16="http://schemas.microsoft.com/office/drawing/2014/main" id="{E76B2B10-35AE-700A-1739-C269C75E032B}"/>
+                <a16:creationId xmlns:a16="http://schemas.microsoft.com/office/drawing/2014/main" id="{7A69C3A1-EA48-682D-2DD6-89FB1C344D1E}"/>
               </a:ext>
             </a:extLst>
           </p:cNvPr>
@@ -37020,46 +36689,129 @@
         </p:nvSpPr>
         <p:spPr>
           <a:xfrm>
-            <a:off x="753036" y="1734397"/>
-            <a:ext cx="11037346" cy="4494281"/>
+            <a:off x="1296000" y="1612154"/>
+            <a:ext cx="9864000" cy="4541108"/>
           </a:xfrm>
         </p:spPr>
         <p:txBody>
           <a:bodyPr>
-            <a:normAutofit/>
+            <a:normAutofit fontScale="92500" lnSpcReduction="10000"/>
           </a:bodyPr>
           <a:lstStyle/>
           <a:p>
-            <a:pPr>
-              <a:spcAft>
-                <a:spcPts val="600"/>
-              </a:spcAft>
-            </a:pPr>
-            <a:r>
-              <a:rPr lang="en-US" sz="2800" dirty="0"/>
-              <a:t>Slides and demos are available on GitHub.</a:t>
-            </a:r>
-          </a:p>
-          <a:p>
-            <a:pPr>
-              <a:spcAft>
-                <a:spcPts val="600"/>
-              </a:spcAft>
-            </a:pPr>
-            <a:r>
-              <a:rPr lang="en-US" sz="2800" dirty="0">
+            <a:r>
+              <a:rPr lang="en-US" dirty="0"/>
+              <a:t>Vlad </a:t>
+            </a:r>
+            <a:r>
+              <a:rPr lang="en-US" dirty="0" err="1"/>
+              <a:t>Micalcea</a:t>
+            </a:r>
+            <a:r>
+              <a:rPr lang="en-US" dirty="0"/>
+              <a:t> (Hibernate contributor and expert)</a:t>
+            </a:r>
+          </a:p>
+          <a:p>
+            <a:pPr lvl="1"/>
+            <a:r>
+              <a:rPr lang="en-US" dirty="0">
                 <a:hlinkClick r:id="rId2"/>
               </a:rPr>
-              <a:t>https://github.com/raoulvdberge/jpa-with-hibernate</a:t>
-            </a:r>
-            <a:endParaRPr lang="en-US" sz="2800" dirty="0"/>
+              <a:t>https://vladmihalcea.com/</a:t>
+            </a:r>
+            <a:endParaRPr lang="en-US" dirty="0"/>
+          </a:p>
+          <a:p>
+            <a:pPr lvl="1"/>
+            <a:r>
+              <a:rPr lang="en-US" dirty="0">
+                <a:hlinkClick r:id="rId3"/>
+              </a:rPr>
+              <a:t>https://vladmihalcea.com/the-open-session-in-view-anti-pattern/</a:t>
+            </a:r>
+            <a:endParaRPr lang="en-US" dirty="0"/>
+          </a:p>
+          <a:p>
+            <a:pPr lvl="1"/>
+            <a:r>
+              <a:rPr lang="en-US" dirty="0">
+                <a:hlinkClick r:id="rId4"/>
+              </a:rPr>
+              <a:t>https://vladmihalcea.com/eager-fetching-is-a-code-smell/</a:t>
+            </a:r>
+            <a:endParaRPr lang="en-US" dirty="0"/>
+          </a:p>
+          <a:p>
+            <a:r>
+              <a:rPr lang="en-US" dirty="0"/>
+              <a:t>Hibernate User Guide</a:t>
+            </a:r>
+          </a:p>
+          <a:p>
+            <a:pPr lvl="1"/>
+            <a:r>
+              <a:rPr lang="en-US" dirty="0">
+                <a:hlinkClick r:id="rId5"/>
+              </a:rPr>
+              <a:t>https://docs.jboss.org/hibernate/orm/current/userguide/html_single/Hibernate_User_Guide.html</a:t>
+            </a:r>
+            <a:endParaRPr lang="en-US" dirty="0"/>
+          </a:p>
+          <a:p>
+            <a:r>
+              <a:rPr lang="en-US" dirty="0"/>
+              <a:t>JPA specification</a:t>
+            </a:r>
+          </a:p>
+          <a:p>
+            <a:pPr lvl="1"/>
+            <a:r>
+              <a:rPr lang="en-US" dirty="0">
+                <a:hlinkClick r:id="rId6"/>
+              </a:rPr>
+              <a:t>https://jakarta.ee/specifications/persistence/3.0/jakarta-persistence-spec-3.0.html</a:t>
+            </a:r>
+            <a:endParaRPr lang="en-US" dirty="0"/>
+          </a:p>
+          <a:p>
+            <a:r>
+              <a:rPr lang="en-US" dirty="0"/>
+              <a:t>How does Spring Transactional work?</a:t>
+            </a:r>
+          </a:p>
+          <a:p>
+            <a:pPr lvl="1"/>
+            <a:r>
+              <a:rPr lang="en-US" dirty="0">
+                <a:hlinkClick r:id="rId7"/>
+              </a:rPr>
+              <a:t>https://dzone.com/articles/how-does-spring-transactional</a:t>
+            </a:r>
+            <a:endParaRPr lang="en-US" dirty="0"/>
+          </a:p>
+          <a:p>
+            <a:r>
+              <a:rPr lang="en-US" dirty="0"/>
+              <a:t>JPA Join Types</a:t>
+            </a:r>
+          </a:p>
+          <a:p>
+            <a:pPr lvl="1"/>
+            <a:r>
+              <a:rPr lang="en-US" dirty="0">
+                <a:hlinkClick r:id="rId8"/>
+              </a:rPr>
+              <a:t>https://www.baeldung.com/jpa-join-types</a:t>
+            </a:r>
+            <a:endParaRPr lang="en-US" dirty="0"/>
           </a:p>
         </p:txBody>
       </p:sp>
     </p:spTree>
     <p:extLst>
       <p:ext uri="{BB962C8B-B14F-4D97-AF65-F5344CB8AC3E}">
-        <p14:creationId xmlns:p14="http://schemas.microsoft.com/office/powerpoint/2010/main" val="4123513284"/>
+        <p14:creationId xmlns:p14="http://schemas.microsoft.com/office/powerpoint/2010/main" val="2889387521"/>
       </p:ext>
     </p:extLst>
   </p:cSld>
@@ -37162,201 +36914,6 @@
     <p:extLst>
       <p:ext uri="{BB962C8B-B14F-4D97-AF65-F5344CB8AC3E}">
         <p14:creationId xmlns:p14="http://schemas.microsoft.com/office/powerpoint/2010/main" val="492372422"/>
-      </p:ext>
-    </p:extLst>
-  </p:cSld>
-  <p:clrMapOvr>
-    <a:masterClrMapping/>
-  </p:clrMapOvr>
-</p:sld>
-</file>
-
-<file path=ppt/slides/slide60.xml><?xml version="1.0" encoding="utf-8"?>
-<p:sld xmlns:a="http://schemas.openxmlformats.org/drawingml/2006/main" xmlns:r="http://schemas.openxmlformats.org/officeDocument/2006/relationships" xmlns:p="http://schemas.openxmlformats.org/presentationml/2006/main">
-  <p:cSld>
-    <p:spTree>
-      <p:nvGrpSpPr>
-        <p:cNvPr id="1" name=""/>
-        <p:cNvGrpSpPr/>
-        <p:nvPr/>
-      </p:nvGrpSpPr>
-      <p:grpSpPr>
-        <a:xfrm>
-          <a:off x="0" y="0"/>
-          <a:ext cx="0" cy="0"/>
-          <a:chOff x="0" y="0"/>
-          <a:chExt cx="0" cy="0"/>
-        </a:xfrm>
-      </p:grpSpPr>
-      <p:sp>
-        <p:nvSpPr>
-          <p:cNvPr id="8" name="Title 1">
-            <a:extLst>
-              <a:ext uri="{FF2B5EF4-FFF2-40B4-BE49-F238E27FC236}">
-                <a16:creationId xmlns:a16="http://schemas.microsoft.com/office/drawing/2014/main" id="{280C1126-AE06-6F45-5C34-548D61239155}"/>
-              </a:ext>
-            </a:extLst>
-          </p:cNvPr>
-          <p:cNvSpPr>
-            <a:spLocks noGrp="1"/>
-          </p:cNvSpPr>
-          <p:nvPr>
-            <p:ph type="title"/>
-          </p:nvPr>
-        </p:nvSpPr>
-        <p:spPr/>
-        <p:txBody>
-          <a:bodyPr/>
-          <a:lstStyle/>
-          <a:p>
-            <a:r>
-              <a:rPr lang="en-US" dirty="0"/>
-              <a:t>Further resources</a:t>
-            </a:r>
-          </a:p>
-        </p:txBody>
-      </p:sp>
-      <p:sp>
-        <p:nvSpPr>
-          <p:cNvPr id="10" name="Text Placeholder 2">
-            <a:extLst>
-              <a:ext uri="{FF2B5EF4-FFF2-40B4-BE49-F238E27FC236}">
-                <a16:creationId xmlns:a16="http://schemas.microsoft.com/office/drawing/2014/main" id="{7A69C3A1-EA48-682D-2DD6-89FB1C344D1E}"/>
-              </a:ext>
-            </a:extLst>
-          </p:cNvPr>
-          <p:cNvSpPr>
-            <a:spLocks noGrp="1"/>
-          </p:cNvSpPr>
-          <p:nvPr>
-            <p:ph type="body" sz="quarter" idx="10"/>
-          </p:nvPr>
-        </p:nvSpPr>
-        <p:spPr>
-          <a:xfrm>
-            <a:off x="1296000" y="1612154"/>
-            <a:ext cx="9864000" cy="4541108"/>
-          </a:xfrm>
-        </p:spPr>
-        <p:txBody>
-          <a:bodyPr>
-            <a:normAutofit fontScale="92500" lnSpcReduction="10000"/>
-          </a:bodyPr>
-          <a:lstStyle/>
-          <a:p>
-            <a:r>
-              <a:rPr lang="en-US" dirty="0"/>
-              <a:t>Vlad </a:t>
-            </a:r>
-            <a:r>
-              <a:rPr lang="en-US" dirty="0" err="1"/>
-              <a:t>Micalcea</a:t>
-            </a:r>
-            <a:r>
-              <a:rPr lang="en-US" dirty="0"/>
-              <a:t> (Hibernate contributor and expert)</a:t>
-            </a:r>
-          </a:p>
-          <a:p>
-            <a:pPr lvl="1"/>
-            <a:r>
-              <a:rPr lang="en-US" dirty="0">
-                <a:hlinkClick r:id="rId2"/>
-              </a:rPr>
-              <a:t>https://vladmihalcea.com/</a:t>
-            </a:r>
-            <a:endParaRPr lang="en-US" dirty="0"/>
-          </a:p>
-          <a:p>
-            <a:pPr lvl="1"/>
-            <a:r>
-              <a:rPr lang="en-US" dirty="0">
-                <a:hlinkClick r:id="rId3"/>
-              </a:rPr>
-              <a:t>https://vladmihalcea.com/the-open-session-in-view-anti-pattern/</a:t>
-            </a:r>
-            <a:endParaRPr lang="en-US" dirty="0"/>
-          </a:p>
-          <a:p>
-            <a:pPr lvl="1"/>
-            <a:r>
-              <a:rPr lang="en-US" dirty="0">
-                <a:hlinkClick r:id="rId4"/>
-              </a:rPr>
-              <a:t>https://vladmihalcea.com/eager-fetching-is-a-code-smell/</a:t>
-            </a:r>
-            <a:endParaRPr lang="en-US" dirty="0"/>
-          </a:p>
-          <a:p>
-            <a:r>
-              <a:rPr lang="en-US" dirty="0"/>
-              <a:t>Hibernate User Guide</a:t>
-            </a:r>
-          </a:p>
-          <a:p>
-            <a:pPr lvl="1"/>
-            <a:r>
-              <a:rPr lang="en-US" dirty="0">
-                <a:hlinkClick r:id="rId5"/>
-              </a:rPr>
-              <a:t>https://docs.jboss.org/hibernate/orm/current/userguide/html_single/Hibernate_User_Guide.html</a:t>
-            </a:r>
-            <a:endParaRPr lang="en-US" dirty="0"/>
-          </a:p>
-          <a:p>
-            <a:r>
-              <a:rPr lang="en-US" dirty="0"/>
-              <a:t>JPA specification</a:t>
-            </a:r>
-          </a:p>
-          <a:p>
-            <a:pPr lvl="1"/>
-            <a:r>
-              <a:rPr lang="en-US" dirty="0">
-                <a:hlinkClick r:id="rId6"/>
-              </a:rPr>
-              <a:t>https://jakarta.ee/specifications/persistence/3.0/jakarta-persistence-spec-3.0.html</a:t>
-            </a:r>
-            <a:endParaRPr lang="en-US" dirty="0"/>
-          </a:p>
-          <a:p>
-            <a:r>
-              <a:rPr lang="en-US" dirty="0"/>
-              <a:t>How does Spring Transactional work?</a:t>
-            </a:r>
-          </a:p>
-          <a:p>
-            <a:pPr lvl="1"/>
-            <a:r>
-              <a:rPr lang="en-US" dirty="0">
-                <a:hlinkClick r:id="rId7"/>
-              </a:rPr>
-              <a:t>https://dzone.com/articles/how-does-spring-transactional</a:t>
-            </a:r>
-            <a:endParaRPr lang="en-US" dirty="0"/>
-          </a:p>
-          <a:p>
-            <a:r>
-              <a:rPr lang="en-US" dirty="0"/>
-              <a:t>JPA Join Types</a:t>
-            </a:r>
-          </a:p>
-          <a:p>
-            <a:pPr lvl="1"/>
-            <a:r>
-              <a:rPr lang="en-US" dirty="0">
-                <a:hlinkClick r:id="rId8"/>
-              </a:rPr>
-              <a:t>https://www.baeldung.com/jpa-join-types</a:t>
-            </a:r>
-            <a:endParaRPr lang="en-US" dirty="0"/>
-          </a:p>
-        </p:txBody>
-      </p:sp>
-    </p:spTree>
-    <p:extLst>
-      <p:ext uri="{BB962C8B-B14F-4D97-AF65-F5344CB8AC3E}">
-        <p14:creationId xmlns:p14="http://schemas.microsoft.com/office/powerpoint/2010/main" val="2889387521"/>
       </p:ext>
     </p:extLst>
   </p:cSld>
@@ -39565,6 +39122,21 @@
 </file>
 
 <file path=customXml/item1.xml><?xml version="1.0" encoding="utf-8"?>
+<?mso-contentType ?>
+<FormTemplates xmlns="http://schemas.microsoft.com/sharepoint/v3/contenttype/forms">
+  <Display>DocumentLibraryForm</Display>
+  <Edit>DocumentLibraryForm</Edit>
+  <New>DocumentLibraryForm</New>
+</FormTemplates>
+</file>
+
+<file path=customXml/item2.xml><?xml version="1.0" encoding="utf-8"?>
+<p:properties xmlns:p="http://schemas.microsoft.com/office/2006/metadata/properties" xmlns:xsi="http://www.w3.org/2001/XMLSchema-instance" xmlns:pc="http://schemas.microsoft.com/office/infopath/2007/PartnerControls">
+  <documentManagement/>
+</p:properties>
+</file>
+
+<file path=customXml/item3.xml><?xml version="1.0" encoding="utf-8"?>
 <ct:contentTypeSchema xmlns:ct="http://schemas.microsoft.com/office/2006/metadata/contentType" xmlns:ma="http://schemas.microsoft.com/office/2006/metadata/properties/metaAttributes" ct:_="" ma:_="" ma:contentTypeName="Document" ma:contentTypeID="0x0101000858805C9A31ED4698AA5994F7540466" ma:contentTypeVersion="1" ma:contentTypeDescription="Een nieuw document maken." ma:contentTypeScope="" ma:versionID="5cab34e6f8d54d32c51f192539e9981c">
   <xsd:schema xmlns:xsd="http://www.w3.org/2001/XMLSchema" xmlns:xs="http://www.w3.org/2001/XMLSchema" xmlns:p="http://schemas.microsoft.com/office/2006/metadata/properties" xmlns:ns2="a73fd6a0-a740-4ca0-a47f-6beba88ccc77" targetNamespace="http://schemas.microsoft.com/office/2006/metadata/properties" ma:root="true" ma:fieldsID="10b3ae9c115bae24efdfd9076c93080b" ns2:_="">
     <xsd:import namespace="a73fd6a0-a740-4ca0-a47f-6beba88ccc77"/>
@@ -39704,22 +39276,31 @@
 </ct:contentTypeSchema>
 </file>
 
-<file path=customXml/item2.xml><?xml version="1.0" encoding="utf-8"?>
-<?mso-contentType ?>
-<FormTemplates xmlns="http://schemas.microsoft.com/sharepoint/v3/contenttype/forms">
-  <Display>DocumentLibraryForm</Display>
-  <Edit>DocumentLibraryForm</Edit>
-  <New>DocumentLibraryForm</New>
-</FormTemplates>
+<file path=customXml/itemProps1.xml><?xml version="1.0" encoding="utf-8"?>
+<ds:datastoreItem xmlns:ds="http://schemas.openxmlformats.org/officeDocument/2006/customXml" ds:itemID="{4522A51C-073F-4C45-9170-ECE5951F4DEA}">
+  <ds:schemaRefs>
+    <ds:schemaRef ds:uri="http://schemas.microsoft.com/sharepoint/v3/contenttype/forms"/>
+  </ds:schemaRefs>
+</ds:datastoreItem>
 </file>
 
-<file path=customXml/item3.xml><?xml version="1.0" encoding="utf-8"?>
-<p:properties xmlns:p="http://schemas.microsoft.com/office/2006/metadata/properties" xmlns:xsi="http://www.w3.org/2001/XMLSchema-instance" xmlns:pc="http://schemas.microsoft.com/office/infopath/2007/PartnerControls">
-  <documentManagement/>
-</p:properties>
+<file path=customXml/itemProps2.xml><?xml version="1.0" encoding="utf-8"?>
+<ds:datastoreItem xmlns:ds="http://schemas.openxmlformats.org/officeDocument/2006/customXml" ds:itemID="{F8AE8C2F-0717-4D42-B44A-CAECCF122A1A}">
+  <ds:schemaRefs>
+    <ds:schemaRef ds:uri="http://www.w3.org/XML/1998/namespace"/>
+    <ds:schemaRef ds:uri="http://purl.org/dc/dcmitype/"/>
+    <ds:schemaRef ds:uri="http://purl.org/dc/terms/"/>
+    <ds:schemaRef ds:uri="http://schemas.microsoft.com/office/2006/metadata/properties"/>
+    <ds:schemaRef ds:uri="http://schemas.microsoft.com/office/infopath/2007/PartnerControls"/>
+    <ds:schemaRef ds:uri="http://purl.org/dc/elements/1.1/"/>
+    <ds:schemaRef ds:uri="http://schemas.microsoft.com/office/2006/documentManagement/types"/>
+    <ds:schemaRef ds:uri="http://schemas.openxmlformats.org/package/2006/metadata/core-properties"/>
+    <ds:schemaRef ds:uri="a73fd6a0-a740-4ca0-a47f-6beba88ccc77"/>
+  </ds:schemaRefs>
+</ds:datastoreItem>
 </file>
 
-<file path=customXml/itemProps1.xml><?xml version="1.0" encoding="utf-8"?>
+<file path=customXml/itemProps3.xml><?xml version="1.0" encoding="utf-8"?>
 <ds:datastoreItem xmlns:ds="http://schemas.openxmlformats.org/officeDocument/2006/customXml" ds:itemID="{9AC0CDE9-3E35-44FD-A63A-9795CF527D47}">
   <ds:schemaRefs>
     <ds:schemaRef ds:uri="http://schemas.microsoft.com/office/2006/metadata/contentType"/>
@@ -39735,28 +39316,4 @@
     <ds:schemaRef ds:uri="http://schemas.microsoft.com/internal/obd"/>
   </ds:schemaRefs>
 </ds:datastoreItem>
-</file>
-
-<file path=customXml/itemProps2.xml><?xml version="1.0" encoding="utf-8"?>
-<ds:datastoreItem xmlns:ds="http://schemas.openxmlformats.org/officeDocument/2006/customXml" ds:itemID="{4522A51C-073F-4C45-9170-ECE5951F4DEA}">
-  <ds:schemaRefs>
-    <ds:schemaRef ds:uri="http://schemas.microsoft.com/sharepoint/v3/contenttype/forms"/>
-  </ds:schemaRefs>
-</ds:datastoreItem>
-</file>
-
-<file path=customXml/itemProps3.xml><?xml version="1.0" encoding="utf-8"?>
-<ds:datastoreItem xmlns:ds="http://schemas.openxmlformats.org/officeDocument/2006/customXml" ds:itemID="{F8AE8C2F-0717-4D42-B44A-CAECCF122A1A}">
-  <ds:schemaRefs>
-    <ds:schemaRef ds:uri="http://www.w3.org/XML/1998/namespace"/>
-    <ds:schemaRef ds:uri="http://purl.org/dc/dcmitype/"/>
-    <ds:schemaRef ds:uri="http://purl.org/dc/terms/"/>
-    <ds:schemaRef ds:uri="http://schemas.microsoft.com/office/2006/metadata/properties"/>
-    <ds:schemaRef ds:uri="http://schemas.microsoft.com/office/infopath/2007/PartnerControls"/>
-    <ds:schemaRef ds:uri="http://purl.org/dc/elements/1.1/"/>
-    <ds:schemaRef ds:uri="http://schemas.microsoft.com/office/2006/documentManagement/types"/>
-    <ds:schemaRef ds:uri="http://schemas.openxmlformats.org/package/2006/metadata/core-properties"/>
-    <ds:schemaRef ds:uri="a73fd6a0-a740-4ca0-a47f-6beba88ccc77"/>
-  </ds:schemaRefs>
-</ds:datastoreItem>
 </file>
--- a/slides.pptx
+++ b/slides.pptx
@@ -26947,6 +26947,17 @@
             </a:pPr>
             <a:r>
               <a:rPr lang="en-US" dirty="0"/>
+              <a:t>Maven, Spring 3, Hibernate 6</a:t>
+            </a:r>
+          </a:p>
+          <a:p>
+            <a:pPr>
+              <a:spcAft>
+                <a:spcPts val="600"/>
+              </a:spcAft>
+            </a:pPr>
+            <a:r>
+              <a:rPr lang="en-US" dirty="0"/>
               <a:t>Primarily using tests</a:t>
             </a:r>
           </a:p>
@@ -35994,7 +36005,7 @@
                 <a:latin typeface="Courier New" panose="02070309020205020404" pitchFamily="49" charset="0"/>
                 <a:cs typeface="Courier New" panose="02070309020205020404" pitchFamily="49" charset="0"/>
               </a:rPr>
-              <a:t>getById</a:t>
+              <a:t>getReferenceById</a:t>
             </a:r>
             <a:r>
               <a:rPr lang="en-US" dirty="0"/>
@@ -36056,7 +36067,7 @@
                 <a:latin typeface="Courier New" panose="02070309020205020404" pitchFamily="49" charset="0"/>
                 <a:cs typeface="Courier New" panose="02070309020205020404" pitchFamily="49" charset="0"/>
               </a:rPr>
-              <a:t>getById</a:t>
+              <a:t>getReferenceById</a:t>
             </a:r>
             <a:r>
               <a:rPr lang="en-US" dirty="0"/>
@@ -39122,21 +39133,12 @@
 </file>
 
 <file path=customXml/item1.xml><?xml version="1.0" encoding="utf-8"?>
-<?mso-contentType ?>
-<FormTemplates xmlns="http://schemas.microsoft.com/sharepoint/v3/contenttype/forms">
-  <Display>DocumentLibraryForm</Display>
-  <Edit>DocumentLibraryForm</Edit>
-  <New>DocumentLibraryForm</New>
-</FormTemplates>
-</file>
-
-<file path=customXml/item2.xml><?xml version="1.0" encoding="utf-8"?>
 <p:properties xmlns:p="http://schemas.microsoft.com/office/2006/metadata/properties" xmlns:xsi="http://www.w3.org/2001/XMLSchema-instance" xmlns:pc="http://schemas.microsoft.com/office/infopath/2007/PartnerControls">
   <documentManagement/>
 </p:properties>
 </file>
 
-<file path=customXml/item3.xml><?xml version="1.0" encoding="utf-8"?>
+<file path=customXml/item2.xml><?xml version="1.0" encoding="utf-8"?>
 <ct:contentTypeSchema xmlns:ct="http://schemas.microsoft.com/office/2006/metadata/contentType" xmlns:ma="http://schemas.microsoft.com/office/2006/metadata/properties/metaAttributes" ct:_="" ma:_="" ma:contentTypeName="Document" ma:contentTypeID="0x0101000858805C9A31ED4698AA5994F7540466" ma:contentTypeVersion="1" ma:contentTypeDescription="Een nieuw document maken." ma:contentTypeScope="" ma:versionID="5cab34e6f8d54d32c51f192539e9981c">
   <xsd:schema xmlns:xsd="http://www.w3.org/2001/XMLSchema" xmlns:xs="http://www.w3.org/2001/XMLSchema" xmlns:p="http://schemas.microsoft.com/office/2006/metadata/properties" xmlns:ns2="a73fd6a0-a740-4ca0-a47f-6beba88ccc77" targetNamespace="http://schemas.microsoft.com/office/2006/metadata/properties" ma:root="true" ma:fieldsID="10b3ae9c115bae24efdfd9076c93080b" ns2:_="">
     <xsd:import namespace="a73fd6a0-a740-4ca0-a47f-6beba88ccc77"/>
@@ -39276,31 +39278,32 @@
 </ct:contentTypeSchema>
 </file>
 
+<file path=customXml/item3.xml><?xml version="1.0" encoding="utf-8"?>
+<?mso-contentType ?>
+<FormTemplates xmlns="http://schemas.microsoft.com/sharepoint/v3/contenttype/forms">
+  <Display>DocumentLibraryForm</Display>
+  <Edit>DocumentLibraryForm</Edit>
+  <New>DocumentLibraryForm</New>
+</FormTemplates>
+</file>
+
 <file path=customXml/itemProps1.xml><?xml version="1.0" encoding="utf-8"?>
-<ds:datastoreItem xmlns:ds="http://schemas.openxmlformats.org/officeDocument/2006/customXml" ds:itemID="{4522A51C-073F-4C45-9170-ECE5951F4DEA}">
+<ds:datastoreItem xmlns:ds="http://schemas.openxmlformats.org/officeDocument/2006/customXml" ds:itemID="{F8AE8C2F-0717-4D42-B44A-CAECCF122A1A}">
   <ds:schemaRefs>
-    <ds:schemaRef ds:uri="http://schemas.microsoft.com/sharepoint/v3/contenttype/forms"/>
+    <ds:schemaRef ds:uri="http://schemas.microsoft.com/office/infopath/2007/PartnerControls"/>
+    <ds:schemaRef ds:uri="http://www.w3.org/XML/1998/namespace"/>
+    <ds:schemaRef ds:uri="http://purl.org/dc/terms/"/>
+    <ds:schemaRef ds:uri="http://purl.org/dc/elements/1.1/"/>
+    <ds:schemaRef ds:uri="http://purl.org/dc/dcmitype/"/>
+    <ds:schemaRef ds:uri="http://schemas.microsoft.com/office/2006/documentManagement/types"/>
+    <ds:schemaRef ds:uri="http://schemas.openxmlformats.org/package/2006/metadata/core-properties"/>
+    <ds:schemaRef ds:uri="a73fd6a0-a740-4ca0-a47f-6beba88ccc77"/>
+    <ds:schemaRef ds:uri="http://schemas.microsoft.com/office/2006/metadata/properties"/>
   </ds:schemaRefs>
 </ds:datastoreItem>
 </file>
 
 <file path=customXml/itemProps2.xml><?xml version="1.0" encoding="utf-8"?>
-<ds:datastoreItem xmlns:ds="http://schemas.openxmlformats.org/officeDocument/2006/customXml" ds:itemID="{F8AE8C2F-0717-4D42-B44A-CAECCF122A1A}">
-  <ds:schemaRefs>
-    <ds:schemaRef ds:uri="http://www.w3.org/XML/1998/namespace"/>
-    <ds:schemaRef ds:uri="http://purl.org/dc/dcmitype/"/>
-    <ds:schemaRef ds:uri="http://purl.org/dc/terms/"/>
-    <ds:schemaRef ds:uri="http://schemas.microsoft.com/office/2006/metadata/properties"/>
-    <ds:schemaRef ds:uri="http://schemas.microsoft.com/office/infopath/2007/PartnerControls"/>
-    <ds:schemaRef ds:uri="http://purl.org/dc/elements/1.1/"/>
-    <ds:schemaRef ds:uri="http://schemas.microsoft.com/office/2006/documentManagement/types"/>
-    <ds:schemaRef ds:uri="http://schemas.openxmlformats.org/package/2006/metadata/core-properties"/>
-    <ds:schemaRef ds:uri="a73fd6a0-a740-4ca0-a47f-6beba88ccc77"/>
-  </ds:schemaRefs>
-</ds:datastoreItem>
-</file>
-
-<file path=customXml/itemProps3.xml><?xml version="1.0" encoding="utf-8"?>
 <ds:datastoreItem xmlns:ds="http://schemas.openxmlformats.org/officeDocument/2006/customXml" ds:itemID="{9AC0CDE9-3E35-44FD-A63A-9795CF527D47}">
   <ds:schemaRefs>
     <ds:schemaRef ds:uri="http://schemas.microsoft.com/office/2006/metadata/contentType"/>
@@ -39316,4 +39319,12 @@
     <ds:schemaRef ds:uri="http://schemas.microsoft.com/internal/obd"/>
   </ds:schemaRefs>
 </ds:datastoreItem>
+</file>
+
+<file path=customXml/itemProps3.xml><?xml version="1.0" encoding="utf-8"?>
+<ds:datastoreItem xmlns:ds="http://schemas.openxmlformats.org/officeDocument/2006/customXml" ds:itemID="{4522A51C-073F-4C45-9170-ECE5951F4DEA}">
+  <ds:schemaRefs>
+    <ds:schemaRef ds:uri="http://schemas.microsoft.com/sharepoint/v3/contenttype/forms"/>
+  </ds:schemaRefs>
+</ds:datastoreItem>
 </file>
--- a/slides.pptx
+++ b/slides.pptx
@@ -6,10 +6,10 @@
     <p:sldMasterId id="2147483669" r:id="rId5"/>
   </p:sldMasterIdLst>
   <p:notesMasterIdLst>
-    <p:notesMasterId r:id="rId65"/>
+    <p:notesMasterId r:id="rId67"/>
   </p:notesMasterIdLst>
   <p:handoutMasterIdLst>
-    <p:handoutMasterId r:id="rId66"/>
+    <p:handoutMasterId r:id="rId68"/>
   </p:handoutMasterIdLst>
   <p:sldIdLst>
     <p:sldId id="256" r:id="rId6"/>
@@ -53,24 +53,26 @@
     <p:sldId id="287" r:id="rId44"/>
     <p:sldId id="289" r:id="rId45"/>
     <p:sldId id="336" r:id="rId46"/>
-    <p:sldId id="291" r:id="rId47"/>
-    <p:sldId id="293" r:id="rId48"/>
-    <p:sldId id="300" r:id="rId49"/>
-    <p:sldId id="334" r:id="rId50"/>
-    <p:sldId id="294" r:id="rId51"/>
-    <p:sldId id="295" r:id="rId52"/>
-    <p:sldId id="296" r:id="rId53"/>
-    <p:sldId id="297" r:id="rId54"/>
-    <p:sldId id="299" r:id="rId55"/>
-    <p:sldId id="302" r:id="rId56"/>
-    <p:sldId id="303" r:id="rId57"/>
-    <p:sldId id="309" r:id="rId58"/>
-    <p:sldId id="324" r:id="rId59"/>
-    <p:sldId id="305" r:id="rId60"/>
-    <p:sldId id="335" r:id="rId61"/>
-    <p:sldId id="318" r:id="rId62"/>
-    <p:sldId id="340" r:id="rId63"/>
-    <p:sldId id="319" r:id="rId64"/>
+    <p:sldId id="342" r:id="rId47"/>
+    <p:sldId id="341" r:id="rId48"/>
+    <p:sldId id="291" r:id="rId49"/>
+    <p:sldId id="293" r:id="rId50"/>
+    <p:sldId id="300" r:id="rId51"/>
+    <p:sldId id="334" r:id="rId52"/>
+    <p:sldId id="294" r:id="rId53"/>
+    <p:sldId id="295" r:id="rId54"/>
+    <p:sldId id="296" r:id="rId55"/>
+    <p:sldId id="297" r:id="rId56"/>
+    <p:sldId id="299" r:id="rId57"/>
+    <p:sldId id="302" r:id="rId58"/>
+    <p:sldId id="303" r:id="rId59"/>
+    <p:sldId id="309" r:id="rId60"/>
+    <p:sldId id="324" r:id="rId61"/>
+    <p:sldId id="305" r:id="rId62"/>
+    <p:sldId id="335" r:id="rId63"/>
+    <p:sldId id="318" r:id="rId64"/>
+    <p:sldId id="340" r:id="rId65"/>
+    <p:sldId id="319" r:id="rId66"/>
   </p:sldIdLst>
   <p:sldSz cx="12192000" cy="6858000"/>
   <p:notesSz cx="6858000" cy="9144000"/>
@@ -813,6 +815,90 @@
 </p:notes>
 </file>
 
+<file path=ppt/notesSlides/notesSlide10.xml><?xml version="1.0" encoding="utf-8"?>
+<p:notes xmlns:a="http://schemas.openxmlformats.org/drawingml/2006/main" xmlns:r="http://schemas.openxmlformats.org/officeDocument/2006/relationships" xmlns:p="http://schemas.openxmlformats.org/presentationml/2006/main">
+  <p:cSld>
+    <p:spTree>
+      <p:nvGrpSpPr>
+        <p:cNvPr id="1" name=""/>
+        <p:cNvGrpSpPr/>
+        <p:nvPr/>
+      </p:nvGrpSpPr>
+      <p:grpSpPr>
+        <a:xfrm>
+          <a:off x="0" y="0"/>
+          <a:ext cx="0" cy="0"/>
+          <a:chOff x="0" y="0"/>
+          <a:chExt cx="0" cy="0"/>
+        </a:xfrm>
+      </p:grpSpPr>
+      <p:sp>
+        <p:nvSpPr>
+          <p:cNvPr id="2" name="Tijdelijke aanduiding voor dia-afbeelding 1"/>
+          <p:cNvSpPr>
+            <a:spLocks noGrp="1" noRot="1" noChangeAspect="1"/>
+          </p:cNvSpPr>
+          <p:nvPr>
+            <p:ph type="sldImg"/>
+          </p:nvPr>
+        </p:nvSpPr>
+        <p:spPr/>
+      </p:sp>
+      <p:sp>
+        <p:nvSpPr>
+          <p:cNvPr id="3" name="Tijdelijke aanduiding voor notities 2"/>
+          <p:cNvSpPr>
+            <a:spLocks noGrp="1"/>
+          </p:cNvSpPr>
+          <p:nvPr>
+            <p:ph type="body" idx="1"/>
+          </p:nvPr>
+        </p:nvSpPr>
+        <p:spPr/>
+        <p:txBody>
+          <a:bodyPr/>
+          <a:lstStyle/>
+          <a:p>
+            <a:endParaRPr lang="nl-NL" dirty="0"/>
+          </a:p>
+        </p:txBody>
+      </p:sp>
+      <p:sp>
+        <p:nvSpPr>
+          <p:cNvPr id="4" name="Tijdelijke aanduiding voor dianummer 3"/>
+          <p:cNvSpPr>
+            <a:spLocks noGrp="1"/>
+          </p:cNvSpPr>
+          <p:nvPr>
+            <p:ph type="sldNum" sz="quarter" idx="5"/>
+          </p:nvPr>
+        </p:nvSpPr>
+        <p:spPr/>
+        <p:txBody>
+          <a:bodyPr/>
+          <a:lstStyle/>
+          <a:p>
+            <a:fld id="{4970B036-1422-4C36-8158-C30E1C0769EB}" type="slidenum">
+              <a:rPr lang="nl-NL" smtClean="0"/>
+              <a:t>56</a:t>
+            </a:fld>
+            <a:endParaRPr lang="nl-NL"/>
+          </a:p>
+        </p:txBody>
+      </p:sp>
+    </p:spTree>
+    <p:extLst>
+      <p:ext uri="{BB962C8B-B14F-4D97-AF65-F5344CB8AC3E}">
+        <p14:creationId xmlns:p14="http://schemas.microsoft.com/office/powerpoint/2010/main" val="2321177061"/>
+      </p:ext>
+    </p:extLst>
+  </p:cSld>
+  <p:clrMapOvr>
+    <a:masterClrMapping/>
+  </p:clrMapOvr>
+</p:notes>
+</file>
+
 <file path=ppt/notesSlides/notesSlide2.xml><?xml version="1.0" encoding="utf-8"?>
 <p:notes xmlns:a="http://schemas.openxmlformats.org/drawingml/2006/main" xmlns:r="http://schemas.openxmlformats.org/officeDocument/2006/relationships" xmlns:p="http://schemas.openxmlformats.org/presentationml/2006/main">
   <p:cSld>
@@ -1501,7 +1587,7 @@
           <a:p>
             <a:fld id="{4970B036-1422-4C36-8158-C30E1C0769EB}" type="slidenum">
               <a:rPr lang="nl-NL" smtClean="0"/>
-              <a:t>54</a:t>
+              <a:t>42</a:t>
             </a:fld>
             <a:endParaRPr lang="nl-NL"/>
           </a:p>
@@ -1510,7 +1596,91 @@
     </p:spTree>
     <p:extLst>
       <p:ext uri="{BB962C8B-B14F-4D97-AF65-F5344CB8AC3E}">
-        <p14:creationId xmlns:p14="http://schemas.microsoft.com/office/powerpoint/2010/main" val="2321177061"/>
+        <p14:creationId xmlns:p14="http://schemas.microsoft.com/office/powerpoint/2010/main" val="1098139067"/>
+      </p:ext>
+    </p:extLst>
+  </p:cSld>
+  <p:clrMapOvr>
+    <a:masterClrMapping/>
+  </p:clrMapOvr>
+</p:notes>
+</file>
+
+<file path=ppt/notesSlides/notesSlide9.xml><?xml version="1.0" encoding="utf-8"?>
+<p:notes xmlns:a="http://schemas.openxmlformats.org/drawingml/2006/main" xmlns:r="http://schemas.openxmlformats.org/officeDocument/2006/relationships" xmlns:p="http://schemas.openxmlformats.org/presentationml/2006/main">
+  <p:cSld>
+    <p:spTree>
+      <p:nvGrpSpPr>
+        <p:cNvPr id="1" name=""/>
+        <p:cNvGrpSpPr/>
+        <p:nvPr/>
+      </p:nvGrpSpPr>
+      <p:grpSpPr>
+        <a:xfrm>
+          <a:off x="0" y="0"/>
+          <a:ext cx="0" cy="0"/>
+          <a:chOff x="0" y="0"/>
+          <a:chExt cx="0" cy="0"/>
+        </a:xfrm>
+      </p:grpSpPr>
+      <p:sp>
+        <p:nvSpPr>
+          <p:cNvPr id="2" name="Tijdelijke aanduiding voor dia-afbeelding 1"/>
+          <p:cNvSpPr>
+            <a:spLocks noGrp="1" noRot="1" noChangeAspect="1"/>
+          </p:cNvSpPr>
+          <p:nvPr>
+            <p:ph type="sldImg"/>
+          </p:nvPr>
+        </p:nvSpPr>
+        <p:spPr/>
+      </p:sp>
+      <p:sp>
+        <p:nvSpPr>
+          <p:cNvPr id="3" name="Tijdelijke aanduiding voor notities 2"/>
+          <p:cNvSpPr>
+            <a:spLocks noGrp="1"/>
+          </p:cNvSpPr>
+          <p:nvPr>
+            <p:ph type="body" idx="1"/>
+          </p:nvPr>
+        </p:nvSpPr>
+        <p:spPr/>
+        <p:txBody>
+          <a:bodyPr/>
+          <a:lstStyle/>
+          <a:p>
+            <a:endParaRPr lang="nl-NL" dirty="0"/>
+          </a:p>
+        </p:txBody>
+      </p:sp>
+      <p:sp>
+        <p:nvSpPr>
+          <p:cNvPr id="4" name="Tijdelijke aanduiding voor dianummer 3"/>
+          <p:cNvSpPr>
+            <a:spLocks noGrp="1"/>
+          </p:cNvSpPr>
+          <p:nvPr>
+            <p:ph type="sldNum" sz="quarter" idx="5"/>
+          </p:nvPr>
+        </p:nvSpPr>
+        <p:spPr/>
+        <p:txBody>
+          <a:bodyPr/>
+          <a:lstStyle/>
+          <a:p>
+            <a:fld id="{4970B036-1422-4C36-8158-C30E1C0769EB}" type="slidenum">
+              <a:rPr lang="nl-NL" smtClean="0"/>
+              <a:t>43</a:t>
+            </a:fld>
+            <a:endParaRPr lang="nl-NL"/>
+          </a:p>
+        </p:txBody>
+      </p:sp>
+    </p:spTree>
+    <p:extLst>
+      <p:ext uri="{BB962C8B-B14F-4D97-AF65-F5344CB8AC3E}">
+        <p14:creationId xmlns:p14="http://schemas.microsoft.com/office/powerpoint/2010/main" val="1610032977"/>
       </p:ext>
     </p:extLst>
   </p:cSld>
@@ -33691,11 +33861,98 @@
             </a:pPr>
             <a:r>
               <a:rPr lang="en-US" sz="2800" dirty="0"/>
+              <a:t>Reading and parsing a big dataset from the database takes some time.</a:t>
+            </a:r>
+          </a:p>
+          <a:p>
+            <a:pPr>
+              <a:spcAft>
+                <a:spcPts val="600"/>
+              </a:spcAft>
+            </a:pPr>
+            <a:r>
+              <a:rPr lang="en-US" sz="2800" dirty="0"/>
               <a:t>Hibernate needs to de-duplicate in-memory: could cause performance issues.</a:t>
             </a:r>
           </a:p>
         </p:txBody>
       </p:sp>
+      <p:pic>
+        <p:nvPicPr>
+          <p:cNvPr id="4" name="Afbeelding 3">
+            <a:extLst>
+              <a:ext uri="{FF2B5EF4-FFF2-40B4-BE49-F238E27FC236}">
+                <a16:creationId xmlns:a16="http://schemas.microsoft.com/office/drawing/2014/main" id="{B3161C80-5E00-2986-28E5-390198D7B903}"/>
+              </a:ext>
+            </a:extLst>
+          </p:cNvPr>
+          <p:cNvPicPr>
+            <a:picLocks noChangeAspect="1"/>
+          </p:cNvPicPr>
+          <p:nvPr/>
+        </p:nvPicPr>
+        <p:blipFill rotWithShape="1">
+          <a:blip r:embed="rId3"/>
+          <a:srcRect l="6311" t="7601" r="5430" b="16819"/>
+          <a:stretch/>
+        </p:blipFill>
+        <p:spPr>
+          <a:xfrm>
+            <a:off x="5221996" y="3835633"/>
+            <a:ext cx="3756752" cy="2826396"/>
+          </a:xfrm>
+          <a:prstGeom prst="rect">
+            <a:avLst/>
+          </a:prstGeom>
+        </p:spPr>
+      </p:pic>
+      <p:pic>
+        <p:nvPicPr>
+          <p:cNvPr id="5" name="Picture 2" descr="22,947 Demo Foto's, Afbeeldingen en Stock Fotografie - 123RF">
+            <a:extLst>
+              <a:ext uri="{FF2B5EF4-FFF2-40B4-BE49-F238E27FC236}">
+                <a16:creationId xmlns:a16="http://schemas.microsoft.com/office/drawing/2014/main" id="{11A9FDB3-C44A-3191-9B36-BDAD0A391031}"/>
+              </a:ext>
+            </a:extLst>
+          </p:cNvPr>
+          <p:cNvPicPr>
+            <a:picLocks noChangeAspect="1" noChangeArrowheads="1"/>
+          </p:cNvPicPr>
+          <p:nvPr/>
+        </p:nvPicPr>
+        <p:blipFill>
+          <a:blip r:embed="rId4">
+            <a:extLst>
+              <a:ext uri="{28A0092B-C50C-407E-A947-70E740481C1C}">
+                <a14:useLocalDpi xmlns:a14="http://schemas.microsoft.com/office/drawing/2010/main" val="0"/>
+              </a:ext>
+            </a:extLst>
+          </a:blip>
+          <a:srcRect/>
+          <a:stretch>
+            <a:fillRect/>
+          </a:stretch>
+        </p:blipFill>
+        <p:spPr bwMode="auto">
+          <a:xfrm>
+            <a:off x="10059668" y="5661520"/>
+            <a:ext cx="1923011" cy="952959"/>
+          </a:xfrm>
+          <a:prstGeom prst="rect">
+            <a:avLst/>
+          </a:prstGeom>
+          <a:noFill/>
+          <a:extLst>
+            <a:ext uri="{909E8E84-426E-40DD-AFC4-6F175D3DCCD1}">
+              <a14:hiddenFill xmlns:a14="http://schemas.microsoft.com/office/drawing/2010/main">
+                <a:solidFill>
+                  <a:srgbClr val="FFFFFF"/>
+                </a:solidFill>
+              </a14:hiddenFill>
+            </a:ext>
+          </a:extLst>
+        </p:spPr>
+      </p:pic>
     </p:spTree>
     <p:extLst>
       <p:ext uri="{BB962C8B-B14F-4D97-AF65-F5344CB8AC3E}">
@@ -33807,7 +34064,18 @@
             </a:pPr>
             <a:r>
               <a:rPr lang="en-US" sz="2800" dirty="0"/>
-              <a:t>Could avoid the JOIN and use lazy loading.</a:t>
+              <a:t>Could avoid the </a:t>
+            </a:r>
+            <a:r>
+              <a:rPr lang="en-US" sz="2800" dirty="0">
+                <a:latin typeface="Courier New" panose="02070309020205020404" pitchFamily="49" charset="0"/>
+                <a:cs typeface="Courier New" panose="02070309020205020404" pitchFamily="49" charset="0"/>
+              </a:rPr>
+              <a:t>JOIN</a:t>
+            </a:r>
+            <a:r>
+              <a:rPr lang="en-US" sz="2800" dirty="0"/>
+              <a:t> and use lazy loading.</a:t>
             </a:r>
           </a:p>
           <a:p>
@@ -33826,7 +34094,7 @@
             </a:r>
             <a:r>
               <a:rPr lang="en-US" sz="2800" dirty="0"/>
-              <a:t> be faster than deduplicating a massive result set.</a:t>
+              <a:t> be faster than loading and deduplicating a massive result set.</a:t>
             </a:r>
             <a:endParaRPr lang="en-US" sz="2400" dirty="0"/>
           </a:p>
@@ -33864,10 +34132,10 @@
       </p:grpSpPr>
       <p:sp>
         <p:nvSpPr>
-          <p:cNvPr id="10" name="Title 2">
+          <p:cNvPr id="11" name="Title 1">
             <a:extLst>
               <a:ext uri="{FF2B5EF4-FFF2-40B4-BE49-F238E27FC236}">
-                <a16:creationId xmlns:a16="http://schemas.microsoft.com/office/drawing/2014/main" id="{49AB3702-1810-764C-3BE9-C338CDB6A62F}"/>
+                <a16:creationId xmlns:a16="http://schemas.microsoft.com/office/drawing/2014/main" id="{51612DA1-DB43-7E72-A4EA-4B95C807605F}"/>
               </a:ext>
             </a:extLst>
           </p:cNvPr>
@@ -33880,8 +34148,8 @@
         </p:nvSpPr>
         <p:spPr>
           <a:xfrm>
-            <a:off x="792000" y="1324801"/>
-            <a:ext cx="10165560" cy="2358200"/>
+            <a:off x="1296000" y="720000"/>
+            <a:ext cx="9864000" cy="681480"/>
           </a:xfrm>
         </p:spPr>
         <p:txBody>
@@ -33891,8 +34159,11 @@
           <a:lstStyle/>
           <a:p>
             <a:r>
-              <a:rPr lang="en-US" dirty="0"/>
-              <a:t>Performance tips and common mistakes</a:t>
+              <a:rPr lang="en-US" dirty="0" err="1">
+                <a:latin typeface="Courier New" panose="02070309020205020404" pitchFamily="49" charset="0"/>
+                <a:cs typeface="Courier New" panose="02070309020205020404" pitchFamily="49" charset="0"/>
+              </a:rPr>
+              <a:t>MultipleBagFetchException</a:t>
             </a:r>
             <a:endParaRPr lang="en-US" dirty="0">
               <a:latin typeface="Courier New" panose="02070309020205020404" pitchFamily="49" charset="0"/>
@@ -33901,10 +34172,157 @@
           </a:p>
         </p:txBody>
       </p:sp>
+      <p:sp>
+        <p:nvSpPr>
+          <p:cNvPr id="13" name="Text Placeholder 2">
+            <a:extLst>
+              <a:ext uri="{FF2B5EF4-FFF2-40B4-BE49-F238E27FC236}">
+                <a16:creationId xmlns:a16="http://schemas.microsoft.com/office/drawing/2014/main" id="{5AFACC08-6E7F-14DD-D1E6-54973126E7AF}"/>
+              </a:ext>
+            </a:extLst>
+          </p:cNvPr>
+          <p:cNvSpPr>
+            <a:spLocks noGrp="1"/>
+          </p:cNvSpPr>
+          <p:nvPr>
+            <p:ph type="body" sz="quarter" idx="10"/>
+          </p:nvPr>
+        </p:nvSpPr>
+        <p:spPr>
+          <a:xfrm>
+            <a:off x="1296000" y="1566420"/>
+            <a:ext cx="9864000" cy="4571580"/>
+          </a:xfrm>
+        </p:spPr>
+        <p:txBody>
+          <a:bodyPr>
+            <a:normAutofit/>
+          </a:bodyPr>
+          <a:lstStyle/>
+          <a:p>
+            <a:pPr>
+              <a:spcAft>
+                <a:spcPts val="600"/>
+              </a:spcAft>
+            </a:pPr>
+            <a:r>
+              <a:rPr lang="en-US" sz="2800" dirty="0"/>
+              <a:t>Hibernate can no longer differentiate between </a:t>
+            </a:r>
+            <a:r>
+              <a:rPr lang="en-US" sz="2800" i="1" dirty="0"/>
+              <a:t>information that is supposed to be duplicated </a:t>
+            </a:r>
+            <a:r>
+              <a:rPr lang="en-US" sz="2800" dirty="0"/>
+              <a:t>and </a:t>
+            </a:r>
+            <a:r>
+              <a:rPr lang="en-US" sz="2800" i="1" dirty="0"/>
+              <a:t>information that was duplicated by the cartesian product</a:t>
+            </a:r>
+            <a:r>
+              <a:rPr lang="en-US" sz="2800" dirty="0"/>
+              <a:t>.</a:t>
+            </a:r>
+          </a:p>
+          <a:p>
+            <a:pPr>
+              <a:spcAft>
+                <a:spcPts val="600"/>
+              </a:spcAft>
+            </a:pPr>
+            <a:r>
+              <a:rPr lang="en-US" sz="2800" dirty="0"/>
+              <a:t>Solution 1: Use </a:t>
+            </a:r>
+            <a:r>
+              <a:rPr lang="en-US" sz="2800" dirty="0">
+                <a:latin typeface="Courier New" panose="02070309020205020404" pitchFamily="49" charset="0"/>
+                <a:cs typeface="Courier New" panose="02070309020205020404" pitchFamily="49" charset="0"/>
+              </a:rPr>
+              <a:t>Set</a:t>
+            </a:r>
+            <a:r>
+              <a:rPr lang="en-US" sz="2800" dirty="0"/>
+              <a:t> instead of </a:t>
+            </a:r>
+            <a:r>
+              <a:rPr lang="en-US" sz="2800" dirty="0">
+                <a:latin typeface="Courier New" panose="02070309020205020404" pitchFamily="49" charset="0"/>
+                <a:cs typeface="Courier New" panose="02070309020205020404" pitchFamily="49" charset="0"/>
+              </a:rPr>
+              <a:t>List</a:t>
+            </a:r>
+            <a:r>
+              <a:rPr lang="en-US" sz="2800" dirty="0"/>
+              <a:t> (small datasets only)</a:t>
+            </a:r>
+          </a:p>
+          <a:p>
+            <a:pPr>
+              <a:spcAft>
+                <a:spcPts val="600"/>
+              </a:spcAft>
+            </a:pPr>
+            <a:r>
+              <a:rPr lang="en-US" sz="2800" dirty="0"/>
+              <a:t>Solution 2: Use lazy loading.</a:t>
+            </a:r>
+          </a:p>
+        </p:txBody>
+      </p:sp>
+      <p:pic>
+        <p:nvPicPr>
+          <p:cNvPr id="2" name="Picture 2" descr="22,947 Demo Foto's, Afbeeldingen en Stock Fotografie - 123RF">
+            <a:extLst>
+              <a:ext uri="{FF2B5EF4-FFF2-40B4-BE49-F238E27FC236}">
+                <a16:creationId xmlns:a16="http://schemas.microsoft.com/office/drawing/2014/main" id="{D8F00C67-08D8-3EEF-D395-221C71F4A846}"/>
+              </a:ext>
+            </a:extLst>
+          </p:cNvPr>
+          <p:cNvPicPr>
+            <a:picLocks noChangeAspect="1" noChangeArrowheads="1"/>
+          </p:cNvPicPr>
+          <p:nvPr/>
+        </p:nvPicPr>
+        <p:blipFill>
+          <a:blip r:embed="rId3">
+            <a:extLst>
+              <a:ext uri="{28A0092B-C50C-407E-A947-70E740481C1C}">
+                <a14:useLocalDpi xmlns:a14="http://schemas.microsoft.com/office/drawing/2010/main" val="0"/>
+              </a:ext>
+            </a:extLst>
+          </a:blip>
+          <a:srcRect/>
+          <a:stretch>
+            <a:fillRect/>
+          </a:stretch>
+        </p:blipFill>
+        <p:spPr bwMode="auto">
+          <a:xfrm>
+            <a:off x="10059668" y="5661520"/>
+            <a:ext cx="1923011" cy="952959"/>
+          </a:xfrm>
+          <a:prstGeom prst="rect">
+            <a:avLst/>
+          </a:prstGeom>
+          <a:noFill/>
+          <a:extLst>
+            <a:ext uri="{909E8E84-426E-40DD-AFC4-6F175D3DCCD1}">
+              <a14:hiddenFill xmlns:a14="http://schemas.microsoft.com/office/drawing/2010/main">
+                <a:solidFill>
+                  <a:srgbClr val="FFFFFF"/>
+                </a:solidFill>
+              </a14:hiddenFill>
+            </a:ext>
+          </a:extLst>
+        </p:spPr>
+      </p:pic>
     </p:spTree>
     <p:extLst>
       <p:ext uri="{BB962C8B-B14F-4D97-AF65-F5344CB8AC3E}">
-        <p14:creationId xmlns:p14="http://schemas.microsoft.com/office/powerpoint/2010/main" val="1036875611"/>
+        <p14:creationId xmlns:p14="http://schemas.microsoft.com/office/powerpoint/2010/main" val="4055510022"/>
       </p:ext>
     </p:extLst>
   </p:cSld>
@@ -33950,18 +34368,29 @@
         <p:spPr>
           <a:xfrm>
             <a:off x="1296000" y="719999"/>
-            <a:ext cx="9864000" cy="1259407"/>
+            <a:ext cx="9864000" cy="1119817"/>
           </a:xfrm>
         </p:spPr>
         <p:txBody>
           <a:bodyPr anchor="t">
-            <a:normAutofit/>
+            <a:normAutofit fontScale="90000"/>
           </a:bodyPr>
           <a:lstStyle/>
           <a:p>
             <a:r>
               <a:rPr lang="en-US" dirty="0"/>
-              <a:t>Tip 1: Avoid entity overhead</a:t>
+              <a:t>Difference between </a:t>
+            </a:r>
+            <a:r>
+              <a:rPr lang="en-US" dirty="0">
+                <a:latin typeface="Courier New" panose="02070309020205020404" pitchFamily="49" charset="0"/>
+                <a:cs typeface="Courier New" panose="02070309020205020404" pitchFamily="49" charset="0"/>
+              </a:rPr>
+              <a:t>JOIN FETCH </a:t>
+            </a:r>
+            <a:r>
+              <a:rPr lang="en-US" dirty="0"/>
+              <a:t>and eager loading</a:t>
             </a:r>
           </a:p>
         </p:txBody>
@@ -33984,8 +34413,8 @@
         </p:nvSpPr>
         <p:spPr>
           <a:xfrm>
-            <a:off x="1296000" y="2398955"/>
-            <a:ext cx="9864000" cy="3338904"/>
+            <a:off x="1296000" y="2108498"/>
+            <a:ext cx="9864000" cy="4029501"/>
           </a:xfrm>
         </p:spPr>
         <p:txBody>
@@ -34000,16 +34429,54 @@
               </a:spcAft>
             </a:pPr>
             <a:r>
-              <a:rPr lang="en-US" sz="2800" dirty="0"/>
-              <a:t>Entities come with a lot of overhead (dirty checking, persistence context)</a:t>
-            </a:r>
+              <a:rPr lang="en-US" sz="2400" dirty="0">
+                <a:latin typeface="Courier New" panose="02070309020205020404" pitchFamily="49" charset="0"/>
+                <a:cs typeface="Courier New" panose="02070309020205020404" pitchFamily="49" charset="0"/>
+              </a:rPr>
+              <a:t>JOIN FETCH </a:t>
+            </a:r>
+            <a:r>
+              <a:rPr lang="en-US" sz="2400" b="1" dirty="0"/>
+              <a:t>affects the query </a:t>
+            </a:r>
+            <a:r>
+              <a:rPr lang="en-US" sz="2400" dirty="0"/>
+              <a:t>(will use a JOIN operation)</a:t>
+            </a:r>
+          </a:p>
+          <a:p>
+            <a:pPr>
+              <a:spcAft>
+                <a:spcPts val="600"/>
+              </a:spcAft>
+            </a:pPr>
+            <a:r>
+              <a:rPr lang="en-US" dirty="0"/>
+              <a:t>Eager loading </a:t>
+            </a:r>
+            <a:r>
+              <a:rPr lang="en-US" b="1" dirty="0"/>
+              <a:t>affects the point in time </a:t>
+            </a:r>
+            <a:r>
+              <a:rPr lang="en-US" dirty="0"/>
+              <a:t>when a collection is loaded (just like lazy loading, will perform an additional query, but when loading the “parent” entity, not lazily)</a:t>
+            </a:r>
+          </a:p>
+          <a:p>
+            <a:pPr>
+              <a:spcAft>
+                <a:spcPts val="600"/>
+              </a:spcAft>
+            </a:pPr>
+            <a:endParaRPr lang="en-US" sz="2400" dirty="0"/>
           </a:p>
         </p:txBody>
       </p:sp>
     </p:spTree>
     <p:extLst>
       <p:ext uri="{BB962C8B-B14F-4D97-AF65-F5344CB8AC3E}">
-        <p14:creationId xmlns:p14="http://schemas.microsoft.com/office/powerpoint/2010/main" val="613316660"/>
+        <p14:creationId xmlns:p14="http://schemas.microsoft.com/office/powerpoint/2010/main" val="1397448448"/>
       </p:ext>
     </p:extLst>
   </p:cSld>
@@ -34038,10 +34505,10 @@
       </p:grpSpPr>
       <p:sp>
         <p:nvSpPr>
-          <p:cNvPr id="11" name="Title 1">
+          <p:cNvPr id="10" name="Title 2">
             <a:extLst>
               <a:ext uri="{FF2B5EF4-FFF2-40B4-BE49-F238E27FC236}">
-                <a16:creationId xmlns:a16="http://schemas.microsoft.com/office/drawing/2014/main" id="{51612DA1-DB43-7E72-A4EA-4B95C807605F}"/>
+                <a16:creationId xmlns:a16="http://schemas.microsoft.com/office/drawing/2014/main" id="{49AB3702-1810-764C-3BE9-C338CDB6A62F}"/>
               </a:ext>
             </a:extLst>
           </p:cNvPr>
@@ -34054,8 +34521,8 @@
         </p:nvSpPr>
         <p:spPr>
           <a:xfrm>
-            <a:off x="1296000" y="720000"/>
-            <a:ext cx="9864000" cy="681480"/>
+            <a:off x="792000" y="1324801"/>
+            <a:ext cx="10165560" cy="2358200"/>
           </a:xfrm>
         </p:spPr>
         <p:txBody>
@@ -34066,104 +34533,19 @@
           <a:p>
             <a:r>
               <a:rPr lang="en-US" dirty="0"/>
-              <a:t>Tip 1: Avoid entity overhead</a:t>
+              <a:t>Performance tips and common mistakes</a:t>
             </a:r>
             <a:endParaRPr lang="en-US" dirty="0">
-              <a:solidFill>
-                <a:srgbClr val="FF0000"/>
-              </a:solidFill>
+              <a:latin typeface="Courier New" panose="02070309020205020404" pitchFamily="49" charset="0"/>
+              <a:cs typeface="Courier New" panose="02070309020205020404" pitchFamily="49" charset="0"/>
             </a:endParaRPr>
-          </a:p>
-        </p:txBody>
-      </p:sp>
-      <p:sp>
-        <p:nvSpPr>
-          <p:cNvPr id="13" name="Text Placeholder 2">
-            <a:extLst>
-              <a:ext uri="{FF2B5EF4-FFF2-40B4-BE49-F238E27FC236}">
-                <a16:creationId xmlns:a16="http://schemas.microsoft.com/office/drawing/2014/main" id="{5AFACC08-6E7F-14DD-D1E6-54973126E7AF}"/>
-              </a:ext>
-            </a:extLst>
-          </p:cNvPr>
-          <p:cNvSpPr>
-            <a:spLocks noGrp="1"/>
-          </p:cNvSpPr>
-          <p:nvPr>
-            <p:ph type="body" sz="quarter" idx="10"/>
-          </p:nvPr>
-        </p:nvSpPr>
-        <p:spPr>
-          <a:xfrm>
-            <a:off x="1296000" y="2105696"/>
-            <a:ext cx="9864000" cy="3632163"/>
-          </a:xfrm>
-        </p:spPr>
-        <p:txBody>
-          <a:bodyPr>
-            <a:normAutofit/>
-          </a:bodyPr>
-          <a:lstStyle/>
-          <a:p>
-            <a:pPr>
-              <a:spcAft>
-                <a:spcPts val="600"/>
-              </a:spcAft>
-            </a:pPr>
-            <a:r>
-              <a:rPr lang="en-US" sz="2800" dirty="0"/>
-              <a:t>If your use-case doesn’t require propagating changes to the database, use </a:t>
-            </a:r>
-            <a:r>
-              <a:rPr lang="en-US" sz="2800" b="1" dirty="0"/>
-              <a:t>read-only transactions</a:t>
-            </a:r>
-            <a:r>
-              <a:rPr lang="en-US" sz="2800" dirty="0"/>
-              <a:t>.</a:t>
-            </a:r>
-          </a:p>
-          <a:p>
-            <a:pPr>
-              <a:spcAft>
-                <a:spcPts val="600"/>
-              </a:spcAft>
-            </a:pPr>
-            <a:r>
-              <a:rPr lang="en-US" sz="2800" dirty="0">
-                <a:latin typeface="Courier New" panose="02070309020205020404" pitchFamily="49" charset="0"/>
-                <a:cs typeface="Courier New" panose="02070309020205020404" pitchFamily="49" charset="0"/>
-              </a:rPr>
-              <a:t>@Transactional(readOnly=true)</a:t>
-            </a:r>
-          </a:p>
-          <a:p>
-            <a:pPr>
-              <a:spcAft>
-                <a:spcPts val="600"/>
-              </a:spcAft>
-            </a:pPr>
-            <a:r>
-              <a:rPr lang="en-US" sz="2800" dirty="0"/>
-              <a:t>It eliminates dirty-checking.</a:t>
-            </a:r>
-          </a:p>
-          <a:p>
-            <a:pPr>
-              <a:spcAft>
-                <a:spcPts val="600"/>
-              </a:spcAft>
-            </a:pPr>
-            <a:r>
-              <a:rPr lang="en-US" sz="2800" dirty="0"/>
-              <a:t>It eliminates loading the entity in the persistence context.</a:t>
-            </a:r>
           </a:p>
         </p:txBody>
       </p:sp>
     </p:spTree>
     <p:extLst>
       <p:ext uri="{BB962C8B-B14F-4D97-AF65-F5344CB8AC3E}">
-        <p14:creationId xmlns:p14="http://schemas.microsoft.com/office/powerpoint/2010/main" val="2389961084"/>
+        <p14:creationId xmlns:p14="http://schemas.microsoft.com/office/powerpoint/2010/main" val="1036875611"/>
       </p:ext>
     </p:extLst>
   </p:cSld>
@@ -34208,8 +34590,8 @@
         </p:nvSpPr>
         <p:spPr>
           <a:xfrm>
-            <a:off x="1296000" y="720000"/>
-            <a:ext cx="9864000" cy="681480"/>
+            <a:off x="1296000" y="719999"/>
+            <a:ext cx="9864000" cy="1259407"/>
           </a:xfrm>
         </p:spPr>
         <p:txBody>
@@ -34222,11 +34604,6 @@
               <a:rPr lang="en-US" dirty="0"/>
               <a:t>Tip 1: Avoid entity overhead</a:t>
             </a:r>
-            <a:endParaRPr lang="en-US" dirty="0">
-              <a:solidFill>
-                <a:srgbClr val="FF0000"/>
-              </a:solidFill>
-            </a:endParaRPr>
           </a:p>
         </p:txBody>
       </p:sp>
@@ -34248,8 +34625,8 @@
         </p:nvSpPr>
         <p:spPr>
           <a:xfrm>
-            <a:off x="1296000" y="2105696"/>
-            <a:ext cx="9864000" cy="3632163"/>
+            <a:off x="1296000" y="2398955"/>
+            <a:ext cx="9864000" cy="3338904"/>
           </a:xfrm>
         </p:spPr>
         <p:txBody>
@@ -34265,40 +34642,7 @@
             </a:pPr>
             <a:r>
               <a:rPr lang="en-US" sz="2800" dirty="0"/>
-              <a:t>You can also eliminate entities by using </a:t>
-            </a:r>
-            <a:r>
-              <a:rPr lang="en-US" sz="2800" b="1" dirty="0"/>
-              <a:t>DTO projections</a:t>
-            </a:r>
-            <a:r>
-              <a:rPr lang="en-US" sz="2800" dirty="0"/>
-              <a:t>.</a:t>
-            </a:r>
-          </a:p>
-          <a:p>
-            <a:pPr>
-              <a:spcAft>
-                <a:spcPts val="600"/>
-              </a:spcAft>
-            </a:pPr>
-            <a:r>
-              <a:rPr lang="en-US" sz="2800" dirty="0"/>
-              <a:t>Same result as using </a:t>
-            </a:r>
-            <a:r>
-              <a:rPr lang="en-US" sz="2800" dirty="0">
-                <a:latin typeface="Courier New" panose="02070309020205020404" pitchFamily="49" charset="0"/>
-                <a:cs typeface="Courier New" panose="02070309020205020404" pitchFamily="49" charset="0"/>
-              </a:rPr>
-              <a:t>@Transactional(readOnly=true)</a:t>
-            </a:r>
-            <a:r>
-              <a:rPr lang="en-US" sz="2800" dirty="0">
-                <a:latin typeface="+mj-lt"/>
-                <a:cs typeface="Courier New" panose="02070309020205020404" pitchFamily="49" charset="0"/>
-              </a:rPr>
-              <a:t> but allows you to only extract fields that are required.</a:t>
+              <a:t>Entities come with a lot of overhead (dirty checking, persistence context)</a:t>
             </a:r>
           </a:p>
         </p:txBody>
@@ -34306,7 +34650,7 @@
     </p:spTree>
     <p:extLst>
       <p:ext uri="{BB962C8B-B14F-4D97-AF65-F5344CB8AC3E}">
-        <p14:creationId xmlns:p14="http://schemas.microsoft.com/office/powerpoint/2010/main" val="3366337949"/>
+        <p14:creationId xmlns:p14="http://schemas.microsoft.com/office/powerpoint/2010/main" val="613316660"/>
       </p:ext>
     </p:extLst>
   </p:cSld>
@@ -34362,12 +34706,13 @@
           <a:lstStyle/>
           <a:p>
             <a:r>
-              <a:rPr lang="en-US" sz="3600" dirty="0"/>
-              <a:t>Tip 2: Read SQL logs</a:t>
-            </a:r>
-            <a:endParaRPr lang="en-US" sz="3600" dirty="0">
-              <a:latin typeface="Courier New" panose="02070309020205020404" pitchFamily="49" charset="0"/>
-              <a:cs typeface="Courier New" panose="02070309020205020404" pitchFamily="49" charset="0"/>
+              <a:rPr lang="en-US" dirty="0"/>
+              <a:t>Tip 1: Avoid entity overhead</a:t>
+            </a:r>
+            <a:endParaRPr lang="en-US" dirty="0">
+              <a:solidFill>
+                <a:srgbClr val="FF0000"/>
+              </a:solidFill>
             </a:endParaRPr>
           </a:p>
         </p:txBody>
@@ -34396,7 +34741,7 @@
         </p:spPr>
         <p:txBody>
           <a:bodyPr>
-            <a:normAutofit lnSpcReduction="10000"/>
+            <a:normAutofit/>
           </a:bodyPr>
           <a:lstStyle/>
           <a:p>
@@ -34407,29 +34752,15 @@
             </a:pPr>
             <a:r>
               <a:rPr lang="en-US" sz="2800" dirty="0"/>
-              <a:t>Don’t use </a:t>
-            </a:r>
-            <a:r>
-              <a:rPr lang="en-US" sz="2800" dirty="0" err="1">
-                <a:latin typeface="Courier New" panose="02070309020205020404" pitchFamily="49" charset="0"/>
-                <a:cs typeface="Courier New" panose="02070309020205020404" pitchFamily="49" charset="0"/>
-              </a:rPr>
-              <a:t>hibernate.show_sql</a:t>
-            </a:r>
-            <a:endParaRPr lang="en-US" sz="2800" dirty="0">
-              <a:latin typeface="Courier New" panose="02070309020205020404" pitchFamily="49" charset="0"/>
-              <a:cs typeface="Courier New" panose="02070309020205020404" pitchFamily="49" charset="0"/>
-            </a:endParaRPr>
-          </a:p>
-          <a:p>
-            <a:pPr lvl="1">
-              <a:spcAft>
-                <a:spcPts val="600"/>
-              </a:spcAft>
-            </a:pPr>
-            <a:r>
-              <a:rPr lang="en-US" sz="2400" dirty="0"/>
-              <a:t>Statements are always logged to console.</a:t>
+              <a:t>If your use-case doesn’t require propagating changes to the database, use </a:t>
+            </a:r>
+            <a:r>
+              <a:rPr lang="en-US" sz="2800" b="1" dirty="0"/>
+              <a:t>read-only transactions</a:t>
+            </a:r>
+            <a:r>
+              <a:rPr lang="en-US" sz="2800" dirty="0"/>
+              <a:t>.</a:t>
             </a:r>
           </a:p>
           <a:p>
@@ -34439,96 +34770,33 @@
               </a:spcAft>
             </a:pPr>
             <a:r>
-              <a:rPr lang="en-US" sz="2800" dirty="0"/>
-              <a:t>Use the logging framework instead:</a:t>
-            </a:r>
-          </a:p>
-          <a:p>
-            <a:pPr marL="252000" lvl="1" indent="0">
+              <a:rPr lang="en-US" sz="2800" dirty="0">
+                <a:latin typeface="Courier New" panose="02070309020205020404" pitchFamily="49" charset="0"/>
+                <a:cs typeface="Courier New" panose="02070309020205020404" pitchFamily="49" charset="0"/>
+              </a:rPr>
+              <a:t>@Transactional(readOnly=true)</a:t>
+            </a:r>
+          </a:p>
+          <a:p>
+            <a:pPr>
               <a:spcAft>
                 <a:spcPts val="600"/>
               </a:spcAft>
-              <a:buNone/>
-            </a:pPr>
-            <a:r>
-              <a:rPr lang="en-US" sz="2400" dirty="0">
-                <a:latin typeface="Courier New" panose="02070309020205020404" pitchFamily="49" charset="0"/>
-                <a:cs typeface="Courier New" panose="02070309020205020404" pitchFamily="49" charset="0"/>
-              </a:rPr>
-              <a:t>logging:</a:t>
-            </a:r>
-          </a:p>
-          <a:p>
-            <a:pPr marL="252000" lvl="1" indent="0">
+            </a:pPr>
+            <a:r>
+              <a:rPr lang="en-US" sz="2800" dirty="0"/>
+              <a:t>It eliminates dirty-checking.</a:t>
+            </a:r>
+          </a:p>
+          <a:p>
+            <a:pPr>
               <a:spcAft>
                 <a:spcPts val="600"/>
               </a:spcAft>
-              <a:buNone/>
-            </a:pPr>
-            <a:r>
-              <a:rPr lang="en-US" sz="2400" dirty="0">
-                <a:latin typeface="Courier New" panose="02070309020205020404" pitchFamily="49" charset="0"/>
-                <a:cs typeface="Courier New" panose="02070309020205020404" pitchFamily="49" charset="0"/>
-              </a:rPr>
-              <a:t>  level:</a:t>
-            </a:r>
-          </a:p>
-          <a:p>
-            <a:pPr marL="252000" lvl="1" indent="0">
-              <a:spcAft>
-                <a:spcPts val="600"/>
-              </a:spcAft>
-              <a:buNone/>
-            </a:pPr>
-            <a:r>
-              <a:rPr lang="en-US" sz="2400" dirty="0">
-                <a:latin typeface="Courier New" panose="02070309020205020404" pitchFamily="49" charset="0"/>
-                <a:cs typeface="Courier New" panose="02070309020205020404" pitchFamily="49" charset="0"/>
-              </a:rPr>
-              <a:t>    </a:t>
-            </a:r>
-            <a:r>
-              <a:rPr lang="en-US" sz="2400" dirty="0" err="1">
-                <a:latin typeface="Courier New" panose="02070309020205020404" pitchFamily="49" charset="0"/>
-                <a:cs typeface="Courier New" panose="02070309020205020404" pitchFamily="49" charset="0"/>
-              </a:rPr>
-              <a:t>org.hibernate.SQL</a:t>
-            </a:r>
-            <a:r>
-              <a:rPr lang="en-US" sz="2400" dirty="0">
-                <a:latin typeface="Courier New" panose="02070309020205020404" pitchFamily="49" charset="0"/>
-                <a:cs typeface="Courier New" panose="02070309020205020404" pitchFamily="49" charset="0"/>
-              </a:rPr>
-              <a:t>: debug</a:t>
-            </a:r>
-          </a:p>
-          <a:p>
-            <a:pPr marL="252000" lvl="1" indent="0">
-              <a:spcAft>
-                <a:spcPts val="600"/>
-              </a:spcAft>
-              <a:buNone/>
-            </a:pPr>
-            <a:r>
-              <a:rPr lang="en-US" sz="2400" dirty="0">
-                <a:latin typeface="Courier New" panose="02070309020205020404" pitchFamily="49" charset="0"/>
-                <a:cs typeface="Courier New" panose="02070309020205020404" pitchFamily="49" charset="0"/>
-              </a:rPr>
-              <a:t>    </a:t>
-            </a:r>
-            <a:r>
-              <a:rPr lang="en-US" sz="2400" dirty="0" err="1">
-                <a:latin typeface="Courier New" panose="02070309020205020404" pitchFamily="49" charset="0"/>
-                <a:cs typeface="Courier New" panose="02070309020205020404" pitchFamily="49" charset="0"/>
-              </a:rPr>
-              <a:t>org.hibernate.type.descriptor.sql</a:t>
-            </a:r>
-            <a:r>
-              <a:rPr lang="en-US" sz="2400" dirty="0">
-                <a:latin typeface="Courier New" panose="02070309020205020404" pitchFamily="49" charset="0"/>
-                <a:cs typeface="Courier New" panose="02070309020205020404" pitchFamily="49" charset="0"/>
-              </a:rPr>
-              <a:t>: trace</a:t>
+            </a:pPr>
+            <a:r>
+              <a:rPr lang="en-US" sz="2800" dirty="0"/>
+              <a:t>It eliminates loading the entity in the persistence context.</a:t>
             </a:r>
           </a:p>
         </p:txBody>
@@ -34536,7 +34804,7 @@
     </p:spTree>
     <p:extLst>
       <p:ext uri="{BB962C8B-B14F-4D97-AF65-F5344CB8AC3E}">
-        <p14:creationId xmlns:p14="http://schemas.microsoft.com/office/powerpoint/2010/main" val="36027474"/>
+        <p14:creationId xmlns:p14="http://schemas.microsoft.com/office/powerpoint/2010/main" val="2389961084"/>
       </p:ext>
     </p:extLst>
   </p:cSld>
@@ -34593,22 +34861,12 @@
           <a:p>
             <a:r>
               <a:rPr lang="en-US" dirty="0"/>
-              <a:t>Tip 3: Don’t use </a:t>
-            </a:r>
-            <a:r>
-              <a:rPr lang="en-US" dirty="0">
-                <a:latin typeface="Courier New" panose="02070309020205020404" pitchFamily="49" charset="0"/>
-                <a:cs typeface="Courier New" panose="02070309020205020404" pitchFamily="49" charset="0"/>
-              </a:rPr>
-              <a:t>@Transactional </a:t>
-            </a:r>
-            <a:r>
-              <a:rPr lang="en-US" dirty="0"/>
-              <a:t>in tests</a:t>
+              <a:t>Tip 1: Avoid entity overhead</a:t>
             </a:r>
             <a:endParaRPr lang="en-US" dirty="0">
-              <a:latin typeface="Courier New" panose="02070309020205020404" pitchFamily="49" charset="0"/>
-              <a:cs typeface="Courier New" panose="02070309020205020404" pitchFamily="49" charset="0"/>
+              <a:solidFill>
+                <a:srgbClr val="FF0000"/>
+              </a:solidFill>
             </a:endParaRPr>
           </a:p>
         </p:txBody>
@@ -34632,7 +34890,7 @@
         <p:spPr>
           <a:xfrm>
             <a:off x="1296000" y="2105696"/>
-            <a:ext cx="9864000" cy="4279473"/>
+            <a:ext cx="9864000" cy="3632163"/>
           </a:xfrm>
         </p:spPr>
         <p:txBody>
@@ -34647,81 +34905,15 @@
               </a:spcAft>
             </a:pPr>
             <a:r>
-              <a:rPr lang="en-US" dirty="0"/>
-              <a:t>Why would you use </a:t>
-            </a:r>
-            <a:r>
-              <a:rPr lang="en-US" dirty="0">
-                <a:latin typeface="Courier New" panose="02070309020205020404" pitchFamily="49" charset="0"/>
-                <a:cs typeface="Courier New" panose="02070309020205020404" pitchFamily="49" charset="0"/>
-              </a:rPr>
-              <a:t>@Transactional </a:t>
-            </a:r>
-            <a:r>
-              <a:rPr lang="en-US" dirty="0"/>
-              <a:t>in a test?</a:t>
-            </a:r>
-          </a:p>
-          <a:p>
-            <a:pPr lvl="1">
-              <a:spcAft>
-                <a:spcPts val="600"/>
-              </a:spcAft>
-            </a:pPr>
-            <a:r>
-              <a:rPr lang="en-US" dirty="0"/>
-              <a:t>To clean up data and ensure a deterministic test suite.</a:t>
-            </a:r>
-          </a:p>
-          <a:p>
-            <a:pPr lvl="1">
-              <a:spcAft>
-                <a:spcPts val="600"/>
-              </a:spcAft>
-            </a:pPr>
-            <a:r>
-              <a:rPr lang="en-US" dirty="0"/>
-              <a:t>Behavior of </a:t>
-            </a:r>
-            <a:r>
-              <a:rPr lang="en-US" dirty="0">
-                <a:latin typeface="Courier New" panose="02070309020205020404" pitchFamily="49" charset="0"/>
-                <a:cs typeface="Courier New" panose="02070309020205020404" pitchFamily="49" charset="0"/>
-              </a:rPr>
-              <a:t>@Transactional </a:t>
-            </a:r>
-            <a:r>
-              <a:rPr lang="en-US" dirty="0"/>
-              <a:t>in tests = rollback</a:t>
-            </a:r>
-          </a:p>
-          <a:p>
-            <a:pPr lvl="2">
-              <a:spcAft>
-                <a:spcPts val="600"/>
-              </a:spcAft>
-            </a:pPr>
-            <a:r>
-              <a:rPr lang="en-US" dirty="0"/>
-              <a:t>In the Spring </a:t>
-            </a:r>
-            <a:r>
-              <a:rPr lang="en-US" dirty="0" err="1"/>
-              <a:t>TestContext</a:t>
-            </a:r>
-            <a:r>
-              <a:rPr lang="en-US" dirty="0"/>
-              <a:t> framework, transactions are managed by the </a:t>
-            </a:r>
-            <a:r>
-              <a:rPr lang="en-US" dirty="0" err="1">
-                <a:latin typeface="Courier New" panose="02070309020205020404" pitchFamily="49" charset="0"/>
-                <a:cs typeface="Courier New" panose="02070309020205020404" pitchFamily="49" charset="0"/>
-              </a:rPr>
-              <a:t>TransactionalTestExecutionListener</a:t>
-            </a:r>
-            <a:r>
-              <a:rPr lang="en-US" dirty="0"/>
+              <a:rPr lang="en-US" sz="2800" dirty="0"/>
+              <a:t>You can also eliminate entities by using </a:t>
+            </a:r>
+            <a:r>
+              <a:rPr lang="en-US" sz="2800" b="1" dirty="0"/>
+              <a:t>DTO projections</a:t>
+            </a:r>
+            <a:r>
+              <a:rPr lang="en-US" sz="2800" dirty="0"/>
               <a:t>.</a:t>
             </a:r>
           </a:p>
@@ -34732,126 +34924,30 @@
               </a:spcAft>
             </a:pPr>
             <a:r>
-              <a:rPr lang="en-US" dirty="0"/>
-              <a:t>What is the biggest problem when doing this?</a:t>
-            </a:r>
-          </a:p>
-          <a:p>
-            <a:pPr lvl="1">
-              <a:spcAft>
-                <a:spcPts val="600"/>
-              </a:spcAft>
-            </a:pPr>
-            <a:r>
-              <a:rPr lang="en-US" dirty="0"/>
-              <a:t>Using </a:t>
-            </a:r>
-            <a:r>
-              <a:rPr lang="en-US" dirty="0">
+              <a:rPr lang="en-US" sz="2800" dirty="0"/>
+              <a:t>Same result as using </a:t>
+            </a:r>
+            <a:r>
+              <a:rPr lang="en-US" sz="2800" dirty="0">
                 <a:latin typeface="Courier New" panose="02070309020205020404" pitchFamily="49" charset="0"/>
                 <a:cs typeface="Courier New" panose="02070309020205020404" pitchFamily="49" charset="0"/>
               </a:rPr>
-              <a:t>@Transactional </a:t>
-            </a:r>
-            <a:r>
-              <a:rPr lang="en-US" dirty="0"/>
-              <a:t>in tests is dangerous as it can hide production issues.</a:t>
-            </a:r>
-          </a:p>
-          <a:p>
-            <a:pPr>
-              <a:spcAft>
-                <a:spcPts val="600"/>
-              </a:spcAft>
-            </a:pPr>
-            <a:r>
-              <a:rPr lang="en-US" dirty="0"/>
-              <a:t>Solution:</a:t>
-            </a:r>
-          </a:p>
-          <a:p>
-            <a:pPr lvl="1">
-              <a:spcAft>
-                <a:spcPts val="600"/>
-              </a:spcAft>
-            </a:pPr>
-            <a:r>
-              <a:rPr lang="en-US" dirty="0"/>
-              <a:t>Clean up manually (</a:t>
-            </a:r>
-            <a:r>
-              <a:rPr lang="en-US" dirty="0">
-                <a:latin typeface="Courier New" panose="02070309020205020404" pitchFamily="49" charset="0"/>
+              <a:t>@Transactional(readOnly=true)</a:t>
+            </a:r>
+            <a:r>
+              <a:rPr lang="en-US" sz="2800" dirty="0">
+                <a:latin typeface="+mj-lt"/>
                 <a:cs typeface="Courier New" panose="02070309020205020404" pitchFamily="49" charset="0"/>
               </a:rPr>
-              <a:t>@AfterEach</a:t>
-            </a:r>
-            <a:r>
-              <a:rPr lang="en-US" dirty="0"/>
-              <a:t>).</a:t>
-            </a:r>
-          </a:p>
-          <a:p>
-            <a:pPr>
-              <a:spcAft>
-                <a:spcPts val="600"/>
-              </a:spcAft>
-            </a:pPr>
-            <a:endParaRPr lang="en-US" dirty="0"/>
+              <a:t> but allows you to only extract fields that are required.</a:t>
+            </a:r>
           </a:p>
         </p:txBody>
       </p:sp>
-      <p:pic>
-        <p:nvPicPr>
-          <p:cNvPr id="4" name="Picture 2" descr="22,947 Demo Foto's, Afbeeldingen en Stock Fotografie - 123RF">
-            <a:extLst>
-              <a:ext uri="{FF2B5EF4-FFF2-40B4-BE49-F238E27FC236}">
-                <a16:creationId xmlns:a16="http://schemas.microsoft.com/office/drawing/2014/main" id="{3078C261-1290-4C96-B0F3-7F5867671363}"/>
-              </a:ext>
-            </a:extLst>
-          </p:cNvPr>
-          <p:cNvPicPr>
-            <a:picLocks noChangeAspect="1" noChangeArrowheads="1"/>
-          </p:cNvPicPr>
-          <p:nvPr/>
-        </p:nvPicPr>
-        <p:blipFill>
-          <a:blip r:embed="rId2">
-            <a:extLst>
-              <a:ext uri="{28A0092B-C50C-407E-A947-70E740481C1C}">
-                <a14:useLocalDpi xmlns:a14="http://schemas.microsoft.com/office/drawing/2010/main" val="0"/>
-              </a:ext>
-            </a:extLst>
-          </a:blip>
-          <a:srcRect/>
-          <a:stretch>
-            <a:fillRect/>
-          </a:stretch>
-        </p:blipFill>
-        <p:spPr bwMode="auto">
-          <a:xfrm>
-            <a:off x="10059668" y="5661520"/>
-            <a:ext cx="1923011" cy="952959"/>
-          </a:xfrm>
-          <a:prstGeom prst="rect">
-            <a:avLst/>
-          </a:prstGeom>
-          <a:noFill/>
-          <a:extLst>
-            <a:ext uri="{909E8E84-426E-40DD-AFC4-6F175D3DCCD1}">
-              <a14:hiddenFill xmlns:a14="http://schemas.microsoft.com/office/drawing/2010/main">
-                <a:solidFill>
-                  <a:srgbClr val="FFFFFF"/>
-                </a:solidFill>
-              </a14:hiddenFill>
-            </a:ext>
-          </a:extLst>
-        </p:spPr>
-      </p:pic>
     </p:spTree>
     <p:extLst>
       <p:ext uri="{BB962C8B-B14F-4D97-AF65-F5344CB8AC3E}">
-        <p14:creationId xmlns:p14="http://schemas.microsoft.com/office/powerpoint/2010/main" val="3022796713"/>
+        <p14:creationId xmlns:p14="http://schemas.microsoft.com/office/powerpoint/2010/main" val="3366337949"/>
       </p:ext>
     </p:extLst>
   </p:cSld>
@@ -34896,8 +34992,8 @@
         </p:nvSpPr>
         <p:spPr>
           <a:xfrm>
-            <a:off x="1296000" y="719999"/>
-            <a:ext cx="9864000" cy="1057285"/>
+            <a:off x="1296000" y="720000"/>
+            <a:ext cx="9864000" cy="681480"/>
           </a:xfrm>
         </p:spPr>
         <p:txBody>
@@ -34907,13 +35003,10 @@
           <a:lstStyle/>
           <a:p>
             <a:r>
-              <a:rPr lang="en-US" dirty="0"/>
-              <a:t>Tip 4: Use bulk operations</a:t>
-            </a:r>
-            <a:endParaRPr lang="en-US" dirty="0">
-              <a:solidFill>
-                <a:srgbClr val="FF0000"/>
-              </a:solidFill>
+              <a:rPr lang="en-US" sz="3600" dirty="0"/>
+              <a:t>Tip 2: Read SQL logs</a:t>
+            </a:r>
+            <a:endParaRPr lang="en-US" sz="3600" dirty="0">
               <a:latin typeface="Courier New" panose="02070309020205020404" pitchFamily="49" charset="0"/>
               <a:cs typeface="Courier New" panose="02070309020205020404" pitchFamily="49" charset="0"/>
             </a:endParaRPr>
@@ -34944,7 +35037,7 @@
         </p:spPr>
         <p:txBody>
           <a:bodyPr>
-            <a:normAutofit/>
+            <a:normAutofit lnSpcReduction="10000"/>
           </a:bodyPr>
           <a:lstStyle/>
           <a:p>
@@ -34954,8 +35047,30 @@
               </a:spcAft>
             </a:pPr>
             <a:r>
-              <a:rPr lang="en-US" dirty="0"/>
-              <a:t>Anti-pattern: retrieving entities and updating/deleting them one by one.</a:t>
+              <a:rPr lang="en-US" sz="2800" dirty="0"/>
+              <a:t>Don’t use </a:t>
+            </a:r>
+            <a:r>
+              <a:rPr lang="en-US" sz="2800" dirty="0" err="1">
+                <a:latin typeface="Courier New" panose="02070309020205020404" pitchFamily="49" charset="0"/>
+                <a:cs typeface="Courier New" panose="02070309020205020404" pitchFamily="49" charset="0"/>
+              </a:rPr>
+              <a:t>hibernate.show_sql</a:t>
+            </a:r>
+            <a:endParaRPr lang="en-US" sz="2800" dirty="0">
+              <a:latin typeface="Courier New" panose="02070309020205020404" pitchFamily="49" charset="0"/>
+              <a:cs typeface="Courier New" panose="02070309020205020404" pitchFamily="49" charset="0"/>
+            </a:endParaRPr>
+          </a:p>
+          <a:p>
+            <a:pPr lvl="1">
+              <a:spcAft>
+                <a:spcPts val="600"/>
+              </a:spcAft>
+            </a:pPr>
+            <a:r>
+              <a:rPr lang="en-US" sz="2400" dirty="0"/>
+              <a:t>Statements are always logged to console.</a:t>
             </a:r>
           </a:p>
           <a:p>
@@ -34965,41 +35080,104 @@
               </a:spcAft>
             </a:pPr>
             <a:r>
-              <a:rPr lang="en-US" dirty="0"/>
-              <a:t>Try to create an update/delete query for all relevant rows.</a:t>
-            </a:r>
-          </a:p>
-          <a:p>
-            <a:pPr>
+              <a:rPr lang="en-US" sz="2800" dirty="0"/>
+              <a:t>Use the logging framework instead:</a:t>
+            </a:r>
+          </a:p>
+          <a:p>
+            <a:pPr marL="252000" lvl="1" indent="0">
               <a:spcAft>
                 <a:spcPts val="600"/>
               </a:spcAft>
-            </a:pPr>
-            <a:r>
-              <a:rPr lang="en-US" dirty="0"/>
-              <a:t>If not possible to write a general query: think about batch processing and Hibernate memory usage.</a:t>
-            </a:r>
-          </a:p>
-          <a:p>
-            <a:pPr lvl="1">
+              <a:buNone/>
+            </a:pPr>
+            <a:r>
+              <a:rPr lang="en-US" sz="2400" dirty="0">
+                <a:latin typeface="Courier New" panose="02070309020205020404" pitchFamily="49" charset="0"/>
+                <a:cs typeface="Courier New" panose="02070309020205020404" pitchFamily="49" charset="0"/>
+              </a:rPr>
+              <a:t>logging:</a:t>
+            </a:r>
+          </a:p>
+          <a:p>
+            <a:pPr marL="252000" lvl="1" indent="0">
               <a:spcAft>
                 <a:spcPts val="600"/>
               </a:spcAft>
-            </a:pPr>
-            <a:r>
-              <a:rPr lang="en-US" dirty="0">
-                <a:hlinkClick r:id="rId2"/>
-              </a:rPr>
-              <a:t>https://docs.jboss.org/hibernate/core/3.6/reference/en-US/html_single/#batch</a:t>
-            </a:r>
-            <a:endParaRPr lang="en-US" dirty="0"/>
+              <a:buNone/>
+            </a:pPr>
+            <a:r>
+              <a:rPr lang="en-US" sz="2400" dirty="0">
+                <a:latin typeface="Courier New" panose="02070309020205020404" pitchFamily="49" charset="0"/>
+                <a:cs typeface="Courier New" panose="02070309020205020404" pitchFamily="49" charset="0"/>
+              </a:rPr>
+              <a:t>  level:</a:t>
+            </a:r>
+          </a:p>
+          <a:p>
+            <a:pPr marL="252000" lvl="1" indent="0">
+              <a:spcAft>
+                <a:spcPts val="600"/>
+              </a:spcAft>
+              <a:buNone/>
+            </a:pPr>
+            <a:r>
+              <a:rPr lang="en-US" sz="2400" dirty="0">
+                <a:latin typeface="Courier New" panose="02070309020205020404" pitchFamily="49" charset="0"/>
+                <a:cs typeface="Courier New" panose="02070309020205020404" pitchFamily="49" charset="0"/>
+              </a:rPr>
+              <a:t>    </a:t>
+            </a:r>
+            <a:r>
+              <a:rPr lang="en-US" sz="2400" dirty="0" err="1">
+                <a:latin typeface="Courier New" panose="02070309020205020404" pitchFamily="49" charset="0"/>
+                <a:cs typeface="Courier New" panose="02070309020205020404" pitchFamily="49" charset="0"/>
+              </a:rPr>
+              <a:t>org.hibernate.SQL</a:t>
+            </a:r>
+            <a:r>
+              <a:rPr lang="en-US" sz="2400" dirty="0">
+                <a:latin typeface="Courier New" panose="02070309020205020404" pitchFamily="49" charset="0"/>
+                <a:cs typeface="Courier New" panose="02070309020205020404" pitchFamily="49" charset="0"/>
+              </a:rPr>
+              <a:t>: debug</a:t>
+            </a:r>
+          </a:p>
+          <a:p>
+            <a:pPr marL="252000" lvl="1" indent="0">
+              <a:spcAft>
+                <a:spcPts val="600"/>
+              </a:spcAft>
+              <a:buNone/>
+            </a:pPr>
+            <a:r>
+              <a:rPr lang="en-US" sz="2400" dirty="0">
+                <a:latin typeface="Courier New" panose="02070309020205020404" pitchFamily="49" charset="0"/>
+                <a:cs typeface="Courier New" panose="02070309020205020404" pitchFamily="49" charset="0"/>
+              </a:rPr>
+              <a:t>    </a:t>
+            </a:r>
+            <a:r>
+              <a:rPr lang="en-US" sz="2400" dirty="0" err="1">
+                <a:latin typeface="Courier New" panose="02070309020205020404" pitchFamily="49" charset="0"/>
+                <a:cs typeface="Courier New" panose="02070309020205020404" pitchFamily="49" charset="0"/>
+              </a:rPr>
+              <a:t>org.hibernate.type.descriptor.sql</a:t>
+            </a:r>
+            <a:r>
+              <a:rPr lang="en-US" sz="2400" dirty="0">
+                <a:latin typeface="Courier New" panose="02070309020205020404" pitchFamily="49" charset="0"/>
+                <a:cs typeface="Courier New" panose="02070309020205020404" pitchFamily="49" charset="0"/>
+              </a:rPr>
+              <a:t>: trace</a:t>
+            </a:r>
           </a:p>
         </p:txBody>
       </p:sp>
     </p:spTree>
     <p:extLst>
       <p:ext uri="{BB962C8B-B14F-4D97-AF65-F5344CB8AC3E}">
-        <p14:creationId xmlns:p14="http://schemas.microsoft.com/office/powerpoint/2010/main" val="3338901119"/>
+        <p14:creationId xmlns:p14="http://schemas.microsoft.com/office/powerpoint/2010/main" val="36027474"/>
       </p:ext>
     </p:extLst>
   </p:cSld>
@@ -35050,14 +35228,29 @@
         </p:spPr>
         <p:txBody>
           <a:bodyPr anchor="t">
-            <a:normAutofit fontScale="90000"/>
+            <a:normAutofit/>
           </a:bodyPr>
           <a:lstStyle/>
           <a:p>
             <a:r>
               <a:rPr lang="en-US" dirty="0"/>
-              <a:t>Tip 5: Avoid association fetching anti-patterns</a:t>
-            </a:r>
+              <a:t>Tip 3: Don’t use </a:t>
+            </a:r>
+            <a:r>
+              <a:rPr lang="en-US" dirty="0">
+                <a:latin typeface="Courier New" panose="02070309020205020404" pitchFamily="49" charset="0"/>
+                <a:cs typeface="Courier New" panose="02070309020205020404" pitchFamily="49" charset="0"/>
+              </a:rPr>
+              <a:t>@Transactional </a:t>
+            </a:r>
+            <a:r>
+              <a:rPr lang="en-US" dirty="0"/>
+              <a:t>in tests</a:t>
+            </a:r>
+            <a:endParaRPr lang="en-US" dirty="0">
+              <a:latin typeface="Courier New" panose="02070309020205020404" pitchFamily="49" charset="0"/>
+              <a:cs typeface="Courier New" panose="02070309020205020404" pitchFamily="49" charset="0"/>
+            </a:endParaRPr>
           </a:p>
         </p:txBody>
       </p:sp>
@@ -35080,7 +35273,7 @@
         <p:spPr>
           <a:xfrm>
             <a:off x="1296000" y="2105696"/>
-            <a:ext cx="9864000" cy="3632163"/>
+            <a:ext cx="9864000" cy="4279473"/>
           </a:xfrm>
         </p:spPr>
         <p:txBody>
@@ -35095,13 +35288,83 @@
               </a:spcAft>
             </a:pPr>
             <a:r>
-              <a:rPr lang="en-US" sz="2800" dirty="0"/>
-              <a:t>Open session in view</a:t>
-            </a:r>
-            <a:endParaRPr lang="en-US" sz="2800" dirty="0">
-              <a:latin typeface="Courier New" panose="02070309020205020404" pitchFamily="49" charset="0"/>
-              <a:cs typeface="Courier New" panose="02070309020205020404" pitchFamily="49" charset="0"/>
-            </a:endParaRPr>
+              <a:rPr lang="en-US" dirty="0"/>
+              <a:t>Why would you use </a:t>
+            </a:r>
+            <a:r>
+              <a:rPr lang="en-US" dirty="0">
+                <a:latin typeface="Courier New" panose="02070309020205020404" pitchFamily="49" charset="0"/>
+                <a:cs typeface="Courier New" panose="02070309020205020404" pitchFamily="49" charset="0"/>
+              </a:rPr>
+              <a:t>@Transactional </a:t>
+            </a:r>
+            <a:r>
+              <a:rPr lang="en-US" dirty="0"/>
+              <a:t>in a test?</a:t>
+            </a:r>
+          </a:p>
+          <a:p>
+            <a:pPr lvl="1">
+              <a:spcAft>
+                <a:spcPts val="600"/>
+              </a:spcAft>
+            </a:pPr>
+            <a:r>
+              <a:rPr lang="en-US" dirty="0"/>
+              <a:t>To clean up data and ensure a deterministic test suite.</a:t>
+            </a:r>
+          </a:p>
+          <a:p>
+            <a:pPr lvl="1">
+              <a:spcAft>
+                <a:spcPts val="600"/>
+              </a:spcAft>
+            </a:pPr>
+            <a:r>
+              <a:rPr lang="en-US" dirty="0"/>
+              <a:t>Behavior of </a:t>
+            </a:r>
+            <a:r>
+              <a:rPr lang="en-US" dirty="0">
+                <a:latin typeface="Courier New" panose="02070309020205020404" pitchFamily="49" charset="0"/>
+                <a:cs typeface="Courier New" panose="02070309020205020404" pitchFamily="49" charset="0"/>
+              </a:rPr>
+              <a:t>@Transactional </a:t>
+            </a:r>
+            <a:r>
+              <a:rPr lang="en-US" dirty="0"/>
+              <a:t>in tests = rollback</a:t>
+            </a:r>
+          </a:p>
+          <a:p>
+            <a:pPr lvl="2">
+              <a:spcAft>
+                <a:spcPts val="600"/>
+              </a:spcAft>
+            </a:pPr>
+            <a:r>
+              <a:rPr lang="en-US" dirty="0"/>
+              <a:t>In the Spring </a:t>
+            </a:r>
+            <a:r>
+              <a:rPr lang="en-US" dirty="0" err="1"/>
+              <a:t>TestContext</a:t>
+            </a:r>
+            <a:r>
+              <a:rPr lang="en-US" dirty="0"/>
+              <a:t> framework, transactions are managed by the </a:t>
+            </a:r>
+            <a:r>
+              <a:rPr lang="en-US" dirty="0" err="1">
+                <a:latin typeface="Courier New" panose="02070309020205020404" pitchFamily="49" charset="0"/>
+                <a:cs typeface="Courier New" panose="02070309020205020404" pitchFamily="49" charset="0"/>
+              </a:rPr>
+              <a:t>TransactionalTestExecutionListener</a:t>
+            </a:r>
+            <a:r>
+              <a:rPr lang="en-US" dirty="0"/>
+              <a:t>.</a:t>
+            </a:r>
           </a:p>
           <a:p>
             <a:pPr>
@@ -35110,16 +35373,31 @@
               </a:spcAft>
             </a:pPr>
             <a:r>
-              <a:rPr lang="en-US" sz="2800" dirty="0" err="1">
+              <a:rPr lang="en-US" dirty="0"/>
+              <a:t>What is the biggest problem when doing this?</a:t>
+            </a:r>
+          </a:p>
+          <a:p>
+            <a:pPr lvl="1">
+              <a:spcAft>
+                <a:spcPts val="600"/>
+              </a:spcAft>
+            </a:pPr>
+            <a:r>
+              <a:rPr lang="en-US" dirty="0"/>
+              <a:t>Using </a:t>
+            </a:r>
+            <a:r>
+              <a:rPr lang="en-US" dirty="0">
                 <a:latin typeface="Courier New" panose="02070309020205020404" pitchFamily="49" charset="0"/>
                 <a:cs typeface="Courier New" panose="02070309020205020404" pitchFamily="49" charset="0"/>
               </a:rPr>
-              <a:t>enable_lazy_load_no_trans</a:t>
-            </a:r>
-            <a:endParaRPr lang="en-US" sz="2800" dirty="0">
-              <a:latin typeface="Courier New" panose="02070309020205020404" pitchFamily="49" charset="0"/>
-              <a:cs typeface="Courier New" panose="02070309020205020404" pitchFamily="49" charset="0"/>
-            </a:endParaRPr>
+              <a:t>@Transactional </a:t>
+            </a:r>
+            <a:r>
+              <a:rPr lang="en-US" dirty="0"/>
+              <a:t>in tests is dangerous as it can hide production issues.</a:t>
+            </a:r>
           </a:p>
           <a:p>
             <a:pPr>
@@ -35128,16 +35406,31 @@
               </a:spcAft>
             </a:pPr>
             <a:r>
-              <a:rPr lang="en-US" sz="2800" dirty="0" err="1">
+              <a:rPr lang="en-US" dirty="0"/>
+              <a:t>Solution:</a:t>
+            </a:r>
+          </a:p>
+          <a:p>
+            <a:pPr lvl="1">
+              <a:spcAft>
+                <a:spcPts val="600"/>
+              </a:spcAft>
+            </a:pPr>
+            <a:r>
+              <a:rPr lang="en-US" dirty="0"/>
+              <a:t>Clean up manually (</a:t>
+            </a:r>
+            <a:r>
+              <a:rPr lang="en-US" dirty="0">
                 <a:latin typeface="Courier New" panose="02070309020205020404" pitchFamily="49" charset="0"/>
                 <a:cs typeface="Courier New" panose="02070309020205020404" pitchFamily="49" charset="0"/>
               </a:rPr>
-              <a:t>FetchType.EAGER</a:t>
-            </a:r>
-            <a:endParaRPr lang="en-US" sz="2800" dirty="0">
-              <a:latin typeface="Courier New" panose="02070309020205020404" pitchFamily="49" charset="0"/>
-              <a:cs typeface="Courier New" panose="02070309020205020404" pitchFamily="49" charset="0"/>
-            </a:endParaRPr>
+              <a:t>@AfterEach</a:t>
+            </a:r>
+            <a:r>
+              <a:rPr lang="en-US" dirty="0"/>
+              <a:t>).</a:t>
+            </a:r>
           </a:p>
           <a:p>
             <a:pPr>
@@ -35145,28 +35438,61 @@
                 <a:spcPts val="600"/>
               </a:spcAft>
             </a:pPr>
-            <a:r>
-              <a:rPr lang="en-US" sz="2800" dirty="0"/>
-              <a:t>Not using </a:t>
-            </a:r>
-            <a:r>
-              <a:rPr lang="en-US" sz="2800" dirty="0">
-                <a:latin typeface="Courier New" panose="02070309020205020404" pitchFamily="49" charset="0"/>
-                <a:cs typeface="Courier New" panose="02070309020205020404" pitchFamily="49" charset="0"/>
-              </a:rPr>
-              <a:t>JOIN FETCH </a:t>
-            </a:r>
-            <a:r>
-              <a:rPr lang="en-US" sz="2800" dirty="0"/>
-              <a:t>directive if necessary to avoid the N+1 problem.</a:t>
-            </a:r>
+            <a:endParaRPr lang="en-US" dirty="0"/>
           </a:p>
         </p:txBody>
       </p:sp>
+      <p:pic>
+        <p:nvPicPr>
+          <p:cNvPr id="4" name="Picture 2" descr="22,947 Demo Foto's, Afbeeldingen en Stock Fotografie - 123RF">
+            <a:extLst>
+              <a:ext uri="{FF2B5EF4-FFF2-40B4-BE49-F238E27FC236}">
+                <a16:creationId xmlns:a16="http://schemas.microsoft.com/office/drawing/2014/main" id="{3078C261-1290-4C96-B0F3-7F5867671363}"/>
+              </a:ext>
+            </a:extLst>
+          </p:cNvPr>
+          <p:cNvPicPr>
+            <a:picLocks noChangeAspect="1" noChangeArrowheads="1"/>
+          </p:cNvPicPr>
+          <p:nvPr/>
+        </p:nvPicPr>
+        <p:blipFill>
+          <a:blip r:embed="rId2">
+            <a:extLst>
+              <a:ext uri="{28A0092B-C50C-407E-A947-70E740481C1C}">
+                <a14:useLocalDpi xmlns:a14="http://schemas.microsoft.com/office/drawing/2010/main" val="0"/>
+              </a:ext>
+            </a:extLst>
+          </a:blip>
+          <a:srcRect/>
+          <a:stretch>
+            <a:fillRect/>
+          </a:stretch>
+        </p:blipFill>
+        <p:spPr bwMode="auto">
+          <a:xfrm>
+            <a:off x="10059668" y="5661520"/>
+            <a:ext cx="1923011" cy="952959"/>
+          </a:xfrm>
+          <a:prstGeom prst="rect">
+            <a:avLst/>
+          </a:prstGeom>
+          <a:noFill/>
+          <a:extLst>
+            <a:ext uri="{909E8E84-426E-40DD-AFC4-6F175D3DCCD1}">
+              <a14:hiddenFill xmlns:a14="http://schemas.microsoft.com/office/drawing/2010/main">
+                <a:solidFill>
+                  <a:srgbClr val="FFFFFF"/>
+                </a:solidFill>
+              </a14:hiddenFill>
+            </a:ext>
+          </a:extLst>
+        </p:spPr>
+      </p:pic>
     </p:spTree>
     <p:extLst>
       <p:ext uri="{BB962C8B-B14F-4D97-AF65-F5344CB8AC3E}">
-        <p14:creationId xmlns:p14="http://schemas.microsoft.com/office/powerpoint/2010/main" val="865283392"/>
+        <p14:creationId xmlns:p14="http://schemas.microsoft.com/office/powerpoint/2010/main" val="3022796713"/>
       </p:ext>
     </p:extLst>
   </p:cSld>
@@ -35405,20 +35731,27 @@
         </p:nvSpPr>
         <p:spPr>
           <a:xfrm>
-            <a:off x="1296000" y="720000"/>
-            <a:ext cx="9864000" cy="1165950"/>
+            <a:off x="1296000" y="719999"/>
+            <a:ext cx="9864000" cy="1057285"/>
           </a:xfrm>
         </p:spPr>
         <p:txBody>
           <a:bodyPr anchor="t">
-            <a:normAutofit fontScale="90000"/>
+            <a:normAutofit/>
           </a:bodyPr>
           <a:lstStyle/>
           <a:p>
             <a:r>
               <a:rPr lang="en-US" dirty="0"/>
-              <a:t>Tip 6: Use the same database system in your tests</a:t>
-            </a:r>
+              <a:t>Tip 4: Use bulk operations</a:t>
+            </a:r>
+            <a:endParaRPr lang="en-US" dirty="0">
+              <a:solidFill>
+                <a:srgbClr val="FF0000"/>
+              </a:solidFill>
+              <a:latin typeface="Courier New" panose="02070309020205020404" pitchFamily="49" charset="0"/>
+              <a:cs typeface="Courier New" panose="02070309020205020404" pitchFamily="49" charset="0"/>
+            </a:endParaRPr>
           </a:p>
         </p:txBody>
       </p:sp>
@@ -35456,16 +35789,8 @@
               </a:spcAft>
             </a:pPr>
             <a:r>
-              <a:rPr lang="en-US" sz="2800" dirty="0"/>
-              <a:t>No need for H2, use </a:t>
-            </a:r>
-            <a:r>
-              <a:rPr lang="en-US" sz="2800" i="1" dirty="0" err="1"/>
-              <a:t>Testcontainers</a:t>
-            </a:r>
-            <a:r>
-              <a:rPr lang="en-US" sz="2800" dirty="0"/>
-              <a:t> for integration tests.</a:t>
+              <a:rPr lang="en-US" dirty="0"/>
+              <a:t>Anti-pattern: retrieving entities and updating/deleting them one by one.</a:t>
             </a:r>
           </a:p>
           <a:p>
@@ -35475,8 +35800,8 @@
               </a:spcAft>
             </a:pPr>
             <a:r>
-              <a:rPr lang="en-US" sz="2800" dirty="0"/>
-              <a:t>Ensures that your tests are representative for production.</a:t>
+              <a:rPr lang="en-US" dirty="0"/>
+              <a:t>Try to create an update/delete query for all relevant rows.</a:t>
             </a:r>
           </a:p>
           <a:p>
@@ -35486,25 +35811,30 @@
               </a:spcAft>
             </a:pPr>
             <a:r>
-              <a:rPr lang="en-US" sz="2800" dirty="0"/>
-              <a:t>Allows you to use more database specific features.</a:t>
-            </a:r>
-          </a:p>
-          <a:p>
-            <a:pPr marL="0" indent="0">
+              <a:rPr lang="en-US" dirty="0"/>
+              <a:t>If not possible to write a general query: think about batch processing and Hibernate memory usage.</a:t>
+            </a:r>
+          </a:p>
+          <a:p>
+            <a:pPr lvl="1">
               <a:spcAft>
                 <a:spcPts val="600"/>
               </a:spcAft>
-              <a:buNone/>
-            </a:pPr>
-            <a:endParaRPr lang="en-US" sz="2800" dirty="0"/>
+            </a:pPr>
+            <a:r>
+              <a:rPr lang="en-US" dirty="0">
+                <a:hlinkClick r:id="rId2"/>
+              </a:rPr>
+              <a:t>https://docs.jboss.org/hibernate/core/3.6/reference/en-US/html_single/#batch</a:t>
+            </a:r>
+            <a:endParaRPr lang="en-US" dirty="0"/>
           </a:p>
         </p:txBody>
       </p:sp>
     </p:spTree>
     <p:extLst>
       <p:ext uri="{BB962C8B-B14F-4D97-AF65-F5344CB8AC3E}">
-        <p14:creationId xmlns:p14="http://schemas.microsoft.com/office/powerpoint/2010/main" val="2812624236"/>
+        <p14:creationId xmlns:p14="http://schemas.microsoft.com/office/powerpoint/2010/main" val="3338901119"/>
       </p:ext>
     </p:extLst>
   </p:cSld>
@@ -35561,18 +35891,7 @@
           <a:p>
             <a:r>
               <a:rPr lang="en-US" dirty="0"/>
-              <a:t>Tip 7: Understand </a:t>
-            </a:r>
-            <a:r>
-              <a:rPr lang="en-US" dirty="0">
-                <a:latin typeface="Courier New" panose="02070309020205020404" pitchFamily="49" charset="0"/>
-                <a:cs typeface="Courier New" panose="02070309020205020404" pitchFamily="49" charset="0"/>
-              </a:rPr>
-              <a:t>@Transactional </a:t>
-            </a:r>
-            <a:r>
-              <a:rPr lang="en-US" dirty="0"/>
-              <a:t>semantics</a:t>
+              <a:t>Tip 5: Avoid association fetching anti-patterns</a:t>
             </a:r>
           </a:p>
         </p:txBody>
@@ -35612,89 +35931,77 @@
             </a:pPr>
             <a:r>
               <a:rPr lang="en-US" sz="2800" dirty="0"/>
-              <a:t>Spot the problems:</a:t>
-            </a:r>
-          </a:p>
-          <a:p>
-            <a:pPr lvl="1">
+              <a:t>Open session in view</a:t>
+            </a:r>
+            <a:endParaRPr lang="en-US" sz="2800" dirty="0">
+              <a:latin typeface="Courier New" panose="02070309020205020404" pitchFamily="49" charset="0"/>
+              <a:cs typeface="Courier New" panose="02070309020205020404" pitchFamily="49" charset="0"/>
+            </a:endParaRPr>
+          </a:p>
+          <a:p>
+            <a:pPr>
               <a:spcAft>
                 <a:spcPts val="600"/>
               </a:spcAft>
             </a:pPr>
             <a:r>
-              <a:rPr lang="en-US" sz="2400" dirty="0"/>
-              <a:t>Demo: retrieve all comments</a:t>
-            </a:r>
-          </a:p>
-          <a:p>
-            <a:pPr lvl="1">
+              <a:rPr lang="en-US" sz="2800" dirty="0" err="1">
+                <a:latin typeface="Courier New" panose="02070309020205020404" pitchFamily="49" charset="0"/>
+                <a:cs typeface="Courier New" panose="02070309020205020404" pitchFamily="49" charset="0"/>
+              </a:rPr>
+              <a:t>enable_lazy_load_no_trans</a:t>
+            </a:r>
+            <a:endParaRPr lang="en-US" sz="2800" dirty="0">
+              <a:latin typeface="Courier New" panose="02070309020205020404" pitchFamily="49" charset="0"/>
+              <a:cs typeface="Courier New" panose="02070309020205020404" pitchFamily="49" charset="0"/>
+            </a:endParaRPr>
+          </a:p>
+          <a:p>
+            <a:pPr>
               <a:spcAft>
                 <a:spcPts val="600"/>
               </a:spcAft>
             </a:pPr>
             <a:r>
-              <a:rPr lang="en-US" sz="2400" dirty="0"/>
-              <a:t>Demo: give managers a raise</a:t>
-            </a:r>
-            <a:endParaRPr lang="en-US" sz="2400" dirty="0">
-              <a:solidFill>
-                <a:srgbClr val="FF0000"/>
-              </a:solidFill>
+              <a:rPr lang="en-US" sz="2800" dirty="0" err="1">
+                <a:latin typeface="Courier New" panose="02070309020205020404" pitchFamily="49" charset="0"/>
+                <a:cs typeface="Courier New" panose="02070309020205020404" pitchFamily="49" charset="0"/>
+              </a:rPr>
+              <a:t>FetchType.EAGER</a:t>
+            </a:r>
+            <a:endParaRPr lang="en-US" sz="2800" dirty="0">
+              <a:latin typeface="Courier New" panose="02070309020205020404" pitchFamily="49" charset="0"/>
+              <a:cs typeface="Courier New" panose="02070309020205020404" pitchFamily="49" charset="0"/>
             </a:endParaRPr>
+          </a:p>
+          <a:p>
+            <a:pPr>
+              <a:spcAft>
+                <a:spcPts val="600"/>
+              </a:spcAft>
+            </a:pPr>
+            <a:r>
+              <a:rPr lang="en-US" sz="2800" dirty="0"/>
+              <a:t>Not using </a:t>
+            </a:r>
+            <a:r>
+              <a:rPr lang="en-US" sz="2800" dirty="0">
+                <a:latin typeface="Courier New" panose="02070309020205020404" pitchFamily="49" charset="0"/>
+                <a:cs typeface="Courier New" panose="02070309020205020404" pitchFamily="49" charset="0"/>
+              </a:rPr>
+              <a:t>JOIN FETCH </a:t>
+            </a:r>
+            <a:r>
+              <a:rPr lang="en-US" sz="2800" dirty="0"/>
+              <a:t>directive if necessary to avoid the N+1 problem.</a:t>
+            </a:r>
           </a:p>
         </p:txBody>
       </p:sp>
-      <p:pic>
-        <p:nvPicPr>
-          <p:cNvPr id="4" name="Picture 2" descr="22,947 Demo Foto's, Afbeeldingen en Stock Fotografie - 123RF">
-            <a:extLst>
-              <a:ext uri="{FF2B5EF4-FFF2-40B4-BE49-F238E27FC236}">
-                <a16:creationId xmlns:a16="http://schemas.microsoft.com/office/drawing/2014/main" id="{87FF1B22-1B3E-4538-B78C-F1254AD75764}"/>
-              </a:ext>
-            </a:extLst>
-          </p:cNvPr>
-          <p:cNvPicPr>
-            <a:picLocks noChangeAspect="1" noChangeArrowheads="1"/>
-          </p:cNvPicPr>
-          <p:nvPr/>
-        </p:nvPicPr>
-        <p:blipFill>
-          <a:blip r:embed="rId2">
-            <a:extLst>
-              <a:ext uri="{28A0092B-C50C-407E-A947-70E740481C1C}">
-                <a14:useLocalDpi xmlns:a14="http://schemas.microsoft.com/office/drawing/2010/main" val="0"/>
-              </a:ext>
-            </a:extLst>
-          </a:blip>
-          <a:srcRect/>
-          <a:stretch>
-            <a:fillRect/>
-          </a:stretch>
-        </p:blipFill>
-        <p:spPr bwMode="auto">
-          <a:xfrm>
-            <a:off x="10059668" y="5661520"/>
-            <a:ext cx="1923011" cy="952959"/>
-          </a:xfrm>
-          <a:prstGeom prst="rect">
-            <a:avLst/>
-          </a:prstGeom>
-          <a:noFill/>
-          <a:extLst>
-            <a:ext uri="{909E8E84-426E-40DD-AFC4-6F175D3DCCD1}">
-              <a14:hiddenFill xmlns:a14="http://schemas.microsoft.com/office/drawing/2010/main">
-                <a:solidFill>
-                  <a:srgbClr val="FFFFFF"/>
-                </a:solidFill>
-              </a14:hiddenFill>
-            </a:ext>
-          </a:extLst>
-        </p:spPr>
-      </p:pic>
     </p:spTree>
     <p:extLst>
       <p:ext uri="{BB962C8B-B14F-4D97-AF65-F5344CB8AC3E}">
-        <p14:creationId xmlns:p14="http://schemas.microsoft.com/office/powerpoint/2010/main" val="730571193"/>
+        <p14:creationId xmlns:p14="http://schemas.microsoft.com/office/powerpoint/2010/main" val="865283392"/>
       </p:ext>
     </p:extLst>
   </p:cSld>
@@ -35740,7 +36047,7 @@
         <p:spPr>
           <a:xfrm>
             <a:off x="1296000" y="720000"/>
-            <a:ext cx="9864000" cy="681480"/>
+            <a:ext cx="9864000" cy="1165950"/>
           </a:xfrm>
         </p:spPr>
         <p:txBody>
@@ -35751,73 +36058,94 @@
           <a:p>
             <a:r>
               <a:rPr lang="en-US" dirty="0"/>
-              <a:t>Tip 7: Understand </a:t>
-            </a:r>
-            <a:r>
-              <a:rPr lang="en-US" dirty="0">
-                <a:latin typeface="Courier New" panose="02070309020205020404" pitchFamily="49" charset="0"/>
-                <a:cs typeface="Courier New" panose="02070309020205020404" pitchFamily="49" charset="0"/>
-              </a:rPr>
-              <a:t>@Transactional </a:t>
-            </a:r>
-            <a:r>
-              <a:rPr lang="en-US" dirty="0"/>
-              <a:t>semantics</a:t>
+              <a:t>Tip 6: Use the same database system in your tests</a:t>
             </a:r>
           </a:p>
         </p:txBody>
       </p:sp>
-      <p:pic>
-        <p:nvPicPr>
-          <p:cNvPr id="2050" name="Picture 2" descr="A beginner's guide to entity state transitions with JPA and Hibernate -  Vlad Mihalcea">
+      <p:sp>
+        <p:nvSpPr>
+          <p:cNvPr id="13" name="Text Placeholder 2">
             <a:extLst>
               <a:ext uri="{FF2B5EF4-FFF2-40B4-BE49-F238E27FC236}">
-                <a16:creationId xmlns:a16="http://schemas.microsoft.com/office/drawing/2014/main" id="{381D251D-9E80-43FA-9B7D-273D35E1892C}"/>
+                <a16:creationId xmlns:a16="http://schemas.microsoft.com/office/drawing/2014/main" id="{5AFACC08-6E7F-14DD-D1E6-54973126E7AF}"/>
               </a:ext>
             </a:extLst>
           </p:cNvPr>
-          <p:cNvPicPr>
-            <a:picLocks noChangeAspect="1" noChangeArrowheads="1"/>
-          </p:cNvPicPr>
-          <p:nvPr/>
-        </p:nvPicPr>
-        <p:blipFill>
-          <a:blip r:embed="rId2">
-            <a:extLst>
-              <a:ext uri="{28A0092B-C50C-407E-A947-70E740481C1C}">
-                <a14:useLocalDpi xmlns:a14="http://schemas.microsoft.com/office/drawing/2010/main" val="0"/>
-              </a:ext>
-            </a:extLst>
-          </a:blip>
-          <a:srcRect/>
-          <a:stretch>
-            <a:fillRect/>
-          </a:stretch>
-        </p:blipFill>
-        <p:spPr bwMode="auto">
+          <p:cNvSpPr>
+            <a:spLocks noGrp="1"/>
+          </p:cNvSpPr>
+          <p:nvPr>
+            <p:ph type="body" sz="quarter" idx="10"/>
+          </p:nvPr>
+        </p:nvSpPr>
+        <p:spPr>
           <a:xfrm>
-            <a:off x="2690812" y="2108869"/>
-            <a:ext cx="6810375" cy="4333875"/>
+            <a:off x="1296000" y="2105696"/>
+            <a:ext cx="9864000" cy="3632163"/>
           </a:xfrm>
-          <a:prstGeom prst="rect">
-            <a:avLst/>
-          </a:prstGeom>
-          <a:noFill/>
-          <a:extLst>
-            <a:ext uri="{909E8E84-426E-40DD-AFC4-6F175D3DCCD1}">
-              <a14:hiddenFill xmlns:a14="http://schemas.microsoft.com/office/drawing/2010/main">
-                <a:solidFill>
-                  <a:srgbClr val="FFFFFF"/>
-                </a:solidFill>
-              </a14:hiddenFill>
-            </a:ext>
-          </a:extLst>
         </p:spPr>
-      </p:pic>
+        <p:txBody>
+          <a:bodyPr>
+            <a:normAutofit/>
+          </a:bodyPr>
+          <a:lstStyle/>
+          <a:p>
+            <a:pPr>
+              <a:spcAft>
+                <a:spcPts val="600"/>
+              </a:spcAft>
+            </a:pPr>
+            <a:r>
+              <a:rPr lang="en-US" sz="2800" dirty="0"/>
+              <a:t>No need for H2, use </a:t>
+            </a:r>
+            <a:r>
+              <a:rPr lang="en-US" sz="2800" i="1" dirty="0" err="1"/>
+              <a:t>Testcontainers</a:t>
+            </a:r>
+            <a:r>
+              <a:rPr lang="en-US" sz="2800" dirty="0"/>
+              <a:t> for integration tests.</a:t>
+            </a:r>
+          </a:p>
+          <a:p>
+            <a:pPr>
+              <a:spcAft>
+                <a:spcPts val="600"/>
+              </a:spcAft>
+            </a:pPr>
+            <a:r>
+              <a:rPr lang="en-US" sz="2800" dirty="0"/>
+              <a:t>Ensures that your tests are representative for production.</a:t>
+            </a:r>
+          </a:p>
+          <a:p>
+            <a:pPr>
+              <a:spcAft>
+                <a:spcPts val="600"/>
+              </a:spcAft>
+            </a:pPr>
+            <a:r>
+              <a:rPr lang="en-US" sz="2800" dirty="0"/>
+              <a:t>Allows you to use more database specific features.</a:t>
+            </a:r>
+          </a:p>
+          <a:p>
+            <a:pPr marL="0" indent="0">
+              <a:spcAft>
+                <a:spcPts val="600"/>
+              </a:spcAft>
+              <a:buNone/>
+            </a:pPr>
+            <a:endParaRPr lang="en-US" sz="2800" dirty="0"/>
+          </a:p>
+        </p:txBody>
+      </p:sp>
     </p:spTree>
     <p:extLst>
       <p:ext uri="{BB962C8B-B14F-4D97-AF65-F5344CB8AC3E}">
-        <p14:creationId xmlns:p14="http://schemas.microsoft.com/office/powerpoint/2010/main" val="1820933201"/>
+        <p14:creationId xmlns:p14="http://schemas.microsoft.com/office/powerpoint/2010/main" val="2812624236"/>
       </p:ext>
     </p:extLst>
   </p:cSld>
@@ -35874,7 +36202,18 @@
           <a:p>
             <a:r>
               <a:rPr lang="en-US" dirty="0"/>
-              <a:t>Tip 8: Use DTOs in the web layer, not entities</a:t>
+              <a:t>Tip 7: Understand </a:t>
+            </a:r>
+            <a:r>
+              <a:rPr lang="en-US" dirty="0">
+                <a:latin typeface="Courier New" panose="02070309020205020404" pitchFamily="49" charset="0"/>
+                <a:cs typeface="Courier New" panose="02070309020205020404" pitchFamily="49" charset="0"/>
+              </a:rPr>
+              <a:t>@Transactional </a:t>
+            </a:r>
+            <a:r>
+              <a:rPr lang="en-US" dirty="0"/>
+              <a:t>semantics</a:t>
             </a:r>
           </a:p>
         </p:txBody>
@@ -35913,35 +36252,90 @@
               </a:spcAft>
             </a:pPr>
             <a:r>
-              <a:rPr lang="en-US" dirty="0"/>
-              <a:t>Always map entities to a </a:t>
-            </a:r>
-            <a:r>
-              <a:rPr lang="en-US" i="1" dirty="0"/>
-              <a:t>data transfer object </a:t>
-            </a:r>
-            <a:r>
-              <a:rPr lang="en-US" dirty="0"/>
-              <a:t>(DTO).</a:t>
-            </a:r>
-          </a:p>
-          <a:p>
-            <a:pPr>
+              <a:rPr lang="en-US" sz="2800" dirty="0"/>
+              <a:t>Spot the problems:</a:t>
+            </a:r>
+          </a:p>
+          <a:p>
+            <a:pPr lvl="1">
               <a:spcAft>
                 <a:spcPts val="600"/>
               </a:spcAft>
             </a:pPr>
             <a:r>
-              <a:rPr lang="en-US" dirty="0"/>
-              <a:t>Avoid security leaks and have a separation between the database model and the web model.</a:t>
-            </a:r>
+              <a:rPr lang="en-US" sz="2400" dirty="0"/>
+              <a:t>Demo: retrieve all comments</a:t>
+            </a:r>
+          </a:p>
+          <a:p>
+            <a:pPr lvl="1">
+              <a:spcAft>
+                <a:spcPts val="600"/>
+              </a:spcAft>
+            </a:pPr>
+            <a:r>
+              <a:rPr lang="en-US" sz="2400" dirty="0"/>
+              <a:t>Demo: give managers a raise</a:t>
+            </a:r>
+            <a:endParaRPr lang="en-US" sz="2400" dirty="0">
+              <a:solidFill>
+                <a:srgbClr val="FF0000"/>
+              </a:solidFill>
+            </a:endParaRPr>
           </a:p>
         </p:txBody>
       </p:sp>
+      <p:pic>
+        <p:nvPicPr>
+          <p:cNvPr id="4" name="Picture 2" descr="22,947 Demo Foto's, Afbeeldingen en Stock Fotografie - 123RF">
+            <a:extLst>
+              <a:ext uri="{FF2B5EF4-FFF2-40B4-BE49-F238E27FC236}">
+                <a16:creationId xmlns:a16="http://schemas.microsoft.com/office/drawing/2014/main" id="{87FF1B22-1B3E-4538-B78C-F1254AD75764}"/>
+              </a:ext>
+            </a:extLst>
+          </p:cNvPr>
+          <p:cNvPicPr>
+            <a:picLocks noChangeAspect="1" noChangeArrowheads="1"/>
+          </p:cNvPicPr>
+          <p:nvPr/>
+        </p:nvPicPr>
+        <p:blipFill>
+          <a:blip r:embed="rId2">
+            <a:extLst>
+              <a:ext uri="{28A0092B-C50C-407E-A947-70E740481C1C}">
+                <a14:useLocalDpi xmlns:a14="http://schemas.microsoft.com/office/drawing/2010/main" val="0"/>
+              </a:ext>
+            </a:extLst>
+          </a:blip>
+          <a:srcRect/>
+          <a:stretch>
+            <a:fillRect/>
+          </a:stretch>
+        </p:blipFill>
+        <p:spPr bwMode="auto">
+          <a:xfrm>
+            <a:off x="10059668" y="5661520"/>
+            <a:ext cx="1923011" cy="952959"/>
+          </a:xfrm>
+          <a:prstGeom prst="rect">
+            <a:avLst/>
+          </a:prstGeom>
+          <a:noFill/>
+          <a:extLst>
+            <a:ext uri="{909E8E84-426E-40DD-AFC4-6F175D3DCCD1}">
+              <a14:hiddenFill xmlns:a14="http://schemas.microsoft.com/office/drawing/2010/main">
+                <a:solidFill>
+                  <a:srgbClr val="FFFFFF"/>
+                </a:solidFill>
+              </a14:hiddenFill>
+            </a:ext>
+          </a:extLst>
+        </p:spPr>
+      </p:pic>
     </p:spTree>
     <p:extLst>
       <p:ext uri="{BB962C8B-B14F-4D97-AF65-F5344CB8AC3E}">
-        <p14:creationId xmlns:p14="http://schemas.microsoft.com/office/powerpoint/2010/main" val="3288774039"/>
+        <p14:creationId xmlns:p14="http://schemas.microsoft.com/office/powerpoint/2010/main" val="730571193"/>
       </p:ext>
     </p:extLst>
   </p:cSld>
@@ -35986,8 +36380,8 @@
         </p:nvSpPr>
         <p:spPr>
           <a:xfrm>
-            <a:off x="1296000" y="719999"/>
-            <a:ext cx="9864000" cy="1226031"/>
+            <a:off x="1296000" y="720000"/>
+            <a:ext cx="9864000" cy="681480"/>
           </a:xfrm>
         </p:spPr>
         <p:txBody>
@@ -35998,153 +36392,28 @@
           <a:p>
             <a:r>
               <a:rPr lang="en-US" dirty="0"/>
-              <a:t>Tip 9: Use </a:t>
-            </a:r>
-            <a:r>
-              <a:rPr lang="en-US" dirty="0" err="1">
-                <a:latin typeface="Courier New" panose="02070309020205020404" pitchFamily="49" charset="0"/>
-                <a:cs typeface="Courier New" panose="02070309020205020404" pitchFamily="49" charset="0"/>
-              </a:rPr>
-              <a:t>getReferenceById</a:t>
-            </a:r>
-            <a:r>
-              <a:rPr lang="en-US" dirty="0"/>
-              <a:t> instead of </a:t>
-            </a:r>
-            <a:r>
-              <a:rPr lang="en-US" dirty="0" err="1">
-                <a:latin typeface="Courier New" panose="02070309020205020404" pitchFamily="49" charset="0"/>
-                <a:cs typeface="Courier New" panose="02070309020205020404" pitchFamily="49" charset="0"/>
-              </a:rPr>
-              <a:t>findById</a:t>
-            </a:r>
-            <a:r>
-              <a:rPr lang="en-US" dirty="0"/>
-              <a:t> if you don’t need the entity contents</a:t>
-            </a:r>
-            <a:endParaRPr lang="en-US" dirty="0">
-              <a:latin typeface="Courier New" panose="02070309020205020404" pitchFamily="49" charset="0"/>
-              <a:cs typeface="Courier New" panose="02070309020205020404" pitchFamily="49" charset="0"/>
-            </a:endParaRPr>
-          </a:p>
-        </p:txBody>
-      </p:sp>
-      <p:sp>
-        <p:nvSpPr>
-          <p:cNvPr id="13" name="Text Placeholder 2">
-            <a:extLst>
-              <a:ext uri="{FF2B5EF4-FFF2-40B4-BE49-F238E27FC236}">
-                <a16:creationId xmlns:a16="http://schemas.microsoft.com/office/drawing/2014/main" id="{5AFACC08-6E7F-14DD-D1E6-54973126E7AF}"/>
-              </a:ext>
-            </a:extLst>
-          </p:cNvPr>
-          <p:cNvSpPr>
-            <a:spLocks noGrp="1"/>
-          </p:cNvSpPr>
-          <p:nvPr>
-            <p:ph type="body" sz="quarter" idx="10"/>
-          </p:nvPr>
-        </p:nvSpPr>
-        <p:spPr>
-          <a:xfrm>
-            <a:off x="1296000" y="2105696"/>
-            <a:ext cx="9864000" cy="3632163"/>
-          </a:xfrm>
-        </p:spPr>
-        <p:txBody>
-          <a:bodyPr>
-            <a:normAutofit/>
-          </a:bodyPr>
-          <a:lstStyle/>
-          <a:p>
-            <a:pPr>
-              <a:spcAft>
-                <a:spcPts val="600"/>
-              </a:spcAft>
-            </a:pPr>
-            <a:r>
-              <a:rPr lang="en-US" dirty="0" err="1">
-                <a:latin typeface="Courier New" panose="02070309020205020404" pitchFamily="49" charset="0"/>
-                <a:cs typeface="Courier New" panose="02070309020205020404" pitchFamily="49" charset="0"/>
-              </a:rPr>
-              <a:t>getReferenceById</a:t>
-            </a:r>
-            <a:r>
-              <a:rPr lang="en-US" dirty="0"/>
-              <a:t> returns a proxied </a:t>
-            </a:r>
-            <a:r>
-              <a:rPr lang="en-US" i="1" dirty="0"/>
-              <a:t>reference</a:t>
-            </a:r>
-            <a:r>
-              <a:rPr lang="en-US" dirty="0"/>
-              <a:t> to an entity, it doesn’t go to the database.</a:t>
-            </a:r>
-          </a:p>
-          <a:p>
-            <a:pPr>
-              <a:spcAft>
-                <a:spcPts val="600"/>
-              </a:spcAft>
-            </a:pPr>
-            <a:r>
-              <a:rPr lang="en-US" dirty="0"/>
-              <a:t>You can use getters on the proxied reference, but this triggers lazy loading.</a:t>
-            </a:r>
-          </a:p>
-          <a:p>
-            <a:pPr>
-              <a:spcAft>
-                <a:spcPts val="600"/>
-              </a:spcAft>
-            </a:pPr>
-            <a:r>
-              <a:rPr lang="en-US" dirty="0"/>
-              <a:t>Perfect when you only need the entity for establishing a relationship.</a:t>
-            </a:r>
-          </a:p>
-          <a:p>
-            <a:pPr lvl="1">
-              <a:spcAft>
-                <a:spcPts val="600"/>
-              </a:spcAft>
-            </a:pPr>
-            <a:r>
-              <a:rPr lang="en-US" dirty="0"/>
-              <a:t>Example: Inserting a </a:t>
-            </a:r>
-            <a:r>
-              <a:rPr lang="en-US" dirty="0" err="1">
-                <a:latin typeface="Courier New" panose="02070309020205020404" pitchFamily="49" charset="0"/>
-                <a:cs typeface="Courier New" panose="02070309020205020404" pitchFamily="49" charset="0"/>
-              </a:rPr>
-              <a:t>PostComment</a:t>
-            </a:r>
-            <a:r>
-              <a:rPr lang="en-US" dirty="0"/>
-              <a:t> for a </a:t>
+              <a:t>Tip 7: Understand </a:t>
             </a:r>
             <a:r>
               <a:rPr lang="en-US" dirty="0">
                 <a:latin typeface="Courier New" panose="02070309020205020404" pitchFamily="49" charset="0"/>
                 <a:cs typeface="Courier New" panose="02070309020205020404" pitchFamily="49" charset="0"/>
               </a:rPr>
-              <a:t>Post</a:t>
+              <a:t>@Transactional </a:t>
             </a:r>
             <a:r>
               <a:rPr lang="en-US" dirty="0"/>
-              <a:t>.</a:t>
+              <a:t>semantics</a:t>
             </a:r>
           </a:p>
         </p:txBody>
       </p:sp>
       <p:pic>
         <p:nvPicPr>
-          <p:cNvPr id="2" name="Picture 2" descr="22,947 Demo Foto's, Afbeeldingen en Stock Fotografie - 123RF">
+          <p:cNvPr id="2050" name="Picture 2" descr="A beginner's guide to entity state transitions with JPA and Hibernate -  Vlad Mihalcea">
             <a:extLst>
               <a:ext uri="{FF2B5EF4-FFF2-40B4-BE49-F238E27FC236}">
-                <a16:creationId xmlns:a16="http://schemas.microsoft.com/office/drawing/2014/main" id="{91D385B1-3DE8-9E8A-3E89-F4FC39CE1F93}"/>
+                <a16:creationId xmlns:a16="http://schemas.microsoft.com/office/drawing/2014/main" id="{381D251D-9E80-43FA-9B7D-273D35E1892C}"/>
               </a:ext>
             </a:extLst>
           </p:cNvPr>
@@ -36154,7 +36423,7 @@
           <p:nvPr/>
         </p:nvPicPr>
         <p:blipFill>
-          <a:blip r:embed="rId3">
+          <a:blip r:embed="rId2">
             <a:extLst>
               <a:ext uri="{28A0092B-C50C-407E-A947-70E740481C1C}">
                 <a14:useLocalDpi xmlns:a14="http://schemas.microsoft.com/office/drawing/2010/main" val="0"/>
@@ -36168,8 +36437,8 @@
         </p:blipFill>
         <p:spPr bwMode="auto">
           <a:xfrm>
-            <a:off x="10059668" y="5661520"/>
-            <a:ext cx="1923011" cy="952959"/>
+            <a:off x="2690812" y="2108869"/>
+            <a:ext cx="6810375" cy="4333875"/>
           </a:xfrm>
           <a:prstGeom prst="rect">
             <a:avLst/>
@@ -36189,7 +36458,7 @@
     </p:spTree>
     <p:extLst>
       <p:ext uri="{BB962C8B-B14F-4D97-AF65-F5344CB8AC3E}">
-        <p14:creationId xmlns:p14="http://schemas.microsoft.com/office/powerpoint/2010/main" val="2468397319"/>
+        <p14:creationId xmlns:p14="http://schemas.microsoft.com/office/powerpoint/2010/main" val="1820933201"/>
       </p:ext>
     </p:extLst>
   </p:cSld>
@@ -36240,68 +36509,80 @@
         </p:spPr>
         <p:txBody>
           <a:bodyPr anchor="t">
+            <a:normAutofit fontScale="90000"/>
+          </a:bodyPr>
+          <a:lstStyle/>
+          <a:p>
+            <a:r>
+              <a:rPr lang="en-US" dirty="0"/>
+              <a:t>Tip 8: Use DTOs in the web layer, not entities</a:t>
+            </a:r>
+          </a:p>
+        </p:txBody>
+      </p:sp>
+      <p:sp>
+        <p:nvSpPr>
+          <p:cNvPr id="13" name="Text Placeholder 2">
+            <a:extLst>
+              <a:ext uri="{FF2B5EF4-FFF2-40B4-BE49-F238E27FC236}">
+                <a16:creationId xmlns:a16="http://schemas.microsoft.com/office/drawing/2014/main" id="{5AFACC08-6E7F-14DD-D1E6-54973126E7AF}"/>
+              </a:ext>
+            </a:extLst>
+          </p:cNvPr>
+          <p:cNvSpPr>
+            <a:spLocks noGrp="1"/>
+          </p:cNvSpPr>
+          <p:nvPr>
+            <p:ph type="body" sz="quarter" idx="10"/>
+          </p:nvPr>
+        </p:nvSpPr>
+        <p:spPr>
+          <a:xfrm>
+            <a:off x="1296000" y="2105696"/>
+            <a:ext cx="9864000" cy="3632163"/>
+          </a:xfrm>
+        </p:spPr>
+        <p:txBody>
+          <a:bodyPr>
             <a:normAutofit/>
           </a:bodyPr>
           <a:lstStyle/>
           <a:p>
+            <a:pPr>
+              <a:spcAft>
+                <a:spcPts val="600"/>
+              </a:spcAft>
+            </a:pPr>
             <a:r>
               <a:rPr lang="en-US" dirty="0"/>
-              <a:t>Tip 10: Don’t trust Stack Overflow blindly</a:t>
+              <a:t>Always map entities to a </a:t>
+            </a:r>
+            <a:r>
+              <a:rPr lang="en-US" i="1" dirty="0"/>
+              <a:t>data transfer object </a:t>
+            </a:r>
+            <a:r>
+              <a:rPr lang="en-US" dirty="0"/>
+              <a:t>(DTO).</a:t>
+            </a:r>
+          </a:p>
+          <a:p>
+            <a:pPr>
+              <a:spcAft>
+                <a:spcPts val="600"/>
+              </a:spcAft>
+            </a:pPr>
+            <a:r>
+              <a:rPr lang="en-US" dirty="0"/>
+              <a:t>Avoid security leaks and have a separation between the database model and the web model.</a:t>
             </a:r>
           </a:p>
         </p:txBody>
       </p:sp>
-      <p:pic>
-        <p:nvPicPr>
-          <p:cNvPr id="1026" name="Picture 2" descr="25 More StackOverflow Programming Memes That All Devs Can Relate To | by  Sheetal | JavaScript in Plain English">
-            <a:extLst>
-              <a:ext uri="{FF2B5EF4-FFF2-40B4-BE49-F238E27FC236}">
-                <a16:creationId xmlns:a16="http://schemas.microsoft.com/office/drawing/2014/main" id="{7E158610-EAEB-45B5-58B8-E63CBFCCC40C}"/>
-              </a:ext>
-            </a:extLst>
-          </p:cNvPr>
-          <p:cNvPicPr>
-            <a:picLocks noChangeAspect="1" noChangeArrowheads="1"/>
-          </p:cNvPicPr>
-          <p:nvPr/>
-        </p:nvPicPr>
-        <p:blipFill>
-          <a:blip r:embed="rId2">
-            <a:extLst>
-              <a:ext uri="{28A0092B-C50C-407E-A947-70E740481C1C}">
-                <a14:useLocalDpi xmlns:a14="http://schemas.microsoft.com/office/drawing/2010/main" val="0"/>
-              </a:ext>
-            </a:extLst>
-          </a:blip>
-          <a:srcRect/>
-          <a:stretch>
-            <a:fillRect/>
-          </a:stretch>
-        </p:blipFill>
-        <p:spPr bwMode="auto">
-          <a:xfrm>
-            <a:off x="4125156" y="1734397"/>
-            <a:ext cx="3941687" cy="4403603"/>
-          </a:xfrm>
-          <a:prstGeom prst="rect">
-            <a:avLst/>
-          </a:prstGeom>
-          <a:noFill/>
-          <a:extLst>
-            <a:ext uri="{909E8E84-426E-40DD-AFC4-6F175D3DCCD1}">
-              <a14:hiddenFill xmlns:a14="http://schemas.microsoft.com/office/drawing/2010/main">
-                <a:solidFill>
-                  <a:srgbClr val="FFFFFF"/>
-                </a:solidFill>
-              </a14:hiddenFill>
-            </a:ext>
-          </a:extLst>
-        </p:spPr>
-      </p:pic>
     </p:spTree>
     <p:extLst>
       <p:ext uri="{BB962C8B-B14F-4D97-AF65-F5344CB8AC3E}">
-        <p14:creationId xmlns:p14="http://schemas.microsoft.com/office/powerpoint/2010/main" val="3263293339"/>
+        <p14:creationId xmlns:p14="http://schemas.microsoft.com/office/powerpoint/2010/main" val="3288774039"/>
       </p:ext>
     </p:extLst>
   </p:cSld>
@@ -36346,29 +36627,55 @@
         </p:nvSpPr>
         <p:spPr>
           <a:xfrm>
-            <a:off x="1296000" y="720000"/>
-            <a:ext cx="9864000" cy="681480"/>
+            <a:off x="1296000" y="719999"/>
+            <a:ext cx="9864000" cy="1226031"/>
           </a:xfrm>
         </p:spPr>
         <p:txBody>
           <a:bodyPr anchor="t">
-            <a:normAutofit/>
+            <a:normAutofit fontScale="90000"/>
           </a:bodyPr>
           <a:lstStyle/>
           <a:p>
             <a:r>
               <a:rPr lang="en-US" dirty="0"/>
-              <a:t>In conclusion…</a:t>
-            </a:r>
+              <a:t>Tip 9: Use </a:t>
+            </a:r>
+            <a:r>
+              <a:rPr lang="en-US" dirty="0" err="1">
+                <a:latin typeface="Courier New" panose="02070309020205020404" pitchFamily="49" charset="0"/>
+                <a:cs typeface="Courier New" panose="02070309020205020404" pitchFamily="49" charset="0"/>
+              </a:rPr>
+              <a:t>getReferenceById</a:t>
+            </a:r>
+            <a:r>
+              <a:rPr lang="en-US" dirty="0"/>
+              <a:t> instead of </a:t>
+            </a:r>
+            <a:r>
+              <a:rPr lang="en-US" dirty="0" err="1">
+                <a:latin typeface="Courier New" panose="02070309020205020404" pitchFamily="49" charset="0"/>
+                <a:cs typeface="Courier New" panose="02070309020205020404" pitchFamily="49" charset="0"/>
+              </a:rPr>
+              <a:t>findById</a:t>
+            </a:r>
+            <a:r>
+              <a:rPr lang="en-US" dirty="0"/>
+              <a:t> if you don’t need the entity contents</a:t>
+            </a:r>
+            <a:endParaRPr lang="en-US" dirty="0">
+              <a:latin typeface="Courier New" panose="02070309020205020404" pitchFamily="49" charset="0"/>
+              <a:cs typeface="Courier New" panose="02070309020205020404" pitchFamily="49" charset="0"/>
+            </a:endParaRPr>
           </a:p>
         </p:txBody>
       </p:sp>
       <p:sp>
         <p:nvSpPr>
-          <p:cNvPr id="2" name="Text Placeholder 2">
+          <p:cNvPr id="13" name="Text Placeholder 2">
             <a:extLst>
               <a:ext uri="{FF2B5EF4-FFF2-40B4-BE49-F238E27FC236}">
-                <a16:creationId xmlns:a16="http://schemas.microsoft.com/office/drawing/2014/main" id="{E76B2B10-35AE-700A-1739-C269C75E032B}"/>
+                <a16:creationId xmlns:a16="http://schemas.microsoft.com/office/drawing/2014/main" id="{5AFACC08-6E7F-14DD-D1E6-54973126E7AF}"/>
               </a:ext>
             </a:extLst>
           </p:cNvPr>
@@ -36381,8 +36688,8 @@
         </p:nvSpPr>
         <p:spPr>
           <a:xfrm>
-            <a:off x="753036" y="1734397"/>
-            <a:ext cx="11037346" cy="4494281"/>
+            <a:off x="1296000" y="2105696"/>
+            <a:ext cx="9864000" cy="3632163"/>
           </a:xfrm>
         </p:spPr>
         <p:txBody>
@@ -36397,8 +36704,23 @@
               </a:spcAft>
             </a:pPr>
             <a:r>
-              <a:rPr lang="en-US" sz="2800" dirty="0"/>
-              <a:t>All my advice is a nuanced story…</a:t>
+              <a:rPr lang="en-US" dirty="0" err="1">
+                <a:latin typeface="Courier New" panose="02070309020205020404" pitchFamily="49" charset="0"/>
+                <a:cs typeface="Courier New" panose="02070309020205020404" pitchFamily="49" charset="0"/>
+              </a:rPr>
+              <a:t>getReferenceById</a:t>
+            </a:r>
+            <a:r>
+              <a:rPr lang="en-US" dirty="0"/>
+              <a:t> returns a proxied </a:t>
+            </a:r>
+            <a:r>
+              <a:rPr lang="en-US" i="1" dirty="0"/>
+              <a:t>reference</a:t>
+            </a:r>
+            <a:r>
+              <a:rPr lang="en-US" dirty="0"/>
+              <a:t> to an entity, it doesn’t go to the database.</a:t>
             </a:r>
           </a:p>
           <a:p>
@@ -36408,8 +36730,8 @@
               </a:spcAft>
             </a:pPr>
             <a:r>
-              <a:rPr lang="en-US" sz="2800" dirty="0"/>
-              <a:t>Important to realize that using JPA comes with a performance impact.</a:t>
+              <a:rPr lang="en-US" dirty="0"/>
+              <a:t>You can use getters on the proxied reference, but this triggers lazy loading.</a:t>
             </a:r>
           </a:p>
           <a:p>
@@ -36419,27 +36741,96 @@
               </a:spcAft>
             </a:pPr>
             <a:r>
-              <a:rPr lang="en-US" sz="2800" dirty="0"/>
-              <a:t>Don’t be afraid to utilize JPA!</a:t>
-            </a:r>
-          </a:p>
-          <a:p>
-            <a:pPr>
+              <a:rPr lang="en-US" dirty="0"/>
+              <a:t>Perfect when you only need the entity for establishing a relationship.</a:t>
+            </a:r>
+          </a:p>
+          <a:p>
+            <a:pPr lvl="1">
               <a:spcAft>
                 <a:spcPts val="600"/>
               </a:spcAft>
             </a:pPr>
             <a:r>
-              <a:rPr lang="en-US" sz="2800" dirty="0"/>
-              <a:t>Awareness is the most important: know what JPA does for you behind the scenes.</a:t>
+              <a:rPr lang="en-US" dirty="0"/>
+              <a:t>Example: Inserting a </a:t>
+            </a:r>
+            <a:r>
+              <a:rPr lang="en-US" dirty="0" err="1">
+                <a:latin typeface="Courier New" panose="02070309020205020404" pitchFamily="49" charset="0"/>
+                <a:cs typeface="Courier New" panose="02070309020205020404" pitchFamily="49" charset="0"/>
+              </a:rPr>
+              <a:t>PostComment</a:t>
+            </a:r>
+            <a:r>
+              <a:rPr lang="en-US" dirty="0"/>
+              <a:t> for a </a:t>
+            </a:r>
+            <a:r>
+              <a:rPr lang="en-US" dirty="0">
+                <a:latin typeface="Courier New" panose="02070309020205020404" pitchFamily="49" charset="0"/>
+                <a:cs typeface="Courier New" panose="02070309020205020404" pitchFamily="49" charset="0"/>
+              </a:rPr>
+              <a:t>Post</a:t>
+            </a:r>
+            <a:r>
+              <a:rPr lang="en-US" dirty="0"/>
+              <a:t>.</a:t>
             </a:r>
           </a:p>
         </p:txBody>
       </p:sp>
+      <p:pic>
+        <p:nvPicPr>
+          <p:cNvPr id="2" name="Picture 2" descr="22,947 Demo Foto's, Afbeeldingen en Stock Fotografie - 123RF">
+            <a:extLst>
+              <a:ext uri="{FF2B5EF4-FFF2-40B4-BE49-F238E27FC236}">
+                <a16:creationId xmlns:a16="http://schemas.microsoft.com/office/drawing/2014/main" id="{91D385B1-3DE8-9E8A-3E89-F4FC39CE1F93}"/>
+              </a:ext>
+            </a:extLst>
+          </p:cNvPr>
+          <p:cNvPicPr>
+            <a:picLocks noChangeAspect="1" noChangeArrowheads="1"/>
+          </p:cNvPicPr>
+          <p:nvPr/>
+        </p:nvPicPr>
+        <p:blipFill>
+          <a:blip r:embed="rId3">
+            <a:extLst>
+              <a:ext uri="{28A0092B-C50C-407E-A947-70E740481C1C}">
+                <a14:useLocalDpi xmlns:a14="http://schemas.microsoft.com/office/drawing/2010/main" val="0"/>
+              </a:ext>
+            </a:extLst>
+          </a:blip>
+          <a:srcRect/>
+          <a:stretch>
+            <a:fillRect/>
+          </a:stretch>
+        </p:blipFill>
+        <p:spPr bwMode="auto">
+          <a:xfrm>
+            <a:off x="10059668" y="5661520"/>
+            <a:ext cx="1923011" cy="952959"/>
+          </a:xfrm>
+          <a:prstGeom prst="rect">
+            <a:avLst/>
+          </a:prstGeom>
+          <a:noFill/>
+          <a:extLst>
+            <a:ext uri="{909E8E84-426E-40DD-AFC4-6F175D3DCCD1}">
+              <a14:hiddenFill xmlns:a14="http://schemas.microsoft.com/office/drawing/2010/main">
+                <a:solidFill>
+                  <a:srgbClr val="FFFFFF"/>
+                </a:solidFill>
+              </a14:hiddenFill>
+            </a:ext>
+          </a:extLst>
+        </p:spPr>
+      </p:pic>
     </p:spTree>
     <p:extLst>
       <p:ext uri="{BB962C8B-B14F-4D97-AF65-F5344CB8AC3E}">
-        <p14:creationId xmlns:p14="http://schemas.microsoft.com/office/powerpoint/2010/main" val="658915625"/>
+        <p14:creationId xmlns:p14="http://schemas.microsoft.com/office/powerpoint/2010/main" val="2468397319"/>
       </p:ext>
     </p:extLst>
   </p:cSld>
@@ -36468,10 +36859,10 @@
       </p:grpSpPr>
       <p:sp>
         <p:nvSpPr>
-          <p:cNvPr id="10" name="Title 2">
+          <p:cNvPr id="11" name="Title 1">
             <a:extLst>
               <a:ext uri="{FF2B5EF4-FFF2-40B4-BE49-F238E27FC236}">
-                <a16:creationId xmlns:a16="http://schemas.microsoft.com/office/drawing/2014/main" id="{49AB3702-1810-764C-3BE9-C338CDB6A62F}"/>
+                <a16:creationId xmlns:a16="http://schemas.microsoft.com/office/drawing/2014/main" id="{51612DA1-DB43-7E72-A4EA-4B95C807605F}"/>
               </a:ext>
             </a:extLst>
           </p:cNvPr>
@@ -36484,8 +36875,8 @@
         </p:nvSpPr>
         <p:spPr>
           <a:xfrm>
-            <a:off x="792000" y="1324801"/>
-            <a:ext cx="10165560" cy="2358200"/>
+            <a:off x="1296000" y="720000"/>
+            <a:ext cx="9864000" cy="681480"/>
           </a:xfrm>
         </p:spPr>
         <p:txBody>
@@ -36496,19 +36887,62 @@
           <a:p>
             <a:r>
               <a:rPr lang="en-US" dirty="0"/>
-              <a:t>Further resources</a:t>
-            </a:r>
-            <a:endParaRPr lang="en-US" dirty="0">
-              <a:latin typeface="Courier New" panose="02070309020205020404" pitchFamily="49" charset="0"/>
-              <a:cs typeface="Courier New" panose="02070309020205020404" pitchFamily="49" charset="0"/>
-            </a:endParaRPr>
+              <a:t>Tip 10: Don’t trust Stack Overflow blindly</a:t>
+            </a:r>
           </a:p>
         </p:txBody>
       </p:sp>
+      <p:pic>
+        <p:nvPicPr>
+          <p:cNvPr id="1026" name="Picture 2" descr="25 More StackOverflow Programming Memes That All Devs Can Relate To | by  Sheetal | JavaScript in Plain English">
+            <a:extLst>
+              <a:ext uri="{FF2B5EF4-FFF2-40B4-BE49-F238E27FC236}">
+                <a16:creationId xmlns:a16="http://schemas.microsoft.com/office/drawing/2014/main" id="{7E158610-EAEB-45B5-58B8-E63CBFCCC40C}"/>
+              </a:ext>
+            </a:extLst>
+          </p:cNvPr>
+          <p:cNvPicPr>
+            <a:picLocks noChangeAspect="1" noChangeArrowheads="1"/>
+          </p:cNvPicPr>
+          <p:nvPr/>
+        </p:nvPicPr>
+        <p:blipFill>
+          <a:blip r:embed="rId2">
+            <a:extLst>
+              <a:ext uri="{28A0092B-C50C-407E-A947-70E740481C1C}">
+                <a14:useLocalDpi xmlns:a14="http://schemas.microsoft.com/office/drawing/2010/main" val="0"/>
+              </a:ext>
+            </a:extLst>
+          </a:blip>
+          <a:srcRect/>
+          <a:stretch>
+            <a:fillRect/>
+          </a:stretch>
+        </p:blipFill>
+        <p:spPr bwMode="auto">
+          <a:xfrm>
+            <a:off x="4125156" y="1734397"/>
+            <a:ext cx="3941687" cy="4403603"/>
+          </a:xfrm>
+          <a:prstGeom prst="rect">
+            <a:avLst/>
+          </a:prstGeom>
+          <a:noFill/>
+          <a:extLst>
+            <a:ext uri="{909E8E84-426E-40DD-AFC4-6F175D3DCCD1}">
+              <a14:hiddenFill xmlns:a14="http://schemas.microsoft.com/office/drawing/2010/main">
+                <a:solidFill>
+                  <a:srgbClr val="FFFFFF"/>
+                </a:solidFill>
+              </a14:hiddenFill>
+            </a:ext>
+          </a:extLst>
+        </p:spPr>
+      </p:pic>
     </p:spTree>
     <p:extLst>
       <p:ext uri="{BB962C8B-B14F-4D97-AF65-F5344CB8AC3E}">
-        <p14:creationId xmlns:p14="http://schemas.microsoft.com/office/powerpoint/2010/main" val="540281930"/>
+        <p14:creationId xmlns:p14="http://schemas.microsoft.com/office/powerpoint/2010/main" val="3263293339"/>
       </p:ext>
     </p:extLst>
   </p:cSld>
@@ -36565,7 +36999,7 @@
           <a:p>
             <a:r>
               <a:rPr lang="en-US" dirty="0"/>
-              <a:t>Slides and demos</a:t>
+              <a:t>In conclusion…</a:t>
             </a:r>
           </a:p>
         </p:txBody>
@@ -36605,7 +37039,7 @@
             </a:pPr>
             <a:r>
               <a:rPr lang="en-US" sz="2800" dirty="0"/>
-              <a:t>Slides and demos are available on GitHub.</a:t>
+              <a:t>All my advice is a nuanced story…</a:t>
             </a:r>
           </a:p>
           <a:p>
@@ -36615,19 +37049,38 @@
               </a:spcAft>
             </a:pPr>
             <a:r>
-              <a:rPr lang="en-US" sz="2800" dirty="0">
-                <a:hlinkClick r:id="rId2"/>
-              </a:rPr>
-              <a:t>https://github.com/raoulvdberge/jpa-with-hibernate</a:t>
-            </a:r>
-            <a:endParaRPr lang="en-US" sz="2800" dirty="0"/>
+              <a:rPr lang="en-US" sz="2800" dirty="0"/>
+              <a:t>Important to realize that using JPA comes with a performance impact.</a:t>
+            </a:r>
+          </a:p>
+          <a:p>
+            <a:pPr>
+              <a:spcAft>
+                <a:spcPts val="600"/>
+              </a:spcAft>
+            </a:pPr>
+            <a:r>
+              <a:rPr lang="en-US" sz="2800" dirty="0"/>
+              <a:t>Don’t be afraid to utilize JPA!</a:t>
+            </a:r>
+          </a:p>
+          <a:p>
+            <a:pPr>
+              <a:spcAft>
+                <a:spcPts val="600"/>
+              </a:spcAft>
+            </a:pPr>
+            <a:r>
+              <a:rPr lang="en-US" sz="2800" dirty="0"/>
+              <a:t>Awareness is the most important: know what JPA does for you behind the scenes.</a:t>
+            </a:r>
           </a:p>
         </p:txBody>
       </p:sp>
     </p:spTree>
     <p:extLst>
       <p:ext uri="{BB962C8B-B14F-4D97-AF65-F5344CB8AC3E}">
-        <p14:creationId xmlns:p14="http://schemas.microsoft.com/office/powerpoint/2010/main" val="4123513284"/>
+        <p14:creationId xmlns:p14="http://schemas.microsoft.com/office/powerpoint/2010/main" val="658915625"/>
       </p:ext>
     </p:extLst>
   </p:cSld>
@@ -36656,10 +37109,10 @@
       </p:grpSpPr>
       <p:sp>
         <p:nvSpPr>
-          <p:cNvPr id="8" name="Title 1">
+          <p:cNvPr id="10" name="Title 2">
             <a:extLst>
               <a:ext uri="{FF2B5EF4-FFF2-40B4-BE49-F238E27FC236}">
-                <a16:creationId xmlns:a16="http://schemas.microsoft.com/office/drawing/2014/main" id="{280C1126-AE06-6F45-5C34-548D61239155}"/>
+                <a16:creationId xmlns:a16="http://schemas.microsoft.com/office/drawing/2014/main" id="{49AB3702-1810-764C-3BE9-C338CDB6A62F}"/>
               </a:ext>
             </a:extLst>
           </p:cNvPr>
@@ -36670,159 +37123,33 @@
             <p:ph type="title"/>
           </p:nvPr>
         </p:nvSpPr>
-        <p:spPr/>
-        <p:txBody>
-          <a:bodyPr/>
-          <a:lstStyle/>
-          <a:p>
-            <a:r>
-              <a:rPr lang="en-US" dirty="0"/>
-              <a:t>Further resources</a:t>
-            </a:r>
-          </a:p>
-        </p:txBody>
-      </p:sp>
-      <p:sp>
-        <p:nvSpPr>
-          <p:cNvPr id="10" name="Text Placeholder 2">
-            <a:extLst>
-              <a:ext uri="{FF2B5EF4-FFF2-40B4-BE49-F238E27FC236}">
-                <a16:creationId xmlns:a16="http://schemas.microsoft.com/office/drawing/2014/main" id="{7A69C3A1-EA48-682D-2DD6-89FB1C344D1E}"/>
-              </a:ext>
-            </a:extLst>
-          </p:cNvPr>
-          <p:cNvSpPr>
-            <a:spLocks noGrp="1"/>
-          </p:cNvSpPr>
-          <p:nvPr>
-            <p:ph type="body" sz="quarter" idx="10"/>
-          </p:nvPr>
-        </p:nvSpPr>
         <p:spPr>
           <a:xfrm>
-            <a:off x="1296000" y="1612154"/>
-            <a:ext cx="9864000" cy="4541108"/>
+            <a:off x="792000" y="1324801"/>
+            <a:ext cx="10165560" cy="2358200"/>
           </a:xfrm>
         </p:spPr>
         <p:txBody>
-          <a:bodyPr>
-            <a:normAutofit fontScale="92500" lnSpcReduction="10000"/>
+          <a:bodyPr anchor="t">
+            <a:normAutofit/>
           </a:bodyPr>
           <a:lstStyle/>
           <a:p>
             <a:r>
               <a:rPr lang="en-US" dirty="0"/>
-              <a:t>Vlad </a:t>
-            </a:r>
-            <a:r>
-              <a:rPr lang="en-US" dirty="0" err="1"/>
-              <a:t>Micalcea</a:t>
-            </a:r>
-            <a:r>
-              <a:rPr lang="en-US" dirty="0"/>
-              <a:t> (Hibernate contributor and expert)</a:t>
-            </a:r>
-          </a:p>
-          <a:p>
-            <a:pPr lvl="1"/>
-            <a:r>
-              <a:rPr lang="en-US" dirty="0">
-                <a:hlinkClick r:id="rId2"/>
-              </a:rPr>
-              <a:t>https://vladmihalcea.com/</a:t>
-            </a:r>
-            <a:endParaRPr lang="en-US" dirty="0"/>
-          </a:p>
-          <a:p>
-            <a:pPr lvl="1"/>
-            <a:r>
-              <a:rPr lang="en-US" dirty="0">
-                <a:hlinkClick r:id="rId3"/>
-              </a:rPr>
-              <a:t>https://vladmihalcea.com/the-open-session-in-view-anti-pattern/</a:t>
-            </a:r>
-            <a:endParaRPr lang="en-US" dirty="0"/>
-          </a:p>
-          <a:p>
-            <a:pPr lvl="1"/>
-            <a:r>
-              <a:rPr lang="en-US" dirty="0">
-                <a:hlinkClick r:id="rId4"/>
-              </a:rPr>
-              <a:t>https://vladmihalcea.com/eager-fetching-is-a-code-smell/</a:t>
-            </a:r>
-            <a:endParaRPr lang="en-US" dirty="0"/>
-          </a:p>
-          <a:p>
-            <a:r>
-              <a:rPr lang="en-US" dirty="0"/>
-              <a:t>Hibernate User Guide</a:t>
-            </a:r>
-          </a:p>
-          <a:p>
-            <a:pPr lvl="1"/>
-            <a:r>
-              <a:rPr lang="en-US" dirty="0">
-                <a:hlinkClick r:id="rId5"/>
-              </a:rPr>
-              <a:t>https://docs.jboss.org/hibernate/orm/current/userguide/html_single/Hibernate_User_Guide.html</a:t>
-            </a:r>
-            <a:endParaRPr lang="en-US" dirty="0"/>
-          </a:p>
-          <a:p>
-            <a:r>
-              <a:rPr lang="en-US" dirty="0"/>
-              <a:t>JPA specification</a:t>
-            </a:r>
-          </a:p>
-          <a:p>
-            <a:pPr lvl="1"/>
-            <a:r>
-              <a:rPr lang="en-US" dirty="0">
-                <a:hlinkClick r:id="rId6"/>
-              </a:rPr>
-              <a:t>https://jakarta.ee/specifications/persistence/3.0/jakarta-persistence-spec-3.0.html</a:t>
-            </a:r>
-            <a:endParaRPr lang="en-US" dirty="0"/>
-          </a:p>
-          <a:p>
-            <a:r>
-              <a:rPr lang="en-US" dirty="0"/>
-              <a:t>How does Spring Transactional work?</a:t>
-            </a:r>
-          </a:p>
-          <a:p>
-            <a:pPr lvl="1"/>
-            <a:r>
-              <a:rPr lang="en-US" dirty="0">
-                <a:hlinkClick r:id="rId7"/>
-              </a:rPr>
-              <a:t>https://dzone.com/articles/how-does-spring-transactional</a:t>
-            </a:r>
-            <a:endParaRPr lang="en-US" dirty="0"/>
-          </a:p>
-          <a:p>
-            <a:r>
-              <a:rPr lang="en-US" dirty="0"/>
-              <a:t>JPA Join Types</a:t>
-            </a:r>
-          </a:p>
-          <a:p>
-            <a:pPr lvl="1"/>
-            <a:r>
-              <a:rPr lang="en-US" dirty="0">
-                <a:hlinkClick r:id="rId8"/>
-              </a:rPr>
-              <a:t>https://www.baeldung.com/jpa-join-types</a:t>
-            </a:r>
-            <a:endParaRPr lang="en-US" dirty="0"/>
+              <a:t>Further resources</a:t>
+            </a:r>
+            <a:endParaRPr lang="en-US" dirty="0">
+              <a:latin typeface="Courier New" panose="02070309020205020404" pitchFamily="49" charset="0"/>
+              <a:cs typeface="Courier New" panose="02070309020205020404" pitchFamily="49" charset="0"/>
+            </a:endParaRPr>
           </a:p>
         </p:txBody>
       </p:sp>
     </p:spTree>
     <p:extLst>
       <p:ext uri="{BB962C8B-B14F-4D97-AF65-F5344CB8AC3E}">
-        <p14:creationId xmlns:p14="http://schemas.microsoft.com/office/powerpoint/2010/main" val="2889387521"/>
+        <p14:creationId xmlns:p14="http://schemas.microsoft.com/office/powerpoint/2010/main" val="540281930"/>
       </p:ext>
     </p:extLst>
   </p:cSld>
@@ -36925,6 +37252,320 @@
     <p:extLst>
       <p:ext uri="{BB962C8B-B14F-4D97-AF65-F5344CB8AC3E}">
         <p14:creationId xmlns:p14="http://schemas.microsoft.com/office/powerpoint/2010/main" val="492372422"/>
+      </p:ext>
+    </p:extLst>
+  </p:cSld>
+  <p:clrMapOvr>
+    <a:masterClrMapping/>
+  </p:clrMapOvr>
+</p:sld>
+</file>
+
+<file path=ppt/slides/slide60.xml><?xml version="1.0" encoding="utf-8"?>
+<p:sld xmlns:a="http://schemas.openxmlformats.org/drawingml/2006/main" xmlns:r="http://schemas.openxmlformats.org/officeDocument/2006/relationships" xmlns:p="http://schemas.openxmlformats.org/presentationml/2006/main">
+  <p:cSld>
+    <p:spTree>
+      <p:nvGrpSpPr>
+        <p:cNvPr id="1" name=""/>
+        <p:cNvGrpSpPr/>
+        <p:nvPr/>
+      </p:nvGrpSpPr>
+      <p:grpSpPr>
+        <a:xfrm>
+          <a:off x="0" y="0"/>
+          <a:ext cx="0" cy="0"/>
+          <a:chOff x="0" y="0"/>
+          <a:chExt cx="0" cy="0"/>
+        </a:xfrm>
+      </p:grpSpPr>
+      <p:sp>
+        <p:nvSpPr>
+          <p:cNvPr id="11" name="Title 1">
+            <a:extLst>
+              <a:ext uri="{FF2B5EF4-FFF2-40B4-BE49-F238E27FC236}">
+                <a16:creationId xmlns:a16="http://schemas.microsoft.com/office/drawing/2014/main" id="{51612DA1-DB43-7E72-A4EA-4B95C807605F}"/>
+              </a:ext>
+            </a:extLst>
+          </p:cNvPr>
+          <p:cNvSpPr>
+            <a:spLocks noGrp="1"/>
+          </p:cNvSpPr>
+          <p:nvPr>
+            <p:ph type="title"/>
+          </p:nvPr>
+        </p:nvSpPr>
+        <p:spPr>
+          <a:xfrm>
+            <a:off x="1296000" y="720000"/>
+            <a:ext cx="9864000" cy="681480"/>
+          </a:xfrm>
+        </p:spPr>
+        <p:txBody>
+          <a:bodyPr anchor="t">
+            <a:normAutofit/>
+          </a:bodyPr>
+          <a:lstStyle/>
+          <a:p>
+            <a:r>
+              <a:rPr lang="en-US" dirty="0"/>
+              <a:t>Slides and demos</a:t>
+            </a:r>
+          </a:p>
+        </p:txBody>
+      </p:sp>
+      <p:sp>
+        <p:nvSpPr>
+          <p:cNvPr id="2" name="Text Placeholder 2">
+            <a:extLst>
+              <a:ext uri="{FF2B5EF4-FFF2-40B4-BE49-F238E27FC236}">
+                <a16:creationId xmlns:a16="http://schemas.microsoft.com/office/drawing/2014/main" id="{E76B2B10-35AE-700A-1739-C269C75E032B}"/>
+              </a:ext>
+            </a:extLst>
+          </p:cNvPr>
+          <p:cNvSpPr>
+            <a:spLocks noGrp="1"/>
+          </p:cNvSpPr>
+          <p:nvPr>
+            <p:ph type="body" sz="quarter" idx="10"/>
+          </p:nvPr>
+        </p:nvSpPr>
+        <p:spPr>
+          <a:xfrm>
+            <a:off x="753036" y="1734397"/>
+            <a:ext cx="11037346" cy="4494281"/>
+          </a:xfrm>
+        </p:spPr>
+        <p:txBody>
+          <a:bodyPr>
+            <a:normAutofit/>
+          </a:bodyPr>
+          <a:lstStyle/>
+          <a:p>
+            <a:pPr>
+              <a:spcAft>
+                <a:spcPts val="600"/>
+              </a:spcAft>
+            </a:pPr>
+            <a:r>
+              <a:rPr lang="en-US" sz="2800" dirty="0"/>
+              <a:t>Slides and demos are available on GitHub.</a:t>
+            </a:r>
+          </a:p>
+          <a:p>
+            <a:pPr>
+              <a:spcAft>
+                <a:spcPts val="600"/>
+              </a:spcAft>
+            </a:pPr>
+            <a:r>
+              <a:rPr lang="en-US" sz="2800" dirty="0">
+                <a:hlinkClick r:id="rId2"/>
+              </a:rPr>
+              <a:t>https://github.com/raoulvdberge/jpa-with-hibernate</a:t>
+            </a:r>
+            <a:endParaRPr lang="en-US" sz="2800" dirty="0"/>
+          </a:p>
+        </p:txBody>
+      </p:sp>
+    </p:spTree>
+    <p:extLst>
+      <p:ext uri="{BB962C8B-B14F-4D97-AF65-F5344CB8AC3E}">
+        <p14:creationId xmlns:p14="http://schemas.microsoft.com/office/powerpoint/2010/main" val="4123513284"/>
+      </p:ext>
+    </p:extLst>
+  </p:cSld>
+  <p:clrMapOvr>
+    <a:masterClrMapping/>
+  </p:clrMapOvr>
+</p:sld>
+</file>
+
+<file path=ppt/slides/slide61.xml><?xml version="1.0" encoding="utf-8"?>
+<p:sld xmlns:a="http://schemas.openxmlformats.org/drawingml/2006/main" xmlns:r="http://schemas.openxmlformats.org/officeDocument/2006/relationships" xmlns:p="http://schemas.openxmlformats.org/presentationml/2006/main">
+  <p:cSld>
+    <p:spTree>
+      <p:nvGrpSpPr>
+        <p:cNvPr id="1" name=""/>
+        <p:cNvGrpSpPr/>
+        <p:nvPr/>
+      </p:nvGrpSpPr>
+      <p:grpSpPr>
+        <a:xfrm>
+          <a:off x="0" y="0"/>
+          <a:ext cx="0" cy="0"/>
+          <a:chOff x="0" y="0"/>
+          <a:chExt cx="0" cy="0"/>
+        </a:xfrm>
+      </p:grpSpPr>
+      <p:sp>
+        <p:nvSpPr>
+          <p:cNvPr id="8" name="Title 1">
+            <a:extLst>
+              <a:ext uri="{FF2B5EF4-FFF2-40B4-BE49-F238E27FC236}">
+                <a16:creationId xmlns:a16="http://schemas.microsoft.com/office/drawing/2014/main" id="{280C1126-AE06-6F45-5C34-548D61239155}"/>
+              </a:ext>
+            </a:extLst>
+          </p:cNvPr>
+          <p:cNvSpPr>
+            <a:spLocks noGrp="1"/>
+          </p:cNvSpPr>
+          <p:nvPr>
+            <p:ph type="title"/>
+          </p:nvPr>
+        </p:nvSpPr>
+        <p:spPr/>
+        <p:txBody>
+          <a:bodyPr/>
+          <a:lstStyle/>
+          <a:p>
+            <a:r>
+              <a:rPr lang="en-US" dirty="0"/>
+              <a:t>Further resources</a:t>
+            </a:r>
+          </a:p>
+        </p:txBody>
+      </p:sp>
+      <p:sp>
+        <p:nvSpPr>
+          <p:cNvPr id="10" name="Text Placeholder 2">
+            <a:extLst>
+              <a:ext uri="{FF2B5EF4-FFF2-40B4-BE49-F238E27FC236}">
+                <a16:creationId xmlns:a16="http://schemas.microsoft.com/office/drawing/2014/main" id="{7A69C3A1-EA48-682D-2DD6-89FB1C344D1E}"/>
+              </a:ext>
+            </a:extLst>
+          </p:cNvPr>
+          <p:cNvSpPr>
+            <a:spLocks noGrp="1"/>
+          </p:cNvSpPr>
+          <p:nvPr>
+            <p:ph type="body" sz="quarter" idx="10"/>
+          </p:nvPr>
+        </p:nvSpPr>
+        <p:spPr>
+          <a:xfrm>
+            <a:off x="1296000" y="1612154"/>
+            <a:ext cx="9864000" cy="4541108"/>
+          </a:xfrm>
+        </p:spPr>
+        <p:txBody>
+          <a:bodyPr>
+            <a:normAutofit fontScale="92500" lnSpcReduction="10000"/>
+          </a:bodyPr>
+          <a:lstStyle/>
+          <a:p>
+            <a:r>
+              <a:rPr lang="en-US" dirty="0"/>
+              <a:t>Vlad </a:t>
+            </a:r>
+            <a:r>
+              <a:rPr lang="en-US" dirty="0" err="1"/>
+              <a:t>Micalcea</a:t>
+            </a:r>
+            <a:r>
+              <a:rPr lang="en-US" dirty="0"/>
+              <a:t> (Hibernate contributor and expert)</a:t>
+            </a:r>
+          </a:p>
+          <a:p>
+            <a:pPr lvl="1"/>
+            <a:r>
+              <a:rPr lang="en-US" dirty="0">
+                <a:hlinkClick r:id="rId2"/>
+              </a:rPr>
+              <a:t>https://vladmihalcea.com/</a:t>
+            </a:r>
+            <a:endParaRPr lang="en-US" dirty="0"/>
+          </a:p>
+          <a:p>
+            <a:pPr lvl="1"/>
+            <a:r>
+              <a:rPr lang="en-US" dirty="0">
+                <a:hlinkClick r:id="rId3"/>
+              </a:rPr>
+              <a:t>https://vladmihalcea.com/the-open-session-in-view-anti-pattern/</a:t>
+            </a:r>
+            <a:endParaRPr lang="en-US" dirty="0"/>
+          </a:p>
+          <a:p>
+            <a:pPr lvl="1"/>
+            <a:r>
+              <a:rPr lang="en-US" dirty="0">
+                <a:hlinkClick r:id="rId4"/>
+              </a:rPr>
+              <a:t>https://vladmihalcea.com/eager-fetching-is-a-code-smell/</a:t>
+            </a:r>
+            <a:endParaRPr lang="en-US" dirty="0"/>
+          </a:p>
+          <a:p>
+            <a:r>
+              <a:rPr lang="en-US" dirty="0"/>
+              <a:t>Hibernate User Guide</a:t>
+            </a:r>
+          </a:p>
+          <a:p>
+            <a:pPr lvl="1"/>
+            <a:r>
+              <a:rPr lang="en-US" dirty="0">
+                <a:hlinkClick r:id="rId5"/>
+              </a:rPr>
+              <a:t>https://docs.jboss.org/hibernate/orm/current/userguide/html_single/Hibernate_User_Guide.html</a:t>
+            </a:r>
+            <a:endParaRPr lang="en-US" dirty="0"/>
+          </a:p>
+          <a:p>
+            <a:r>
+              <a:rPr lang="en-US" dirty="0"/>
+              <a:t>JPA specification</a:t>
+            </a:r>
+          </a:p>
+          <a:p>
+            <a:pPr lvl="1"/>
+            <a:r>
+              <a:rPr lang="en-US" dirty="0">
+                <a:hlinkClick r:id="rId6"/>
+              </a:rPr>
+              <a:t>https://jakarta.ee/specifications/persistence/3.0/jakarta-persistence-spec-3.0.html</a:t>
+            </a:r>
+            <a:endParaRPr lang="en-US" dirty="0"/>
+          </a:p>
+          <a:p>
+            <a:r>
+              <a:rPr lang="en-US" dirty="0"/>
+              <a:t>How does Spring Transactional work?</a:t>
+            </a:r>
+          </a:p>
+          <a:p>
+            <a:pPr lvl="1"/>
+            <a:r>
+              <a:rPr lang="en-US" dirty="0">
+                <a:hlinkClick r:id="rId7"/>
+              </a:rPr>
+              <a:t>https://dzone.com/articles/how-does-spring-transactional</a:t>
+            </a:r>
+            <a:endParaRPr lang="en-US" dirty="0"/>
+          </a:p>
+          <a:p>
+            <a:r>
+              <a:rPr lang="en-US" dirty="0"/>
+              <a:t>JPA Join Types</a:t>
+            </a:r>
+          </a:p>
+          <a:p>
+            <a:pPr lvl="1"/>
+            <a:r>
+              <a:rPr lang="en-US" dirty="0">
+                <a:hlinkClick r:id="rId8"/>
+              </a:rPr>
+              <a:t>https://www.baeldung.com/jpa-join-types</a:t>
+            </a:r>
+            <a:endParaRPr lang="en-US" dirty="0"/>
+          </a:p>
+        </p:txBody>
+      </p:sp>
+    </p:spTree>
+    <p:extLst>
+      <p:ext uri="{BB962C8B-B14F-4D97-AF65-F5344CB8AC3E}">
+        <p14:creationId xmlns:p14="http://schemas.microsoft.com/office/powerpoint/2010/main" val="2889387521"/>
       </p:ext>
     </p:extLst>
   </p:cSld>
@@ -39133,12 +39774,6 @@
 </file>
 
 <file path=customXml/item1.xml><?xml version="1.0" encoding="utf-8"?>
-<p:properties xmlns:p="http://schemas.microsoft.com/office/2006/metadata/properties" xmlns:xsi="http://www.w3.org/2001/XMLSchema-instance" xmlns:pc="http://schemas.microsoft.com/office/infopath/2007/PartnerControls">
-  <documentManagement/>
-</p:properties>
-</file>
-
-<file path=customXml/item2.xml><?xml version="1.0" encoding="utf-8"?>
 <ct:contentTypeSchema xmlns:ct="http://schemas.microsoft.com/office/2006/metadata/contentType" xmlns:ma="http://schemas.microsoft.com/office/2006/metadata/properties/metaAttributes" ct:_="" ma:_="" ma:contentTypeName="Document" ma:contentTypeID="0x0101000858805C9A31ED4698AA5994F7540466" ma:contentTypeVersion="1" ma:contentTypeDescription="Een nieuw document maken." ma:contentTypeScope="" ma:versionID="5cab34e6f8d54d32c51f192539e9981c">
   <xsd:schema xmlns:xsd="http://www.w3.org/2001/XMLSchema" xmlns:xs="http://www.w3.org/2001/XMLSchema" xmlns:p="http://schemas.microsoft.com/office/2006/metadata/properties" xmlns:ns2="a73fd6a0-a740-4ca0-a47f-6beba88ccc77" targetNamespace="http://schemas.microsoft.com/office/2006/metadata/properties" ma:root="true" ma:fieldsID="10b3ae9c115bae24efdfd9076c93080b" ns2:_="">
     <xsd:import namespace="a73fd6a0-a740-4ca0-a47f-6beba88ccc77"/>
@@ -39278,7 +39913,7 @@
 </ct:contentTypeSchema>
 </file>
 
-<file path=customXml/item3.xml><?xml version="1.0" encoding="utf-8"?>
+<file path=customXml/item2.xml><?xml version="1.0" encoding="utf-8"?>
 <?mso-contentType ?>
 <FormTemplates xmlns="http://schemas.microsoft.com/sharepoint/v3/contenttype/forms">
   <Display>DocumentLibraryForm</Display>
@@ -39287,23 +39922,13 @@
 </FormTemplates>
 </file>
 
-<file path=customXml/itemProps1.xml><?xml version="1.0" encoding="utf-8"?>
-<ds:datastoreItem xmlns:ds="http://schemas.openxmlformats.org/officeDocument/2006/customXml" ds:itemID="{F8AE8C2F-0717-4D42-B44A-CAECCF122A1A}">
-  <ds:schemaRefs>
-    <ds:schemaRef ds:uri="http://schemas.microsoft.com/office/infopath/2007/PartnerControls"/>
-    <ds:schemaRef ds:uri="http://www.w3.org/XML/1998/namespace"/>
-    <ds:schemaRef ds:uri="http://purl.org/dc/terms/"/>
-    <ds:schemaRef ds:uri="http://purl.org/dc/elements/1.1/"/>
-    <ds:schemaRef ds:uri="http://purl.org/dc/dcmitype/"/>
-    <ds:schemaRef ds:uri="http://schemas.microsoft.com/office/2006/documentManagement/types"/>
-    <ds:schemaRef ds:uri="http://schemas.openxmlformats.org/package/2006/metadata/core-properties"/>
-    <ds:schemaRef ds:uri="a73fd6a0-a740-4ca0-a47f-6beba88ccc77"/>
-    <ds:schemaRef ds:uri="http://schemas.microsoft.com/office/2006/metadata/properties"/>
-  </ds:schemaRefs>
-</ds:datastoreItem>
+<file path=customXml/item3.xml><?xml version="1.0" encoding="utf-8"?>
+<p:properties xmlns:p="http://schemas.microsoft.com/office/2006/metadata/properties" xmlns:xsi="http://www.w3.org/2001/XMLSchema-instance" xmlns:pc="http://schemas.microsoft.com/office/infopath/2007/PartnerControls">
+  <documentManagement/>
+</p:properties>
 </file>
 
-<file path=customXml/itemProps2.xml><?xml version="1.0" encoding="utf-8"?>
+<file path=customXml/itemProps1.xml><?xml version="1.0" encoding="utf-8"?>
 <ds:datastoreItem xmlns:ds="http://schemas.openxmlformats.org/officeDocument/2006/customXml" ds:itemID="{9AC0CDE9-3E35-44FD-A63A-9795CF527D47}">
   <ds:schemaRefs>
     <ds:schemaRef ds:uri="http://schemas.microsoft.com/office/2006/metadata/contentType"/>
@@ -39321,10 +39946,26 @@
 </ds:datastoreItem>
 </file>
 
-<file path=customXml/itemProps3.xml><?xml version="1.0" encoding="utf-8"?>
+<file path=customXml/itemProps2.xml><?xml version="1.0" encoding="utf-8"?>
 <ds:datastoreItem xmlns:ds="http://schemas.openxmlformats.org/officeDocument/2006/customXml" ds:itemID="{4522A51C-073F-4C45-9170-ECE5951F4DEA}">
   <ds:schemaRefs>
     <ds:schemaRef ds:uri="http://schemas.microsoft.com/sharepoint/v3/contenttype/forms"/>
   </ds:schemaRefs>
 </ds:datastoreItem>
+</file>
+
+<file path=customXml/itemProps3.xml><?xml version="1.0" encoding="utf-8"?>
+<ds:datastoreItem xmlns:ds="http://schemas.openxmlformats.org/officeDocument/2006/customXml" ds:itemID="{F8AE8C2F-0717-4D42-B44A-CAECCF122A1A}">
+  <ds:schemaRefs>
+    <ds:schemaRef ds:uri="http://schemas.microsoft.com/office/infopath/2007/PartnerControls"/>
+    <ds:schemaRef ds:uri="http://www.w3.org/XML/1998/namespace"/>
+    <ds:schemaRef ds:uri="http://purl.org/dc/terms/"/>
+    <ds:schemaRef ds:uri="http://purl.org/dc/elements/1.1/"/>
+    <ds:schemaRef ds:uri="http://purl.org/dc/dcmitype/"/>
+    <ds:schemaRef ds:uri="http://schemas.microsoft.com/office/2006/documentManagement/types"/>
+    <ds:schemaRef ds:uri="http://schemas.openxmlformats.org/package/2006/metadata/core-properties"/>
+    <ds:schemaRef ds:uri="a73fd6a0-a740-4ca0-a47f-6beba88ccc77"/>
+    <ds:schemaRef ds:uri="http://schemas.microsoft.com/office/2006/metadata/properties"/>
+  </ds:schemaRefs>
+</ds:datastoreItem>
 </file>
--- a/slides.pptx
+++ b/slides.pptx
@@ -287,7 +287,7 @@
           <a:p>
             <a:fld id="{3532B83F-F844-4C18-98E8-7C33F4B39DE0}" type="datetimeFigureOut">
               <a:rPr lang="nl-NL" smtClean="0"/>
-              <a:t>14-4-2023</a:t>
+              <a:t>16-4-2023</a:t>
             </a:fld>
             <a:endParaRPr lang="nl-NL"/>
           </a:p>
@@ -464,7 +464,7 @@
           <a:p>
             <a:fld id="{27396D34-C2B8-41FF-AE69-48AE3B3D8E8B}" type="datetimeFigureOut">
               <a:rPr lang="nl-NL" smtClean="0"/>
-              <a:t>14-4-2023</a:t>
+              <a:t>16-4-2023</a:t>
             </a:fld>
             <a:endParaRPr lang="nl-NL"/>
           </a:p>
@@ -26470,7 +26470,12 @@
             <p:ph type="body" sz="quarter" idx="10"/>
           </p:nvPr>
         </p:nvSpPr>
-        <p:spPr/>
+        <p:spPr>
+          <a:xfrm>
+            <a:off x="1296000" y="1998000"/>
+            <a:ext cx="9864000" cy="4140000"/>
+          </a:xfrm>
+        </p:spPr>
         <p:txBody>
           <a:bodyPr>
             <a:normAutofit/>
@@ -27103,7 +27108,12 @@
             <p:ph type="body" sz="quarter" idx="10"/>
           </p:nvPr>
         </p:nvSpPr>
-        <p:spPr/>
+        <p:spPr>
+          <a:xfrm>
+            <a:off x="1296000" y="1553421"/>
+            <a:ext cx="9864000" cy="4140000"/>
+          </a:xfrm>
+        </p:spPr>
         <p:txBody>
           <a:bodyPr>
             <a:normAutofit/>
@@ -27222,7 +27232,12 @@
             <p:ph type="body" sz="quarter" idx="10"/>
           </p:nvPr>
         </p:nvSpPr>
-        <p:spPr/>
+        <p:spPr>
+          <a:xfrm>
+            <a:off x="1296000" y="1547355"/>
+            <a:ext cx="9864000" cy="4140000"/>
+          </a:xfrm>
+        </p:spPr>
         <p:txBody>
           <a:bodyPr>
             <a:normAutofit/>
@@ -31342,8 +31357,8 @@
         </p:nvSpPr>
         <p:spPr>
           <a:xfrm>
-            <a:off x="1296000" y="2023620"/>
-            <a:ext cx="9864000" cy="4140000"/>
+            <a:off x="1296000" y="1645920"/>
+            <a:ext cx="9864000" cy="4517700"/>
           </a:xfrm>
         </p:spPr>
         <p:txBody>
@@ -31359,15 +31374,29 @@
             </a:pPr>
             <a:r>
               <a:rPr lang="en-US" dirty="0"/>
-              <a:t>Often used in combination with </a:t>
-            </a:r>
-            <a:r>
-              <a:rPr lang="en-US" i="1" dirty="0"/>
-              <a:t>DTO projections </a:t>
-            </a:r>
+              <a:t>Allows you to only select (“project”) the columns that you want into a Domain Transfer Object (DTO)</a:t>
+            </a:r>
+          </a:p>
+          <a:p>
+            <a:pPr lvl="1">
+              <a:spcAft>
+                <a:spcPts val="600"/>
+              </a:spcAft>
+            </a:pPr>
             <a:r>
               <a:rPr lang="en-US" dirty="0"/>
-              <a:t>for read-only datasets.</a:t>
+              <a:t>You should fetch just as much data you need to fulfill the requirements of a given use case.</a:t>
+            </a:r>
+          </a:p>
+          <a:p>
+            <a:pPr lvl="1">
+              <a:spcAft>
+                <a:spcPts val="600"/>
+              </a:spcAft>
+            </a:pPr>
+            <a:r>
+              <a:rPr lang="en-US" dirty="0"/>
+              <a:t>Fetching too many columns than necessary has an impact.</a:t>
             </a:r>
           </a:p>
           <a:p>
@@ -31378,40 +31407,7 @@
             </a:pPr>
             <a:r>
               <a:rPr lang="en-US" dirty="0"/>
-              <a:t>DTO = Data Transfer Object</a:t>
-            </a:r>
-          </a:p>
-          <a:p>
-            <a:pPr>
-              <a:spcAft>
-                <a:spcPts val="600"/>
-              </a:spcAft>
-            </a:pPr>
-            <a:r>
-              <a:rPr lang="en-US" dirty="0"/>
-              <a:t>You should fetch just as much data you need to fulfill the requirements of a given business logic use case.</a:t>
-            </a:r>
-          </a:p>
-          <a:p>
-            <a:pPr>
-              <a:spcAft>
-                <a:spcPts val="600"/>
-              </a:spcAft>
-            </a:pPr>
-            <a:r>
-              <a:rPr lang="en-US" dirty="0"/>
-              <a:t>Fetching too many columns than necessary has an impact, and that’s why entities are not good candidates for read-only views.</a:t>
-            </a:r>
-          </a:p>
-          <a:p>
-            <a:pPr>
-              <a:spcAft>
-                <a:spcPts val="600"/>
-              </a:spcAft>
-            </a:pPr>
-            <a:r>
-              <a:rPr lang="en-US" dirty="0"/>
-              <a:t>Good practice: make a separate model for reading and writing (CQRS).</a:t>
+              <a:t>Often used for read-only use-cases (no entity)</a:t>
             </a:r>
           </a:p>
         </p:txBody>
@@ -31473,6 +31469,199 @@
   <p:clrMapOvr>
     <a:masterClrMapping/>
   </p:clrMapOvr>
+  <p:timing>
+    <p:tnLst>
+      <p:par>
+        <p:cTn id="1" dur="indefinite" restart="never" nodeType="tmRoot">
+          <p:childTnLst>
+            <p:seq concurrent="1" nextAc="seek">
+              <p:cTn id="2" dur="indefinite" nodeType="mainSeq">
+                <p:childTnLst>
+                  <p:par>
+                    <p:cTn id="3" fill="hold">
+                      <p:stCondLst>
+                        <p:cond delay="indefinite"/>
+                      </p:stCondLst>
+                      <p:childTnLst>
+                        <p:par>
+                          <p:cTn id="4" fill="hold">
+                            <p:stCondLst>
+                              <p:cond delay="0"/>
+                            </p:stCondLst>
+                            <p:childTnLst>
+                              <p:par>
+                                <p:cTn id="5" presetID="1" presetClass="entr" presetSubtype="0" fill="hold" grpId="0" nodeType="clickEffect">
+                                  <p:stCondLst>
+                                    <p:cond delay="0"/>
+                                  </p:stCondLst>
+                                  <p:childTnLst>
+                                    <p:set>
+                                      <p:cBhvr>
+                                        <p:cTn id="6" dur="1" fill="hold">
+                                          <p:stCondLst>
+                                            <p:cond delay="0"/>
+                                          </p:stCondLst>
+                                        </p:cTn>
+                                        <p:tgtEl>
+                                          <p:spTgt spid="6">
+                                            <p:txEl>
+                                              <p:pRg st="0" end="0"/>
+                                            </p:txEl>
+                                          </p:spTgt>
+                                        </p:tgtEl>
+                                        <p:attrNameLst>
+                                          <p:attrName>style.visibility</p:attrName>
+                                        </p:attrNameLst>
+                                      </p:cBhvr>
+                                      <p:to>
+                                        <p:strVal val="visible"/>
+                                      </p:to>
+                                    </p:set>
+                                  </p:childTnLst>
+                                </p:cTn>
+                              </p:par>
+                              <p:par>
+                                <p:cTn id="7" presetID="1" presetClass="entr" presetSubtype="0" fill="hold" grpId="0" nodeType="withEffect">
+                                  <p:stCondLst>
+                                    <p:cond delay="0"/>
+                                  </p:stCondLst>
+                                  <p:childTnLst>
+                                    <p:set>
+                                      <p:cBhvr>
+                                        <p:cTn id="8" dur="1" fill="hold">
+                                          <p:stCondLst>
+                                            <p:cond delay="0"/>
+                                          </p:stCondLst>
+                                        </p:cTn>
+                                        <p:tgtEl>
+                                          <p:spTgt spid="6">
+                                            <p:txEl>
+                                              <p:pRg st="1" end="1"/>
+                                            </p:txEl>
+                                          </p:spTgt>
+                                        </p:tgtEl>
+                                        <p:attrNameLst>
+                                          <p:attrName>style.visibility</p:attrName>
+                                        </p:attrNameLst>
+                                      </p:cBhvr>
+                                      <p:to>
+                                        <p:strVal val="visible"/>
+                                      </p:to>
+                                    </p:set>
+                                  </p:childTnLst>
+                                </p:cTn>
+                              </p:par>
+                              <p:par>
+                                <p:cTn id="9" presetID="1" presetClass="entr" presetSubtype="0" fill="hold" grpId="0" nodeType="withEffect">
+                                  <p:stCondLst>
+                                    <p:cond delay="0"/>
+                                  </p:stCondLst>
+                                  <p:childTnLst>
+                                    <p:set>
+                                      <p:cBhvr>
+                                        <p:cTn id="10" dur="1" fill="hold">
+                                          <p:stCondLst>
+                                            <p:cond delay="0"/>
+                                          </p:stCondLst>
+                                        </p:cTn>
+                                        <p:tgtEl>
+                                          <p:spTgt spid="6">
+                                            <p:txEl>
+                                              <p:pRg st="2" end="2"/>
+                                            </p:txEl>
+                                          </p:spTgt>
+                                        </p:tgtEl>
+                                        <p:attrNameLst>
+                                          <p:attrName>style.visibility</p:attrName>
+                                        </p:attrNameLst>
+                                      </p:cBhvr>
+                                      <p:to>
+                                        <p:strVal val="visible"/>
+                                      </p:to>
+                                    </p:set>
+                                  </p:childTnLst>
+                                </p:cTn>
+                              </p:par>
+                            </p:childTnLst>
+                          </p:cTn>
+                        </p:par>
+                      </p:childTnLst>
+                    </p:cTn>
+                  </p:par>
+                  <p:par>
+                    <p:cTn id="11" fill="hold">
+                      <p:stCondLst>
+                        <p:cond delay="indefinite"/>
+                      </p:stCondLst>
+                      <p:childTnLst>
+                        <p:par>
+                          <p:cTn id="12" fill="hold">
+                            <p:stCondLst>
+                              <p:cond delay="0"/>
+                            </p:stCondLst>
+                            <p:childTnLst>
+                              <p:par>
+                                <p:cTn id="13" presetID="1" presetClass="entr" presetSubtype="0" fill="hold" grpId="0" nodeType="clickEffect">
+                                  <p:stCondLst>
+                                    <p:cond delay="0"/>
+                                  </p:stCondLst>
+                                  <p:childTnLst>
+                                    <p:set>
+                                      <p:cBhvr>
+                                        <p:cTn id="14" dur="1" fill="hold">
+                                          <p:stCondLst>
+                                            <p:cond delay="0"/>
+                                          </p:stCondLst>
+                                        </p:cTn>
+                                        <p:tgtEl>
+                                          <p:spTgt spid="6">
+                                            <p:txEl>
+                                              <p:pRg st="3" end="3"/>
+                                            </p:txEl>
+                                          </p:spTgt>
+                                        </p:tgtEl>
+                                        <p:attrNameLst>
+                                          <p:attrName>style.visibility</p:attrName>
+                                        </p:attrNameLst>
+                                      </p:cBhvr>
+                                      <p:to>
+                                        <p:strVal val="visible"/>
+                                      </p:to>
+                                    </p:set>
+                                  </p:childTnLst>
+                                </p:cTn>
+                              </p:par>
+                            </p:childTnLst>
+                          </p:cTn>
+                        </p:par>
+                      </p:childTnLst>
+                    </p:cTn>
+                  </p:par>
+                </p:childTnLst>
+              </p:cTn>
+              <p:prevCondLst>
+                <p:cond evt="onPrev" delay="0">
+                  <p:tgtEl>
+                    <p:sldTgt/>
+                  </p:tgtEl>
+                </p:cond>
+              </p:prevCondLst>
+              <p:nextCondLst>
+                <p:cond evt="onNext" delay="0">
+                  <p:tgtEl>
+                    <p:sldTgt/>
+                  </p:tgtEl>
+                </p:cond>
+              </p:nextCondLst>
+            </p:seq>
+          </p:childTnLst>
+        </p:cTn>
+      </p:par>
+    </p:tnLst>
+    <p:bldLst>
+      <p:bldP spid="6" grpId="0" build="p"/>
+    </p:bldLst>
+  </p:timing>
 </p:sld>
 </file>
 
@@ -31822,7 +32011,7 @@
         <p:spPr>
           <a:xfrm>
             <a:off x="1296000" y="1566420"/>
-            <a:ext cx="9864000" cy="2030220"/>
+            <a:ext cx="9864000" cy="1273680"/>
           </a:xfrm>
         </p:spPr>
         <p:txBody>
@@ -31850,17 +32039,6 @@
             <a:r>
               <a:rPr lang="en-US" sz="2800" dirty="0"/>
               <a:t>Don’t do this in production!</a:t>
-            </a:r>
-          </a:p>
-          <a:p>
-            <a:pPr>
-              <a:spcAft>
-                <a:spcPts val="600"/>
-              </a:spcAft>
-            </a:pPr>
-            <a:r>
-              <a:rPr lang="en-US" sz="2800" dirty="0"/>
-              <a:t>Better write your own patches and migrations.</a:t>
             </a:r>
           </a:p>
         </p:txBody>
@@ -31894,8 +32072,8 @@
         </p:blipFill>
         <p:spPr bwMode="auto">
           <a:xfrm>
-            <a:off x="3055619" y="4017900"/>
-            <a:ext cx="6349365" cy="2342387"/>
+            <a:off x="2259553" y="3114258"/>
+            <a:ext cx="8196272" cy="3023742"/>
           </a:xfrm>
           <a:prstGeom prst="rect">
             <a:avLst/>
@@ -31922,6 +32100,164 @@
   <p:clrMapOvr>
     <a:masterClrMapping/>
   </p:clrMapOvr>
+  <p:timing>
+    <p:tnLst>
+      <p:par>
+        <p:cTn id="1" dur="indefinite" restart="never" nodeType="tmRoot">
+          <p:childTnLst>
+            <p:seq concurrent="1" nextAc="seek">
+              <p:cTn id="2" dur="indefinite" nodeType="mainSeq">
+                <p:childTnLst>
+                  <p:par>
+                    <p:cTn id="3" fill="hold">
+                      <p:stCondLst>
+                        <p:cond delay="indefinite"/>
+                      </p:stCondLst>
+                      <p:childTnLst>
+                        <p:par>
+                          <p:cTn id="4" fill="hold">
+                            <p:stCondLst>
+                              <p:cond delay="0"/>
+                            </p:stCondLst>
+                            <p:childTnLst>
+                              <p:par>
+                                <p:cTn id="5" presetID="1" presetClass="entr" presetSubtype="0" fill="hold" grpId="0" nodeType="clickEffect">
+                                  <p:stCondLst>
+                                    <p:cond delay="0"/>
+                                  </p:stCondLst>
+                                  <p:childTnLst>
+                                    <p:set>
+                                      <p:cBhvr>
+                                        <p:cTn id="6" dur="1" fill="hold">
+                                          <p:stCondLst>
+                                            <p:cond delay="0"/>
+                                          </p:stCondLst>
+                                        </p:cTn>
+                                        <p:tgtEl>
+                                          <p:spTgt spid="13">
+                                            <p:txEl>
+                                              <p:pRg st="0" end="0"/>
+                                            </p:txEl>
+                                          </p:spTgt>
+                                        </p:tgtEl>
+                                        <p:attrNameLst>
+                                          <p:attrName>style.visibility</p:attrName>
+                                        </p:attrNameLst>
+                                      </p:cBhvr>
+                                      <p:to>
+                                        <p:strVal val="visible"/>
+                                      </p:to>
+                                    </p:set>
+                                  </p:childTnLst>
+                                </p:cTn>
+                              </p:par>
+                            </p:childTnLst>
+                          </p:cTn>
+                        </p:par>
+                      </p:childTnLst>
+                    </p:cTn>
+                  </p:par>
+                  <p:par>
+                    <p:cTn id="7" fill="hold">
+                      <p:stCondLst>
+                        <p:cond delay="indefinite"/>
+                      </p:stCondLst>
+                      <p:childTnLst>
+                        <p:par>
+                          <p:cTn id="8" fill="hold">
+                            <p:stCondLst>
+                              <p:cond delay="0"/>
+                            </p:stCondLst>
+                            <p:childTnLst>
+                              <p:par>
+                                <p:cTn id="9" presetID="1" presetClass="entr" presetSubtype="0" fill="hold" grpId="0" nodeType="clickEffect">
+                                  <p:stCondLst>
+                                    <p:cond delay="0"/>
+                                  </p:stCondLst>
+                                  <p:childTnLst>
+                                    <p:set>
+                                      <p:cBhvr>
+                                        <p:cTn id="10" dur="1" fill="hold">
+                                          <p:stCondLst>
+                                            <p:cond delay="0"/>
+                                          </p:stCondLst>
+                                        </p:cTn>
+                                        <p:tgtEl>
+                                          <p:spTgt spid="13">
+                                            <p:txEl>
+                                              <p:pRg st="1" end="1"/>
+                                            </p:txEl>
+                                          </p:spTgt>
+                                        </p:tgtEl>
+                                        <p:attrNameLst>
+                                          <p:attrName>style.visibility</p:attrName>
+                                        </p:attrNameLst>
+                                      </p:cBhvr>
+                                      <p:to>
+                                        <p:strVal val="visible"/>
+                                      </p:to>
+                                    </p:set>
+                                  </p:childTnLst>
+                                </p:cTn>
+                              </p:par>
+                              <p:par>
+                                <p:cTn id="11" presetID="1" presetClass="entr" presetSubtype="0" fill="hold" nodeType="withEffect">
+                                  <p:stCondLst>
+                                    <p:cond delay="0"/>
+                                  </p:stCondLst>
+                                  <p:childTnLst>
+                                    <p:set>
+                                      <p:cBhvr>
+                                        <p:cTn id="12" dur="1" fill="hold">
+                                          <p:stCondLst>
+                                            <p:cond delay="0"/>
+                                          </p:stCondLst>
+                                        </p:cTn>
+                                        <p:tgtEl>
+                                          <p:spTgt spid="12292"/>
+                                        </p:tgtEl>
+                                        <p:attrNameLst>
+                                          <p:attrName>style.visibility</p:attrName>
+                                        </p:attrNameLst>
+                                      </p:cBhvr>
+                                      <p:to>
+                                        <p:strVal val="visible"/>
+                                      </p:to>
+                                    </p:set>
+                                  </p:childTnLst>
+                                </p:cTn>
+                              </p:par>
+                            </p:childTnLst>
+                          </p:cTn>
+                        </p:par>
+                      </p:childTnLst>
+                    </p:cTn>
+                  </p:par>
+                </p:childTnLst>
+              </p:cTn>
+              <p:prevCondLst>
+                <p:cond evt="onPrev" delay="0">
+                  <p:tgtEl>
+                    <p:sldTgt/>
+                  </p:tgtEl>
+                </p:cond>
+              </p:prevCondLst>
+              <p:nextCondLst>
+                <p:cond evt="onNext" delay="0">
+                  <p:tgtEl>
+                    <p:sldTgt/>
+                  </p:tgtEl>
+                </p:cond>
+              </p:nextCondLst>
+            </p:seq>
+          </p:childTnLst>
+        </p:cTn>
+      </p:par>
+    </p:tnLst>
+    <p:bldLst>
+      <p:bldP spid="13" grpId="0" build="p"/>
+    </p:bldLst>
+  </p:timing>
 </p:sld>
 </file>
 
@@ -32012,7 +32348,7 @@
             </a:pPr>
             <a:r>
               <a:rPr lang="en-US" sz="2800" dirty="0"/>
-              <a:t>The scripts will reside in version control along with your codebase. When you check out a branch, you can recreate the whole schema from scratch (and so can your tests).</a:t>
+              <a:t>Write your own “schema migration” scripts.</a:t>
             </a:r>
           </a:p>
           <a:p>
@@ -32023,7 +32359,18 @@
             </a:pPr>
             <a:r>
               <a:rPr lang="en-US" sz="2800" dirty="0"/>
-              <a:t>The incremental scripts can be included in your test setup.</a:t>
+              <a:t>The scripts will reside in version control along with your codebase.</a:t>
+            </a:r>
+          </a:p>
+          <a:p>
+            <a:pPr>
+              <a:spcAft>
+                <a:spcPts val="600"/>
+              </a:spcAft>
+            </a:pPr>
+            <a:r>
+              <a:rPr lang="en-US" sz="2800" dirty="0"/>
+              <a:t>When you check out a branch, you can recreate the whole schema from scratch (and so can your tests).</a:t>
             </a:r>
           </a:p>
           <a:p>
@@ -32251,6 +32598,55 @@
                       </p:childTnLst>
                     </p:cTn>
                   </p:par>
+                  <p:par>
+                    <p:cTn id="15" fill="hold">
+                      <p:stCondLst>
+                        <p:cond delay="indefinite"/>
+                      </p:stCondLst>
+                      <p:childTnLst>
+                        <p:par>
+                          <p:cTn id="16" fill="hold">
+                            <p:stCondLst>
+                              <p:cond delay="0"/>
+                            </p:stCondLst>
+                            <p:childTnLst>
+                              <p:par>
+                                <p:cTn id="17" presetID="1" presetClass="entr" presetSubtype="0" fill="hold" grpId="0" nodeType="clickEffect">
+                                  <p:stCondLst>
+                                    <p:cond delay="0"/>
+                                  </p:stCondLst>
+                                  <p:childTnLst>
+                                    <p:set>
+                                      <p:cBhvr>
+                                        <p:cTn id="18" dur="1" fill="hold">
+                                          <p:stCondLst>
+                                            <p:cond delay="0"/>
+                                          </p:stCondLst>
+                                        </p:cTn>
+                                        <p:tgtEl>
+                                          <p:spTgt spid="13">
+                                            <p:txEl>
+                                              <p:pRg st="3" end="3"/>
+                                            </p:txEl>
+                                          </p:spTgt>
+                                        </p:tgtEl>
+                                        <p:attrNameLst>
+                                          <p:attrName>style.visibility</p:attrName>
+                                        </p:attrNameLst>
+                                      </p:cBhvr>
+                                      <p:to>
+                                        <p:strVal val="visible"/>
+                                      </p:to>
+                                    </p:set>
+                                  </p:childTnLst>
+                                </p:cTn>
+                              </p:par>
+                            </p:childTnLst>
+                          </p:cTn>
+                        </p:par>
+                      </p:childTnLst>
+                    </p:cTn>
+                  </p:par>
                 </p:childTnLst>
               </p:cTn>
               <p:prevCondLst>
@@ -32407,7 +32803,7 @@
             </a:pPr>
             <a:r>
               <a:rPr lang="en-US" sz="2800" dirty="0"/>
-              <a:t>This doesn’t do any changes to the database!</a:t>
+              <a:t>This doesn’t make any changes to the database!</a:t>
             </a:r>
           </a:p>
         </p:txBody>
@@ -32746,7 +33142,13 @@
             </a:r>
             <a:r>
               <a:rPr lang="en-US" dirty="0"/>
-              <a:t>? What can I do against the </a:t>
+              <a:t>?</a:t>
+            </a:r>
+          </a:p>
+          <a:p>
+            <a:r>
+              <a:rPr lang="en-US" dirty="0"/>
+              <a:t>What can I do against the </a:t>
             </a:r>
             <a:r>
               <a:rPr lang="en-US" i="1" dirty="0"/>
@@ -33735,7 +34137,13 @@
           <a:p>
             <a:r>
               <a:rPr lang="en-US" dirty="0"/>
-              <a:t>What am I actually using? Who has which responsibility?</a:t>
+              <a:t>What am I actually using?</a:t>
+            </a:r>
+          </a:p>
+          <a:p>
+            <a:r>
+              <a:rPr lang="en-US" dirty="0"/>
+              <a:t>Who has which responsibility?</a:t>
             </a:r>
           </a:p>
           <a:p>
@@ -33904,53 +34312,6 @@
           <a:prstGeom prst="rect">
             <a:avLst/>
           </a:prstGeom>
-        </p:spPr>
-      </p:pic>
-      <p:pic>
-        <p:nvPicPr>
-          <p:cNvPr id="5" name="Picture 2" descr="22,947 Demo Foto's, Afbeeldingen en Stock Fotografie - 123RF">
-            <a:extLst>
-              <a:ext uri="{FF2B5EF4-FFF2-40B4-BE49-F238E27FC236}">
-                <a16:creationId xmlns:a16="http://schemas.microsoft.com/office/drawing/2014/main" id="{11A9FDB3-C44A-3191-9B36-BDAD0A391031}"/>
-              </a:ext>
-            </a:extLst>
-          </p:cNvPr>
-          <p:cNvPicPr>
-            <a:picLocks noChangeAspect="1" noChangeArrowheads="1"/>
-          </p:cNvPicPr>
-          <p:nvPr/>
-        </p:nvPicPr>
-        <p:blipFill>
-          <a:blip r:embed="rId4">
-            <a:extLst>
-              <a:ext uri="{28A0092B-C50C-407E-A947-70E740481C1C}">
-                <a14:useLocalDpi xmlns:a14="http://schemas.microsoft.com/office/drawing/2010/main" val="0"/>
-              </a:ext>
-            </a:extLst>
-          </a:blip>
-          <a:srcRect/>
-          <a:stretch>
-            <a:fillRect/>
-          </a:stretch>
-        </p:blipFill>
-        <p:spPr bwMode="auto">
-          <a:xfrm>
-            <a:off x="10059668" y="5661520"/>
-            <a:ext cx="1923011" cy="952959"/>
-          </a:xfrm>
-          <a:prstGeom prst="rect">
-            <a:avLst/>
-          </a:prstGeom>
-          <a:noFill/>
-          <a:extLst>
-            <a:ext uri="{909E8E84-426E-40DD-AFC4-6F175D3DCCD1}">
-              <a14:hiddenFill xmlns:a14="http://schemas.microsoft.com/office/drawing/2010/main">
-                <a:solidFill>
-                  <a:srgbClr val="FFFFFF"/>
-                </a:solidFill>
-              </a14:hiddenFill>
-            </a:ext>
-          </a:extLst>
         </p:spPr>
       </p:pic>
     </p:spTree>
@@ -34429,18 +34790,18 @@
               </a:spcAft>
             </a:pPr>
             <a:r>
-              <a:rPr lang="en-US" sz="2400" dirty="0">
+              <a:rPr lang="en-US" sz="2800" dirty="0">
                 <a:latin typeface="Courier New" panose="02070309020205020404" pitchFamily="49" charset="0"/>
                 <a:cs typeface="Courier New" panose="02070309020205020404" pitchFamily="49" charset="0"/>
               </a:rPr>
               <a:t>JOIN FETCH </a:t>
             </a:r>
             <a:r>
-              <a:rPr lang="en-US" sz="2400" b="1" dirty="0"/>
+              <a:rPr lang="en-US" sz="2800" b="1" dirty="0"/>
               <a:t>affects the query </a:t>
             </a:r>
             <a:r>
-              <a:rPr lang="en-US" sz="2400" dirty="0"/>
+              <a:rPr lang="en-US" sz="2800" dirty="0"/>
               <a:t>(will use a JOIN operation)</a:t>
             </a:r>
           </a:p>
@@ -34451,25 +34812,17 @@
               </a:spcAft>
             </a:pPr>
             <a:r>
-              <a:rPr lang="en-US" dirty="0"/>
+              <a:rPr lang="en-US" sz="2800" dirty="0"/>
               <a:t>Eager loading </a:t>
             </a:r>
             <a:r>
-              <a:rPr lang="en-US" b="1" dirty="0"/>
+              <a:rPr lang="en-US" sz="2800" b="1" dirty="0"/>
               <a:t>affects the point in time </a:t>
             </a:r>
             <a:r>
-              <a:rPr lang="en-US" dirty="0"/>
-              <a:t>when a collection is loaded (just like lazy loading, will perform an additional query, but when loading the “parent” entity, not lazily)</a:t>
-            </a:r>
-          </a:p>
-          <a:p>
-            <a:pPr>
-              <a:spcAft>
-                <a:spcPts val="600"/>
-              </a:spcAft>
-            </a:pPr>
-            <a:endParaRPr lang="en-US" sz="2400" dirty="0"/>
+              <a:rPr lang="en-US" sz="2800" dirty="0"/>
+              <a:t>when a collection is loaded</a:t>
+            </a:r>
           </a:p>
         </p:txBody>
       </p:sp>
@@ -34625,7 +34978,7 @@
         </p:nvSpPr>
         <p:spPr>
           <a:xfrm>
-            <a:off x="1296000" y="2398955"/>
+            <a:off x="1296000" y="1624404"/>
             <a:ext cx="9864000" cy="3338904"/>
           </a:xfrm>
         </p:spPr>
@@ -34735,7 +35088,7 @@
         </p:nvSpPr>
         <p:spPr>
           <a:xfrm>
-            <a:off x="1296000" y="2105696"/>
+            <a:off x="1296000" y="1612918"/>
             <a:ext cx="9864000" cy="3632163"/>
           </a:xfrm>
         </p:spPr>
@@ -34889,7 +35242,7 @@
         </p:nvSpPr>
         <p:spPr>
           <a:xfrm>
-            <a:off x="1296000" y="2105696"/>
+            <a:off x="1296000" y="1612918"/>
             <a:ext cx="9864000" cy="3632163"/>
           </a:xfrm>
         </p:spPr>
@@ -35031,13 +35384,13 @@
         </p:nvSpPr>
         <p:spPr>
           <a:xfrm>
-            <a:off x="1296000" y="2105696"/>
-            <a:ext cx="9864000" cy="3632163"/>
+            <a:off x="1296000" y="1581374"/>
+            <a:ext cx="9864000" cy="4091939"/>
           </a:xfrm>
         </p:spPr>
         <p:txBody>
           <a:bodyPr>
-            <a:normAutofit lnSpcReduction="10000"/>
+            <a:normAutofit/>
           </a:bodyPr>
           <a:lstStyle/>
           <a:p>
@@ -35057,20 +35410,16 @@
               </a:rPr>
               <a:t>hibernate.show_sql</a:t>
             </a:r>
-            <a:endParaRPr lang="en-US" sz="2800" dirty="0">
-              <a:latin typeface="Courier New" panose="02070309020205020404" pitchFamily="49" charset="0"/>
-              <a:cs typeface="Courier New" panose="02070309020205020404" pitchFamily="49" charset="0"/>
-            </a:endParaRPr>
-          </a:p>
-          <a:p>
-            <a:pPr lvl="1">
-              <a:spcAft>
-                <a:spcPts val="600"/>
-              </a:spcAft>
-            </a:pPr>
-            <a:r>
-              <a:rPr lang="en-US" sz="2400" dirty="0"/>
-              <a:t>Statements are always logged to console.</a:t>
+            <a:r>
+              <a:rPr lang="en-US" sz="2800" dirty="0">
+                <a:latin typeface="Courier New" panose="02070309020205020404" pitchFamily="49" charset="0"/>
+                <a:cs typeface="Courier New" panose="02070309020205020404" pitchFamily="49" charset="0"/>
+              </a:rPr>
+              <a:t> </a:t>
+            </a:r>
+            <a:r>
+              <a:rPr lang="en-US" sz="2800" dirty="0"/>
+              <a:t>(statements are always logged to console)</a:t>
             </a:r>
           </a:p>
           <a:p>
@@ -35272,7 +35621,7 @@
         </p:nvSpPr>
         <p:spPr>
           <a:xfrm>
-            <a:off x="1296000" y="2105696"/>
+            <a:off x="1296000" y="1707663"/>
             <a:ext cx="9864000" cy="4279473"/>
           </a:xfrm>
         </p:spPr>
@@ -35499,6 +35848,341 @@
   <p:clrMapOvr>
     <a:masterClrMapping/>
   </p:clrMapOvr>
+  <p:timing>
+    <p:tnLst>
+      <p:par>
+        <p:cTn id="1" dur="indefinite" restart="never" nodeType="tmRoot">
+          <p:childTnLst>
+            <p:seq concurrent="1" nextAc="seek">
+              <p:cTn id="2" dur="indefinite" nodeType="mainSeq">
+                <p:childTnLst>
+                  <p:par>
+                    <p:cTn id="3" fill="hold">
+                      <p:stCondLst>
+                        <p:cond delay="indefinite"/>
+                      </p:stCondLst>
+                      <p:childTnLst>
+                        <p:par>
+                          <p:cTn id="4" fill="hold">
+                            <p:stCondLst>
+                              <p:cond delay="0"/>
+                            </p:stCondLst>
+                            <p:childTnLst>
+                              <p:par>
+                                <p:cTn id="5" presetID="1" presetClass="entr" presetSubtype="0" fill="hold" grpId="0" nodeType="clickEffect">
+                                  <p:stCondLst>
+                                    <p:cond delay="0"/>
+                                  </p:stCondLst>
+                                  <p:childTnLst>
+                                    <p:set>
+                                      <p:cBhvr>
+                                        <p:cTn id="6" dur="1" fill="hold">
+                                          <p:stCondLst>
+                                            <p:cond delay="0"/>
+                                          </p:stCondLst>
+                                        </p:cTn>
+                                        <p:tgtEl>
+                                          <p:spTgt spid="13">
+                                            <p:txEl>
+                                              <p:pRg st="0" end="0"/>
+                                            </p:txEl>
+                                          </p:spTgt>
+                                        </p:tgtEl>
+                                        <p:attrNameLst>
+                                          <p:attrName>style.visibility</p:attrName>
+                                        </p:attrNameLst>
+                                      </p:cBhvr>
+                                      <p:to>
+                                        <p:strVal val="visible"/>
+                                      </p:to>
+                                    </p:set>
+                                  </p:childTnLst>
+                                </p:cTn>
+                              </p:par>
+                              <p:par>
+                                <p:cTn id="7" presetID="1" presetClass="entr" presetSubtype="0" fill="hold" grpId="0" nodeType="withEffect">
+                                  <p:stCondLst>
+                                    <p:cond delay="0"/>
+                                  </p:stCondLst>
+                                  <p:childTnLst>
+                                    <p:set>
+                                      <p:cBhvr>
+                                        <p:cTn id="8" dur="1" fill="hold">
+                                          <p:stCondLst>
+                                            <p:cond delay="0"/>
+                                          </p:stCondLst>
+                                        </p:cTn>
+                                        <p:tgtEl>
+                                          <p:spTgt spid="13">
+                                            <p:txEl>
+                                              <p:pRg st="1" end="1"/>
+                                            </p:txEl>
+                                          </p:spTgt>
+                                        </p:tgtEl>
+                                        <p:attrNameLst>
+                                          <p:attrName>style.visibility</p:attrName>
+                                        </p:attrNameLst>
+                                      </p:cBhvr>
+                                      <p:to>
+                                        <p:strVal val="visible"/>
+                                      </p:to>
+                                    </p:set>
+                                  </p:childTnLst>
+                                </p:cTn>
+                              </p:par>
+                              <p:par>
+                                <p:cTn id="9" presetID="1" presetClass="entr" presetSubtype="0" fill="hold" grpId="0" nodeType="withEffect">
+                                  <p:stCondLst>
+                                    <p:cond delay="0"/>
+                                  </p:stCondLst>
+                                  <p:childTnLst>
+                                    <p:set>
+                                      <p:cBhvr>
+                                        <p:cTn id="10" dur="1" fill="hold">
+                                          <p:stCondLst>
+                                            <p:cond delay="0"/>
+                                          </p:stCondLst>
+                                        </p:cTn>
+                                        <p:tgtEl>
+                                          <p:spTgt spid="13">
+                                            <p:txEl>
+                                              <p:pRg st="2" end="2"/>
+                                            </p:txEl>
+                                          </p:spTgt>
+                                        </p:tgtEl>
+                                        <p:attrNameLst>
+                                          <p:attrName>style.visibility</p:attrName>
+                                        </p:attrNameLst>
+                                      </p:cBhvr>
+                                      <p:to>
+                                        <p:strVal val="visible"/>
+                                      </p:to>
+                                    </p:set>
+                                  </p:childTnLst>
+                                </p:cTn>
+                              </p:par>
+                              <p:par>
+                                <p:cTn id="11" presetID="1" presetClass="entr" presetSubtype="0" fill="hold" grpId="0" nodeType="withEffect">
+                                  <p:stCondLst>
+                                    <p:cond delay="0"/>
+                                  </p:stCondLst>
+                                  <p:childTnLst>
+                                    <p:set>
+                                      <p:cBhvr>
+                                        <p:cTn id="12" dur="1" fill="hold">
+                                          <p:stCondLst>
+                                            <p:cond delay="0"/>
+                                          </p:stCondLst>
+                                        </p:cTn>
+                                        <p:tgtEl>
+                                          <p:spTgt spid="13">
+                                            <p:txEl>
+                                              <p:pRg st="3" end="3"/>
+                                            </p:txEl>
+                                          </p:spTgt>
+                                        </p:tgtEl>
+                                        <p:attrNameLst>
+                                          <p:attrName>style.visibility</p:attrName>
+                                        </p:attrNameLst>
+                                      </p:cBhvr>
+                                      <p:to>
+                                        <p:strVal val="visible"/>
+                                      </p:to>
+                                    </p:set>
+                                  </p:childTnLst>
+                                </p:cTn>
+                              </p:par>
+                            </p:childTnLst>
+                          </p:cTn>
+                        </p:par>
+                      </p:childTnLst>
+                    </p:cTn>
+                  </p:par>
+                  <p:par>
+                    <p:cTn id="13" fill="hold">
+                      <p:stCondLst>
+                        <p:cond delay="indefinite"/>
+                      </p:stCondLst>
+                      <p:childTnLst>
+                        <p:par>
+                          <p:cTn id="14" fill="hold">
+                            <p:stCondLst>
+                              <p:cond delay="0"/>
+                            </p:stCondLst>
+                            <p:childTnLst>
+                              <p:par>
+                                <p:cTn id="15" presetID="1" presetClass="entr" presetSubtype="0" fill="hold" grpId="0" nodeType="clickEffect">
+                                  <p:stCondLst>
+                                    <p:cond delay="0"/>
+                                  </p:stCondLst>
+                                  <p:childTnLst>
+                                    <p:set>
+                                      <p:cBhvr>
+                                        <p:cTn id="16" dur="1" fill="hold">
+                                          <p:stCondLst>
+                                            <p:cond delay="0"/>
+                                          </p:stCondLst>
+                                        </p:cTn>
+                                        <p:tgtEl>
+                                          <p:spTgt spid="13">
+                                            <p:txEl>
+                                              <p:pRg st="4" end="4"/>
+                                            </p:txEl>
+                                          </p:spTgt>
+                                        </p:tgtEl>
+                                        <p:attrNameLst>
+                                          <p:attrName>style.visibility</p:attrName>
+                                        </p:attrNameLst>
+                                      </p:cBhvr>
+                                      <p:to>
+                                        <p:strVal val="visible"/>
+                                      </p:to>
+                                    </p:set>
+                                  </p:childTnLst>
+                                </p:cTn>
+                              </p:par>
+                              <p:par>
+                                <p:cTn id="17" presetID="1" presetClass="entr" presetSubtype="0" fill="hold" grpId="0" nodeType="withEffect">
+                                  <p:stCondLst>
+                                    <p:cond delay="0"/>
+                                  </p:stCondLst>
+                                  <p:childTnLst>
+                                    <p:set>
+                                      <p:cBhvr>
+                                        <p:cTn id="18" dur="1" fill="hold">
+                                          <p:stCondLst>
+                                            <p:cond delay="0"/>
+                                          </p:stCondLst>
+                                        </p:cTn>
+                                        <p:tgtEl>
+                                          <p:spTgt spid="13">
+                                            <p:txEl>
+                                              <p:pRg st="5" end="5"/>
+                                            </p:txEl>
+                                          </p:spTgt>
+                                        </p:tgtEl>
+                                        <p:attrNameLst>
+                                          <p:attrName>style.visibility</p:attrName>
+                                        </p:attrNameLst>
+                                      </p:cBhvr>
+                                      <p:to>
+                                        <p:strVal val="visible"/>
+                                      </p:to>
+                                    </p:set>
+                                  </p:childTnLst>
+                                </p:cTn>
+                              </p:par>
+                            </p:childTnLst>
+                          </p:cTn>
+                        </p:par>
+                      </p:childTnLst>
+                    </p:cTn>
+                  </p:par>
+                  <p:par>
+                    <p:cTn id="19" fill="hold">
+                      <p:stCondLst>
+                        <p:cond delay="indefinite"/>
+                      </p:stCondLst>
+                      <p:childTnLst>
+                        <p:par>
+                          <p:cTn id="20" fill="hold">
+                            <p:stCondLst>
+                              <p:cond delay="0"/>
+                            </p:stCondLst>
+                            <p:childTnLst>
+                              <p:par>
+                                <p:cTn id="21" presetID="1" presetClass="entr" presetSubtype="0" fill="hold" grpId="0" nodeType="clickEffect">
+                                  <p:stCondLst>
+                                    <p:cond delay="0"/>
+                                  </p:stCondLst>
+                                  <p:childTnLst>
+                                    <p:set>
+                                      <p:cBhvr>
+                                        <p:cTn id="22" dur="1" fill="hold">
+                                          <p:stCondLst>
+                                            <p:cond delay="0"/>
+                                          </p:stCondLst>
+                                        </p:cTn>
+                                        <p:tgtEl>
+                                          <p:spTgt spid="13">
+                                            <p:txEl>
+                                              <p:pRg st="6" end="6"/>
+                                            </p:txEl>
+                                          </p:spTgt>
+                                        </p:tgtEl>
+                                        <p:attrNameLst>
+                                          <p:attrName>style.visibility</p:attrName>
+                                        </p:attrNameLst>
+                                      </p:cBhvr>
+                                      <p:to>
+                                        <p:strVal val="visible"/>
+                                      </p:to>
+                                    </p:set>
+                                  </p:childTnLst>
+                                </p:cTn>
+                              </p:par>
+                              <p:par>
+                                <p:cTn id="23" presetID="1" presetClass="entr" presetSubtype="0" fill="hold" grpId="0" nodeType="withEffect">
+                                  <p:stCondLst>
+                                    <p:cond delay="0"/>
+                                  </p:stCondLst>
+                                  <p:childTnLst>
+                                    <p:set>
+                                      <p:cBhvr>
+                                        <p:cTn id="24" dur="1" fill="hold">
+                                          <p:stCondLst>
+                                            <p:cond delay="0"/>
+                                          </p:stCondLst>
+                                        </p:cTn>
+                                        <p:tgtEl>
+                                          <p:spTgt spid="13">
+                                            <p:txEl>
+                                              <p:pRg st="7" end="7"/>
+                                            </p:txEl>
+                                          </p:spTgt>
+                                        </p:tgtEl>
+                                        <p:attrNameLst>
+                                          <p:attrName>style.visibility</p:attrName>
+                                        </p:attrNameLst>
+                                      </p:cBhvr>
+                                      <p:to>
+                                        <p:strVal val="visible"/>
+                                      </p:to>
+                                    </p:set>
+                                  </p:childTnLst>
+                                </p:cTn>
+                              </p:par>
+                            </p:childTnLst>
+                          </p:cTn>
+                        </p:par>
+                      </p:childTnLst>
+                    </p:cTn>
+                  </p:par>
+                </p:childTnLst>
+              </p:cTn>
+              <p:prevCondLst>
+                <p:cond evt="onPrev" delay="0">
+                  <p:tgtEl>
+                    <p:sldTgt/>
+                  </p:tgtEl>
+                </p:cond>
+              </p:prevCondLst>
+              <p:nextCondLst>
+                <p:cond evt="onNext" delay="0">
+                  <p:tgtEl>
+                    <p:sldTgt/>
+                  </p:tgtEl>
+                </p:cond>
+              </p:nextCondLst>
+            </p:seq>
+          </p:childTnLst>
+        </p:cTn>
+      </p:par>
+    </p:tnLst>
+    <p:bldLst>
+      <p:bldP spid="13" grpId="0" build="p"/>
+    </p:bldLst>
+  </p:timing>
 </p:sld>
 </file>
 
@@ -35572,13 +36256,13 @@
         </p:nvSpPr>
         <p:spPr>
           <a:xfrm>
-            <a:off x="1296000" y="1566420"/>
-            <a:ext cx="9864000" cy="4171440"/>
+            <a:off x="1296000" y="1566419"/>
+            <a:ext cx="9864000" cy="4984987"/>
           </a:xfrm>
         </p:spPr>
         <p:txBody>
           <a:bodyPr>
-            <a:normAutofit/>
+            <a:normAutofit lnSpcReduction="10000"/>
           </a:bodyPr>
           <a:lstStyle/>
           <a:p>
@@ -35588,10 +36272,10 @@
               </a:spcAft>
             </a:pPr>
             <a:r>
-              <a:rPr lang="en-US" sz="2400" dirty="0"/>
+              <a:rPr lang="en-US" sz="2800" dirty="0"/>
               <a:t>JPA </a:t>
             </a:r>
-            <a:endParaRPr lang="en-US" i="1" dirty="0"/>
+            <a:endParaRPr lang="en-US" sz="2800" i="1" dirty="0"/>
           </a:p>
           <a:p>
             <a:pPr lvl="1">
@@ -35600,8 +36284,8 @@
               </a:spcAft>
             </a:pPr>
             <a:r>
-              <a:rPr lang="en-US" dirty="0"/>
-              <a:t>Java Persistence API</a:t>
+              <a:rPr lang="en-US" sz="2400" dirty="0"/>
+              <a:t>Jakarta Persistence API</a:t>
             </a:r>
           </a:p>
           <a:p>
@@ -35611,8 +36295,8 @@
               </a:spcAft>
             </a:pPr>
             <a:r>
-              <a:rPr lang="en-US" dirty="0"/>
-              <a:t>Now named: Jakarta Persistence API</a:t>
+              <a:rPr lang="en-US" sz="2400" dirty="0"/>
+              <a:t>Formerly known as Java Persistence API</a:t>
             </a:r>
           </a:p>
           <a:p>
@@ -35622,7 +36306,7 @@
               </a:spcAft>
             </a:pPr>
             <a:r>
-              <a:rPr lang="en-US" dirty="0"/>
+              <a:rPr lang="en-US" sz="2400" dirty="0"/>
               <a:t>Specification and interfaces.</a:t>
             </a:r>
           </a:p>
@@ -35633,7 +36317,7 @@
               </a:spcAft>
             </a:pPr>
             <a:r>
-              <a:rPr lang="en-US" dirty="0"/>
+              <a:rPr lang="en-US" sz="2800" dirty="0"/>
               <a:t>Hibernate</a:t>
             </a:r>
           </a:p>
@@ -35644,7 +36328,7 @@
               </a:spcAft>
             </a:pPr>
             <a:r>
-              <a:rPr lang="en-US" dirty="0"/>
+              <a:rPr lang="en-US" sz="2400" dirty="0"/>
               <a:t>Implementation of the JPA API.</a:t>
             </a:r>
           </a:p>
@@ -35655,7 +36339,7 @@
               </a:spcAft>
             </a:pPr>
             <a:r>
-              <a:rPr lang="en-US" dirty="0"/>
+              <a:rPr lang="en-US" sz="2800" dirty="0"/>
               <a:t>Spring Data JPA</a:t>
             </a:r>
           </a:p>
@@ -35666,7 +36350,7 @@
               </a:spcAft>
             </a:pPr>
             <a:r>
-              <a:rPr lang="en-US" dirty="0"/>
+              <a:rPr lang="en-US" sz="2400" dirty="0"/>
               <a:t>Layer on top of JPA which makes interacting with JPA less cumbersome.</a:t>
             </a:r>
           </a:p>
@@ -35677,7 +36361,7 @@
               </a:spcAft>
             </a:pPr>
             <a:r>
-              <a:rPr lang="en-US" dirty="0"/>
+              <a:rPr lang="en-US" sz="2400" dirty="0"/>
               <a:t>Uses Hibernate behind the scenes.</a:t>
             </a:r>
           </a:p>
@@ -35693,6 +36377,372 @@
   <p:clrMapOvr>
     <a:masterClrMapping/>
   </p:clrMapOvr>
+  <p:timing>
+    <p:tnLst>
+      <p:par>
+        <p:cTn id="1" dur="indefinite" restart="never" nodeType="tmRoot">
+          <p:childTnLst>
+            <p:seq concurrent="1" nextAc="seek">
+              <p:cTn id="2" dur="indefinite" nodeType="mainSeq">
+                <p:childTnLst>
+                  <p:par>
+                    <p:cTn id="3" fill="hold">
+                      <p:stCondLst>
+                        <p:cond delay="indefinite"/>
+                      </p:stCondLst>
+                      <p:childTnLst>
+                        <p:par>
+                          <p:cTn id="4" fill="hold">
+                            <p:stCondLst>
+                              <p:cond delay="0"/>
+                            </p:stCondLst>
+                            <p:childTnLst>
+                              <p:par>
+                                <p:cTn id="5" presetID="1" presetClass="entr" presetSubtype="0" fill="hold" grpId="0" nodeType="clickEffect">
+                                  <p:stCondLst>
+                                    <p:cond delay="0"/>
+                                  </p:stCondLst>
+                                  <p:childTnLst>
+                                    <p:set>
+                                      <p:cBhvr>
+                                        <p:cTn id="6" dur="1" fill="hold">
+                                          <p:stCondLst>
+                                            <p:cond delay="0"/>
+                                          </p:stCondLst>
+                                        </p:cTn>
+                                        <p:tgtEl>
+                                          <p:spTgt spid="13">
+                                            <p:txEl>
+                                              <p:pRg st="0" end="0"/>
+                                            </p:txEl>
+                                          </p:spTgt>
+                                        </p:tgtEl>
+                                        <p:attrNameLst>
+                                          <p:attrName>style.visibility</p:attrName>
+                                        </p:attrNameLst>
+                                      </p:cBhvr>
+                                      <p:to>
+                                        <p:strVal val="visible"/>
+                                      </p:to>
+                                    </p:set>
+                                  </p:childTnLst>
+                                </p:cTn>
+                              </p:par>
+                              <p:par>
+                                <p:cTn id="7" presetID="1" presetClass="entr" presetSubtype="0" fill="hold" grpId="0" nodeType="withEffect">
+                                  <p:stCondLst>
+                                    <p:cond delay="0"/>
+                                  </p:stCondLst>
+                                  <p:childTnLst>
+                                    <p:set>
+                                      <p:cBhvr>
+                                        <p:cTn id="8" dur="1" fill="hold">
+                                          <p:stCondLst>
+                                            <p:cond delay="0"/>
+                                          </p:stCondLst>
+                                        </p:cTn>
+                                        <p:tgtEl>
+                                          <p:spTgt spid="13">
+                                            <p:txEl>
+                                              <p:pRg st="1" end="1"/>
+                                            </p:txEl>
+                                          </p:spTgt>
+                                        </p:tgtEl>
+                                        <p:attrNameLst>
+                                          <p:attrName>style.visibility</p:attrName>
+                                        </p:attrNameLst>
+                                      </p:cBhvr>
+                                      <p:to>
+                                        <p:strVal val="visible"/>
+                                      </p:to>
+                                    </p:set>
+                                  </p:childTnLst>
+                                </p:cTn>
+                              </p:par>
+                              <p:par>
+                                <p:cTn id="9" presetID="1" presetClass="entr" presetSubtype="0" fill="hold" grpId="0" nodeType="withEffect">
+                                  <p:stCondLst>
+                                    <p:cond delay="0"/>
+                                  </p:stCondLst>
+                                  <p:childTnLst>
+                                    <p:set>
+                                      <p:cBhvr>
+                                        <p:cTn id="10" dur="1" fill="hold">
+                                          <p:stCondLst>
+                                            <p:cond delay="0"/>
+                                          </p:stCondLst>
+                                        </p:cTn>
+                                        <p:tgtEl>
+                                          <p:spTgt spid="13">
+                                            <p:txEl>
+                                              <p:pRg st="2" end="2"/>
+                                            </p:txEl>
+                                          </p:spTgt>
+                                        </p:tgtEl>
+                                        <p:attrNameLst>
+                                          <p:attrName>style.visibility</p:attrName>
+                                        </p:attrNameLst>
+                                      </p:cBhvr>
+                                      <p:to>
+                                        <p:strVal val="visible"/>
+                                      </p:to>
+                                    </p:set>
+                                  </p:childTnLst>
+                                </p:cTn>
+                              </p:par>
+                              <p:par>
+                                <p:cTn id="11" presetID="1" presetClass="entr" presetSubtype="0" fill="hold" grpId="0" nodeType="withEffect">
+                                  <p:stCondLst>
+                                    <p:cond delay="0"/>
+                                  </p:stCondLst>
+                                  <p:childTnLst>
+                                    <p:set>
+                                      <p:cBhvr>
+                                        <p:cTn id="12" dur="1" fill="hold">
+                                          <p:stCondLst>
+                                            <p:cond delay="0"/>
+                                          </p:stCondLst>
+                                        </p:cTn>
+                                        <p:tgtEl>
+                                          <p:spTgt spid="13">
+                                            <p:txEl>
+                                              <p:pRg st="3" end="3"/>
+                                            </p:txEl>
+                                          </p:spTgt>
+                                        </p:tgtEl>
+                                        <p:attrNameLst>
+                                          <p:attrName>style.visibility</p:attrName>
+                                        </p:attrNameLst>
+                                      </p:cBhvr>
+                                      <p:to>
+                                        <p:strVal val="visible"/>
+                                      </p:to>
+                                    </p:set>
+                                  </p:childTnLst>
+                                </p:cTn>
+                              </p:par>
+                            </p:childTnLst>
+                          </p:cTn>
+                        </p:par>
+                      </p:childTnLst>
+                    </p:cTn>
+                  </p:par>
+                  <p:par>
+                    <p:cTn id="13" fill="hold">
+                      <p:stCondLst>
+                        <p:cond delay="indefinite"/>
+                      </p:stCondLst>
+                      <p:childTnLst>
+                        <p:par>
+                          <p:cTn id="14" fill="hold">
+                            <p:stCondLst>
+                              <p:cond delay="0"/>
+                            </p:stCondLst>
+                            <p:childTnLst>
+                              <p:par>
+                                <p:cTn id="15" presetID="1" presetClass="entr" presetSubtype="0" fill="hold" grpId="0" nodeType="clickEffect">
+                                  <p:stCondLst>
+                                    <p:cond delay="0"/>
+                                  </p:stCondLst>
+                                  <p:childTnLst>
+                                    <p:set>
+                                      <p:cBhvr>
+                                        <p:cTn id="16" dur="1" fill="hold">
+                                          <p:stCondLst>
+                                            <p:cond delay="0"/>
+                                          </p:stCondLst>
+                                        </p:cTn>
+                                        <p:tgtEl>
+                                          <p:spTgt spid="13">
+                                            <p:txEl>
+                                              <p:pRg st="4" end="4"/>
+                                            </p:txEl>
+                                          </p:spTgt>
+                                        </p:tgtEl>
+                                        <p:attrNameLst>
+                                          <p:attrName>style.visibility</p:attrName>
+                                        </p:attrNameLst>
+                                      </p:cBhvr>
+                                      <p:to>
+                                        <p:strVal val="visible"/>
+                                      </p:to>
+                                    </p:set>
+                                  </p:childTnLst>
+                                </p:cTn>
+                              </p:par>
+                              <p:par>
+                                <p:cTn id="17" presetID="1" presetClass="entr" presetSubtype="0" fill="hold" grpId="0" nodeType="withEffect">
+                                  <p:stCondLst>
+                                    <p:cond delay="0"/>
+                                  </p:stCondLst>
+                                  <p:childTnLst>
+                                    <p:set>
+                                      <p:cBhvr>
+                                        <p:cTn id="18" dur="1" fill="hold">
+                                          <p:stCondLst>
+                                            <p:cond delay="0"/>
+                                          </p:stCondLst>
+                                        </p:cTn>
+                                        <p:tgtEl>
+                                          <p:spTgt spid="13">
+                                            <p:txEl>
+                                              <p:pRg st="5" end="5"/>
+                                            </p:txEl>
+                                          </p:spTgt>
+                                        </p:tgtEl>
+                                        <p:attrNameLst>
+                                          <p:attrName>style.visibility</p:attrName>
+                                        </p:attrNameLst>
+                                      </p:cBhvr>
+                                      <p:to>
+                                        <p:strVal val="visible"/>
+                                      </p:to>
+                                    </p:set>
+                                  </p:childTnLst>
+                                </p:cTn>
+                              </p:par>
+                            </p:childTnLst>
+                          </p:cTn>
+                        </p:par>
+                      </p:childTnLst>
+                    </p:cTn>
+                  </p:par>
+                  <p:par>
+                    <p:cTn id="19" fill="hold">
+                      <p:stCondLst>
+                        <p:cond delay="indefinite"/>
+                      </p:stCondLst>
+                      <p:childTnLst>
+                        <p:par>
+                          <p:cTn id="20" fill="hold">
+                            <p:stCondLst>
+                              <p:cond delay="0"/>
+                            </p:stCondLst>
+                            <p:childTnLst>
+                              <p:par>
+                                <p:cTn id="21" presetID="1" presetClass="entr" presetSubtype="0" fill="hold" grpId="0" nodeType="clickEffect">
+                                  <p:stCondLst>
+                                    <p:cond delay="0"/>
+                                  </p:stCondLst>
+                                  <p:childTnLst>
+                                    <p:set>
+                                      <p:cBhvr>
+                                        <p:cTn id="22" dur="1" fill="hold">
+                                          <p:stCondLst>
+                                            <p:cond delay="0"/>
+                                          </p:stCondLst>
+                                        </p:cTn>
+                                        <p:tgtEl>
+                                          <p:spTgt spid="13">
+                                            <p:txEl>
+                                              <p:pRg st="6" end="6"/>
+                                            </p:txEl>
+                                          </p:spTgt>
+                                        </p:tgtEl>
+                                        <p:attrNameLst>
+                                          <p:attrName>style.visibility</p:attrName>
+                                        </p:attrNameLst>
+                                      </p:cBhvr>
+                                      <p:to>
+                                        <p:strVal val="visible"/>
+                                      </p:to>
+                                    </p:set>
+                                  </p:childTnLst>
+                                </p:cTn>
+                              </p:par>
+                              <p:par>
+                                <p:cTn id="23" presetID="1" presetClass="entr" presetSubtype="0" fill="hold" grpId="0" nodeType="withEffect">
+                                  <p:stCondLst>
+                                    <p:cond delay="0"/>
+                                  </p:stCondLst>
+                                  <p:childTnLst>
+                                    <p:set>
+                                      <p:cBhvr>
+                                        <p:cTn id="24" dur="1" fill="hold">
+                                          <p:stCondLst>
+                                            <p:cond delay="0"/>
+                                          </p:stCondLst>
+                                        </p:cTn>
+                                        <p:tgtEl>
+                                          <p:spTgt spid="13">
+                                            <p:txEl>
+                                              <p:pRg st="7" end="7"/>
+                                            </p:txEl>
+                                          </p:spTgt>
+                                        </p:tgtEl>
+                                        <p:attrNameLst>
+                                          <p:attrName>style.visibility</p:attrName>
+                                        </p:attrNameLst>
+                                      </p:cBhvr>
+                                      <p:to>
+                                        <p:strVal val="visible"/>
+                                      </p:to>
+                                    </p:set>
+                                  </p:childTnLst>
+                                </p:cTn>
+                              </p:par>
+                              <p:par>
+                                <p:cTn id="25" presetID="1" presetClass="entr" presetSubtype="0" fill="hold" grpId="0" nodeType="withEffect">
+                                  <p:stCondLst>
+                                    <p:cond delay="0"/>
+                                  </p:stCondLst>
+                                  <p:childTnLst>
+                                    <p:set>
+                                      <p:cBhvr>
+                                        <p:cTn id="26" dur="1" fill="hold">
+                                          <p:stCondLst>
+                                            <p:cond delay="0"/>
+                                          </p:stCondLst>
+                                        </p:cTn>
+                                        <p:tgtEl>
+                                          <p:spTgt spid="13">
+                                            <p:txEl>
+                                              <p:pRg st="8" end="8"/>
+                                            </p:txEl>
+                                          </p:spTgt>
+                                        </p:tgtEl>
+                                        <p:attrNameLst>
+                                          <p:attrName>style.visibility</p:attrName>
+                                        </p:attrNameLst>
+                                      </p:cBhvr>
+                                      <p:to>
+                                        <p:strVal val="visible"/>
+                                      </p:to>
+                                    </p:set>
+                                  </p:childTnLst>
+                                </p:cTn>
+                              </p:par>
+                            </p:childTnLst>
+                          </p:cTn>
+                        </p:par>
+                      </p:childTnLst>
+                    </p:cTn>
+                  </p:par>
+                </p:childTnLst>
+              </p:cTn>
+              <p:prevCondLst>
+                <p:cond evt="onPrev" delay="0">
+                  <p:tgtEl>
+                    <p:sldTgt/>
+                  </p:tgtEl>
+                </p:cond>
+              </p:prevCondLst>
+              <p:nextCondLst>
+                <p:cond evt="onNext" delay="0">
+                  <p:tgtEl>
+                    <p:sldTgt/>
+                  </p:tgtEl>
+                </p:cond>
+              </p:nextCondLst>
+            </p:seq>
+          </p:childTnLst>
+        </p:cTn>
+      </p:par>
+    </p:tnLst>
+    <p:bldLst>
+      <p:bldP spid="13" grpId="0" build="p"/>
+    </p:bldLst>
+  </p:timing>
 </p:sld>
 </file>
 
@@ -35773,8 +36823,8 @@
         </p:nvSpPr>
         <p:spPr>
           <a:xfrm>
-            <a:off x="1296000" y="2105696"/>
-            <a:ext cx="9864000" cy="3632163"/>
+            <a:off x="1296000" y="1696906"/>
+            <a:ext cx="9864000" cy="4187527"/>
           </a:xfrm>
         </p:spPr>
         <p:txBody>
@@ -35789,7 +36839,7 @@
               </a:spcAft>
             </a:pPr>
             <a:r>
-              <a:rPr lang="en-US" dirty="0"/>
+              <a:rPr lang="en-US" sz="2800" dirty="0"/>
               <a:t>Anti-pattern: retrieving entities and updating/deleting them one by one.</a:t>
             </a:r>
           </a:p>
@@ -35800,7 +36850,7 @@
               </a:spcAft>
             </a:pPr>
             <a:r>
-              <a:rPr lang="en-US" dirty="0"/>
+              <a:rPr lang="en-US" sz="2800" dirty="0"/>
               <a:t>Try to create an update/delete query for all relevant rows.</a:t>
             </a:r>
           </a:p>
@@ -35811,7 +36861,7 @@
               </a:spcAft>
             </a:pPr>
             <a:r>
-              <a:rPr lang="en-US" dirty="0"/>
+              <a:rPr lang="en-US" sz="2800" dirty="0"/>
               <a:t>If not possible to write a general query: think about batch processing and Hibernate memory usage.</a:t>
             </a:r>
           </a:p>
@@ -35822,12 +36872,12 @@
               </a:spcAft>
             </a:pPr>
             <a:r>
-              <a:rPr lang="en-US" dirty="0">
+              <a:rPr lang="en-US" sz="2400" dirty="0">
                 <a:hlinkClick r:id="rId2"/>
               </a:rPr>
               <a:t>https://docs.jboss.org/hibernate/core/3.6/reference/en-US/html_single/#batch</a:t>
             </a:r>
-            <a:endParaRPr lang="en-US" dirty="0"/>
+            <a:endParaRPr lang="en-US" sz="2400" dirty="0"/>
           </a:p>
         </p:txBody>
       </p:sp>
@@ -35914,7 +36964,7 @@
         </p:nvSpPr>
         <p:spPr>
           <a:xfrm>
-            <a:off x="1296000" y="2105696"/>
+            <a:off x="1296000" y="1612918"/>
             <a:ext cx="9864000" cy="3632163"/>
           </a:xfrm>
         </p:spPr>
@@ -35931,30 +36981,8 @@
             </a:pPr>
             <a:r>
               <a:rPr lang="en-US" sz="2800" dirty="0"/>
-              <a:t>Open session in view</a:t>
-            </a:r>
-            <a:endParaRPr lang="en-US" sz="2800" dirty="0">
-              <a:latin typeface="Courier New" panose="02070309020205020404" pitchFamily="49" charset="0"/>
-              <a:cs typeface="Courier New" panose="02070309020205020404" pitchFamily="49" charset="0"/>
-            </a:endParaRPr>
-          </a:p>
-          <a:p>
-            <a:pPr>
-              <a:spcAft>
-                <a:spcPts val="600"/>
-              </a:spcAft>
-            </a:pPr>
-            <a:r>
-              <a:rPr lang="en-US" sz="2800" dirty="0" err="1">
-                <a:latin typeface="Courier New" panose="02070309020205020404" pitchFamily="49" charset="0"/>
-                <a:cs typeface="Courier New" panose="02070309020205020404" pitchFamily="49" charset="0"/>
-              </a:rPr>
-              <a:t>enable_lazy_load_no_trans</a:t>
-            </a:r>
-            <a:endParaRPr lang="en-US" sz="2800" dirty="0">
-              <a:latin typeface="Courier New" panose="02070309020205020404" pitchFamily="49" charset="0"/>
-              <a:cs typeface="Courier New" panose="02070309020205020404" pitchFamily="49" charset="0"/>
-            </a:endParaRPr>
+              <a:t>Open Session in View</a:t>
+            </a:r>
           </a:p>
           <a:p>
             <a:pPr>
@@ -36264,7 +37292,18 @@
             </a:pPr>
             <a:r>
               <a:rPr lang="en-US" sz="2400" dirty="0"/>
-              <a:t>Demo: retrieve all comments</a:t>
+              <a:t>Retrieve all comments (using </a:t>
+            </a:r>
+            <a:r>
+              <a:rPr lang="en-US" sz="2400" dirty="0">
+                <a:latin typeface="Courier New" panose="02070309020205020404" pitchFamily="49" charset="0"/>
+                <a:cs typeface="Courier New" panose="02070309020205020404" pitchFamily="49" charset="0"/>
+              </a:rPr>
+              <a:t>@Transactional </a:t>
+            </a:r>
+            <a:r>
+              <a:rPr lang="en-US" sz="2400" dirty="0"/>
+              <a:t>internally)</a:t>
             </a:r>
           </a:p>
           <a:p>
@@ -36275,7 +37314,7 @@
             </a:pPr>
             <a:r>
               <a:rPr lang="en-US" sz="2400" dirty="0"/>
-              <a:t>Demo: give managers a raise</a:t>
+              <a:t>Give managers a raise</a:t>
             </a:r>
             <a:endParaRPr lang="en-US" sz="2400" dirty="0">
               <a:solidFill>
@@ -36538,7 +37577,7 @@
         </p:nvSpPr>
         <p:spPr>
           <a:xfrm>
-            <a:off x="1296000" y="2105696"/>
+            <a:off x="1296000" y="1612918"/>
             <a:ext cx="9864000" cy="3632163"/>
           </a:xfrm>
         </p:spPr>
@@ -36554,15 +37593,15 @@
               </a:spcAft>
             </a:pPr>
             <a:r>
-              <a:rPr lang="en-US" dirty="0"/>
+              <a:rPr lang="en-US" sz="2800" dirty="0"/>
               <a:t>Always map entities to a </a:t>
             </a:r>
             <a:r>
-              <a:rPr lang="en-US" i="1" dirty="0"/>
+              <a:rPr lang="en-US" sz="2800" i="1" dirty="0"/>
               <a:t>data transfer object </a:t>
             </a:r>
             <a:r>
-              <a:rPr lang="en-US" dirty="0"/>
+              <a:rPr lang="en-US" sz="2800" dirty="0"/>
               <a:t>(DTO).</a:t>
             </a:r>
           </a:p>
@@ -36573,7 +37612,7 @@
               </a:spcAft>
             </a:pPr>
             <a:r>
-              <a:rPr lang="en-US" dirty="0"/>
+              <a:rPr lang="en-US" sz="2800" dirty="0"/>
               <a:t>Avoid security leaks and have a separation between the database model and the web model.</a:t>
             </a:r>
           </a:p>
@@ -37039,17 +38078,6 @@
             </a:pPr>
             <a:r>
               <a:rPr lang="en-US" sz="2800" dirty="0"/>
-              <a:t>All my advice is a nuanced story…</a:t>
-            </a:r>
-          </a:p>
-          <a:p>
-            <a:pPr>
-              <a:spcAft>
-                <a:spcPts val="600"/>
-              </a:spcAft>
-            </a:pPr>
-            <a:r>
-              <a:rPr lang="en-US" sz="2800" dirty="0"/>
               <a:t>Important to realize that using JPA comes with a performance impact.</a:t>
             </a:r>
           </a:p>
@@ -37243,7 +38271,13 @@
           <a:p>
             <a:r>
               <a:rPr lang="en-US" dirty="0"/>
-              <a:t>How does Spring manage transactions and how does it map to JPA/Hibernate?</a:t>
+              <a:t>How does Spring manage transactions and</a:t>
+            </a:r>
+          </a:p>
+          <a:p>
+            <a:r>
+              <a:rPr lang="en-US" dirty="0"/>
+              <a:t>how does it map to JPA/Hibernate?</a:t>
             </a:r>
           </a:p>
         </p:txBody>
@@ -37308,7 +38342,7 @@
           <a:p>
             <a:r>
               <a:rPr lang="en-US" dirty="0"/>
-              <a:t>Slides and demos</a:t>
+              <a:t>Further resources</a:t>
             </a:r>
           </a:p>
         </p:txBody>
@@ -37331,8 +38365,8 @@
         </p:nvSpPr>
         <p:spPr>
           <a:xfrm>
-            <a:off x="753036" y="1734397"/>
-            <a:ext cx="11037346" cy="4494281"/>
+            <a:off x="753036" y="2850776"/>
+            <a:ext cx="11037346" cy="3377902"/>
           </a:xfrm>
         </p:spPr>
         <p:txBody>
@@ -37341,10 +38375,11 @@
           </a:bodyPr>
           <a:lstStyle/>
           <a:p>
-            <a:pPr>
+            <a:pPr marL="0" indent="0" algn="ctr">
               <a:spcAft>
                 <a:spcPts val="600"/>
               </a:spcAft>
+              <a:buNone/>
             </a:pPr>
             <a:r>
               <a:rPr lang="en-US" sz="2800" dirty="0"/>
@@ -37352,10 +38387,11 @@
             </a:r>
           </a:p>
           <a:p>
-            <a:pPr>
+            <a:pPr marL="0" indent="0" algn="ctr">
               <a:spcAft>
                 <a:spcPts val="600"/>
               </a:spcAft>
+              <a:buNone/>
             </a:pPr>
             <a:r>
               <a:rPr lang="en-US" sz="2800" dirty="0">
@@ -39774,6 +40810,21 @@
 </file>
 
 <file path=customXml/item1.xml><?xml version="1.0" encoding="utf-8"?>
+<?mso-contentType ?>
+<FormTemplates xmlns="http://schemas.microsoft.com/sharepoint/v3/contenttype/forms">
+  <Display>DocumentLibraryForm</Display>
+  <Edit>DocumentLibraryForm</Edit>
+  <New>DocumentLibraryForm</New>
+</FormTemplates>
+</file>
+
+<file path=customXml/item2.xml><?xml version="1.0" encoding="utf-8"?>
+<p:properties xmlns:p="http://schemas.microsoft.com/office/2006/metadata/properties" xmlns:xsi="http://www.w3.org/2001/XMLSchema-instance" xmlns:pc="http://schemas.microsoft.com/office/infopath/2007/PartnerControls">
+  <documentManagement/>
+</p:properties>
+</file>
+
+<file path=customXml/item3.xml><?xml version="1.0" encoding="utf-8"?>
 <ct:contentTypeSchema xmlns:ct="http://schemas.microsoft.com/office/2006/metadata/contentType" xmlns:ma="http://schemas.microsoft.com/office/2006/metadata/properties/metaAttributes" ct:_="" ma:_="" ma:contentTypeName="Document" ma:contentTypeID="0x0101000858805C9A31ED4698AA5994F7540466" ma:contentTypeVersion="1" ma:contentTypeDescription="Een nieuw document maken." ma:contentTypeScope="" ma:versionID="5cab34e6f8d54d32c51f192539e9981c">
   <xsd:schema xmlns:xsd="http://www.w3.org/2001/XMLSchema" xmlns:xs="http://www.w3.org/2001/XMLSchema" xmlns:p="http://schemas.microsoft.com/office/2006/metadata/properties" xmlns:ns2="a73fd6a0-a740-4ca0-a47f-6beba88ccc77" targetNamespace="http://schemas.microsoft.com/office/2006/metadata/properties" ma:root="true" ma:fieldsID="10b3ae9c115bae24efdfd9076c93080b" ns2:_="">
     <xsd:import namespace="a73fd6a0-a740-4ca0-a47f-6beba88ccc77"/>
@@ -39913,22 +40964,31 @@
 </ct:contentTypeSchema>
 </file>
 
-<file path=customXml/item2.xml><?xml version="1.0" encoding="utf-8"?>
-<?mso-contentType ?>
-<FormTemplates xmlns="http://schemas.microsoft.com/sharepoint/v3/contenttype/forms">
-  <Display>DocumentLibraryForm</Display>
-  <Edit>DocumentLibraryForm</Edit>
-  <New>DocumentLibraryForm</New>
-</FormTemplates>
+<file path=customXml/itemProps1.xml><?xml version="1.0" encoding="utf-8"?>
+<ds:datastoreItem xmlns:ds="http://schemas.openxmlformats.org/officeDocument/2006/customXml" ds:itemID="{4522A51C-073F-4C45-9170-ECE5951F4DEA}">
+  <ds:schemaRefs>
+    <ds:schemaRef ds:uri="http://schemas.microsoft.com/sharepoint/v3/contenttype/forms"/>
+  </ds:schemaRefs>
+</ds:datastoreItem>
 </file>
 
-<file path=customXml/item3.xml><?xml version="1.0" encoding="utf-8"?>
-<p:properties xmlns:p="http://schemas.microsoft.com/office/2006/metadata/properties" xmlns:xsi="http://www.w3.org/2001/XMLSchema-instance" xmlns:pc="http://schemas.microsoft.com/office/infopath/2007/PartnerControls">
-  <documentManagement/>
-</p:properties>
+<file path=customXml/itemProps2.xml><?xml version="1.0" encoding="utf-8"?>
+<ds:datastoreItem xmlns:ds="http://schemas.openxmlformats.org/officeDocument/2006/customXml" ds:itemID="{F8AE8C2F-0717-4D42-B44A-CAECCF122A1A}">
+  <ds:schemaRefs>
+    <ds:schemaRef ds:uri="http://schemas.microsoft.com/office/infopath/2007/PartnerControls"/>
+    <ds:schemaRef ds:uri="http://www.w3.org/XML/1998/namespace"/>
+    <ds:schemaRef ds:uri="http://purl.org/dc/terms/"/>
+    <ds:schemaRef ds:uri="http://purl.org/dc/elements/1.1/"/>
+    <ds:schemaRef ds:uri="http://purl.org/dc/dcmitype/"/>
+    <ds:schemaRef ds:uri="http://schemas.microsoft.com/office/2006/documentManagement/types"/>
+    <ds:schemaRef ds:uri="http://schemas.openxmlformats.org/package/2006/metadata/core-properties"/>
+    <ds:schemaRef ds:uri="a73fd6a0-a740-4ca0-a47f-6beba88ccc77"/>
+    <ds:schemaRef ds:uri="http://schemas.microsoft.com/office/2006/metadata/properties"/>
+  </ds:schemaRefs>
+</ds:datastoreItem>
 </file>
 
-<file path=customXml/itemProps1.xml><?xml version="1.0" encoding="utf-8"?>
+<file path=customXml/itemProps3.xml><?xml version="1.0" encoding="utf-8"?>
 <ds:datastoreItem xmlns:ds="http://schemas.openxmlformats.org/officeDocument/2006/customXml" ds:itemID="{9AC0CDE9-3E35-44FD-A63A-9795CF527D47}">
   <ds:schemaRefs>
     <ds:schemaRef ds:uri="http://schemas.microsoft.com/office/2006/metadata/contentType"/>
@@ -39944,28 +41004,4 @@
     <ds:schemaRef ds:uri="http://schemas.microsoft.com/internal/obd"/>
   </ds:schemaRefs>
 </ds:datastoreItem>
-</file>
-
-<file path=customXml/itemProps2.xml><?xml version="1.0" encoding="utf-8"?>
-<ds:datastoreItem xmlns:ds="http://schemas.openxmlformats.org/officeDocument/2006/customXml" ds:itemID="{4522A51C-073F-4C45-9170-ECE5951F4DEA}">
-  <ds:schemaRefs>
-    <ds:schemaRef ds:uri="http://schemas.microsoft.com/sharepoint/v3/contenttype/forms"/>
-  </ds:schemaRefs>
-</ds:datastoreItem>
-</file>
-
-<file path=customXml/itemProps3.xml><?xml version="1.0" encoding="utf-8"?>
-<ds:datastoreItem xmlns:ds="http://schemas.openxmlformats.org/officeDocument/2006/customXml" ds:itemID="{F8AE8C2F-0717-4D42-B44A-CAECCF122A1A}">
-  <ds:schemaRefs>
-    <ds:schemaRef ds:uri="http://schemas.microsoft.com/office/infopath/2007/PartnerControls"/>
-    <ds:schemaRef ds:uri="http://www.w3.org/XML/1998/namespace"/>
-    <ds:schemaRef ds:uri="http://purl.org/dc/terms/"/>
-    <ds:schemaRef ds:uri="http://purl.org/dc/elements/1.1/"/>
-    <ds:schemaRef ds:uri="http://purl.org/dc/dcmitype/"/>
-    <ds:schemaRef ds:uri="http://schemas.microsoft.com/office/2006/documentManagement/types"/>
-    <ds:schemaRef ds:uri="http://schemas.openxmlformats.org/package/2006/metadata/core-properties"/>
-    <ds:schemaRef ds:uri="a73fd6a0-a740-4ca0-a47f-6beba88ccc77"/>
-    <ds:schemaRef ds:uri="http://schemas.microsoft.com/office/2006/metadata/properties"/>
-  </ds:schemaRefs>
-</ds:datastoreItem>
 </file>
--- a/slides.pptx
+++ b/slides.pptx
@@ -29,9 +29,9 @@
     <p:sldId id="281" r:id="rId20"/>
     <p:sldId id="339" r:id="rId21"/>
     <p:sldId id="267" r:id="rId22"/>
-    <p:sldId id="269" r:id="rId23"/>
-    <p:sldId id="270" r:id="rId24"/>
-    <p:sldId id="268" r:id="rId25"/>
+    <p:sldId id="270" r:id="rId23"/>
+    <p:sldId id="268" r:id="rId24"/>
+    <p:sldId id="269" r:id="rId25"/>
     <p:sldId id="261" r:id="rId26"/>
     <p:sldId id="259" r:id="rId27"/>
     <p:sldId id="321" r:id="rId28"/>
@@ -1083,7 +1083,7 @@
           <a:p>
             <a:fld id="{4970B036-1422-4C36-8158-C30E1C0769EB}" type="slidenum">
               <a:rPr lang="nl-NL" smtClean="0"/>
-              <a:t>19</a:t>
+              <a:t>18</a:t>
             </a:fld>
             <a:endParaRPr lang="nl-NL"/>
           </a:p>
@@ -28044,182 +28044,6 @@
           <a:chExt cx="0" cy="0"/>
         </a:xfrm>
       </p:grpSpPr>
-      <p:pic>
-        <p:nvPicPr>
-          <p:cNvPr id="6146" name="Picture 2" descr="OpenSessionInView">
-            <a:extLst>
-              <a:ext uri="{FF2B5EF4-FFF2-40B4-BE49-F238E27FC236}">
-                <a16:creationId xmlns:a16="http://schemas.microsoft.com/office/drawing/2014/main" id="{82D475C1-832F-451A-B962-426EA018678D}"/>
-              </a:ext>
-            </a:extLst>
-          </p:cNvPr>
-          <p:cNvPicPr>
-            <a:picLocks noChangeAspect="1" noChangeArrowheads="1"/>
-          </p:cNvPicPr>
-          <p:nvPr/>
-        </p:nvPicPr>
-        <p:blipFill>
-          <a:blip r:embed="rId2">
-            <a:extLst>
-              <a:ext uri="{28A0092B-C50C-407E-A947-70E740481C1C}">
-                <a14:useLocalDpi xmlns:a14="http://schemas.microsoft.com/office/drawing/2010/main" val="0"/>
-              </a:ext>
-            </a:extLst>
-          </a:blip>
-          <a:stretch>
-            <a:fillRect/>
-          </a:stretch>
-        </p:blipFill>
-        <p:spPr bwMode="auto">
-          <a:xfrm>
-            <a:off x="1523456" y="2016000"/>
-            <a:ext cx="9409088" cy="4140000"/>
-          </a:xfrm>
-          <a:prstGeom prst="rect">
-            <a:avLst/>
-          </a:prstGeom>
-          <a:solidFill>
-            <a:srgbClr val="FFFFFF"/>
-          </a:solidFill>
-        </p:spPr>
-      </p:pic>
-      <p:sp>
-        <p:nvSpPr>
-          <p:cNvPr id="11" name="Title 1">
-            <a:extLst>
-              <a:ext uri="{FF2B5EF4-FFF2-40B4-BE49-F238E27FC236}">
-                <a16:creationId xmlns:a16="http://schemas.microsoft.com/office/drawing/2014/main" id="{51612DA1-DB43-7E72-A4EA-4B95C807605F}"/>
-              </a:ext>
-            </a:extLst>
-          </p:cNvPr>
-          <p:cNvSpPr>
-            <a:spLocks noGrp="1"/>
-          </p:cNvSpPr>
-          <p:nvPr>
-            <p:ph type="title"/>
-          </p:nvPr>
-        </p:nvSpPr>
-        <p:spPr/>
-        <p:txBody>
-          <a:bodyPr anchor="t">
-            <a:normAutofit/>
-          </a:bodyPr>
-          <a:lstStyle/>
-          <a:p>
-            <a:r>
-              <a:rPr lang="en-US" dirty="0"/>
-              <a:t>Open Session in View (OSIV)</a:t>
-            </a:r>
-          </a:p>
-        </p:txBody>
-      </p:sp>
-      <p:cxnSp>
-        <p:nvCxnSpPr>
-          <p:cNvPr id="3" name="Rechte verbindingslijn met pijl 2">
-            <a:extLst>
-              <a:ext uri="{FF2B5EF4-FFF2-40B4-BE49-F238E27FC236}">
-                <a16:creationId xmlns:a16="http://schemas.microsoft.com/office/drawing/2014/main" id="{C4C59088-CD72-6918-F1DB-EE9C7C0CA963}"/>
-              </a:ext>
-            </a:extLst>
-          </p:cNvPr>
-          <p:cNvCxnSpPr>
-            <a:cxnSpLocks/>
-          </p:cNvCxnSpPr>
-          <p:nvPr/>
-        </p:nvCxnSpPr>
-        <p:spPr>
-          <a:xfrm flipH="1">
-            <a:off x="2248348" y="1785769"/>
-            <a:ext cx="849854" cy="143422"/>
-          </a:xfrm>
-          <a:prstGeom prst="straightConnector1">
-            <a:avLst/>
-          </a:prstGeom>
-          <a:ln>
-            <a:tailEnd type="triangle"/>
-          </a:ln>
-        </p:spPr>
-        <p:style>
-          <a:lnRef idx="1">
-            <a:schemeClr val="accent1"/>
-          </a:lnRef>
-          <a:fillRef idx="0">
-            <a:schemeClr val="accent1"/>
-          </a:fillRef>
-          <a:effectRef idx="0">
-            <a:schemeClr val="accent1"/>
-          </a:effectRef>
-          <a:fontRef idx="minor">
-            <a:schemeClr val="tx1"/>
-          </a:fontRef>
-        </p:style>
-      </p:cxnSp>
-      <p:sp>
-        <p:nvSpPr>
-          <p:cNvPr id="7" name="Tekstvak 6">
-            <a:extLst>
-              <a:ext uri="{FF2B5EF4-FFF2-40B4-BE49-F238E27FC236}">
-                <a16:creationId xmlns:a16="http://schemas.microsoft.com/office/drawing/2014/main" id="{EAB367E4-B65D-0EF2-810D-5838EA68F729}"/>
-              </a:ext>
-            </a:extLst>
-          </p:cNvPr>
-          <p:cNvSpPr txBox="1"/>
-          <p:nvPr/>
-        </p:nvSpPr>
-        <p:spPr>
-          <a:xfrm>
-            <a:off x="3098202" y="1559859"/>
-            <a:ext cx="4378362" cy="369332"/>
-          </a:xfrm>
-          <a:prstGeom prst="rect">
-            <a:avLst/>
-          </a:prstGeom>
-          <a:noFill/>
-        </p:spPr>
-        <p:txBody>
-          <a:bodyPr wrap="square" rtlCol="0">
-            <a:spAutoFit/>
-          </a:bodyPr>
-          <a:lstStyle/>
-          <a:p>
-            <a:r>
-              <a:rPr lang="nl-BE" dirty="0"/>
-              <a:t>Filters are a concept of Spring Web</a:t>
-            </a:r>
-            <a:endParaRPr lang="nl-NL" dirty="0"/>
-          </a:p>
-        </p:txBody>
-      </p:sp>
-    </p:spTree>
-    <p:extLst>
-      <p:ext uri="{BB962C8B-B14F-4D97-AF65-F5344CB8AC3E}">
-        <p14:creationId xmlns:p14="http://schemas.microsoft.com/office/powerpoint/2010/main" val="4016722279"/>
-      </p:ext>
-    </p:extLst>
-  </p:cSld>
-  <p:clrMapOvr>
-    <a:masterClrMapping/>
-  </p:clrMapOvr>
-</p:sld>
-</file>
-
-<file path=ppt/slides/slide19.xml><?xml version="1.0" encoding="utf-8"?>
-<p:sld xmlns:a="http://schemas.openxmlformats.org/drawingml/2006/main" xmlns:r="http://schemas.openxmlformats.org/officeDocument/2006/relationships" xmlns:p="http://schemas.openxmlformats.org/presentationml/2006/main">
-  <p:cSld>
-    <p:spTree>
-      <p:nvGrpSpPr>
-        <p:cNvPr id="1" name=""/>
-        <p:cNvGrpSpPr/>
-        <p:nvPr/>
-      </p:nvGrpSpPr>
-      <p:grpSpPr>
-        <a:xfrm>
-          <a:off x="0" y="0"/>
-          <a:ext cx="0" cy="0"/>
-          <a:chOff x="0" y="0"/>
-          <a:chExt cx="0" cy="0"/>
-        </a:xfrm>
-      </p:grpSpPr>
       <p:sp>
         <p:nvSpPr>
           <p:cNvPr id="11" name="Title 1">
@@ -28642,249 +28466,7 @@
 </p:sld>
 </file>
 
-<file path=ppt/slides/slide2.xml><?xml version="1.0" encoding="utf-8"?>
-<p:sld xmlns:a="http://schemas.openxmlformats.org/drawingml/2006/main" xmlns:r="http://schemas.openxmlformats.org/officeDocument/2006/relationships" xmlns:p="http://schemas.openxmlformats.org/presentationml/2006/main">
-  <p:cSld>
-    <p:spTree>
-      <p:nvGrpSpPr>
-        <p:cNvPr id="1" name=""/>
-        <p:cNvGrpSpPr/>
-        <p:nvPr/>
-      </p:nvGrpSpPr>
-      <p:grpSpPr>
-        <a:xfrm>
-          <a:off x="0" y="0"/>
-          <a:ext cx="0" cy="0"/>
-          <a:chOff x="0" y="0"/>
-          <a:chExt cx="0" cy="0"/>
-        </a:xfrm>
-      </p:grpSpPr>
-      <p:sp>
-        <p:nvSpPr>
-          <p:cNvPr id="12" name="Rechthoek 11">
-            <a:extLst>
-              <a:ext uri="{FF2B5EF4-FFF2-40B4-BE49-F238E27FC236}">
-                <a16:creationId xmlns:a16="http://schemas.microsoft.com/office/drawing/2014/main" id="{61762375-FDCF-446A-B820-390AF79951E3}"/>
-              </a:ext>
-            </a:extLst>
-          </p:cNvPr>
-          <p:cNvSpPr/>
-          <p:nvPr/>
-        </p:nvSpPr>
-        <p:spPr>
-          <a:xfrm>
-            <a:off x="11285220" y="6012180"/>
-            <a:ext cx="906780" cy="838200"/>
-          </a:xfrm>
-          <a:prstGeom prst="rect">
-            <a:avLst/>
-          </a:prstGeom>
-          <a:solidFill>
-            <a:schemeClr val="bg1"/>
-          </a:solidFill>
-          <a:ln>
-            <a:solidFill>
-              <a:schemeClr val="bg1"/>
-            </a:solidFill>
-          </a:ln>
-        </p:spPr>
-        <p:style>
-          <a:lnRef idx="2">
-            <a:schemeClr val="accent1">
-              <a:shade val="50000"/>
-            </a:schemeClr>
-          </a:lnRef>
-          <a:fillRef idx="1">
-            <a:schemeClr val="accent1"/>
-          </a:fillRef>
-          <a:effectRef idx="0">
-            <a:schemeClr val="accent1"/>
-          </a:effectRef>
-          <a:fontRef idx="minor">
-            <a:schemeClr val="lt1"/>
-          </a:fontRef>
-        </p:style>
-        <p:txBody>
-          <a:bodyPr rtlCol="0" anchor="ctr"/>
-          <a:lstStyle/>
-          <a:p>
-            <a:pPr algn="ctr"/>
-            <a:endParaRPr lang="nl-NL"/>
-          </a:p>
-        </p:txBody>
-      </p:sp>
-      <p:pic>
-        <p:nvPicPr>
-          <p:cNvPr id="10" name="Tijdelijke aanduiding voor inhoud 9" descr="Afbeelding met buiten, boom, lucht, natuur&#10;&#10;Automatisch gegenereerde beschrijving">
-            <a:extLst>
-              <a:ext uri="{FF2B5EF4-FFF2-40B4-BE49-F238E27FC236}">
-                <a16:creationId xmlns:a16="http://schemas.microsoft.com/office/drawing/2014/main" id="{923BCDBA-11CB-462F-A793-E4BCA57F13F5}"/>
-              </a:ext>
-            </a:extLst>
-          </p:cNvPr>
-          <p:cNvPicPr>
-            <a:picLocks noGrp="1" noChangeAspect="1"/>
-          </p:cNvPicPr>
-          <p:nvPr>
-            <p:ph type="pic" sz="quarter" idx="18"/>
-          </p:nvPr>
-        </p:nvPicPr>
-        <p:blipFill rotWithShape="1">
-          <a:blip r:embed="rId2">
-            <a:alphaModFix/>
-            <a:extLst>
-              <a:ext uri="{28A0092B-C50C-407E-A947-70E740481C1C}">
-                <a14:useLocalDpi xmlns:a14="http://schemas.microsoft.com/office/drawing/2010/main" val="0"/>
-              </a:ext>
-            </a:extLst>
-          </a:blip>
-          <a:srcRect t="1298" b="1298"/>
-          <a:stretch/>
-        </p:blipFill>
-        <p:spPr>
-          <a:xfrm>
-            <a:off x="6592569" y="1557122"/>
-            <a:ext cx="4977699" cy="3634601"/>
-          </a:xfrm>
-          <a:noFill/>
-        </p:spPr>
-      </p:pic>
-      <p:sp>
-        <p:nvSpPr>
-          <p:cNvPr id="22" name="Text Placeholder 2">
-            <a:extLst>
-              <a:ext uri="{FF2B5EF4-FFF2-40B4-BE49-F238E27FC236}">
-                <a16:creationId xmlns:a16="http://schemas.microsoft.com/office/drawing/2014/main" id="{E5C0D1AF-0886-ED3E-4B41-D2FE4052A5EA}"/>
-              </a:ext>
-            </a:extLst>
-          </p:cNvPr>
-          <p:cNvSpPr>
-            <a:spLocks noGrp="1"/>
-          </p:cNvSpPr>
-          <p:nvPr>
-            <p:ph type="body" sz="quarter" idx="19"/>
-          </p:nvPr>
-        </p:nvSpPr>
-        <p:spPr/>
-        <p:txBody>
-          <a:bodyPr/>
-          <a:lstStyle/>
-          <a:p>
-            <a:r>
-              <a:rPr lang="en-US" dirty="0"/>
-              <a:t>IT Consultant</a:t>
-            </a:r>
-          </a:p>
-        </p:txBody>
-      </p:sp>
-      <p:sp>
-        <p:nvSpPr>
-          <p:cNvPr id="24" name="Text Placeholder 3">
-            <a:extLst>
-              <a:ext uri="{FF2B5EF4-FFF2-40B4-BE49-F238E27FC236}">
-                <a16:creationId xmlns:a16="http://schemas.microsoft.com/office/drawing/2014/main" id="{4C86A4CC-A1EE-19F7-04FB-EC08E5A63925}"/>
-              </a:ext>
-            </a:extLst>
-          </p:cNvPr>
-          <p:cNvSpPr>
-            <a:spLocks noGrp="1"/>
-          </p:cNvSpPr>
-          <p:nvPr>
-            <p:ph type="body" sz="quarter" idx="28"/>
-          </p:nvPr>
-        </p:nvSpPr>
-        <p:spPr/>
-        <p:txBody>
-          <a:bodyPr/>
-          <a:lstStyle/>
-          <a:p>
-            <a:r>
-              <a:rPr lang="en-US" dirty="0"/>
-              <a:t>raoul.vandenberge@infosupport.com</a:t>
-            </a:r>
-          </a:p>
-        </p:txBody>
-      </p:sp>
-      <p:sp>
-        <p:nvSpPr>
-          <p:cNvPr id="17" name="Title 4">
-            <a:extLst>
-              <a:ext uri="{FF2B5EF4-FFF2-40B4-BE49-F238E27FC236}">
-                <a16:creationId xmlns:a16="http://schemas.microsoft.com/office/drawing/2014/main" id="{C1702AA9-E252-2985-B0BE-D1058CA7CA97}"/>
-              </a:ext>
-            </a:extLst>
-          </p:cNvPr>
-          <p:cNvSpPr>
-            <a:spLocks noGrp="1"/>
-          </p:cNvSpPr>
-          <p:nvPr>
-            <p:ph type="title"/>
-          </p:nvPr>
-        </p:nvSpPr>
-        <p:spPr/>
-        <p:txBody>
-          <a:bodyPr anchor="t">
-            <a:normAutofit/>
-          </a:bodyPr>
-          <a:lstStyle/>
-          <a:p>
-            <a:r>
-              <a:rPr lang="en-US" dirty="0"/>
-              <a:t>Raoul Van den Berge</a:t>
-            </a:r>
-          </a:p>
-        </p:txBody>
-      </p:sp>
-      <p:sp>
-        <p:nvSpPr>
-          <p:cNvPr id="26" name="Text Placeholder 5">
-            <a:extLst>
-              <a:ext uri="{FF2B5EF4-FFF2-40B4-BE49-F238E27FC236}">
-                <a16:creationId xmlns:a16="http://schemas.microsoft.com/office/drawing/2014/main" id="{45579C99-4E65-7D71-E588-73F40950DDD9}"/>
-              </a:ext>
-            </a:extLst>
-          </p:cNvPr>
-          <p:cNvSpPr>
-            <a:spLocks noGrp="1"/>
-          </p:cNvSpPr>
-          <p:nvPr>
-            <p:ph type="body" sz="quarter" idx="29"/>
-          </p:nvPr>
-        </p:nvSpPr>
-        <p:spPr/>
-        <p:txBody>
-          <a:bodyPr/>
-          <a:lstStyle/>
-          <a:p>
-            <a:r>
-              <a:rPr lang="en-US" dirty="0"/>
-              <a:t>Graduated from </a:t>
-            </a:r>
-            <a:r>
-              <a:rPr lang="en-US" dirty="0" err="1"/>
-              <a:t>KdG</a:t>
-            </a:r>
-            <a:r>
-              <a:rPr lang="en-US" dirty="0"/>
-              <a:t> in 2020</a:t>
-            </a:r>
-          </a:p>
-        </p:txBody>
-      </p:sp>
-    </p:spTree>
-    <p:extLst>
-      <p:ext uri="{BB962C8B-B14F-4D97-AF65-F5344CB8AC3E}">
-        <p14:creationId xmlns:p14="http://schemas.microsoft.com/office/powerpoint/2010/main" val="2921909092"/>
-      </p:ext>
-    </p:extLst>
-  </p:cSld>
-  <p:clrMapOvr>
-    <a:masterClrMapping/>
-  </p:clrMapOvr>
-</p:sld>
-</file>
-
-<file path=ppt/slides/slide20.xml><?xml version="1.0" encoding="utf-8"?>
+<file path=ppt/slides/slide19.xml><?xml version="1.0" encoding="utf-8"?>
 <p:sld xmlns:a="http://schemas.openxmlformats.org/drawingml/2006/main" xmlns:r="http://schemas.openxmlformats.org/officeDocument/2006/relationships" xmlns:p="http://schemas.openxmlformats.org/presentationml/2006/main">
   <p:cSld>
     <p:spTree>
@@ -29351,6 +28933,479 @@
       <p:bldP spid="4" grpId="0" build="p"/>
     </p:bldLst>
   </p:timing>
+</p:sld>
+</file>
+
+<file path=ppt/slides/slide2.xml><?xml version="1.0" encoding="utf-8"?>
+<p:sld xmlns:a="http://schemas.openxmlformats.org/drawingml/2006/main" xmlns:r="http://schemas.openxmlformats.org/officeDocument/2006/relationships" xmlns:p="http://schemas.openxmlformats.org/presentationml/2006/main">
+  <p:cSld>
+    <p:spTree>
+      <p:nvGrpSpPr>
+        <p:cNvPr id="1" name=""/>
+        <p:cNvGrpSpPr/>
+        <p:nvPr/>
+      </p:nvGrpSpPr>
+      <p:grpSpPr>
+        <a:xfrm>
+          <a:off x="0" y="0"/>
+          <a:ext cx="0" cy="0"/>
+          <a:chOff x="0" y="0"/>
+          <a:chExt cx="0" cy="0"/>
+        </a:xfrm>
+      </p:grpSpPr>
+      <p:sp>
+        <p:nvSpPr>
+          <p:cNvPr id="12" name="Rechthoek 11">
+            <a:extLst>
+              <a:ext uri="{FF2B5EF4-FFF2-40B4-BE49-F238E27FC236}">
+                <a16:creationId xmlns:a16="http://schemas.microsoft.com/office/drawing/2014/main" id="{61762375-FDCF-446A-B820-390AF79951E3}"/>
+              </a:ext>
+            </a:extLst>
+          </p:cNvPr>
+          <p:cNvSpPr/>
+          <p:nvPr/>
+        </p:nvSpPr>
+        <p:spPr>
+          <a:xfrm>
+            <a:off x="11285220" y="6012180"/>
+            <a:ext cx="906780" cy="838200"/>
+          </a:xfrm>
+          <a:prstGeom prst="rect">
+            <a:avLst/>
+          </a:prstGeom>
+          <a:solidFill>
+            <a:schemeClr val="bg1"/>
+          </a:solidFill>
+          <a:ln>
+            <a:solidFill>
+              <a:schemeClr val="bg1"/>
+            </a:solidFill>
+          </a:ln>
+        </p:spPr>
+        <p:style>
+          <a:lnRef idx="2">
+            <a:schemeClr val="accent1">
+              <a:shade val="50000"/>
+            </a:schemeClr>
+          </a:lnRef>
+          <a:fillRef idx="1">
+            <a:schemeClr val="accent1"/>
+          </a:fillRef>
+          <a:effectRef idx="0">
+            <a:schemeClr val="accent1"/>
+          </a:effectRef>
+          <a:fontRef idx="minor">
+            <a:schemeClr val="lt1"/>
+          </a:fontRef>
+        </p:style>
+        <p:txBody>
+          <a:bodyPr rtlCol="0" anchor="ctr"/>
+          <a:lstStyle/>
+          <a:p>
+            <a:pPr algn="ctr"/>
+            <a:endParaRPr lang="nl-NL"/>
+          </a:p>
+        </p:txBody>
+      </p:sp>
+      <p:pic>
+        <p:nvPicPr>
+          <p:cNvPr id="10" name="Tijdelijke aanduiding voor inhoud 9" descr="Afbeelding met buiten, boom, lucht, natuur&#10;&#10;Automatisch gegenereerde beschrijving">
+            <a:extLst>
+              <a:ext uri="{FF2B5EF4-FFF2-40B4-BE49-F238E27FC236}">
+                <a16:creationId xmlns:a16="http://schemas.microsoft.com/office/drawing/2014/main" id="{923BCDBA-11CB-462F-A793-E4BCA57F13F5}"/>
+              </a:ext>
+            </a:extLst>
+          </p:cNvPr>
+          <p:cNvPicPr>
+            <a:picLocks noGrp="1" noChangeAspect="1"/>
+          </p:cNvPicPr>
+          <p:nvPr>
+            <p:ph type="pic" sz="quarter" idx="18"/>
+          </p:nvPr>
+        </p:nvPicPr>
+        <p:blipFill rotWithShape="1">
+          <a:blip r:embed="rId2">
+            <a:alphaModFix/>
+            <a:extLst>
+              <a:ext uri="{28A0092B-C50C-407E-A947-70E740481C1C}">
+                <a14:useLocalDpi xmlns:a14="http://schemas.microsoft.com/office/drawing/2010/main" val="0"/>
+              </a:ext>
+            </a:extLst>
+          </a:blip>
+          <a:srcRect t="1298" b="1298"/>
+          <a:stretch/>
+        </p:blipFill>
+        <p:spPr>
+          <a:xfrm>
+            <a:off x="6592569" y="1557122"/>
+            <a:ext cx="4977699" cy="3634601"/>
+          </a:xfrm>
+          <a:noFill/>
+        </p:spPr>
+      </p:pic>
+      <p:sp>
+        <p:nvSpPr>
+          <p:cNvPr id="22" name="Text Placeholder 2">
+            <a:extLst>
+              <a:ext uri="{FF2B5EF4-FFF2-40B4-BE49-F238E27FC236}">
+                <a16:creationId xmlns:a16="http://schemas.microsoft.com/office/drawing/2014/main" id="{E5C0D1AF-0886-ED3E-4B41-D2FE4052A5EA}"/>
+              </a:ext>
+            </a:extLst>
+          </p:cNvPr>
+          <p:cNvSpPr>
+            <a:spLocks noGrp="1"/>
+          </p:cNvSpPr>
+          <p:nvPr>
+            <p:ph type="body" sz="quarter" idx="19"/>
+          </p:nvPr>
+        </p:nvSpPr>
+        <p:spPr/>
+        <p:txBody>
+          <a:bodyPr/>
+          <a:lstStyle/>
+          <a:p>
+            <a:r>
+              <a:rPr lang="en-US" dirty="0"/>
+              <a:t>IT Consultant</a:t>
+            </a:r>
+          </a:p>
+        </p:txBody>
+      </p:sp>
+      <p:sp>
+        <p:nvSpPr>
+          <p:cNvPr id="24" name="Text Placeholder 3">
+            <a:extLst>
+              <a:ext uri="{FF2B5EF4-FFF2-40B4-BE49-F238E27FC236}">
+                <a16:creationId xmlns:a16="http://schemas.microsoft.com/office/drawing/2014/main" id="{4C86A4CC-A1EE-19F7-04FB-EC08E5A63925}"/>
+              </a:ext>
+            </a:extLst>
+          </p:cNvPr>
+          <p:cNvSpPr>
+            <a:spLocks noGrp="1"/>
+          </p:cNvSpPr>
+          <p:nvPr>
+            <p:ph type="body" sz="quarter" idx="28"/>
+          </p:nvPr>
+        </p:nvSpPr>
+        <p:spPr/>
+        <p:txBody>
+          <a:bodyPr/>
+          <a:lstStyle/>
+          <a:p>
+            <a:r>
+              <a:rPr lang="en-US" dirty="0"/>
+              <a:t>raoul.vandenberge@infosupport.com</a:t>
+            </a:r>
+          </a:p>
+        </p:txBody>
+      </p:sp>
+      <p:sp>
+        <p:nvSpPr>
+          <p:cNvPr id="17" name="Title 4">
+            <a:extLst>
+              <a:ext uri="{FF2B5EF4-FFF2-40B4-BE49-F238E27FC236}">
+                <a16:creationId xmlns:a16="http://schemas.microsoft.com/office/drawing/2014/main" id="{C1702AA9-E252-2985-B0BE-D1058CA7CA97}"/>
+              </a:ext>
+            </a:extLst>
+          </p:cNvPr>
+          <p:cNvSpPr>
+            <a:spLocks noGrp="1"/>
+          </p:cNvSpPr>
+          <p:nvPr>
+            <p:ph type="title"/>
+          </p:nvPr>
+        </p:nvSpPr>
+        <p:spPr/>
+        <p:txBody>
+          <a:bodyPr anchor="t">
+            <a:normAutofit/>
+          </a:bodyPr>
+          <a:lstStyle/>
+          <a:p>
+            <a:r>
+              <a:rPr lang="en-US" dirty="0"/>
+              <a:t>Raoul Van den Berge</a:t>
+            </a:r>
+          </a:p>
+        </p:txBody>
+      </p:sp>
+      <p:sp>
+        <p:nvSpPr>
+          <p:cNvPr id="26" name="Text Placeholder 5">
+            <a:extLst>
+              <a:ext uri="{FF2B5EF4-FFF2-40B4-BE49-F238E27FC236}">
+                <a16:creationId xmlns:a16="http://schemas.microsoft.com/office/drawing/2014/main" id="{45579C99-4E65-7D71-E588-73F40950DDD9}"/>
+              </a:ext>
+            </a:extLst>
+          </p:cNvPr>
+          <p:cNvSpPr>
+            <a:spLocks noGrp="1"/>
+          </p:cNvSpPr>
+          <p:nvPr>
+            <p:ph type="body" sz="quarter" idx="29"/>
+          </p:nvPr>
+        </p:nvSpPr>
+        <p:spPr/>
+        <p:txBody>
+          <a:bodyPr/>
+          <a:lstStyle/>
+          <a:p>
+            <a:r>
+              <a:rPr lang="en-US" dirty="0"/>
+              <a:t>Graduated from </a:t>
+            </a:r>
+            <a:r>
+              <a:rPr lang="en-US" dirty="0" err="1"/>
+              <a:t>KdG</a:t>
+            </a:r>
+            <a:r>
+              <a:rPr lang="en-US" dirty="0"/>
+              <a:t> in 2020</a:t>
+            </a:r>
+          </a:p>
+        </p:txBody>
+      </p:sp>
+    </p:spTree>
+    <p:extLst>
+      <p:ext uri="{BB962C8B-B14F-4D97-AF65-F5344CB8AC3E}">
+        <p14:creationId xmlns:p14="http://schemas.microsoft.com/office/powerpoint/2010/main" val="2921909092"/>
+      </p:ext>
+    </p:extLst>
+  </p:cSld>
+  <p:clrMapOvr>
+    <a:masterClrMapping/>
+  </p:clrMapOvr>
+</p:sld>
+</file>
+
+<file path=ppt/slides/slide20.xml><?xml version="1.0" encoding="utf-8"?>
+<p:sld xmlns:a="http://schemas.openxmlformats.org/drawingml/2006/main" xmlns:r="http://schemas.openxmlformats.org/officeDocument/2006/relationships" xmlns:p="http://schemas.openxmlformats.org/presentationml/2006/main">
+  <p:cSld>
+    <p:bg>
+      <p:bgPr>
+        <a:solidFill>
+          <a:schemeClr val="bg1"/>
+        </a:solidFill>
+        <a:effectLst/>
+      </p:bgPr>
+    </p:bg>
+    <p:spTree>
+      <p:nvGrpSpPr>
+        <p:cNvPr id="1" name=""/>
+        <p:cNvGrpSpPr/>
+        <p:nvPr/>
+      </p:nvGrpSpPr>
+      <p:grpSpPr>
+        <a:xfrm>
+          <a:off x="0" y="0"/>
+          <a:ext cx="0" cy="0"/>
+          <a:chOff x="0" y="0"/>
+          <a:chExt cx="0" cy="0"/>
+        </a:xfrm>
+      </p:grpSpPr>
+      <p:pic>
+        <p:nvPicPr>
+          <p:cNvPr id="6146" name="Picture 2" descr="OpenSessionInView">
+            <a:extLst>
+              <a:ext uri="{FF2B5EF4-FFF2-40B4-BE49-F238E27FC236}">
+                <a16:creationId xmlns:a16="http://schemas.microsoft.com/office/drawing/2014/main" id="{82D475C1-832F-451A-B962-426EA018678D}"/>
+              </a:ext>
+            </a:extLst>
+          </p:cNvPr>
+          <p:cNvPicPr>
+            <a:picLocks noChangeAspect="1" noChangeArrowheads="1"/>
+          </p:cNvPicPr>
+          <p:nvPr/>
+        </p:nvPicPr>
+        <p:blipFill>
+          <a:blip r:embed="rId2">
+            <a:extLst>
+              <a:ext uri="{28A0092B-C50C-407E-A947-70E740481C1C}">
+                <a14:useLocalDpi xmlns:a14="http://schemas.microsoft.com/office/drawing/2010/main" val="0"/>
+              </a:ext>
+            </a:extLst>
+          </a:blip>
+          <a:stretch>
+            <a:fillRect/>
+          </a:stretch>
+        </p:blipFill>
+        <p:spPr bwMode="auto">
+          <a:xfrm>
+            <a:off x="1968377" y="2029211"/>
+            <a:ext cx="8255245" cy="3632309"/>
+          </a:xfrm>
+          <a:prstGeom prst="rect">
+            <a:avLst/>
+          </a:prstGeom>
+          <a:solidFill>
+            <a:srgbClr val="FFFFFF"/>
+          </a:solidFill>
+        </p:spPr>
+      </p:pic>
+      <p:sp>
+        <p:nvSpPr>
+          <p:cNvPr id="11" name="Title 1">
+            <a:extLst>
+              <a:ext uri="{FF2B5EF4-FFF2-40B4-BE49-F238E27FC236}">
+                <a16:creationId xmlns:a16="http://schemas.microsoft.com/office/drawing/2014/main" id="{51612DA1-DB43-7E72-A4EA-4B95C807605F}"/>
+              </a:ext>
+            </a:extLst>
+          </p:cNvPr>
+          <p:cNvSpPr>
+            <a:spLocks noGrp="1"/>
+          </p:cNvSpPr>
+          <p:nvPr>
+            <p:ph type="title"/>
+          </p:nvPr>
+        </p:nvSpPr>
+        <p:spPr/>
+        <p:txBody>
+          <a:bodyPr anchor="t">
+            <a:normAutofit/>
+          </a:bodyPr>
+          <a:lstStyle/>
+          <a:p>
+            <a:r>
+              <a:rPr lang="en-US" dirty="0"/>
+              <a:t>Open Session in View (OSIV)</a:t>
+            </a:r>
+          </a:p>
+        </p:txBody>
+      </p:sp>
+      <p:cxnSp>
+        <p:nvCxnSpPr>
+          <p:cNvPr id="3" name="Rechte verbindingslijn met pijl 2">
+            <a:extLst>
+              <a:ext uri="{FF2B5EF4-FFF2-40B4-BE49-F238E27FC236}">
+                <a16:creationId xmlns:a16="http://schemas.microsoft.com/office/drawing/2014/main" id="{C4C59088-CD72-6918-F1DB-EE9C7C0CA963}"/>
+              </a:ext>
+            </a:extLst>
+          </p:cNvPr>
+          <p:cNvCxnSpPr>
+            <a:cxnSpLocks/>
+          </p:cNvCxnSpPr>
+          <p:nvPr/>
+        </p:nvCxnSpPr>
+        <p:spPr>
+          <a:xfrm flipH="1">
+            <a:off x="2560320" y="1785769"/>
+            <a:ext cx="537882" cy="143422"/>
+          </a:xfrm>
+          <a:prstGeom prst="straightConnector1">
+            <a:avLst/>
+          </a:prstGeom>
+          <a:ln>
+            <a:tailEnd type="triangle"/>
+          </a:ln>
+        </p:spPr>
+        <p:style>
+          <a:lnRef idx="1">
+            <a:schemeClr val="accent1"/>
+          </a:lnRef>
+          <a:fillRef idx="0">
+            <a:schemeClr val="accent1"/>
+          </a:fillRef>
+          <a:effectRef idx="0">
+            <a:schemeClr val="accent1"/>
+          </a:effectRef>
+          <a:fontRef idx="minor">
+            <a:schemeClr val="tx1"/>
+          </a:fontRef>
+        </p:style>
+      </p:cxnSp>
+      <p:sp>
+        <p:nvSpPr>
+          <p:cNvPr id="7" name="Tekstvak 6">
+            <a:extLst>
+              <a:ext uri="{FF2B5EF4-FFF2-40B4-BE49-F238E27FC236}">
+                <a16:creationId xmlns:a16="http://schemas.microsoft.com/office/drawing/2014/main" id="{EAB367E4-B65D-0EF2-810D-5838EA68F729}"/>
+              </a:ext>
+            </a:extLst>
+          </p:cNvPr>
+          <p:cNvSpPr txBox="1"/>
+          <p:nvPr/>
+        </p:nvSpPr>
+        <p:spPr>
+          <a:xfrm>
+            <a:off x="3098202" y="1559859"/>
+            <a:ext cx="4378362" cy="369332"/>
+          </a:xfrm>
+          <a:prstGeom prst="rect">
+            <a:avLst/>
+          </a:prstGeom>
+          <a:noFill/>
+        </p:spPr>
+        <p:txBody>
+          <a:bodyPr wrap="square" rtlCol="0">
+            <a:spAutoFit/>
+          </a:bodyPr>
+          <a:lstStyle/>
+          <a:p>
+            <a:r>
+              <a:rPr lang="nl-BE" dirty="0"/>
+              <a:t>Filters are a concept of Spring Web</a:t>
+            </a:r>
+            <a:endParaRPr lang="nl-NL" dirty="0"/>
+          </a:p>
+        </p:txBody>
+      </p:sp>
+      <p:pic>
+        <p:nvPicPr>
+          <p:cNvPr id="2" name="Picture 2" descr="22,947 Demo Foto's, Afbeeldingen en Stock Fotografie - 123RF">
+            <a:extLst>
+              <a:ext uri="{FF2B5EF4-FFF2-40B4-BE49-F238E27FC236}">
+                <a16:creationId xmlns:a16="http://schemas.microsoft.com/office/drawing/2014/main" id="{97972F1C-1FFD-981A-93B8-37B5BC292102}"/>
+              </a:ext>
+            </a:extLst>
+          </p:cNvPr>
+          <p:cNvPicPr>
+            <a:picLocks noChangeAspect="1" noChangeArrowheads="1"/>
+          </p:cNvPicPr>
+          <p:nvPr/>
+        </p:nvPicPr>
+        <p:blipFill>
+          <a:blip r:embed="rId3">
+            <a:extLst>
+              <a:ext uri="{28A0092B-C50C-407E-A947-70E740481C1C}">
+                <a14:useLocalDpi xmlns:a14="http://schemas.microsoft.com/office/drawing/2010/main" val="0"/>
+              </a:ext>
+            </a:extLst>
+          </a:blip>
+          <a:srcRect/>
+          <a:stretch>
+            <a:fillRect/>
+          </a:stretch>
+        </p:blipFill>
+        <p:spPr bwMode="auto">
+          <a:xfrm>
+            <a:off x="10059668" y="5661520"/>
+            <a:ext cx="1923011" cy="952959"/>
+          </a:xfrm>
+          <a:prstGeom prst="rect">
+            <a:avLst/>
+          </a:prstGeom>
+          <a:noFill/>
+          <a:extLst>
+            <a:ext uri="{909E8E84-426E-40DD-AFC4-6F175D3DCCD1}">
+              <a14:hiddenFill xmlns:a14="http://schemas.microsoft.com/office/drawing/2010/main">
+                <a:solidFill>
+                  <a:srgbClr val="FFFFFF"/>
+                </a:solidFill>
+              </a14:hiddenFill>
+            </a:ext>
+          </a:extLst>
+        </p:spPr>
+      </p:pic>
+    </p:spTree>
+    <p:extLst>
+      <p:ext uri="{BB962C8B-B14F-4D97-AF65-F5344CB8AC3E}">
+        <p14:creationId xmlns:p14="http://schemas.microsoft.com/office/powerpoint/2010/main" val="4016722279"/>
+      </p:ext>
+    </p:extLst>
+  </p:cSld>
+  <p:clrMapOvr>
+    <a:masterClrMapping/>
+  </p:clrMapOvr>
 </p:sld>
 </file>
 
@@ -30762,7 +30817,7 @@
             </a:pPr>
             <a:r>
               <a:rPr lang="en-US" sz="2800" dirty="0"/>
-              <a:t>You’d lose the connection after getting a result back from the repository.</a:t>
+              <a:t>You’d lose the session after getting a result back from the repository.</a:t>
             </a:r>
           </a:p>
           <a:p>
@@ -40810,21 +40865,12 @@
 </file>
 
 <file path=customXml/item1.xml><?xml version="1.0" encoding="utf-8"?>
-<?mso-contentType ?>
-<FormTemplates xmlns="http://schemas.microsoft.com/sharepoint/v3/contenttype/forms">
-  <Display>DocumentLibraryForm</Display>
-  <Edit>DocumentLibraryForm</Edit>
-  <New>DocumentLibraryForm</New>
-</FormTemplates>
-</file>
-
-<file path=customXml/item2.xml><?xml version="1.0" encoding="utf-8"?>
 <p:properties xmlns:p="http://schemas.microsoft.com/office/2006/metadata/properties" xmlns:xsi="http://www.w3.org/2001/XMLSchema-instance" xmlns:pc="http://schemas.microsoft.com/office/infopath/2007/PartnerControls">
   <documentManagement/>
 </p:properties>
 </file>
 
-<file path=customXml/item3.xml><?xml version="1.0" encoding="utf-8"?>
+<file path=customXml/item2.xml><?xml version="1.0" encoding="utf-8"?>
 <ct:contentTypeSchema xmlns:ct="http://schemas.microsoft.com/office/2006/metadata/contentType" xmlns:ma="http://schemas.microsoft.com/office/2006/metadata/properties/metaAttributes" ct:_="" ma:_="" ma:contentTypeName="Document" ma:contentTypeID="0x0101000858805C9A31ED4698AA5994F7540466" ma:contentTypeVersion="1" ma:contentTypeDescription="Een nieuw document maken." ma:contentTypeScope="" ma:versionID="5cab34e6f8d54d32c51f192539e9981c">
   <xsd:schema xmlns:xsd="http://www.w3.org/2001/XMLSchema" xmlns:xs="http://www.w3.org/2001/XMLSchema" xmlns:p="http://schemas.microsoft.com/office/2006/metadata/properties" xmlns:ns2="a73fd6a0-a740-4ca0-a47f-6beba88ccc77" targetNamespace="http://schemas.microsoft.com/office/2006/metadata/properties" ma:root="true" ma:fieldsID="10b3ae9c115bae24efdfd9076c93080b" ns2:_="">
     <xsd:import namespace="a73fd6a0-a740-4ca0-a47f-6beba88ccc77"/>
@@ -40964,15 +41010,16 @@
 </ct:contentTypeSchema>
 </file>
 
-<file path=customXml/itemProps1.xml><?xml version="1.0" encoding="utf-8"?>
-<ds:datastoreItem xmlns:ds="http://schemas.openxmlformats.org/officeDocument/2006/customXml" ds:itemID="{4522A51C-073F-4C45-9170-ECE5951F4DEA}">
-  <ds:schemaRefs>
-    <ds:schemaRef ds:uri="http://schemas.microsoft.com/sharepoint/v3/contenttype/forms"/>
-  </ds:schemaRefs>
-</ds:datastoreItem>
+<file path=customXml/item3.xml><?xml version="1.0" encoding="utf-8"?>
+<?mso-contentType ?>
+<FormTemplates xmlns="http://schemas.microsoft.com/sharepoint/v3/contenttype/forms">
+  <Display>DocumentLibraryForm</Display>
+  <Edit>DocumentLibraryForm</Edit>
+  <New>DocumentLibraryForm</New>
+</FormTemplates>
 </file>
 
-<file path=customXml/itemProps2.xml><?xml version="1.0" encoding="utf-8"?>
+<file path=customXml/itemProps1.xml><?xml version="1.0" encoding="utf-8"?>
 <ds:datastoreItem xmlns:ds="http://schemas.openxmlformats.org/officeDocument/2006/customXml" ds:itemID="{F8AE8C2F-0717-4D42-B44A-CAECCF122A1A}">
   <ds:schemaRefs>
     <ds:schemaRef ds:uri="http://schemas.microsoft.com/office/infopath/2007/PartnerControls"/>
@@ -40988,7 +41035,7 @@
 </ds:datastoreItem>
 </file>
 
-<file path=customXml/itemProps3.xml><?xml version="1.0" encoding="utf-8"?>
+<file path=customXml/itemProps2.xml><?xml version="1.0" encoding="utf-8"?>
 <ds:datastoreItem xmlns:ds="http://schemas.openxmlformats.org/officeDocument/2006/customXml" ds:itemID="{9AC0CDE9-3E35-44FD-A63A-9795CF527D47}">
   <ds:schemaRefs>
     <ds:schemaRef ds:uri="http://schemas.microsoft.com/office/2006/metadata/contentType"/>
@@ -41004,4 +41051,12 @@
     <ds:schemaRef ds:uri="http://schemas.microsoft.com/internal/obd"/>
   </ds:schemaRefs>
 </ds:datastoreItem>
+</file>
+
+<file path=customXml/itemProps3.xml><?xml version="1.0" encoding="utf-8"?>
+<ds:datastoreItem xmlns:ds="http://schemas.openxmlformats.org/officeDocument/2006/customXml" ds:itemID="{4522A51C-073F-4C45-9170-ECE5951F4DEA}">
+  <ds:schemaRefs>
+    <ds:schemaRef ds:uri="http://schemas.microsoft.com/sharepoint/v3/contenttype/forms"/>
+  </ds:schemaRefs>
+</ds:datastoreItem>
 </file>
--- a/slides.pptx
+++ b/slides.pptx
@@ -27765,6 +27765,10 @@
               </a:spcAft>
             </a:pPr>
             <a:r>
+              <a:rPr lang="en-US" dirty="0"/>
+              <a:t>Normally, calling </a:t>
+            </a:r>
+            <a:r>
               <a:rPr lang="en-US" dirty="0" err="1">
                 <a:latin typeface="Courier New" panose="02070309020205020404" pitchFamily="49" charset="0"/>
                 <a:cs typeface="Courier New" panose="02070309020205020404" pitchFamily="49" charset="0"/>
@@ -27773,7 +27777,7 @@
             </a:r>
             <a:r>
               <a:rPr lang="en-US" dirty="0"/>
-              <a:t> only keeps the database session open when retrieving the initial entity (the post).</a:t>
+              <a:t> will shortly open and close a database connection.</a:t>
             </a:r>
           </a:p>
           <a:p>
@@ -27784,15 +27788,34 @@
             </a:pPr>
             <a:r>
               <a:rPr lang="en-US" dirty="0"/>
-              <a:t>Open Session in View ensures that a database session is active </a:t>
+              <a:t>If we’d try to load a lazy association (the post comments) we’d get an exception because there is no </a:t>
+            </a:r>
+            <a:r>
+              <a:rPr lang="en-US"/>
+              <a:t>database connection </a:t>
+            </a:r>
+            <a:r>
+              <a:rPr lang="en-US" dirty="0"/>
+              <a:t>open anymore.</a:t>
+            </a:r>
+          </a:p>
+          <a:p>
+            <a:pPr>
+              <a:spcAft>
+                <a:spcPts val="600"/>
+              </a:spcAft>
+            </a:pPr>
+            <a:r>
+              <a:rPr lang="en-US" dirty="0"/>
+              <a:t>Open Session in View ensures that a database session is open </a:t>
             </a:r>
             <a:r>
               <a:rPr lang="en-US" b="1" dirty="0"/>
-              <a:t>throughout the entire web request </a:t>
+              <a:t>throughout the entire web request</a:t>
             </a:r>
             <a:r>
               <a:rPr lang="en-US" dirty="0"/>
-              <a:t>– so that we can retrieve the lazy loaded collections in the same database session  (the post comments). </a:t>
+              <a:t>.</a:t>
             </a:r>
           </a:p>
           <a:p>
@@ -27979,6 +28002,55 @@
                                           <p:spTgt spid="13">
                                             <p:txEl>
                                               <p:pRg st="2" end="2"/>
+                                            </p:txEl>
+                                          </p:spTgt>
+                                        </p:tgtEl>
+                                        <p:attrNameLst>
+                                          <p:attrName>style.visibility</p:attrName>
+                                        </p:attrNameLst>
+                                      </p:cBhvr>
+                                      <p:to>
+                                        <p:strVal val="visible"/>
+                                      </p:to>
+                                    </p:set>
+                                  </p:childTnLst>
+                                </p:cTn>
+                              </p:par>
+                            </p:childTnLst>
+                          </p:cTn>
+                        </p:par>
+                      </p:childTnLst>
+                    </p:cTn>
+                  </p:par>
+                  <p:par>
+                    <p:cTn id="15" fill="hold">
+                      <p:stCondLst>
+                        <p:cond delay="indefinite"/>
+                      </p:stCondLst>
+                      <p:childTnLst>
+                        <p:par>
+                          <p:cTn id="16" fill="hold">
+                            <p:stCondLst>
+                              <p:cond delay="0"/>
+                            </p:stCondLst>
+                            <p:childTnLst>
+                              <p:par>
+                                <p:cTn id="17" presetID="1" presetClass="entr" presetSubtype="0" fill="hold" grpId="0" nodeType="clickEffect">
+                                  <p:stCondLst>
+                                    <p:cond delay="0"/>
+                                  </p:stCondLst>
+                                  <p:childTnLst>
+                                    <p:set>
+                                      <p:cBhvr>
+                                        <p:cTn id="18" dur="1" fill="hold">
+                                          <p:stCondLst>
+                                            <p:cond delay="0"/>
+                                          </p:stCondLst>
+                                        </p:cTn>
+                                        <p:tgtEl>
+                                          <p:spTgt spid="13">
+                                            <p:txEl>
+                                              <p:pRg st="3" end="3"/>
                                             </p:txEl>
                                           </p:spTgt>
                                         </p:tgtEl>
@@ -40865,12 +40937,6 @@
 </file>
 
 <file path=customXml/item1.xml><?xml version="1.0" encoding="utf-8"?>
-<p:properties xmlns:p="http://schemas.microsoft.com/office/2006/metadata/properties" xmlns:xsi="http://www.w3.org/2001/XMLSchema-instance" xmlns:pc="http://schemas.microsoft.com/office/infopath/2007/PartnerControls">
-  <documentManagement/>
-</p:properties>
-</file>
-
-<file path=customXml/item2.xml><?xml version="1.0" encoding="utf-8"?>
 <ct:contentTypeSchema xmlns:ct="http://schemas.microsoft.com/office/2006/metadata/contentType" xmlns:ma="http://schemas.microsoft.com/office/2006/metadata/properties/metaAttributes" ct:_="" ma:_="" ma:contentTypeName="Document" ma:contentTypeID="0x0101000858805C9A31ED4698AA5994F7540466" ma:contentTypeVersion="1" ma:contentTypeDescription="Een nieuw document maken." ma:contentTypeScope="" ma:versionID="5cab34e6f8d54d32c51f192539e9981c">
   <xsd:schema xmlns:xsd="http://www.w3.org/2001/XMLSchema" xmlns:xs="http://www.w3.org/2001/XMLSchema" xmlns:p="http://schemas.microsoft.com/office/2006/metadata/properties" xmlns:ns2="a73fd6a0-a740-4ca0-a47f-6beba88ccc77" targetNamespace="http://schemas.microsoft.com/office/2006/metadata/properties" ma:root="true" ma:fieldsID="10b3ae9c115bae24efdfd9076c93080b" ns2:_="">
     <xsd:import namespace="a73fd6a0-a740-4ca0-a47f-6beba88ccc77"/>
@@ -41010,7 +41076,7 @@
 </ct:contentTypeSchema>
 </file>
 
-<file path=customXml/item3.xml><?xml version="1.0" encoding="utf-8"?>
+<file path=customXml/item2.xml><?xml version="1.0" encoding="utf-8"?>
 <?mso-contentType ?>
 <FormTemplates xmlns="http://schemas.microsoft.com/sharepoint/v3/contenttype/forms">
   <Display>DocumentLibraryForm</Display>
@@ -41019,23 +41085,13 @@
 </FormTemplates>
 </file>
 
-<file path=customXml/itemProps1.xml><?xml version="1.0" encoding="utf-8"?>
-<ds:datastoreItem xmlns:ds="http://schemas.openxmlformats.org/officeDocument/2006/customXml" ds:itemID="{F8AE8C2F-0717-4D42-B44A-CAECCF122A1A}">
-  <ds:schemaRefs>
-    <ds:schemaRef ds:uri="http://schemas.microsoft.com/office/infopath/2007/PartnerControls"/>
-    <ds:schemaRef ds:uri="http://www.w3.org/XML/1998/namespace"/>
-    <ds:schemaRef ds:uri="http://purl.org/dc/terms/"/>
-    <ds:schemaRef ds:uri="http://purl.org/dc/elements/1.1/"/>
-    <ds:schemaRef ds:uri="http://purl.org/dc/dcmitype/"/>
-    <ds:schemaRef ds:uri="http://schemas.microsoft.com/office/2006/documentManagement/types"/>
-    <ds:schemaRef ds:uri="http://schemas.openxmlformats.org/package/2006/metadata/core-properties"/>
-    <ds:schemaRef ds:uri="a73fd6a0-a740-4ca0-a47f-6beba88ccc77"/>
-    <ds:schemaRef ds:uri="http://schemas.microsoft.com/office/2006/metadata/properties"/>
-  </ds:schemaRefs>
-</ds:datastoreItem>
+<file path=customXml/item3.xml><?xml version="1.0" encoding="utf-8"?>
+<p:properties xmlns:p="http://schemas.microsoft.com/office/2006/metadata/properties" xmlns:xsi="http://www.w3.org/2001/XMLSchema-instance" xmlns:pc="http://schemas.microsoft.com/office/infopath/2007/PartnerControls">
+  <documentManagement/>
+</p:properties>
 </file>
 
-<file path=customXml/itemProps2.xml><?xml version="1.0" encoding="utf-8"?>
+<file path=customXml/itemProps1.xml><?xml version="1.0" encoding="utf-8"?>
 <ds:datastoreItem xmlns:ds="http://schemas.openxmlformats.org/officeDocument/2006/customXml" ds:itemID="{9AC0CDE9-3E35-44FD-A63A-9795CF527D47}">
   <ds:schemaRefs>
     <ds:schemaRef ds:uri="http://schemas.microsoft.com/office/2006/metadata/contentType"/>
@@ -41053,10 +41109,26 @@
 </ds:datastoreItem>
 </file>
 
-<file path=customXml/itemProps3.xml><?xml version="1.0" encoding="utf-8"?>
+<file path=customXml/itemProps2.xml><?xml version="1.0" encoding="utf-8"?>
 <ds:datastoreItem xmlns:ds="http://schemas.openxmlformats.org/officeDocument/2006/customXml" ds:itemID="{4522A51C-073F-4C45-9170-ECE5951F4DEA}">
   <ds:schemaRefs>
     <ds:schemaRef ds:uri="http://schemas.microsoft.com/sharepoint/v3/contenttype/forms"/>
   </ds:schemaRefs>
 </ds:datastoreItem>
+</file>
+
+<file path=customXml/itemProps3.xml><?xml version="1.0" encoding="utf-8"?>
+<ds:datastoreItem xmlns:ds="http://schemas.openxmlformats.org/officeDocument/2006/customXml" ds:itemID="{F8AE8C2F-0717-4D42-B44A-CAECCF122A1A}">
+  <ds:schemaRefs>
+    <ds:schemaRef ds:uri="http://schemas.microsoft.com/office/infopath/2007/PartnerControls"/>
+    <ds:schemaRef ds:uri="http://www.w3.org/XML/1998/namespace"/>
+    <ds:schemaRef ds:uri="http://purl.org/dc/terms/"/>
+    <ds:schemaRef ds:uri="http://purl.org/dc/elements/1.1/"/>
+    <ds:schemaRef ds:uri="http://purl.org/dc/dcmitype/"/>
+    <ds:schemaRef ds:uri="http://schemas.microsoft.com/office/2006/documentManagement/types"/>
+    <ds:schemaRef ds:uri="http://schemas.openxmlformats.org/package/2006/metadata/core-properties"/>
+    <ds:schemaRef ds:uri="a73fd6a0-a740-4ca0-a47f-6beba88ccc77"/>
+    <ds:schemaRef ds:uri="http://schemas.microsoft.com/office/2006/metadata/properties"/>
+  </ds:schemaRefs>
+</ds:datastoreItem>
 </file>